--- a/Literature_to_be_searched.pptx
+++ b/Literature_to_be_searched.pptx
@@ -9,7 +9,8 @@
     <p:sldId id="259" r:id="rId3"/>
     <p:sldId id="258" r:id="rId4"/>
     <p:sldId id="256" r:id="rId5"/>
-    <p:sldId id="260" r:id="rId6"/>
+    <p:sldId id="261" r:id="rId6"/>
+    <p:sldId id="260" r:id="rId7"/>
   </p:sldIdLst>
   <p:sldSz cx="12192000" cy="6858000"/>
   <p:notesSz cx="6858000" cy="9144000"/>
@@ -108,6 +109,11 @@
       </a:defRPr>
     </a:lvl9pPr>
   </p:defaultTextStyle>
+  <p:extLst>
+    <p:ext uri="{EFAFB233-063F-42B5-8137-9DF3F51BA10A}">
+      <p15:sldGuideLst xmlns:p15="http://schemas.microsoft.com/office/powerpoint/2012/main"/>
+    </p:ext>
+  </p:extLst>
 </p:presentation>
 </file>
 
@@ -3100,6 +3106,753 @@
 </file>
 
 <file path=ppt/diagrams/colors5.xml><?xml version="1.0" encoding="utf-8"?>
+<dgm:colorsDef xmlns:dgm="http://schemas.openxmlformats.org/drawingml/2006/diagram" xmlns:a="http://schemas.openxmlformats.org/drawingml/2006/main" uniqueId="urn:microsoft.com/office/officeart/2005/8/colors/accent1_2">
+  <dgm:title val=""/>
+  <dgm:desc val=""/>
+  <dgm:catLst>
+    <dgm:cat type="accent1" pri="11200"/>
+  </dgm:catLst>
+  <dgm:styleLbl name="node0">
+    <dgm:fillClrLst meth="repeat">
+      <a:schemeClr val="accent1"/>
+    </dgm:fillClrLst>
+    <dgm:linClrLst meth="repeat">
+      <a:schemeClr val="lt1"/>
+    </dgm:linClrLst>
+    <dgm:effectClrLst/>
+    <dgm:txLinClrLst/>
+    <dgm:txFillClrLst/>
+    <dgm:txEffectClrLst/>
+  </dgm:styleLbl>
+  <dgm:styleLbl name="alignNode1">
+    <dgm:fillClrLst meth="repeat">
+      <a:schemeClr val="accent1"/>
+    </dgm:fillClrLst>
+    <dgm:linClrLst meth="repeat">
+      <a:schemeClr val="accent1"/>
+    </dgm:linClrLst>
+    <dgm:effectClrLst/>
+    <dgm:txLinClrLst/>
+    <dgm:txFillClrLst/>
+    <dgm:txEffectClrLst/>
+  </dgm:styleLbl>
+  <dgm:styleLbl name="node1">
+    <dgm:fillClrLst meth="repeat">
+      <a:schemeClr val="accent1"/>
+    </dgm:fillClrLst>
+    <dgm:linClrLst meth="repeat">
+      <a:schemeClr val="lt1"/>
+    </dgm:linClrLst>
+    <dgm:effectClrLst/>
+    <dgm:txLinClrLst/>
+    <dgm:txFillClrLst/>
+    <dgm:txEffectClrLst/>
+  </dgm:styleLbl>
+  <dgm:styleLbl name="lnNode1">
+    <dgm:fillClrLst meth="repeat">
+      <a:schemeClr val="accent1"/>
+    </dgm:fillClrLst>
+    <dgm:linClrLst meth="repeat">
+      <a:schemeClr val="lt1"/>
+    </dgm:linClrLst>
+    <dgm:effectClrLst/>
+    <dgm:txLinClrLst/>
+    <dgm:txFillClrLst/>
+    <dgm:txEffectClrLst/>
+  </dgm:styleLbl>
+  <dgm:styleLbl name="vennNode1">
+    <dgm:fillClrLst meth="repeat">
+      <a:schemeClr val="accent1">
+        <a:alpha val="50000"/>
+      </a:schemeClr>
+    </dgm:fillClrLst>
+    <dgm:linClrLst meth="repeat">
+      <a:schemeClr val="lt1"/>
+    </dgm:linClrLst>
+    <dgm:effectClrLst/>
+    <dgm:txLinClrLst/>
+    <dgm:txFillClrLst/>
+    <dgm:txEffectClrLst/>
+  </dgm:styleLbl>
+  <dgm:styleLbl name="node2">
+    <dgm:fillClrLst meth="repeat">
+      <a:schemeClr val="accent1"/>
+    </dgm:fillClrLst>
+    <dgm:linClrLst meth="repeat">
+      <a:schemeClr val="lt1"/>
+    </dgm:linClrLst>
+    <dgm:effectClrLst/>
+    <dgm:txLinClrLst/>
+    <dgm:txFillClrLst/>
+    <dgm:txEffectClrLst/>
+  </dgm:styleLbl>
+  <dgm:styleLbl name="node3">
+    <dgm:fillClrLst meth="repeat">
+      <a:schemeClr val="accent1"/>
+    </dgm:fillClrLst>
+    <dgm:linClrLst meth="repeat">
+      <a:schemeClr val="lt1"/>
+    </dgm:linClrLst>
+    <dgm:effectClrLst/>
+    <dgm:txLinClrLst/>
+    <dgm:txFillClrLst/>
+    <dgm:txEffectClrLst/>
+  </dgm:styleLbl>
+  <dgm:styleLbl name="node4">
+    <dgm:fillClrLst meth="repeat">
+      <a:schemeClr val="accent1"/>
+    </dgm:fillClrLst>
+    <dgm:linClrLst meth="repeat">
+      <a:schemeClr val="lt1"/>
+    </dgm:linClrLst>
+    <dgm:effectClrLst/>
+    <dgm:txLinClrLst/>
+    <dgm:txFillClrLst/>
+    <dgm:txEffectClrLst/>
+  </dgm:styleLbl>
+  <dgm:styleLbl name="fgImgPlace1">
+    <dgm:fillClrLst meth="repeat">
+      <a:schemeClr val="accent1">
+        <a:tint val="50000"/>
+      </a:schemeClr>
+    </dgm:fillClrLst>
+    <dgm:linClrLst meth="repeat">
+      <a:schemeClr val="lt1"/>
+    </dgm:linClrLst>
+    <dgm:effectClrLst/>
+    <dgm:txLinClrLst/>
+    <dgm:txFillClrLst meth="repeat">
+      <a:schemeClr val="lt1"/>
+    </dgm:txFillClrLst>
+    <dgm:txEffectClrLst/>
+  </dgm:styleLbl>
+  <dgm:styleLbl name="alignImgPlace1">
+    <dgm:fillClrLst meth="repeat">
+      <a:schemeClr val="accent1">
+        <a:tint val="50000"/>
+      </a:schemeClr>
+    </dgm:fillClrLst>
+    <dgm:linClrLst meth="repeat">
+      <a:schemeClr val="lt1"/>
+    </dgm:linClrLst>
+    <dgm:effectClrLst/>
+    <dgm:txLinClrLst/>
+    <dgm:txFillClrLst meth="repeat">
+      <a:schemeClr val="lt1"/>
+    </dgm:txFillClrLst>
+    <dgm:txEffectClrLst/>
+  </dgm:styleLbl>
+  <dgm:styleLbl name="bgImgPlace1">
+    <dgm:fillClrLst meth="repeat">
+      <a:schemeClr val="accent1">
+        <a:tint val="50000"/>
+      </a:schemeClr>
+    </dgm:fillClrLst>
+    <dgm:linClrLst meth="repeat">
+      <a:schemeClr val="lt1"/>
+    </dgm:linClrLst>
+    <dgm:effectClrLst/>
+    <dgm:txLinClrLst/>
+    <dgm:txFillClrLst meth="repeat">
+      <a:schemeClr val="lt1"/>
+    </dgm:txFillClrLst>
+    <dgm:txEffectClrLst/>
+  </dgm:styleLbl>
+  <dgm:styleLbl name="sibTrans2D1">
+    <dgm:fillClrLst meth="repeat">
+      <a:schemeClr val="accent1">
+        <a:tint val="60000"/>
+      </a:schemeClr>
+    </dgm:fillClrLst>
+    <dgm:linClrLst meth="repeat">
+      <a:schemeClr val="accent1">
+        <a:tint val="60000"/>
+      </a:schemeClr>
+    </dgm:linClrLst>
+    <dgm:effectClrLst/>
+    <dgm:txLinClrLst/>
+    <dgm:txFillClrLst/>
+    <dgm:txEffectClrLst/>
+  </dgm:styleLbl>
+  <dgm:styleLbl name="fgSibTrans2D1">
+    <dgm:fillClrLst meth="repeat">
+      <a:schemeClr val="accent1">
+        <a:tint val="60000"/>
+      </a:schemeClr>
+    </dgm:fillClrLst>
+    <dgm:linClrLst meth="repeat">
+      <a:schemeClr val="accent1">
+        <a:tint val="60000"/>
+      </a:schemeClr>
+    </dgm:linClrLst>
+    <dgm:effectClrLst/>
+    <dgm:txLinClrLst/>
+    <dgm:txFillClrLst/>
+    <dgm:txEffectClrLst/>
+  </dgm:styleLbl>
+  <dgm:styleLbl name="bgSibTrans2D1">
+    <dgm:fillClrLst meth="repeat">
+      <a:schemeClr val="accent1">
+        <a:tint val="60000"/>
+      </a:schemeClr>
+    </dgm:fillClrLst>
+    <dgm:linClrLst meth="repeat">
+      <a:schemeClr val="accent1">
+        <a:tint val="60000"/>
+      </a:schemeClr>
+    </dgm:linClrLst>
+    <dgm:effectClrLst/>
+    <dgm:txLinClrLst/>
+    <dgm:txFillClrLst/>
+    <dgm:txEffectClrLst/>
+  </dgm:styleLbl>
+  <dgm:styleLbl name="sibTrans1D1">
+    <dgm:fillClrLst meth="repeat">
+      <a:schemeClr val="accent1"/>
+    </dgm:fillClrLst>
+    <dgm:linClrLst meth="repeat">
+      <a:schemeClr val="accent1"/>
+    </dgm:linClrLst>
+    <dgm:effectClrLst/>
+    <dgm:txLinClrLst/>
+    <dgm:txFillClrLst meth="repeat">
+      <a:schemeClr val="tx1"/>
+    </dgm:txFillClrLst>
+    <dgm:txEffectClrLst/>
+  </dgm:styleLbl>
+  <dgm:styleLbl name="callout">
+    <dgm:fillClrLst meth="repeat">
+      <a:schemeClr val="accent1"/>
+    </dgm:fillClrLst>
+    <dgm:linClrLst meth="repeat">
+      <a:schemeClr val="accent1">
+        <a:tint val="50000"/>
+      </a:schemeClr>
+    </dgm:linClrLst>
+    <dgm:effectClrLst/>
+    <dgm:txLinClrLst/>
+    <dgm:txFillClrLst meth="repeat">
+      <a:schemeClr val="tx1"/>
+    </dgm:txFillClrLst>
+    <dgm:txEffectClrLst/>
+  </dgm:styleLbl>
+  <dgm:styleLbl name="asst0">
+    <dgm:fillClrLst meth="repeat">
+      <a:schemeClr val="accent1"/>
+    </dgm:fillClrLst>
+    <dgm:linClrLst meth="repeat">
+      <a:schemeClr val="lt1"/>
+    </dgm:linClrLst>
+    <dgm:effectClrLst/>
+    <dgm:txLinClrLst/>
+    <dgm:txFillClrLst/>
+    <dgm:txEffectClrLst/>
+  </dgm:styleLbl>
+  <dgm:styleLbl name="asst1">
+    <dgm:fillClrLst meth="repeat">
+      <a:schemeClr val="accent1"/>
+    </dgm:fillClrLst>
+    <dgm:linClrLst meth="repeat">
+      <a:schemeClr val="lt1"/>
+    </dgm:linClrLst>
+    <dgm:effectClrLst/>
+    <dgm:txLinClrLst/>
+    <dgm:txFillClrLst/>
+    <dgm:txEffectClrLst/>
+  </dgm:styleLbl>
+  <dgm:styleLbl name="asst2">
+    <dgm:fillClrLst meth="repeat">
+      <a:schemeClr val="accent1"/>
+    </dgm:fillClrLst>
+    <dgm:linClrLst meth="repeat">
+      <a:schemeClr val="lt1"/>
+    </dgm:linClrLst>
+    <dgm:effectClrLst/>
+    <dgm:txLinClrLst/>
+    <dgm:txFillClrLst/>
+    <dgm:txEffectClrLst/>
+  </dgm:styleLbl>
+  <dgm:styleLbl name="asst3">
+    <dgm:fillClrLst meth="repeat">
+      <a:schemeClr val="accent1"/>
+    </dgm:fillClrLst>
+    <dgm:linClrLst meth="repeat">
+      <a:schemeClr val="lt1"/>
+    </dgm:linClrLst>
+    <dgm:effectClrLst/>
+    <dgm:txLinClrLst/>
+    <dgm:txFillClrLst/>
+    <dgm:txEffectClrLst/>
+  </dgm:styleLbl>
+  <dgm:styleLbl name="asst4">
+    <dgm:fillClrLst meth="repeat">
+      <a:schemeClr val="accent1"/>
+    </dgm:fillClrLst>
+    <dgm:linClrLst meth="repeat">
+      <a:schemeClr val="lt1"/>
+    </dgm:linClrLst>
+    <dgm:effectClrLst/>
+    <dgm:txLinClrLst/>
+    <dgm:txFillClrLst/>
+    <dgm:txEffectClrLst/>
+  </dgm:styleLbl>
+  <dgm:styleLbl name="parChTrans2D1">
+    <dgm:fillClrLst meth="repeat">
+      <a:schemeClr val="accent1">
+        <a:tint val="60000"/>
+      </a:schemeClr>
+    </dgm:fillClrLst>
+    <dgm:linClrLst meth="repeat">
+      <a:schemeClr val="accent1">
+        <a:tint val="60000"/>
+      </a:schemeClr>
+    </dgm:linClrLst>
+    <dgm:effectClrLst/>
+    <dgm:txLinClrLst/>
+    <dgm:txFillClrLst meth="repeat">
+      <a:schemeClr val="lt1"/>
+    </dgm:txFillClrLst>
+    <dgm:txEffectClrLst/>
+  </dgm:styleLbl>
+  <dgm:styleLbl name="parChTrans2D2">
+    <dgm:fillClrLst meth="repeat">
+      <a:schemeClr val="accent1"/>
+    </dgm:fillClrLst>
+    <dgm:linClrLst meth="repeat">
+      <a:schemeClr val="accent1"/>
+    </dgm:linClrLst>
+    <dgm:effectClrLst/>
+    <dgm:txLinClrLst/>
+    <dgm:txFillClrLst meth="repeat">
+      <a:schemeClr val="lt1"/>
+    </dgm:txFillClrLst>
+    <dgm:txEffectClrLst/>
+  </dgm:styleLbl>
+  <dgm:styleLbl name="parChTrans2D3">
+    <dgm:fillClrLst meth="repeat">
+      <a:schemeClr val="accent1"/>
+    </dgm:fillClrLst>
+    <dgm:linClrLst meth="repeat">
+      <a:schemeClr val="accent1"/>
+    </dgm:linClrLst>
+    <dgm:effectClrLst/>
+    <dgm:txLinClrLst/>
+    <dgm:txFillClrLst meth="repeat">
+      <a:schemeClr val="lt1"/>
+    </dgm:txFillClrLst>
+    <dgm:txEffectClrLst/>
+  </dgm:styleLbl>
+  <dgm:styleLbl name="parChTrans2D4">
+    <dgm:fillClrLst meth="repeat">
+      <a:schemeClr val="accent1"/>
+    </dgm:fillClrLst>
+    <dgm:linClrLst meth="repeat">
+      <a:schemeClr val="accent1"/>
+    </dgm:linClrLst>
+    <dgm:effectClrLst/>
+    <dgm:txLinClrLst/>
+    <dgm:txFillClrLst meth="repeat">
+      <a:schemeClr val="lt1"/>
+    </dgm:txFillClrLst>
+    <dgm:txEffectClrLst/>
+  </dgm:styleLbl>
+  <dgm:styleLbl name="parChTrans1D1">
+    <dgm:fillClrLst meth="repeat">
+      <a:schemeClr val="accent1"/>
+    </dgm:fillClrLst>
+    <dgm:linClrLst meth="repeat">
+      <a:schemeClr val="accent1">
+        <a:shade val="60000"/>
+      </a:schemeClr>
+    </dgm:linClrLst>
+    <dgm:effectClrLst/>
+    <dgm:txLinClrLst/>
+    <dgm:txFillClrLst meth="repeat">
+      <a:schemeClr val="tx1"/>
+    </dgm:txFillClrLst>
+    <dgm:txEffectClrLst/>
+  </dgm:styleLbl>
+  <dgm:styleLbl name="parChTrans1D2">
+    <dgm:fillClrLst meth="repeat">
+      <a:schemeClr val="accent1"/>
+    </dgm:fillClrLst>
+    <dgm:linClrLst meth="repeat">
+      <a:schemeClr val="accent1">
+        <a:shade val="60000"/>
+      </a:schemeClr>
+    </dgm:linClrLst>
+    <dgm:effectClrLst/>
+    <dgm:txLinClrLst/>
+    <dgm:txFillClrLst meth="repeat">
+      <a:schemeClr val="tx1"/>
+    </dgm:txFillClrLst>
+    <dgm:txEffectClrLst/>
+  </dgm:styleLbl>
+  <dgm:styleLbl name="parChTrans1D3">
+    <dgm:fillClrLst meth="repeat">
+      <a:schemeClr val="accent1"/>
+    </dgm:fillClrLst>
+    <dgm:linClrLst meth="repeat">
+      <a:schemeClr val="accent1">
+        <a:shade val="80000"/>
+      </a:schemeClr>
+    </dgm:linClrLst>
+    <dgm:effectClrLst/>
+    <dgm:txLinClrLst/>
+    <dgm:txFillClrLst meth="repeat">
+      <a:schemeClr val="tx1"/>
+    </dgm:txFillClrLst>
+    <dgm:txEffectClrLst/>
+  </dgm:styleLbl>
+  <dgm:styleLbl name="parChTrans1D4">
+    <dgm:fillClrLst meth="repeat">
+      <a:schemeClr val="accent1"/>
+    </dgm:fillClrLst>
+    <dgm:linClrLst meth="repeat">
+      <a:schemeClr val="accent1">
+        <a:shade val="80000"/>
+      </a:schemeClr>
+    </dgm:linClrLst>
+    <dgm:effectClrLst/>
+    <dgm:txLinClrLst/>
+    <dgm:txFillClrLst meth="repeat">
+      <a:schemeClr val="tx1"/>
+    </dgm:txFillClrLst>
+    <dgm:txEffectClrLst/>
+  </dgm:styleLbl>
+  <dgm:styleLbl name="fgAcc1">
+    <dgm:fillClrLst meth="repeat">
+      <a:schemeClr val="lt1">
+        <a:alpha val="90000"/>
+      </a:schemeClr>
+    </dgm:fillClrLst>
+    <dgm:linClrLst meth="repeat">
+      <a:schemeClr val="accent1"/>
+    </dgm:linClrLst>
+    <dgm:effectClrLst/>
+    <dgm:txLinClrLst/>
+    <dgm:txFillClrLst meth="repeat">
+      <a:schemeClr val="dk1"/>
+    </dgm:txFillClrLst>
+    <dgm:txEffectClrLst/>
+  </dgm:styleLbl>
+  <dgm:styleLbl name="conFgAcc1">
+    <dgm:fillClrLst meth="repeat">
+      <a:schemeClr val="lt1">
+        <a:alpha val="90000"/>
+      </a:schemeClr>
+    </dgm:fillClrLst>
+    <dgm:linClrLst meth="repeat">
+      <a:schemeClr val="accent1"/>
+    </dgm:linClrLst>
+    <dgm:effectClrLst/>
+    <dgm:txLinClrLst/>
+    <dgm:txFillClrLst meth="repeat">
+      <a:schemeClr val="dk1"/>
+    </dgm:txFillClrLst>
+    <dgm:txEffectClrLst/>
+  </dgm:styleLbl>
+  <dgm:styleLbl name="alignAcc1">
+    <dgm:fillClrLst meth="repeat">
+      <a:schemeClr val="lt1">
+        <a:alpha val="90000"/>
+      </a:schemeClr>
+    </dgm:fillClrLst>
+    <dgm:linClrLst meth="repeat">
+      <a:schemeClr val="accent1"/>
+    </dgm:linClrLst>
+    <dgm:effectClrLst/>
+    <dgm:txLinClrLst/>
+    <dgm:txFillClrLst meth="repeat">
+      <a:schemeClr val="dk1"/>
+    </dgm:txFillClrLst>
+    <dgm:txEffectClrLst/>
+  </dgm:styleLbl>
+  <dgm:styleLbl name="trAlignAcc1">
+    <dgm:fillClrLst meth="repeat">
+      <a:schemeClr val="lt1">
+        <a:alpha val="40000"/>
+      </a:schemeClr>
+    </dgm:fillClrLst>
+    <dgm:linClrLst meth="repeat">
+      <a:schemeClr val="accent1"/>
+    </dgm:linClrLst>
+    <dgm:effectClrLst/>
+    <dgm:txLinClrLst/>
+    <dgm:txFillClrLst meth="repeat">
+      <a:schemeClr val="dk1"/>
+    </dgm:txFillClrLst>
+    <dgm:txEffectClrLst/>
+  </dgm:styleLbl>
+  <dgm:styleLbl name="bgAcc1">
+    <dgm:fillClrLst meth="repeat">
+      <a:schemeClr val="lt1">
+        <a:alpha val="90000"/>
+      </a:schemeClr>
+    </dgm:fillClrLst>
+    <dgm:linClrLst meth="repeat">
+      <a:schemeClr val="accent1"/>
+    </dgm:linClrLst>
+    <dgm:effectClrLst/>
+    <dgm:txLinClrLst/>
+    <dgm:txFillClrLst meth="repeat">
+      <a:schemeClr val="dk1"/>
+    </dgm:txFillClrLst>
+    <dgm:txEffectClrLst/>
+  </dgm:styleLbl>
+  <dgm:styleLbl name="solidFgAcc1">
+    <dgm:fillClrLst meth="repeat">
+      <a:schemeClr val="lt1"/>
+    </dgm:fillClrLst>
+    <dgm:linClrLst meth="repeat">
+      <a:schemeClr val="accent1"/>
+    </dgm:linClrLst>
+    <dgm:effectClrLst/>
+    <dgm:txLinClrLst/>
+    <dgm:txFillClrLst meth="repeat">
+      <a:schemeClr val="dk1"/>
+    </dgm:txFillClrLst>
+    <dgm:txEffectClrLst/>
+  </dgm:styleLbl>
+  <dgm:styleLbl name="solidAlignAcc1">
+    <dgm:fillClrLst meth="repeat">
+      <a:schemeClr val="lt1"/>
+    </dgm:fillClrLst>
+    <dgm:linClrLst meth="repeat">
+      <a:schemeClr val="accent1"/>
+    </dgm:linClrLst>
+    <dgm:effectClrLst/>
+    <dgm:txLinClrLst/>
+    <dgm:txFillClrLst meth="repeat">
+      <a:schemeClr val="dk1"/>
+    </dgm:txFillClrLst>
+    <dgm:txEffectClrLst/>
+  </dgm:styleLbl>
+  <dgm:styleLbl name="solidBgAcc1">
+    <dgm:fillClrLst meth="repeat">
+      <a:schemeClr val="lt1"/>
+    </dgm:fillClrLst>
+    <dgm:linClrLst meth="repeat">
+      <a:schemeClr val="accent1"/>
+    </dgm:linClrLst>
+    <dgm:effectClrLst/>
+    <dgm:txLinClrLst/>
+    <dgm:txFillClrLst meth="repeat">
+      <a:schemeClr val="dk1"/>
+    </dgm:txFillClrLst>
+    <dgm:txEffectClrLst/>
+  </dgm:styleLbl>
+  <dgm:styleLbl name="fgAccFollowNode1">
+    <dgm:fillClrLst meth="repeat">
+      <a:schemeClr val="accent1">
+        <a:alpha val="90000"/>
+        <a:tint val="40000"/>
+      </a:schemeClr>
+    </dgm:fillClrLst>
+    <dgm:linClrLst meth="repeat">
+      <a:schemeClr val="accent1">
+        <a:alpha val="90000"/>
+        <a:tint val="40000"/>
+      </a:schemeClr>
+    </dgm:linClrLst>
+    <dgm:effectClrLst/>
+    <dgm:txLinClrLst/>
+    <dgm:txFillClrLst meth="repeat">
+      <a:schemeClr val="dk1"/>
+    </dgm:txFillClrLst>
+    <dgm:txEffectClrLst/>
+  </dgm:styleLbl>
+  <dgm:styleLbl name="alignAccFollowNode1">
+    <dgm:fillClrLst meth="repeat">
+      <a:schemeClr val="accent1">
+        <a:alpha val="90000"/>
+        <a:tint val="40000"/>
+      </a:schemeClr>
+    </dgm:fillClrLst>
+    <dgm:linClrLst meth="repeat">
+      <a:schemeClr val="accent1">
+        <a:alpha val="90000"/>
+        <a:tint val="40000"/>
+      </a:schemeClr>
+    </dgm:linClrLst>
+    <dgm:effectClrLst/>
+    <dgm:txLinClrLst/>
+    <dgm:txFillClrLst meth="repeat">
+      <a:schemeClr val="dk1"/>
+    </dgm:txFillClrLst>
+    <dgm:txEffectClrLst/>
+  </dgm:styleLbl>
+  <dgm:styleLbl name="bgAccFollowNode1">
+    <dgm:fillClrLst meth="repeat">
+      <a:schemeClr val="accent1">
+        <a:alpha val="90000"/>
+        <a:tint val="40000"/>
+      </a:schemeClr>
+    </dgm:fillClrLst>
+    <dgm:linClrLst meth="repeat">
+      <a:schemeClr val="accent1">
+        <a:alpha val="90000"/>
+        <a:tint val="40000"/>
+      </a:schemeClr>
+    </dgm:linClrLst>
+    <dgm:effectClrLst/>
+    <dgm:txLinClrLst/>
+    <dgm:txFillClrLst meth="repeat">
+      <a:schemeClr val="dk1"/>
+    </dgm:txFillClrLst>
+    <dgm:txEffectClrLst/>
+  </dgm:styleLbl>
+  <dgm:styleLbl name="fgAcc0">
+    <dgm:fillClrLst meth="repeat">
+      <a:schemeClr val="lt1">
+        <a:alpha val="90000"/>
+      </a:schemeClr>
+    </dgm:fillClrLst>
+    <dgm:linClrLst meth="repeat">
+      <a:schemeClr val="accent1"/>
+    </dgm:linClrLst>
+    <dgm:effectClrLst/>
+    <dgm:txLinClrLst/>
+    <dgm:txFillClrLst meth="repeat">
+      <a:schemeClr val="dk1"/>
+    </dgm:txFillClrLst>
+    <dgm:txEffectClrLst/>
+  </dgm:styleLbl>
+  <dgm:styleLbl name="fgAcc2">
+    <dgm:fillClrLst meth="repeat">
+      <a:schemeClr val="lt1">
+        <a:alpha val="90000"/>
+      </a:schemeClr>
+    </dgm:fillClrLst>
+    <dgm:linClrLst meth="repeat">
+      <a:schemeClr val="accent1"/>
+    </dgm:linClrLst>
+    <dgm:effectClrLst/>
+    <dgm:txLinClrLst/>
+    <dgm:txFillClrLst meth="repeat">
+      <a:schemeClr val="dk1"/>
+    </dgm:txFillClrLst>
+    <dgm:txEffectClrLst/>
+  </dgm:styleLbl>
+  <dgm:styleLbl name="fgAcc3">
+    <dgm:fillClrLst meth="repeat">
+      <a:schemeClr val="lt1">
+        <a:alpha val="90000"/>
+      </a:schemeClr>
+    </dgm:fillClrLst>
+    <dgm:linClrLst meth="repeat">
+      <a:schemeClr val="accent1"/>
+    </dgm:linClrLst>
+    <dgm:effectClrLst/>
+    <dgm:txLinClrLst/>
+    <dgm:txFillClrLst meth="repeat">
+      <a:schemeClr val="dk1"/>
+    </dgm:txFillClrLst>
+    <dgm:txEffectClrLst/>
+  </dgm:styleLbl>
+  <dgm:styleLbl name="fgAcc4">
+    <dgm:fillClrLst meth="repeat">
+      <a:schemeClr val="lt1">
+        <a:alpha val="90000"/>
+      </a:schemeClr>
+    </dgm:fillClrLst>
+    <dgm:linClrLst meth="repeat">
+      <a:schemeClr val="accent1"/>
+    </dgm:linClrLst>
+    <dgm:effectClrLst/>
+    <dgm:txLinClrLst/>
+    <dgm:txFillClrLst meth="repeat">
+      <a:schemeClr val="dk1"/>
+    </dgm:txFillClrLst>
+    <dgm:txEffectClrLst/>
+  </dgm:styleLbl>
+  <dgm:styleLbl name="bgShp">
+    <dgm:fillClrLst meth="repeat">
+      <a:schemeClr val="accent1">
+        <a:tint val="40000"/>
+      </a:schemeClr>
+    </dgm:fillClrLst>
+    <dgm:linClrLst meth="repeat">
+      <a:schemeClr val="accent1"/>
+    </dgm:linClrLst>
+    <dgm:effectClrLst/>
+    <dgm:txLinClrLst/>
+    <dgm:txFillClrLst meth="repeat">
+      <a:schemeClr val="dk1"/>
+    </dgm:txFillClrLst>
+    <dgm:txEffectClrLst/>
+  </dgm:styleLbl>
+  <dgm:styleLbl name="dkBgShp">
+    <dgm:fillClrLst meth="repeat">
+      <a:schemeClr val="accent1">
+        <a:shade val="80000"/>
+      </a:schemeClr>
+    </dgm:fillClrLst>
+    <dgm:linClrLst meth="repeat">
+      <a:schemeClr val="accent1"/>
+    </dgm:linClrLst>
+    <dgm:effectClrLst/>
+    <dgm:txLinClrLst/>
+    <dgm:txFillClrLst meth="repeat">
+      <a:schemeClr val="lt1"/>
+    </dgm:txFillClrLst>
+    <dgm:txEffectClrLst/>
+  </dgm:styleLbl>
+  <dgm:styleLbl name="trBgShp">
+    <dgm:fillClrLst meth="repeat">
+      <a:schemeClr val="accent1">
+        <a:tint val="50000"/>
+        <a:alpha val="40000"/>
+      </a:schemeClr>
+    </dgm:fillClrLst>
+    <dgm:linClrLst meth="repeat">
+      <a:schemeClr val="accent1"/>
+    </dgm:linClrLst>
+    <dgm:effectClrLst/>
+    <dgm:txLinClrLst/>
+    <dgm:txFillClrLst meth="repeat">
+      <a:schemeClr val="lt1"/>
+    </dgm:txFillClrLst>
+    <dgm:txEffectClrLst/>
+  </dgm:styleLbl>
+  <dgm:styleLbl name="fgShp">
+    <dgm:fillClrLst meth="repeat">
+      <a:schemeClr val="accent1">
+        <a:tint val="60000"/>
+      </a:schemeClr>
+    </dgm:fillClrLst>
+    <dgm:linClrLst meth="repeat">
+      <a:schemeClr val="lt1"/>
+    </dgm:linClrLst>
+    <dgm:effectClrLst/>
+    <dgm:txLinClrLst/>
+    <dgm:txFillClrLst meth="repeat">
+      <a:schemeClr val="dk1"/>
+    </dgm:txFillClrLst>
+    <dgm:txEffectClrLst/>
+  </dgm:styleLbl>
+  <dgm:styleLbl name="revTx">
+    <dgm:fillClrLst meth="repeat">
+      <a:schemeClr val="lt1">
+        <a:alpha val="0"/>
+      </a:schemeClr>
+    </dgm:fillClrLst>
+    <dgm:linClrLst meth="repeat">
+      <a:schemeClr val="dk1">
+        <a:alpha val="0"/>
+      </a:schemeClr>
+    </dgm:linClrLst>
+    <dgm:effectClrLst/>
+    <dgm:txLinClrLst/>
+    <dgm:txFillClrLst meth="repeat">
+      <a:schemeClr val="tx1"/>
+    </dgm:txFillClrLst>
+    <dgm:txEffectClrLst/>
+  </dgm:styleLbl>
+</dgm:colorsDef>
+</file>
+
+<file path=ppt/diagrams/colors6.xml><?xml version="1.0" encoding="utf-8"?>
 <dgm:colorsDef xmlns:dgm="http://schemas.openxmlformats.org/drawingml/2006/diagram" xmlns:a="http://schemas.openxmlformats.org/drawingml/2006/main" uniqueId="urn:microsoft.com/office/officeart/2005/8/colors/accent1_2">
   <dgm:title val=""/>
   <dgm:desc val=""/>
@@ -7126,6 +7879,1125 @@
 </file>
 
 <file path=ppt/diagrams/data5.xml><?xml version="1.0" encoding="utf-8"?>
+<dgm:dataModel xmlns:dgm="http://schemas.openxmlformats.org/drawingml/2006/diagram" xmlns:a="http://schemas.openxmlformats.org/drawingml/2006/main">
+  <dgm:ptLst>
+    <dgm:pt modelId="{95C7B7D3-0FAC-43BF-B8F7-2D67D94D9B0C}" type="doc">
+      <dgm:prSet loTypeId="urn:microsoft.com/office/officeart/2005/8/layout/orgChart1" loCatId="hierarchy" qsTypeId="urn:microsoft.com/office/officeart/2005/8/quickstyle/simple1" qsCatId="simple" csTypeId="urn:microsoft.com/office/officeart/2005/8/colors/accent1_2" csCatId="accent1" phldr="1"/>
+      <dgm:spPr/>
+      <dgm:t>
+        <a:bodyPr/>
+        <a:lstStyle/>
+        <a:p>
+          <a:endParaRPr lang="en-GB"/>
+        </a:p>
+      </dgm:t>
+    </dgm:pt>
+    <dgm:pt modelId="{C4553A1D-8E77-4CAA-91E0-5606486A5A52}">
+      <dgm:prSet phldrT="[Tekst]"/>
+      <dgm:spPr/>
+      <dgm:t>
+        <a:bodyPr/>
+        <a:lstStyle/>
+        <a:p>
+          <a:r>
+            <a:rPr lang="en-GB" dirty="0"/>
+            <a:t>Evolution</a:t>
+          </a:r>
+        </a:p>
+      </dgm:t>
+    </dgm:pt>
+    <dgm:pt modelId="{269E7F69-B449-4611-8FF3-1D1D1B7ADF2A}" type="parTrans" cxnId="{C1503D1B-55EE-452C-9E08-E0A83F5537C7}">
+      <dgm:prSet/>
+      <dgm:spPr/>
+      <dgm:t>
+        <a:bodyPr/>
+        <a:lstStyle/>
+        <a:p>
+          <a:endParaRPr lang="en-GB"/>
+        </a:p>
+      </dgm:t>
+    </dgm:pt>
+    <dgm:pt modelId="{FDD5703A-68AB-4EA2-A391-3F6C7DD9CBD8}" type="sibTrans" cxnId="{C1503D1B-55EE-452C-9E08-E0A83F5537C7}">
+      <dgm:prSet/>
+      <dgm:spPr/>
+      <dgm:t>
+        <a:bodyPr/>
+        <a:lstStyle/>
+        <a:p>
+          <a:endParaRPr lang="en-GB"/>
+        </a:p>
+      </dgm:t>
+    </dgm:pt>
+    <dgm:pt modelId="{54F57A1B-FB1D-4CD1-86C6-4CADFBC63A5F}">
+      <dgm:prSet phldrT="[Tekst]"/>
+      <dgm:spPr/>
+      <dgm:t>
+        <a:bodyPr/>
+        <a:lstStyle/>
+        <a:p>
+          <a:r>
+            <a:rPr lang="en-GB" dirty="0"/>
+            <a:t>Motor Babbling</a:t>
+          </a:r>
+        </a:p>
+      </dgm:t>
+    </dgm:pt>
+    <dgm:pt modelId="{DEC6F220-7044-4ACF-B512-A43CBB0EA908}" type="parTrans" cxnId="{2A86BD27-6974-4BA3-8B67-3D020F00F876}">
+      <dgm:prSet/>
+      <dgm:spPr/>
+      <dgm:t>
+        <a:bodyPr/>
+        <a:lstStyle/>
+        <a:p>
+          <a:endParaRPr lang="en-GB"/>
+        </a:p>
+      </dgm:t>
+    </dgm:pt>
+    <dgm:pt modelId="{D879EB15-2D77-4F1A-8756-BD3ABB49A21D}" type="sibTrans" cxnId="{2A86BD27-6974-4BA3-8B67-3D020F00F876}">
+      <dgm:prSet/>
+      <dgm:spPr/>
+      <dgm:t>
+        <a:bodyPr/>
+        <a:lstStyle/>
+        <a:p>
+          <a:endParaRPr lang="en-GB"/>
+        </a:p>
+      </dgm:t>
+    </dgm:pt>
+    <dgm:pt modelId="{FBB73965-398D-454D-884B-A4960C75A466}">
+      <dgm:prSet phldrT="[Tekst]"/>
+      <dgm:spPr/>
+      <dgm:t>
+        <a:bodyPr/>
+        <a:lstStyle/>
+        <a:p>
+          <a:r>
+            <a:rPr lang="en-GB" dirty="0"/>
+            <a:t>Intrinsic Motivation</a:t>
+          </a:r>
+        </a:p>
+      </dgm:t>
+    </dgm:pt>
+    <dgm:pt modelId="{56AD7CA9-F78F-48BB-9E48-81F64EC5EAC6}" type="parTrans" cxnId="{8A6D93C7-1576-41DF-B04B-0D994391EE4F}">
+      <dgm:prSet/>
+      <dgm:spPr/>
+      <dgm:t>
+        <a:bodyPr/>
+        <a:lstStyle/>
+        <a:p>
+          <a:endParaRPr lang="en-GB"/>
+        </a:p>
+      </dgm:t>
+    </dgm:pt>
+    <dgm:pt modelId="{2B7DF4A1-DA39-4E21-BA3D-79BF5AC180DD}" type="sibTrans" cxnId="{8A6D93C7-1576-41DF-B04B-0D994391EE4F}">
+      <dgm:prSet/>
+      <dgm:spPr/>
+      <dgm:t>
+        <a:bodyPr/>
+        <a:lstStyle/>
+        <a:p>
+          <a:endParaRPr lang="en-GB"/>
+        </a:p>
+      </dgm:t>
+    </dgm:pt>
+    <dgm:pt modelId="{A96CEFA2-BA5A-4514-91C6-9A036DB360C8}">
+      <dgm:prSet phldrT="[Tekst]"/>
+      <dgm:spPr/>
+      <dgm:t>
+        <a:bodyPr/>
+        <a:lstStyle/>
+        <a:p>
+          <a:r>
+            <a:rPr lang="en-GB" dirty="0"/>
+            <a:t>Reinforcement Learning</a:t>
+          </a:r>
+        </a:p>
+      </dgm:t>
+    </dgm:pt>
+    <dgm:pt modelId="{99E12314-0E50-46AC-8746-96E50A01F7B6}" type="parTrans" cxnId="{A4B182CE-F8C0-4DA3-B015-77B084F3EA59}">
+      <dgm:prSet/>
+      <dgm:spPr/>
+      <dgm:t>
+        <a:bodyPr/>
+        <a:lstStyle/>
+        <a:p>
+          <a:endParaRPr lang="en-GB"/>
+        </a:p>
+      </dgm:t>
+    </dgm:pt>
+    <dgm:pt modelId="{C4398600-2DB6-4E35-8126-882A0ABBD71D}" type="sibTrans" cxnId="{A4B182CE-F8C0-4DA3-B015-77B084F3EA59}">
+      <dgm:prSet/>
+      <dgm:spPr/>
+      <dgm:t>
+        <a:bodyPr/>
+        <a:lstStyle/>
+        <a:p>
+          <a:endParaRPr lang="en-GB"/>
+        </a:p>
+      </dgm:t>
+    </dgm:pt>
+    <dgm:pt modelId="{5DFD38FD-AA74-4829-80DF-459FA172DFE5}">
+      <dgm:prSet phldrT="[Tekst]"/>
+      <dgm:spPr/>
+      <dgm:t>
+        <a:bodyPr/>
+        <a:lstStyle/>
+        <a:p>
+          <a:r>
+            <a:rPr lang="en-GB" dirty="0"/>
+            <a:t>Skill Abstraction</a:t>
+          </a:r>
+        </a:p>
+      </dgm:t>
+    </dgm:pt>
+    <dgm:pt modelId="{0B74F411-C264-4463-82A8-A8D107DC76EB}" type="parTrans" cxnId="{D4410FB7-CA79-478C-9E27-4B469483F0F3}">
+      <dgm:prSet/>
+      <dgm:spPr/>
+      <dgm:t>
+        <a:bodyPr/>
+        <a:lstStyle/>
+        <a:p>
+          <a:endParaRPr lang="en-GB"/>
+        </a:p>
+      </dgm:t>
+    </dgm:pt>
+    <dgm:pt modelId="{4B3C15BF-15FB-43B6-88ED-98F1E3785DFF}" type="sibTrans" cxnId="{D4410FB7-CA79-478C-9E27-4B469483F0F3}">
+      <dgm:prSet/>
+      <dgm:spPr/>
+      <dgm:t>
+        <a:bodyPr/>
+        <a:lstStyle/>
+        <a:p>
+          <a:endParaRPr lang="en-GB"/>
+        </a:p>
+      </dgm:t>
+    </dgm:pt>
+    <dgm:pt modelId="{365C4A0E-39F6-4EB5-9C4F-EA32D2F18EE6}">
+      <dgm:prSet phldrT="[Tekst]"/>
+      <dgm:spPr/>
+      <dgm:t>
+        <a:bodyPr/>
+        <a:lstStyle/>
+        <a:p>
+          <a:r>
+            <a:rPr lang="en-GB" b="0" i="0" dirty="0"/>
+            <a:t>Intrinsic rewards with expert knowledge.</a:t>
+          </a:r>
+          <a:endParaRPr lang="en-GB" dirty="0"/>
+        </a:p>
+      </dgm:t>
+    </dgm:pt>
+    <dgm:pt modelId="{B1B39744-F149-445B-B4BB-AE80F404096A}" type="parTrans" cxnId="{8B1D066D-3662-4B33-9C6D-E86A65BD8EC8}">
+      <dgm:prSet/>
+      <dgm:spPr/>
+      <dgm:t>
+        <a:bodyPr/>
+        <a:lstStyle/>
+        <a:p>
+          <a:endParaRPr lang="en-GB"/>
+        </a:p>
+      </dgm:t>
+    </dgm:pt>
+    <dgm:pt modelId="{A698A6B2-8E16-47BE-956F-8A7C8532D67B}" type="sibTrans" cxnId="{8B1D066D-3662-4B33-9C6D-E86A65BD8EC8}">
+      <dgm:prSet/>
+      <dgm:spPr/>
+      <dgm:t>
+        <a:bodyPr/>
+        <a:lstStyle/>
+        <a:p>
+          <a:endParaRPr lang="en-GB"/>
+        </a:p>
+      </dgm:t>
+    </dgm:pt>
+    <dgm:pt modelId="{92300989-13C1-4695-85F8-C18C46386B93}">
+      <dgm:prSet phldrT="[Tekst]"/>
+      <dgm:spPr/>
+      <dgm:t>
+        <a:bodyPr/>
+        <a:lstStyle/>
+        <a:p>
+          <a:r>
+            <a:rPr lang="en-GB" b="0" i="0" dirty="0"/>
+            <a:t>Mutual information between goals and trajectories.</a:t>
+          </a:r>
+          <a:endParaRPr lang="en-GB" dirty="0"/>
+        </a:p>
+      </dgm:t>
+    </dgm:pt>
+    <dgm:pt modelId="{7AF63B60-7536-4D8A-95E3-99D76692534E}" type="parTrans" cxnId="{675AD03F-240B-4F28-90BF-AA160FA84B7E}">
+      <dgm:prSet/>
+      <dgm:spPr/>
+      <dgm:t>
+        <a:bodyPr/>
+        <a:lstStyle/>
+        <a:p>
+          <a:endParaRPr lang="en-GB"/>
+        </a:p>
+      </dgm:t>
+    </dgm:pt>
+    <dgm:pt modelId="{CE0F19C4-AA6B-421B-9DFE-1341D9AFBB4F}" type="sibTrans" cxnId="{675AD03F-240B-4F28-90BF-AA160FA84B7E}">
+      <dgm:prSet/>
+      <dgm:spPr/>
+      <dgm:t>
+        <a:bodyPr/>
+        <a:lstStyle/>
+        <a:p>
+          <a:endParaRPr lang="en-GB"/>
+        </a:p>
+      </dgm:t>
+    </dgm:pt>
+    <dgm:pt modelId="{E7E1B0EE-070F-4F34-9E7E-FE6E8BB84561}">
+      <dgm:prSet phldrT="[Tekst]"/>
+      <dgm:spPr/>
+      <dgm:t>
+        <a:bodyPr/>
+        <a:lstStyle/>
+        <a:p>
+          <a:r>
+            <a:rPr lang="en-GB" dirty="0"/>
+            <a:t>Curriculum Learning</a:t>
+          </a:r>
+        </a:p>
+      </dgm:t>
+    </dgm:pt>
+    <dgm:pt modelId="{CC9E46D6-8922-4228-B63D-58259347DD95}" type="parTrans" cxnId="{149CABCF-E0BB-445E-B5AF-6FB527370F44}">
+      <dgm:prSet/>
+      <dgm:spPr/>
+      <dgm:t>
+        <a:bodyPr/>
+        <a:lstStyle/>
+        <a:p>
+          <a:endParaRPr lang="en-GB"/>
+        </a:p>
+      </dgm:t>
+    </dgm:pt>
+    <dgm:pt modelId="{3607FA43-FF05-4124-AE6E-BFE6306C2832}" type="sibTrans" cxnId="{149CABCF-E0BB-445E-B5AF-6FB527370F44}">
+      <dgm:prSet/>
+      <dgm:spPr/>
+      <dgm:t>
+        <a:bodyPr/>
+        <a:lstStyle/>
+        <a:p>
+          <a:endParaRPr lang="en-GB"/>
+        </a:p>
+      </dgm:t>
+    </dgm:pt>
+    <dgm:pt modelId="{C4321F68-13E0-4242-A367-AA3CF359D69A}">
+      <dgm:prSet phldrT="[Tekst]"/>
+      <dgm:spPr/>
+      <dgm:t>
+        <a:bodyPr/>
+        <a:lstStyle/>
+        <a:p>
+          <a:r>
+            <a:rPr lang="en-GB" b="0" i="0" dirty="0"/>
+            <a:t>Goal space from the state space</a:t>
+          </a:r>
+          <a:endParaRPr lang="en-GB" dirty="0"/>
+        </a:p>
+      </dgm:t>
+    </dgm:pt>
+    <dgm:pt modelId="{1E40DA4D-7DBE-4C34-A89B-FE9675D7F38C}" type="parTrans" cxnId="{7E82D993-85AA-4466-A20A-B686DFE72A99}">
+      <dgm:prSet/>
+      <dgm:spPr/>
+      <dgm:t>
+        <a:bodyPr/>
+        <a:lstStyle/>
+        <a:p>
+          <a:endParaRPr lang="en-GB"/>
+        </a:p>
+      </dgm:t>
+    </dgm:pt>
+    <dgm:pt modelId="{7C8FD964-B31F-4706-ADA5-6D4B85A53FFB}" type="sibTrans" cxnId="{7E82D993-85AA-4466-A20A-B686DFE72A99}">
+      <dgm:prSet/>
+      <dgm:spPr/>
+      <dgm:t>
+        <a:bodyPr/>
+        <a:lstStyle/>
+        <a:p>
+          <a:endParaRPr lang="en-GB"/>
+        </a:p>
+      </dgm:t>
+    </dgm:pt>
+    <dgm:pt modelId="{CE6FE5FF-F88C-417D-A4B8-9DF2E376012A}">
+      <dgm:prSet phldrT="[Tekst]"/>
+      <dgm:spPr/>
+      <dgm:t>
+        <a:bodyPr/>
+        <a:lstStyle/>
+        <a:p>
+          <a:r>
+            <a:rPr lang="en-GB" dirty="0"/>
+            <a:t>Goal sampling</a:t>
+          </a:r>
+        </a:p>
+      </dgm:t>
+    </dgm:pt>
+    <dgm:pt modelId="{814CAF15-07B4-4959-8F54-8224BB88F1E1}" type="parTrans" cxnId="{52D18129-DF33-4BC9-866D-ED761C98C47D}">
+      <dgm:prSet/>
+      <dgm:spPr/>
+      <dgm:t>
+        <a:bodyPr/>
+        <a:lstStyle/>
+        <a:p>
+          <a:endParaRPr lang="en-GB"/>
+        </a:p>
+      </dgm:t>
+    </dgm:pt>
+    <dgm:pt modelId="{DA3025DA-433B-4B61-96BF-C088A5EAC5E7}" type="sibTrans" cxnId="{52D18129-DF33-4BC9-866D-ED761C98C47D}">
+      <dgm:prSet/>
+      <dgm:spPr/>
+      <dgm:t>
+        <a:bodyPr/>
+        <a:lstStyle/>
+        <a:p>
+          <a:endParaRPr lang="en-GB"/>
+        </a:p>
+      </dgm:t>
+    </dgm:pt>
+    <dgm:pt modelId="{B2100526-D92C-4431-AC44-5A941B96EA16}">
+      <dgm:prSet phldrT="[Tekst]"/>
+      <dgm:spPr/>
+      <dgm:t>
+        <a:bodyPr/>
+        <a:lstStyle/>
+        <a:p>
+          <a:r>
+            <a:rPr lang="en-GB" dirty="0"/>
+            <a:t>Multi-arm bandit</a:t>
+          </a:r>
+        </a:p>
+      </dgm:t>
+    </dgm:pt>
+    <dgm:pt modelId="{2F98E430-F460-40D8-86DA-FDA39B01A577}" type="parTrans" cxnId="{F28E0E61-D35D-4C1C-AFEF-D538C4D9005B}">
+      <dgm:prSet/>
+      <dgm:spPr/>
+      <dgm:t>
+        <a:bodyPr/>
+        <a:lstStyle/>
+        <a:p>
+          <a:endParaRPr lang="en-GB"/>
+        </a:p>
+      </dgm:t>
+    </dgm:pt>
+    <dgm:pt modelId="{B6228B50-1570-4CA8-A8B9-952086C6276E}" type="sibTrans" cxnId="{F28E0E61-D35D-4C1C-AFEF-D538C4D9005B}">
+      <dgm:prSet/>
+      <dgm:spPr/>
+      <dgm:t>
+        <a:bodyPr/>
+        <a:lstStyle/>
+        <a:p>
+          <a:endParaRPr lang="en-GB"/>
+        </a:p>
+      </dgm:t>
+    </dgm:pt>
+    <dgm:pt modelId="{E8491AFD-47AB-4543-BBB1-1A2713F3B31B}">
+      <dgm:prSet phldrT="[Tekst]"/>
+      <dgm:spPr/>
+      <dgm:t>
+        <a:bodyPr/>
+        <a:lstStyle/>
+        <a:p>
+          <a:r>
+            <a:rPr lang="en-GB" b="0" i="0" dirty="0"/>
+            <a:t>Adversarial training</a:t>
+          </a:r>
+          <a:endParaRPr lang="en-GB" dirty="0"/>
+        </a:p>
+      </dgm:t>
+    </dgm:pt>
+    <dgm:pt modelId="{875FCD74-11EC-42E9-A0FC-CE89836BC1B1}" type="parTrans" cxnId="{D8933EBA-27D6-4E52-85A5-6ECC7F36C409}">
+      <dgm:prSet/>
+      <dgm:spPr/>
+      <dgm:t>
+        <a:bodyPr/>
+        <a:lstStyle/>
+        <a:p>
+          <a:endParaRPr lang="en-GB"/>
+        </a:p>
+      </dgm:t>
+    </dgm:pt>
+    <dgm:pt modelId="{C6D0F4C9-5B49-41F5-B232-60BFAB0B8C38}" type="sibTrans" cxnId="{D8933EBA-27D6-4E52-85A5-6ECC7F36C409}">
+      <dgm:prSet/>
+      <dgm:spPr/>
+      <dgm:t>
+        <a:bodyPr/>
+        <a:lstStyle/>
+        <a:p>
+          <a:endParaRPr lang="en-GB"/>
+        </a:p>
+      </dgm:t>
+    </dgm:pt>
+    <dgm:pt modelId="{FD2FC596-09B4-4D0B-940A-8417830ADF25}">
+      <dgm:prSet phldrT="[Tekst]"/>
+      <dgm:spPr/>
+      <dgm:t>
+        <a:bodyPr/>
+        <a:lstStyle/>
+        <a:p>
+          <a:r>
+            <a:rPr lang="en-GB" b="0" i="0"/>
+            <a:t>Building the goal space from the state space</a:t>
+          </a:r>
+          <a:endParaRPr lang="en-GB" dirty="0"/>
+        </a:p>
+      </dgm:t>
+    </dgm:pt>
+    <dgm:pt modelId="{EDFE3239-3997-4F7D-A056-460A48A6AAF0}" type="parTrans" cxnId="{9984038B-5D03-4AFB-98FF-B64B12FB1325}">
+      <dgm:prSet/>
+      <dgm:spPr/>
+      <dgm:t>
+        <a:bodyPr/>
+        <a:lstStyle/>
+        <a:p>
+          <a:endParaRPr lang="en-GB"/>
+        </a:p>
+      </dgm:t>
+    </dgm:pt>
+    <dgm:pt modelId="{69306B69-33B9-4477-9A83-A0FA78058135}" type="sibTrans" cxnId="{9984038B-5D03-4AFB-98FF-B64B12FB1325}">
+      <dgm:prSet/>
+      <dgm:spPr/>
+      <dgm:t>
+        <a:bodyPr/>
+        <a:lstStyle/>
+        <a:p>
+          <a:endParaRPr lang="en-GB"/>
+        </a:p>
+      </dgm:t>
+    </dgm:pt>
+    <dgm:pt modelId="{4F80CD53-7EB2-4C22-865A-FCDA9217A393}" type="pres">
+      <dgm:prSet presAssocID="{95C7B7D3-0FAC-43BF-B8F7-2D67D94D9B0C}" presName="hierChild1" presStyleCnt="0">
+        <dgm:presLayoutVars>
+          <dgm:orgChart val="1"/>
+          <dgm:chPref val="1"/>
+          <dgm:dir/>
+          <dgm:animOne val="branch"/>
+          <dgm:animLvl val="lvl"/>
+          <dgm:resizeHandles/>
+        </dgm:presLayoutVars>
+      </dgm:prSet>
+      <dgm:spPr/>
+    </dgm:pt>
+    <dgm:pt modelId="{96CAF737-E6DA-4232-B1EC-8396D338EC04}" type="pres">
+      <dgm:prSet presAssocID="{C4553A1D-8E77-4CAA-91E0-5606486A5A52}" presName="hierRoot1" presStyleCnt="0">
+        <dgm:presLayoutVars>
+          <dgm:hierBranch val="init"/>
+        </dgm:presLayoutVars>
+      </dgm:prSet>
+      <dgm:spPr/>
+    </dgm:pt>
+    <dgm:pt modelId="{F28F543F-4FA2-4486-9663-FA36A4485AED}" type="pres">
+      <dgm:prSet presAssocID="{C4553A1D-8E77-4CAA-91E0-5606486A5A52}" presName="rootComposite1" presStyleCnt="0"/>
+      <dgm:spPr/>
+    </dgm:pt>
+    <dgm:pt modelId="{914F8C5F-EEB0-488A-9FFD-AD66D0824781}" type="pres">
+      <dgm:prSet presAssocID="{C4553A1D-8E77-4CAA-91E0-5606486A5A52}" presName="rootText1" presStyleLbl="node0" presStyleIdx="0" presStyleCnt="1">
+        <dgm:presLayoutVars>
+          <dgm:chPref val="3"/>
+        </dgm:presLayoutVars>
+      </dgm:prSet>
+      <dgm:spPr/>
+    </dgm:pt>
+    <dgm:pt modelId="{B658174F-EB87-4A0C-B4E3-19DAB99A490F}" type="pres">
+      <dgm:prSet presAssocID="{C4553A1D-8E77-4CAA-91E0-5606486A5A52}" presName="rootConnector1" presStyleLbl="node1" presStyleIdx="0" presStyleCnt="0"/>
+      <dgm:spPr/>
+    </dgm:pt>
+    <dgm:pt modelId="{6907C97B-0BA1-4F64-9BFE-A2DA5D394937}" type="pres">
+      <dgm:prSet presAssocID="{C4553A1D-8E77-4CAA-91E0-5606486A5A52}" presName="hierChild2" presStyleCnt="0"/>
+      <dgm:spPr/>
+    </dgm:pt>
+    <dgm:pt modelId="{9D1C3C33-833B-4D97-AEC6-EA69C7084849}" type="pres">
+      <dgm:prSet presAssocID="{DEC6F220-7044-4ACF-B512-A43CBB0EA908}" presName="Name37" presStyleLbl="parChTrans1D2" presStyleIdx="0" presStyleCnt="2"/>
+      <dgm:spPr/>
+    </dgm:pt>
+    <dgm:pt modelId="{C442212C-74D9-460F-8A59-0734C868850C}" type="pres">
+      <dgm:prSet presAssocID="{54F57A1B-FB1D-4CD1-86C6-4CADFBC63A5F}" presName="hierRoot2" presStyleCnt="0">
+        <dgm:presLayoutVars>
+          <dgm:hierBranch val="init"/>
+        </dgm:presLayoutVars>
+      </dgm:prSet>
+      <dgm:spPr/>
+    </dgm:pt>
+    <dgm:pt modelId="{EDC49193-87E1-4692-85A4-9F9474092BA2}" type="pres">
+      <dgm:prSet presAssocID="{54F57A1B-FB1D-4CD1-86C6-4CADFBC63A5F}" presName="rootComposite" presStyleCnt="0"/>
+      <dgm:spPr/>
+    </dgm:pt>
+    <dgm:pt modelId="{EC095EE4-D455-48C5-8753-B832ADE63F4A}" type="pres">
+      <dgm:prSet presAssocID="{54F57A1B-FB1D-4CD1-86C6-4CADFBC63A5F}" presName="rootText" presStyleLbl="node2" presStyleIdx="0" presStyleCnt="2">
+        <dgm:presLayoutVars>
+          <dgm:chPref val="3"/>
+        </dgm:presLayoutVars>
+      </dgm:prSet>
+      <dgm:spPr/>
+    </dgm:pt>
+    <dgm:pt modelId="{ECD3C041-566B-4971-8998-F5AEC5E7F584}" type="pres">
+      <dgm:prSet presAssocID="{54F57A1B-FB1D-4CD1-86C6-4CADFBC63A5F}" presName="rootConnector" presStyleLbl="node2" presStyleIdx="0" presStyleCnt="2"/>
+      <dgm:spPr/>
+    </dgm:pt>
+    <dgm:pt modelId="{137660CD-3EAA-459E-B9C5-DD7AD25E04D5}" type="pres">
+      <dgm:prSet presAssocID="{54F57A1B-FB1D-4CD1-86C6-4CADFBC63A5F}" presName="hierChild4" presStyleCnt="0"/>
+      <dgm:spPr/>
+    </dgm:pt>
+    <dgm:pt modelId="{E39C16C1-E8CD-422E-857C-F51C00A4F44E}" type="pres">
+      <dgm:prSet presAssocID="{54F57A1B-FB1D-4CD1-86C6-4CADFBC63A5F}" presName="hierChild5" presStyleCnt="0"/>
+      <dgm:spPr/>
+    </dgm:pt>
+    <dgm:pt modelId="{EB4111D1-AB41-4746-AE01-33AFFF2103BD}" type="pres">
+      <dgm:prSet presAssocID="{56AD7CA9-F78F-48BB-9E48-81F64EC5EAC6}" presName="Name37" presStyleLbl="parChTrans1D2" presStyleIdx="1" presStyleCnt="2"/>
+      <dgm:spPr/>
+    </dgm:pt>
+    <dgm:pt modelId="{811177DA-3DC3-466C-ADFB-59ADE6EDC2C1}" type="pres">
+      <dgm:prSet presAssocID="{FBB73965-398D-454D-884B-A4960C75A466}" presName="hierRoot2" presStyleCnt="0">
+        <dgm:presLayoutVars>
+          <dgm:hierBranch val="init"/>
+        </dgm:presLayoutVars>
+      </dgm:prSet>
+      <dgm:spPr/>
+    </dgm:pt>
+    <dgm:pt modelId="{3E1667D4-6FC4-4EDF-945F-FE2BA1638847}" type="pres">
+      <dgm:prSet presAssocID="{FBB73965-398D-454D-884B-A4960C75A466}" presName="rootComposite" presStyleCnt="0"/>
+      <dgm:spPr/>
+    </dgm:pt>
+    <dgm:pt modelId="{DFE94D58-8D20-4D29-86E1-A4EDD7A5E205}" type="pres">
+      <dgm:prSet presAssocID="{FBB73965-398D-454D-884B-A4960C75A466}" presName="rootText" presStyleLbl="node2" presStyleIdx="1" presStyleCnt="2">
+        <dgm:presLayoutVars>
+          <dgm:chPref val="3"/>
+        </dgm:presLayoutVars>
+      </dgm:prSet>
+      <dgm:spPr/>
+    </dgm:pt>
+    <dgm:pt modelId="{E8F54BCB-D364-4A45-84DF-C548AAD754A6}" type="pres">
+      <dgm:prSet presAssocID="{FBB73965-398D-454D-884B-A4960C75A466}" presName="rootConnector" presStyleLbl="node2" presStyleIdx="1" presStyleCnt="2"/>
+      <dgm:spPr/>
+    </dgm:pt>
+    <dgm:pt modelId="{A8AEBDBD-9B41-43E5-B23D-44771126732E}" type="pres">
+      <dgm:prSet presAssocID="{FBB73965-398D-454D-884B-A4960C75A466}" presName="hierChild4" presStyleCnt="0"/>
+      <dgm:spPr/>
+    </dgm:pt>
+    <dgm:pt modelId="{13B935BE-5B5A-41CC-B4FC-95281ECE05B8}" type="pres">
+      <dgm:prSet presAssocID="{99E12314-0E50-46AC-8746-96E50A01F7B6}" presName="Name37" presStyleLbl="parChTrans1D3" presStyleIdx="0" presStyleCnt="1"/>
+      <dgm:spPr/>
+    </dgm:pt>
+    <dgm:pt modelId="{11F60B46-05C8-44BE-8D9D-40E549A423DC}" type="pres">
+      <dgm:prSet presAssocID="{A96CEFA2-BA5A-4514-91C6-9A036DB360C8}" presName="hierRoot2" presStyleCnt="0">
+        <dgm:presLayoutVars>
+          <dgm:hierBranch val="init"/>
+        </dgm:presLayoutVars>
+      </dgm:prSet>
+      <dgm:spPr/>
+    </dgm:pt>
+    <dgm:pt modelId="{B086050F-75C1-4E96-85DF-48B204C16FE1}" type="pres">
+      <dgm:prSet presAssocID="{A96CEFA2-BA5A-4514-91C6-9A036DB360C8}" presName="rootComposite" presStyleCnt="0"/>
+      <dgm:spPr/>
+    </dgm:pt>
+    <dgm:pt modelId="{F53FE49E-569C-4311-8D80-83A0D7D69048}" type="pres">
+      <dgm:prSet presAssocID="{A96CEFA2-BA5A-4514-91C6-9A036DB360C8}" presName="rootText" presStyleLbl="node3" presStyleIdx="0" presStyleCnt="1">
+        <dgm:presLayoutVars>
+          <dgm:chPref val="3"/>
+        </dgm:presLayoutVars>
+      </dgm:prSet>
+      <dgm:spPr/>
+    </dgm:pt>
+    <dgm:pt modelId="{359D6882-F2D5-43A6-B6A0-912E233B3B8B}" type="pres">
+      <dgm:prSet presAssocID="{A96CEFA2-BA5A-4514-91C6-9A036DB360C8}" presName="rootConnector" presStyleLbl="node3" presStyleIdx="0" presStyleCnt="1"/>
+      <dgm:spPr/>
+    </dgm:pt>
+    <dgm:pt modelId="{644A8E24-637D-492E-8FC9-4284EA72424B}" type="pres">
+      <dgm:prSet presAssocID="{A96CEFA2-BA5A-4514-91C6-9A036DB360C8}" presName="hierChild4" presStyleCnt="0"/>
+      <dgm:spPr/>
+    </dgm:pt>
+    <dgm:pt modelId="{AC142513-7AE7-485B-A5FF-DBA6C1DCA889}" type="pres">
+      <dgm:prSet presAssocID="{0B74F411-C264-4463-82A8-A8D107DC76EB}" presName="Name37" presStyleLbl="parChTrans1D4" presStyleIdx="0" presStyleCnt="9"/>
+      <dgm:spPr/>
+    </dgm:pt>
+    <dgm:pt modelId="{D1F4BFB6-B88C-4348-BB1B-32A5037E1FFF}" type="pres">
+      <dgm:prSet presAssocID="{5DFD38FD-AA74-4829-80DF-459FA172DFE5}" presName="hierRoot2" presStyleCnt="0">
+        <dgm:presLayoutVars>
+          <dgm:hierBranch val="init"/>
+        </dgm:presLayoutVars>
+      </dgm:prSet>
+      <dgm:spPr/>
+    </dgm:pt>
+    <dgm:pt modelId="{D8200A43-B73D-4365-A52F-A40B138C9035}" type="pres">
+      <dgm:prSet presAssocID="{5DFD38FD-AA74-4829-80DF-459FA172DFE5}" presName="rootComposite" presStyleCnt="0"/>
+      <dgm:spPr/>
+    </dgm:pt>
+    <dgm:pt modelId="{693A393F-D670-4879-9B42-7B577242AA0B}" type="pres">
+      <dgm:prSet presAssocID="{5DFD38FD-AA74-4829-80DF-459FA172DFE5}" presName="rootText" presStyleLbl="node4" presStyleIdx="0" presStyleCnt="9">
+        <dgm:presLayoutVars>
+          <dgm:chPref val="3"/>
+        </dgm:presLayoutVars>
+      </dgm:prSet>
+      <dgm:spPr/>
+    </dgm:pt>
+    <dgm:pt modelId="{1BAED371-4878-438E-8894-3D32B60F942E}" type="pres">
+      <dgm:prSet presAssocID="{5DFD38FD-AA74-4829-80DF-459FA172DFE5}" presName="rootConnector" presStyleLbl="node4" presStyleIdx="0" presStyleCnt="9"/>
+      <dgm:spPr/>
+    </dgm:pt>
+    <dgm:pt modelId="{8C99DE38-0A09-43AA-95A9-E4E480BE96C2}" type="pres">
+      <dgm:prSet presAssocID="{5DFD38FD-AA74-4829-80DF-459FA172DFE5}" presName="hierChild4" presStyleCnt="0"/>
+      <dgm:spPr/>
+    </dgm:pt>
+    <dgm:pt modelId="{186B69E0-9290-438F-94FD-8EA5774CE85B}" type="pres">
+      <dgm:prSet presAssocID="{B1B39744-F149-445B-B4BB-AE80F404096A}" presName="Name37" presStyleLbl="parChTrans1D4" presStyleIdx="1" presStyleCnt="9"/>
+      <dgm:spPr/>
+    </dgm:pt>
+    <dgm:pt modelId="{DFDA894C-7EF8-4DD2-BF2D-2E707A1DE23B}" type="pres">
+      <dgm:prSet presAssocID="{365C4A0E-39F6-4EB5-9C4F-EA32D2F18EE6}" presName="hierRoot2" presStyleCnt="0">
+        <dgm:presLayoutVars>
+          <dgm:hierBranch val="init"/>
+        </dgm:presLayoutVars>
+      </dgm:prSet>
+      <dgm:spPr/>
+    </dgm:pt>
+    <dgm:pt modelId="{C08D2F38-D0AE-4896-893E-A9831F3C57A8}" type="pres">
+      <dgm:prSet presAssocID="{365C4A0E-39F6-4EB5-9C4F-EA32D2F18EE6}" presName="rootComposite" presStyleCnt="0"/>
+      <dgm:spPr/>
+    </dgm:pt>
+    <dgm:pt modelId="{D04F07D2-1969-4D22-B502-6838108F79E4}" type="pres">
+      <dgm:prSet presAssocID="{365C4A0E-39F6-4EB5-9C4F-EA32D2F18EE6}" presName="rootText" presStyleLbl="node4" presStyleIdx="1" presStyleCnt="9">
+        <dgm:presLayoutVars>
+          <dgm:chPref val="3"/>
+        </dgm:presLayoutVars>
+      </dgm:prSet>
+      <dgm:spPr/>
+    </dgm:pt>
+    <dgm:pt modelId="{62E1A66A-5CA0-4D7C-9C3E-4A8B9894CA2B}" type="pres">
+      <dgm:prSet presAssocID="{365C4A0E-39F6-4EB5-9C4F-EA32D2F18EE6}" presName="rootConnector" presStyleLbl="node4" presStyleIdx="1" presStyleCnt="9"/>
+      <dgm:spPr/>
+    </dgm:pt>
+    <dgm:pt modelId="{662A2CF1-49CA-45CE-B3AF-FBFC69DFDAB4}" type="pres">
+      <dgm:prSet presAssocID="{365C4A0E-39F6-4EB5-9C4F-EA32D2F18EE6}" presName="hierChild4" presStyleCnt="0"/>
+      <dgm:spPr/>
+    </dgm:pt>
+    <dgm:pt modelId="{9A90EE10-D82F-44DD-9863-A78B26F033E9}" type="pres">
+      <dgm:prSet presAssocID="{365C4A0E-39F6-4EB5-9C4F-EA32D2F18EE6}" presName="hierChild5" presStyleCnt="0"/>
+      <dgm:spPr/>
+    </dgm:pt>
+    <dgm:pt modelId="{7409503C-0335-4CE4-8DE2-C7BC8D13475A}" type="pres">
+      <dgm:prSet presAssocID="{EDFE3239-3997-4F7D-A056-460A48A6AAF0}" presName="Name37" presStyleLbl="parChTrans1D4" presStyleIdx="2" presStyleCnt="9"/>
+      <dgm:spPr/>
+    </dgm:pt>
+    <dgm:pt modelId="{948C8AA1-B1F4-42AB-A6E6-7EB558AA0F7A}" type="pres">
+      <dgm:prSet presAssocID="{FD2FC596-09B4-4D0B-940A-8417830ADF25}" presName="hierRoot2" presStyleCnt="0">
+        <dgm:presLayoutVars>
+          <dgm:hierBranch val="init"/>
+        </dgm:presLayoutVars>
+      </dgm:prSet>
+      <dgm:spPr/>
+    </dgm:pt>
+    <dgm:pt modelId="{5A89AD79-4577-4112-A3AC-DF24D15CA016}" type="pres">
+      <dgm:prSet presAssocID="{FD2FC596-09B4-4D0B-940A-8417830ADF25}" presName="rootComposite" presStyleCnt="0"/>
+      <dgm:spPr/>
+    </dgm:pt>
+    <dgm:pt modelId="{B64A6CF6-8F7A-4364-AD9F-BFE36AFB6982}" type="pres">
+      <dgm:prSet presAssocID="{FD2FC596-09B4-4D0B-940A-8417830ADF25}" presName="rootText" presStyleLbl="node4" presStyleIdx="2" presStyleCnt="9">
+        <dgm:presLayoutVars>
+          <dgm:chPref val="3"/>
+        </dgm:presLayoutVars>
+      </dgm:prSet>
+      <dgm:spPr/>
+    </dgm:pt>
+    <dgm:pt modelId="{E7BF482A-7080-4B86-863F-2DA9A5D564DF}" type="pres">
+      <dgm:prSet presAssocID="{FD2FC596-09B4-4D0B-940A-8417830ADF25}" presName="rootConnector" presStyleLbl="node4" presStyleIdx="2" presStyleCnt="9"/>
+      <dgm:spPr/>
+    </dgm:pt>
+    <dgm:pt modelId="{0E341455-3793-4AC3-AEAC-219546F2BB56}" type="pres">
+      <dgm:prSet presAssocID="{FD2FC596-09B4-4D0B-940A-8417830ADF25}" presName="hierChild4" presStyleCnt="0"/>
+      <dgm:spPr/>
+    </dgm:pt>
+    <dgm:pt modelId="{AFD071A9-C17F-46D4-A209-DA3A9142D16E}" type="pres">
+      <dgm:prSet presAssocID="{FD2FC596-09B4-4D0B-940A-8417830ADF25}" presName="hierChild5" presStyleCnt="0"/>
+      <dgm:spPr/>
+    </dgm:pt>
+    <dgm:pt modelId="{7ECB3B23-B804-4C05-85CC-CAACC7B7BF13}" type="pres">
+      <dgm:prSet presAssocID="{7AF63B60-7536-4D8A-95E3-99D76692534E}" presName="Name37" presStyleLbl="parChTrans1D4" presStyleIdx="3" presStyleCnt="9"/>
+      <dgm:spPr/>
+    </dgm:pt>
+    <dgm:pt modelId="{3FAAE3D9-E4D3-4C99-931A-3D961F4F60A0}" type="pres">
+      <dgm:prSet presAssocID="{92300989-13C1-4695-85F8-C18C46386B93}" presName="hierRoot2" presStyleCnt="0">
+        <dgm:presLayoutVars>
+          <dgm:hierBranch val="init"/>
+        </dgm:presLayoutVars>
+      </dgm:prSet>
+      <dgm:spPr/>
+    </dgm:pt>
+    <dgm:pt modelId="{2585D2AB-2EE5-4687-B0CE-E8AA1CFE2A5E}" type="pres">
+      <dgm:prSet presAssocID="{92300989-13C1-4695-85F8-C18C46386B93}" presName="rootComposite" presStyleCnt="0"/>
+      <dgm:spPr/>
+    </dgm:pt>
+    <dgm:pt modelId="{8D80E616-6FCF-483B-BEBE-4A08412FE2DC}" type="pres">
+      <dgm:prSet presAssocID="{92300989-13C1-4695-85F8-C18C46386B93}" presName="rootText" presStyleLbl="node4" presStyleIdx="3" presStyleCnt="9">
+        <dgm:presLayoutVars>
+          <dgm:chPref val="3"/>
+        </dgm:presLayoutVars>
+      </dgm:prSet>
+      <dgm:spPr/>
+    </dgm:pt>
+    <dgm:pt modelId="{89BAC87B-5C7A-4474-A135-505F60C74C03}" type="pres">
+      <dgm:prSet presAssocID="{92300989-13C1-4695-85F8-C18C46386B93}" presName="rootConnector" presStyleLbl="node4" presStyleIdx="3" presStyleCnt="9"/>
+      <dgm:spPr/>
+    </dgm:pt>
+    <dgm:pt modelId="{6F2D3A69-8621-4333-B876-FFF96D2A56FC}" type="pres">
+      <dgm:prSet presAssocID="{92300989-13C1-4695-85F8-C18C46386B93}" presName="hierChild4" presStyleCnt="0"/>
+      <dgm:spPr/>
+    </dgm:pt>
+    <dgm:pt modelId="{04D74BA9-52BC-4977-9ED2-703A772D187A}" type="pres">
+      <dgm:prSet presAssocID="{92300989-13C1-4695-85F8-C18C46386B93}" presName="hierChild5" presStyleCnt="0"/>
+      <dgm:spPr/>
+    </dgm:pt>
+    <dgm:pt modelId="{DDDCF350-6837-42DC-9C80-407CA1211106}" type="pres">
+      <dgm:prSet presAssocID="{5DFD38FD-AA74-4829-80DF-459FA172DFE5}" presName="hierChild5" presStyleCnt="0"/>
+      <dgm:spPr/>
+    </dgm:pt>
+    <dgm:pt modelId="{6D3CC969-3D30-48B9-84B1-EC7E77050D39}" type="pres">
+      <dgm:prSet presAssocID="{CC9E46D6-8922-4228-B63D-58259347DD95}" presName="Name37" presStyleLbl="parChTrans1D4" presStyleIdx="4" presStyleCnt="9"/>
+      <dgm:spPr/>
+    </dgm:pt>
+    <dgm:pt modelId="{3914A81B-6FE3-48E0-9AC4-802D27A1EAD3}" type="pres">
+      <dgm:prSet presAssocID="{E7E1B0EE-070F-4F34-9E7E-FE6E8BB84561}" presName="hierRoot2" presStyleCnt="0">
+        <dgm:presLayoutVars>
+          <dgm:hierBranch val="init"/>
+        </dgm:presLayoutVars>
+      </dgm:prSet>
+      <dgm:spPr/>
+    </dgm:pt>
+    <dgm:pt modelId="{1F789DF5-BE75-4746-8A2F-2482F5EFBEB4}" type="pres">
+      <dgm:prSet presAssocID="{E7E1B0EE-070F-4F34-9E7E-FE6E8BB84561}" presName="rootComposite" presStyleCnt="0"/>
+      <dgm:spPr/>
+    </dgm:pt>
+    <dgm:pt modelId="{382F72B2-2256-47A0-BE19-B2F38A85E865}" type="pres">
+      <dgm:prSet presAssocID="{E7E1B0EE-070F-4F34-9E7E-FE6E8BB84561}" presName="rootText" presStyleLbl="node4" presStyleIdx="4" presStyleCnt="9">
+        <dgm:presLayoutVars>
+          <dgm:chPref val="3"/>
+        </dgm:presLayoutVars>
+      </dgm:prSet>
+      <dgm:spPr/>
+    </dgm:pt>
+    <dgm:pt modelId="{EE928D72-8D0E-40B7-A25B-3FBCD4315B9E}" type="pres">
+      <dgm:prSet presAssocID="{E7E1B0EE-070F-4F34-9E7E-FE6E8BB84561}" presName="rootConnector" presStyleLbl="node4" presStyleIdx="4" presStyleCnt="9"/>
+      <dgm:spPr/>
+    </dgm:pt>
+    <dgm:pt modelId="{5CD759AD-F7BF-4BB5-B5DC-FD952A3A0440}" type="pres">
+      <dgm:prSet presAssocID="{E7E1B0EE-070F-4F34-9E7E-FE6E8BB84561}" presName="hierChild4" presStyleCnt="0"/>
+      <dgm:spPr/>
+    </dgm:pt>
+    <dgm:pt modelId="{53C6C9AF-16C4-4442-8068-5D2CE4553227}" type="pres">
+      <dgm:prSet presAssocID="{1E40DA4D-7DBE-4C34-A89B-FE9675D7F38C}" presName="Name37" presStyleLbl="parChTrans1D4" presStyleIdx="5" presStyleCnt="9"/>
+      <dgm:spPr/>
+    </dgm:pt>
+    <dgm:pt modelId="{E9C2A065-0CA1-4C7F-ACB2-9258F882D077}" type="pres">
+      <dgm:prSet presAssocID="{C4321F68-13E0-4242-A367-AA3CF359D69A}" presName="hierRoot2" presStyleCnt="0">
+        <dgm:presLayoutVars>
+          <dgm:hierBranch val="init"/>
+        </dgm:presLayoutVars>
+      </dgm:prSet>
+      <dgm:spPr/>
+    </dgm:pt>
+    <dgm:pt modelId="{7EBFC132-5C9B-4AB5-95BE-0B3F56D98F5C}" type="pres">
+      <dgm:prSet presAssocID="{C4321F68-13E0-4242-A367-AA3CF359D69A}" presName="rootComposite" presStyleCnt="0"/>
+      <dgm:spPr/>
+    </dgm:pt>
+    <dgm:pt modelId="{477C1EED-42BB-496C-B71E-1F1605AF6E7D}" type="pres">
+      <dgm:prSet presAssocID="{C4321F68-13E0-4242-A367-AA3CF359D69A}" presName="rootText" presStyleLbl="node4" presStyleIdx="5" presStyleCnt="9">
+        <dgm:presLayoutVars>
+          <dgm:chPref val="3"/>
+        </dgm:presLayoutVars>
+      </dgm:prSet>
+      <dgm:spPr/>
+    </dgm:pt>
+    <dgm:pt modelId="{65667E9A-BF33-4E7D-B61B-F35126A43009}" type="pres">
+      <dgm:prSet presAssocID="{C4321F68-13E0-4242-A367-AA3CF359D69A}" presName="rootConnector" presStyleLbl="node4" presStyleIdx="5" presStyleCnt="9"/>
+      <dgm:spPr/>
+    </dgm:pt>
+    <dgm:pt modelId="{73C19493-B380-4931-8869-E72D5A290B98}" type="pres">
+      <dgm:prSet presAssocID="{C4321F68-13E0-4242-A367-AA3CF359D69A}" presName="hierChild4" presStyleCnt="0"/>
+      <dgm:spPr/>
+    </dgm:pt>
+    <dgm:pt modelId="{5E9F28B4-BBB9-4EB1-8E9B-2832D2ABEBEF}" type="pres">
+      <dgm:prSet presAssocID="{814CAF15-07B4-4959-8F54-8224BB88F1E1}" presName="Name37" presStyleLbl="parChTrans1D4" presStyleIdx="6" presStyleCnt="9"/>
+      <dgm:spPr/>
+    </dgm:pt>
+    <dgm:pt modelId="{6AD618C1-3F02-481C-A697-07E10FAF9CA9}" type="pres">
+      <dgm:prSet presAssocID="{CE6FE5FF-F88C-417D-A4B8-9DF2E376012A}" presName="hierRoot2" presStyleCnt="0">
+        <dgm:presLayoutVars>
+          <dgm:hierBranch/>
+        </dgm:presLayoutVars>
+      </dgm:prSet>
+      <dgm:spPr/>
+    </dgm:pt>
+    <dgm:pt modelId="{6BE6EF3A-00CB-4058-85F1-BD8AD450A9DF}" type="pres">
+      <dgm:prSet presAssocID="{CE6FE5FF-F88C-417D-A4B8-9DF2E376012A}" presName="rootComposite" presStyleCnt="0"/>
+      <dgm:spPr/>
+    </dgm:pt>
+    <dgm:pt modelId="{381DD7B1-51BE-4EEC-A903-7D7EF199D30D}" type="pres">
+      <dgm:prSet presAssocID="{CE6FE5FF-F88C-417D-A4B8-9DF2E376012A}" presName="rootText" presStyleLbl="node4" presStyleIdx="6" presStyleCnt="9">
+        <dgm:presLayoutVars>
+          <dgm:chPref val="3"/>
+        </dgm:presLayoutVars>
+      </dgm:prSet>
+      <dgm:spPr/>
+    </dgm:pt>
+    <dgm:pt modelId="{14EDCAF2-BA01-437E-BFF1-137C05EC0AD1}" type="pres">
+      <dgm:prSet presAssocID="{CE6FE5FF-F88C-417D-A4B8-9DF2E376012A}" presName="rootConnector" presStyleLbl="node4" presStyleIdx="6" presStyleCnt="9"/>
+      <dgm:spPr/>
+    </dgm:pt>
+    <dgm:pt modelId="{F2AED173-4C15-4A7B-9308-E317BA6A1604}" type="pres">
+      <dgm:prSet presAssocID="{CE6FE5FF-F88C-417D-A4B8-9DF2E376012A}" presName="hierChild4" presStyleCnt="0"/>
+      <dgm:spPr/>
+    </dgm:pt>
+    <dgm:pt modelId="{2163B79B-020D-4B98-96F6-7A88D8EC1F1B}" type="pres">
+      <dgm:prSet presAssocID="{CE6FE5FF-F88C-417D-A4B8-9DF2E376012A}" presName="hierChild5" presStyleCnt="0"/>
+      <dgm:spPr/>
+    </dgm:pt>
+    <dgm:pt modelId="{619FB830-126C-4ED9-9BE5-317D85E053F8}" type="pres">
+      <dgm:prSet presAssocID="{2F98E430-F460-40D8-86DA-FDA39B01A577}" presName="Name37" presStyleLbl="parChTrans1D4" presStyleIdx="7" presStyleCnt="9"/>
+      <dgm:spPr/>
+    </dgm:pt>
+    <dgm:pt modelId="{1F31DA8C-169D-425E-9586-1B88BE192F75}" type="pres">
+      <dgm:prSet presAssocID="{B2100526-D92C-4431-AC44-5A941B96EA16}" presName="hierRoot2" presStyleCnt="0">
+        <dgm:presLayoutVars>
+          <dgm:hierBranch/>
+        </dgm:presLayoutVars>
+      </dgm:prSet>
+      <dgm:spPr/>
+    </dgm:pt>
+    <dgm:pt modelId="{73E08C0C-7404-4FDC-B429-E8FA10ECB190}" type="pres">
+      <dgm:prSet presAssocID="{B2100526-D92C-4431-AC44-5A941B96EA16}" presName="rootComposite" presStyleCnt="0"/>
+      <dgm:spPr/>
+    </dgm:pt>
+    <dgm:pt modelId="{06E7B90D-991F-4286-A1EF-44B27880EF82}" type="pres">
+      <dgm:prSet presAssocID="{B2100526-D92C-4431-AC44-5A941B96EA16}" presName="rootText" presStyleLbl="node4" presStyleIdx="7" presStyleCnt="9">
+        <dgm:presLayoutVars>
+          <dgm:chPref val="3"/>
+        </dgm:presLayoutVars>
+      </dgm:prSet>
+      <dgm:spPr/>
+    </dgm:pt>
+    <dgm:pt modelId="{970C0A9A-B549-4DE6-B454-20536EEF46FA}" type="pres">
+      <dgm:prSet presAssocID="{B2100526-D92C-4431-AC44-5A941B96EA16}" presName="rootConnector" presStyleLbl="node4" presStyleIdx="7" presStyleCnt="9"/>
+      <dgm:spPr/>
+    </dgm:pt>
+    <dgm:pt modelId="{4E1E19CF-79F6-4EFE-BAF4-759CBDF64A60}" type="pres">
+      <dgm:prSet presAssocID="{B2100526-D92C-4431-AC44-5A941B96EA16}" presName="hierChild4" presStyleCnt="0"/>
+      <dgm:spPr/>
+    </dgm:pt>
+    <dgm:pt modelId="{0DC8C2E8-F61B-4014-9895-D3B409917A84}" type="pres">
+      <dgm:prSet presAssocID="{B2100526-D92C-4431-AC44-5A941B96EA16}" presName="hierChild5" presStyleCnt="0"/>
+      <dgm:spPr/>
+    </dgm:pt>
+    <dgm:pt modelId="{7DC5B0FF-D667-4676-94E3-34449AE4CEDE}" type="pres">
+      <dgm:prSet presAssocID="{875FCD74-11EC-42E9-A0FC-CE89836BC1B1}" presName="Name37" presStyleLbl="parChTrans1D4" presStyleIdx="8" presStyleCnt="9"/>
+      <dgm:spPr/>
+    </dgm:pt>
+    <dgm:pt modelId="{65E14D4D-227C-4039-A619-322888A5F010}" type="pres">
+      <dgm:prSet presAssocID="{E8491AFD-47AB-4543-BBB1-1A2713F3B31B}" presName="hierRoot2" presStyleCnt="0">
+        <dgm:presLayoutVars>
+          <dgm:hierBranch/>
+        </dgm:presLayoutVars>
+      </dgm:prSet>
+      <dgm:spPr/>
+    </dgm:pt>
+    <dgm:pt modelId="{0C898B4E-7515-4006-A4E5-5F7FD0448BA7}" type="pres">
+      <dgm:prSet presAssocID="{E8491AFD-47AB-4543-BBB1-1A2713F3B31B}" presName="rootComposite" presStyleCnt="0"/>
+      <dgm:spPr/>
+    </dgm:pt>
+    <dgm:pt modelId="{95786B5D-7924-481D-B953-EA8124768C93}" type="pres">
+      <dgm:prSet presAssocID="{E8491AFD-47AB-4543-BBB1-1A2713F3B31B}" presName="rootText" presStyleLbl="node4" presStyleIdx="8" presStyleCnt="9">
+        <dgm:presLayoutVars>
+          <dgm:chPref val="3"/>
+        </dgm:presLayoutVars>
+      </dgm:prSet>
+      <dgm:spPr/>
+    </dgm:pt>
+    <dgm:pt modelId="{11C34AE8-6343-40E4-9BBA-0C3FA8851812}" type="pres">
+      <dgm:prSet presAssocID="{E8491AFD-47AB-4543-BBB1-1A2713F3B31B}" presName="rootConnector" presStyleLbl="node4" presStyleIdx="8" presStyleCnt="9"/>
+      <dgm:spPr/>
+    </dgm:pt>
+    <dgm:pt modelId="{116B4502-BE41-4F04-853B-650D409B75B8}" type="pres">
+      <dgm:prSet presAssocID="{E8491AFD-47AB-4543-BBB1-1A2713F3B31B}" presName="hierChild4" presStyleCnt="0"/>
+      <dgm:spPr/>
+    </dgm:pt>
+    <dgm:pt modelId="{10A0CB9D-5C6F-4889-BA89-F1E0B7734E86}" type="pres">
+      <dgm:prSet presAssocID="{E8491AFD-47AB-4543-BBB1-1A2713F3B31B}" presName="hierChild5" presStyleCnt="0"/>
+      <dgm:spPr/>
+    </dgm:pt>
+    <dgm:pt modelId="{745C9293-B0E0-4127-B532-B68D92F08DB4}" type="pres">
+      <dgm:prSet presAssocID="{C4321F68-13E0-4242-A367-AA3CF359D69A}" presName="hierChild5" presStyleCnt="0"/>
+      <dgm:spPr/>
+    </dgm:pt>
+    <dgm:pt modelId="{C023E5C2-16E2-4E81-A798-35CABA574ACD}" type="pres">
+      <dgm:prSet presAssocID="{E7E1B0EE-070F-4F34-9E7E-FE6E8BB84561}" presName="hierChild5" presStyleCnt="0"/>
+      <dgm:spPr/>
+    </dgm:pt>
+    <dgm:pt modelId="{F2F79496-BD13-4FAE-98EF-3AEDDE2AEF2E}" type="pres">
+      <dgm:prSet presAssocID="{A96CEFA2-BA5A-4514-91C6-9A036DB360C8}" presName="hierChild5" presStyleCnt="0"/>
+      <dgm:spPr/>
+    </dgm:pt>
+    <dgm:pt modelId="{20F56D07-CB45-4658-9AC5-61261AE57339}" type="pres">
+      <dgm:prSet presAssocID="{FBB73965-398D-454D-884B-A4960C75A466}" presName="hierChild5" presStyleCnt="0"/>
+      <dgm:spPr/>
+    </dgm:pt>
+    <dgm:pt modelId="{51A6D625-7919-499A-80CC-76B473721C57}" type="pres">
+      <dgm:prSet presAssocID="{C4553A1D-8E77-4CAA-91E0-5606486A5A52}" presName="hierChild3" presStyleCnt="0"/>
+      <dgm:spPr/>
+    </dgm:pt>
+  </dgm:ptLst>
+  <dgm:cxnLst>
+    <dgm:cxn modelId="{06243702-B71D-485F-97EA-E3B1D23B4296}" type="presOf" srcId="{99E12314-0E50-46AC-8746-96E50A01F7B6}" destId="{13B935BE-5B5A-41CC-B4FC-95281ECE05B8}" srcOrd="0" destOrd="0" presId="urn:microsoft.com/office/officeart/2005/8/layout/orgChart1"/>
+    <dgm:cxn modelId="{FC5F1907-395A-42A2-872D-596911597174}" type="presOf" srcId="{2F98E430-F460-40D8-86DA-FDA39B01A577}" destId="{619FB830-126C-4ED9-9BE5-317D85E053F8}" srcOrd="0" destOrd="0" presId="urn:microsoft.com/office/officeart/2005/8/layout/orgChart1"/>
+    <dgm:cxn modelId="{93E0BD0A-7F98-41BF-BBAA-A0DEC9B42D35}" type="presOf" srcId="{E8491AFD-47AB-4543-BBB1-1A2713F3B31B}" destId="{11C34AE8-6343-40E4-9BBA-0C3FA8851812}" srcOrd="1" destOrd="0" presId="urn:microsoft.com/office/officeart/2005/8/layout/orgChart1"/>
+    <dgm:cxn modelId="{8D061C0B-2DB9-4A92-9FB5-5853E480BF5B}" type="presOf" srcId="{5DFD38FD-AA74-4829-80DF-459FA172DFE5}" destId="{693A393F-D670-4879-9B42-7B577242AA0B}" srcOrd="0" destOrd="0" presId="urn:microsoft.com/office/officeart/2005/8/layout/orgChart1"/>
+    <dgm:cxn modelId="{4D169913-4336-47A7-91E5-F481508BCBD8}" type="presOf" srcId="{5DFD38FD-AA74-4829-80DF-459FA172DFE5}" destId="{1BAED371-4878-438E-8894-3D32B60F942E}" srcOrd="1" destOrd="0" presId="urn:microsoft.com/office/officeart/2005/8/layout/orgChart1"/>
+    <dgm:cxn modelId="{C1503D1B-55EE-452C-9E08-E0A83F5537C7}" srcId="{95C7B7D3-0FAC-43BF-B8F7-2D67D94D9B0C}" destId="{C4553A1D-8E77-4CAA-91E0-5606486A5A52}" srcOrd="0" destOrd="0" parTransId="{269E7F69-B449-4611-8FF3-1D1D1B7ADF2A}" sibTransId="{FDD5703A-68AB-4EA2-A391-3F6C7DD9CBD8}"/>
+    <dgm:cxn modelId="{0F54BC1D-8CC6-4C71-A43B-DDF20CB7ACD5}" type="presOf" srcId="{A96CEFA2-BA5A-4514-91C6-9A036DB360C8}" destId="{359D6882-F2D5-43A6-B6A0-912E233B3B8B}" srcOrd="1" destOrd="0" presId="urn:microsoft.com/office/officeart/2005/8/layout/orgChart1"/>
+    <dgm:cxn modelId="{F6403222-7654-4FCE-8E7F-E803BB2D6F13}" type="presOf" srcId="{DEC6F220-7044-4ACF-B512-A43CBB0EA908}" destId="{9D1C3C33-833B-4D97-AEC6-EA69C7084849}" srcOrd="0" destOrd="0" presId="urn:microsoft.com/office/officeart/2005/8/layout/orgChart1"/>
+    <dgm:cxn modelId="{2A86BD27-6974-4BA3-8B67-3D020F00F876}" srcId="{C4553A1D-8E77-4CAA-91E0-5606486A5A52}" destId="{54F57A1B-FB1D-4CD1-86C6-4CADFBC63A5F}" srcOrd="0" destOrd="0" parTransId="{DEC6F220-7044-4ACF-B512-A43CBB0EA908}" sibTransId="{D879EB15-2D77-4F1A-8756-BD3ABB49A21D}"/>
+    <dgm:cxn modelId="{52D18129-DF33-4BC9-866D-ED761C98C47D}" srcId="{C4321F68-13E0-4242-A367-AA3CF359D69A}" destId="{CE6FE5FF-F88C-417D-A4B8-9DF2E376012A}" srcOrd="0" destOrd="0" parTransId="{814CAF15-07B4-4959-8F54-8224BB88F1E1}" sibTransId="{DA3025DA-433B-4B61-96BF-C088A5EAC5E7}"/>
+    <dgm:cxn modelId="{F31E222B-5494-4140-8F0B-C0B5A1313FE4}" type="presOf" srcId="{92300989-13C1-4695-85F8-C18C46386B93}" destId="{89BAC87B-5C7A-4474-A135-505F60C74C03}" srcOrd="1" destOrd="0" presId="urn:microsoft.com/office/officeart/2005/8/layout/orgChart1"/>
+    <dgm:cxn modelId="{26DF2C2B-E5A1-4F92-9397-B182FB44BDFA}" type="presOf" srcId="{54F57A1B-FB1D-4CD1-86C6-4CADFBC63A5F}" destId="{ECD3C041-566B-4971-8998-F5AEC5E7F584}" srcOrd="1" destOrd="0" presId="urn:microsoft.com/office/officeart/2005/8/layout/orgChart1"/>
+    <dgm:cxn modelId="{71192D32-E461-4DE4-9726-D7B8E4F69C43}" type="presOf" srcId="{C4553A1D-8E77-4CAA-91E0-5606486A5A52}" destId="{914F8C5F-EEB0-488A-9FFD-AD66D0824781}" srcOrd="0" destOrd="0" presId="urn:microsoft.com/office/officeart/2005/8/layout/orgChart1"/>
+    <dgm:cxn modelId="{C9FC1C3D-FF04-4D7C-93AF-1BD372C6F241}" type="presOf" srcId="{B2100526-D92C-4431-AC44-5A941B96EA16}" destId="{970C0A9A-B549-4DE6-B454-20536EEF46FA}" srcOrd="1" destOrd="0" presId="urn:microsoft.com/office/officeart/2005/8/layout/orgChart1"/>
+    <dgm:cxn modelId="{675AD03F-240B-4F28-90BF-AA160FA84B7E}" srcId="{5DFD38FD-AA74-4829-80DF-459FA172DFE5}" destId="{92300989-13C1-4695-85F8-C18C46386B93}" srcOrd="2" destOrd="0" parTransId="{7AF63B60-7536-4D8A-95E3-99D76692534E}" sibTransId="{CE0F19C4-AA6B-421B-9DFE-1341D9AFBB4F}"/>
+    <dgm:cxn modelId="{C81B715D-ADDB-4A85-8743-57446A8A8934}" type="presOf" srcId="{EDFE3239-3997-4F7D-A056-460A48A6AAF0}" destId="{7409503C-0335-4CE4-8DE2-C7BC8D13475A}" srcOrd="0" destOrd="0" presId="urn:microsoft.com/office/officeart/2005/8/layout/orgChart1"/>
+    <dgm:cxn modelId="{29421D5E-4B49-4508-B313-F7A37AC3C860}" type="presOf" srcId="{FBB73965-398D-454D-884B-A4960C75A466}" destId="{DFE94D58-8D20-4D29-86E1-A4EDD7A5E205}" srcOrd="0" destOrd="0" presId="urn:microsoft.com/office/officeart/2005/8/layout/orgChart1"/>
+    <dgm:cxn modelId="{F28E0E61-D35D-4C1C-AFEF-D538C4D9005B}" srcId="{C4321F68-13E0-4242-A367-AA3CF359D69A}" destId="{B2100526-D92C-4431-AC44-5A941B96EA16}" srcOrd="1" destOrd="0" parTransId="{2F98E430-F460-40D8-86DA-FDA39B01A577}" sibTransId="{B6228B50-1570-4CA8-A8B9-952086C6276E}"/>
+    <dgm:cxn modelId="{9DC6D344-F071-40B6-A0D3-D46BB1C78869}" type="presOf" srcId="{95C7B7D3-0FAC-43BF-B8F7-2D67D94D9B0C}" destId="{4F80CD53-7EB2-4C22-865A-FCDA9217A393}" srcOrd="0" destOrd="0" presId="urn:microsoft.com/office/officeart/2005/8/layout/orgChart1"/>
+    <dgm:cxn modelId="{EF38BF6A-115F-4F2F-8BAC-AF449236185C}" type="presOf" srcId="{E7E1B0EE-070F-4F34-9E7E-FE6E8BB84561}" destId="{EE928D72-8D0E-40B7-A25B-3FBCD4315B9E}" srcOrd="1" destOrd="0" presId="urn:microsoft.com/office/officeart/2005/8/layout/orgChart1"/>
+    <dgm:cxn modelId="{0BB2E26A-930B-4A74-B745-5BBA4EC3DB5C}" type="presOf" srcId="{C4321F68-13E0-4242-A367-AA3CF359D69A}" destId="{477C1EED-42BB-496C-B71E-1F1605AF6E7D}" srcOrd="0" destOrd="0" presId="urn:microsoft.com/office/officeart/2005/8/layout/orgChart1"/>
+    <dgm:cxn modelId="{36BEA16C-B5E7-442A-9FC0-FE0E33DA4896}" type="presOf" srcId="{FD2FC596-09B4-4D0B-940A-8417830ADF25}" destId="{E7BF482A-7080-4B86-863F-2DA9A5D564DF}" srcOrd="1" destOrd="0" presId="urn:microsoft.com/office/officeart/2005/8/layout/orgChart1"/>
+    <dgm:cxn modelId="{8B1D066D-3662-4B33-9C6D-E86A65BD8EC8}" srcId="{5DFD38FD-AA74-4829-80DF-459FA172DFE5}" destId="{365C4A0E-39F6-4EB5-9C4F-EA32D2F18EE6}" srcOrd="0" destOrd="0" parTransId="{B1B39744-F149-445B-B4BB-AE80F404096A}" sibTransId="{A698A6B2-8E16-47BE-956F-8A7C8532D67B}"/>
+    <dgm:cxn modelId="{C1D0EF6D-1BCA-436A-8B98-D18CED9CD794}" type="presOf" srcId="{365C4A0E-39F6-4EB5-9C4F-EA32D2F18EE6}" destId="{62E1A66A-5CA0-4D7C-9C3E-4A8B9894CA2B}" srcOrd="1" destOrd="0" presId="urn:microsoft.com/office/officeart/2005/8/layout/orgChart1"/>
+    <dgm:cxn modelId="{C7E93150-CBC9-4A1D-8C75-10CFAC100343}" type="presOf" srcId="{B1B39744-F149-445B-B4BB-AE80F404096A}" destId="{186B69E0-9290-438F-94FD-8EA5774CE85B}" srcOrd="0" destOrd="0" presId="urn:microsoft.com/office/officeart/2005/8/layout/orgChart1"/>
+    <dgm:cxn modelId="{C15C4E51-7E45-4D72-B918-7238C3DC9E9C}" type="presOf" srcId="{FBB73965-398D-454D-884B-A4960C75A466}" destId="{E8F54BCB-D364-4A45-84DF-C548AAD754A6}" srcOrd="1" destOrd="0" presId="urn:microsoft.com/office/officeart/2005/8/layout/orgChart1"/>
+    <dgm:cxn modelId="{5DCFA154-E029-4F11-99C8-B16B075625BC}" type="presOf" srcId="{365C4A0E-39F6-4EB5-9C4F-EA32D2F18EE6}" destId="{D04F07D2-1969-4D22-B502-6838108F79E4}" srcOrd="0" destOrd="0" presId="urn:microsoft.com/office/officeart/2005/8/layout/orgChart1"/>
+    <dgm:cxn modelId="{AB928655-CC16-4B50-ACE4-6D0DC8A61827}" type="presOf" srcId="{C4553A1D-8E77-4CAA-91E0-5606486A5A52}" destId="{B658174F-EB87-4A0C-B4E3-19DAB99A490F}" srcOrd="1" destOrd="0" presId="urn:microsoft.com/office/officeart/2005/8/layout/orgChart1"/>
+    <dgm:cxn modelId="{79809B58-27E0-4E38-914F-AD8B504055B7}" type="presOf" srcId="{0B74F411-C264-4463-82A8-A8D107DC76EB}" destId="{AC142513-7AE7-485B-A5FF-DBA6C1DCA889}" srcOrd="0" destOrd="0" presId="urn:microsoft.com/office/officeart/2005/8/layout/orgChart1"/>
+    <dgm:cxn modelId="{BECF0C79-9058-4D3B-B22F-A4D2D92D94DA}" type="presOf" srcId="{FD2FC596-09B4-4D0B-940A-8417830ADF25}" destId="{B64A6CF6-8F7A-4364-AD9F-BFE36AFB6982}" srcOrd="0" destOrd="0" presId="urn:microsoft.com/office/officeart/2005/8/layout/orgChart1"/>
+    <dgm:cxn modelId="{0D3EAB7A-5FE4-42CC-A8BD-AF4C714F4403}" type="presOf" srcId="{CE6FE5FF-F88C-417D-A4B8-9DF2E376012A}" destId="{381DD7B1-51BE-4EEC-A903-7D7EF199D30D}" srcOrd="0" destOrd="0" presId="urn:microsoft.com/office/officeart/2005/8/layout/orgChart1"/>
+    <dgm:cxn modelId="{9984038B-5D03-4AFB-98FF-B64B12FB1325}" srcId="{5DFD38FD-AA74-4829-80DF-459FA172DFE5}" destId="{FD2FC596-09B4-4D0B-940A-8417830ADF25}" srcOrd="1" destOrd="0" parTransId="{EDFE3239-3997-4F7D-A056-460A48A6AAF0}" sibTransId="{69306B69-33B9-4477-9A83-A0FA78058135}"/>
+    <dgm:cxn modelId="{7E82D993-85AA-4466-A20A-B686DFE72A99}" srcId="{E7E1B0EE-070F-4F34-9E7E-FE6E8BB84561}" destId="{C4321F68-13E0-4242-A367-AA3CF359D69A}" srcOrd="0" destOrd="0" parTransId="{1E40DA4D-7DBE-4C34-A89B-FE9675D7F38C}" sibTransId="{7C8FD964-B31F-4706-ADA5-6D4B85A53FFB}"/>
+    <dgm:cxn modelId="{8AC0E39E-DE10-4DD1-99B1-17EDE52B15D1}" type="presOf" srcId="{C4321F68-13E0-4242-A367-AA3CF359D69A}" destId="{65667E9A-BF33-4E7D-B61B-F35126A43009}" srcOrd="1" destOrd="0" presId="urn:microsoft.com/office/officeart/2005/8/layout/orgChart1"/>
+    <dgm:cxn modelId="{E9B758A1-FB00-43D0-B339-8A0B6489923D}" type="presOf" srcId="{B2100526-D92C-4431-AC44-5A941B96EA16}" destId="{06E7B90D-991F-4286-A1EF-44B27880EF82}" srcOrd="0" destOrd="0" presId="urn:microsoft.com/office/officeart/2005/8/layout/orgChart1"/>
+    <dgm:cxn modelId="{8A1780A2-5862-417A-B393-FD313B8585BD}" type="presOf" srcId="{CE6FE5FF-F88C-417D-A4B8-9DF2E376012A}" destId="{14EDCAF2-BA01-437E-BFF1-137C05EC0AD1}" srcOrd="1" destOrd="0" presId="urn:microsoft.com/office/officeart/2005/8/layout/orgChart1"/>
+    <dgm:cxn modelId="{65237EA9-91DB-4816-B0AE-0228A0A82E5E}" type="presOf" srcId="{CC9E46D6-8922-4228-B63D-58259347DD95}" destId="{6D3CC969-3D30-48B9-84B1-EC7E77050D39}" srcOrd="0" destOrd="0" presId="urn:microsoft.com/office/officeart/2005/8/layout/orgChart1"/>
+    <dgm:cxn modelId="{C4814DAA-4420-4073-B9FA-579513C5E1D1}" type="presOf" srcId="{814CAF15-07B4-4959-8F54-8224BB88F1E1}" destId="{5E9F28B4-BBB9-4EB1-8E9B-2832D2ABEBEF}" srcOrd="0" destOrd="0" presId="urn:microsoft.com/office/officeart/2005/8/layout/orgChart1"/>
+    <dgm:cxn modelId="{D4410FB7-CA79-478C-9E27-4B469483F0F3}" srcId="{A96CEFA2-BA5A-4514-91C6-9A036DB360C8}" destId="{5DFD38FD-AA74-4829-80DF-459FA172DFE5}" srcOrd="0" destOrd="0" parTransId="{0B74F411-C264-4463-82A8-A8D107DC76EB}" sibTransId="{4B3C15BF-15FB-43B6-88ED-98F1E3785DFF}"/>
+    <dgm:cxn modelId="{65754FB9-0849-4EC6-B21C-F1B580D2FC08}" type="presOf" srcId="{7AF63B60-7536-4D8A-95E3-99D76692534E}" destId="{7ECB3B23-B804-4C05-85CC-CAACC7B7BF13}" srcOrd="0" destOrd="0" presId="urn:microsoft.com/office/officeart/2005/8/layout/orgChart1"/>
+    <dgm:cxn modelId="{D8933EBA-27D6-4E52-85A5-6ECC7F36C409}" srcId="{C4321F68-13E0-4242-A367-AA3CF359D69A}" destId="{E8491AFD-47AB-4543-BBB1-1A2713F3B31B}" srcOrd="2" destOrd="0" parTransId="{875FCD74-11EC-42E9-A0FC-CE89836BC1B1}" sibTransId="{C6D0F4C9-5B49-41F5-B232-60BFAB0B8C38}"/>
+    <dgm:cxn modelId="{344DEDC3-A7AB-42BA-AD31-52EEC2FE3EEE}" type="presOf" srcId="{56AD7CA9-F78F-48BB-9E48-81F64EC5EAC6}" destId="{EB4111D1-AB41-4746-AE01-33AFFF2103BD}" srcOrd="0" destOrd="0" presId="urn:microsoft.com/office/officeart/2005/8/layout/orgChart1"/>
+    <dgm:cxn modelId="{8A6D93C7-1576-41DF-B04B-0D994391EE4F}" srcId="{C4553A1D-8E77-4CAA-91E0-5606486A5A52}" destId="{FBB73965-398D-454D-884B-A4960C75A466}" srcOrd="1" destOrd="0" parTransId="{56AD7CA9-F78F-48BB-9E48-81F64EC5EAC6}" sibTransId="{2B7DF4A1-DA39-4E21-BA3D-79BF5AC180DD}"/>
+    <dgm:cxn modelId="{A03F40CE-DF32-40B8-8508-973C4F138675}" type="presOf" srcId="{54F57A1B-FB1D-4CD1-86C6-4CADFBC63A5F}" destId="{EC095EE4-D455-48C5-8753-B832ADE63F4A}" srcOrd="0" destOrd="0" presId="urn:microsoft.com/office/officeart/2005/8/layout/orgChart1"/>
+    <dgm:cxn modelId="{A4B182CE-F8C0-4DA3-B015-77B084F3EA59}" srcId="{FBB73965-398D-454D-884B-A4960C75A466}" destId="{A96CEFA2-BA5A-4514-91C6-9A036DB360C8}" srcOrd="0" destOrd="0" parTransId="{99E12314-0E50-46AC-8746-96E50A01F7B6}" sibTransId="{C4398600-2DB6-4E35-8126-882A0ABBD71D}"/>
+    <dgm:cxn modelId="{149CABCF-E0BB-445E-B5AF-6FB527370F44}" srcId="{A96CEFA2-BA5A-4514-91C6-9A036DB360C8}" destId="{E7E1B0EE-070F-4F34-9E7E-FE6E8BB84561}" srcOrd="1" destOrd="0" parTransId="{CC9E46D6-8922-4228-B63D-58259347DD95}" sibTransId="{3607FA43-FF05-4124-AE6E-BFE6306C2832}"/>
+    <dgm:cxn modelId="{FF9F43D1-C3FD-4918-B430-AA3DECA9F7BE}" type="presOf" srcId="{1E40DA4D-7DBE-4C34-A89B-FE9675D7F38C}" destId="{53C6C9AF-16C4-4442-8068-5D2CE4553227}" srcOrd="0" destOrd="0" presId="urn:microsoft.com/office/officeart/2005/8/layout/orgChart1"/>
+    <dgm:cxn modelId="{DF752ED2-F099-42C1-811D-FFB52CADD993}" type="presOf" srcId="{E8491AFD-47AB-4543-BBB1-1A2713F3B31B}" destId="{95786B5D-7924-481D-B953-EA8124768C93}" srcOrd="0" destOrd="0" presId="urn:microsoft.com/office/officeart/2005/8/layout/orgChart1"/>
+    <dgm:cxn modelId="{0827DCD8-C635-4BA6-854F-C36D11A0936B}" type="presOf" srcId="{92300989-13C1-4695-85F8-C18C46386B93}" destId="{8D80E616-6FCF-483B-BEBE-4A08412FE2DC}" srcOrd="0" destOrd="0" presId="urn:microsoft.com/office/officeart/2005/8/layout/orgChart1"/>
+    <dgm:cxn modelId="{F164CCE9-2B3C-42C8-8F1A-74495E6D83A9}" type="presOf" srcId="{A96CEFA2-BA5A-4514-91C6-9A036DB360C8}" destId="{F53FE49E-569C-4311-8D80-83A0D7D69048}" srcOrd="0" destOrd="0" presId="urn:microsoft.com/office/officeart/2005/8/layout/orgChart1"/>
+    <dgm:cxn modelId="{999E69EA-8D38-43E9-B5DE-6692C05460A7}" type="presOf" srcId="{E7E1B0EE-070F-4F34-9E7E-FE6E8BB84561}" destId="{382F72B2-2256-47A0-BE19-B2F38A85E865}" srcOrd="0" destOrd="0" presId="urn:microsoft.com/office/officeart/2005/8/layout/orgChart1"/>
+    <dgm:cxn modelId="{5DB978F9-86A5-4C0F-80A4-F796D6154E3E}" type="presOf" srcId="{875FCD74-11EC-42E9-A0FC-CE89836BC1B1}" destId="{7DC5B0FF-D667-4676-94E3-34449AE4CEDE}" srcOrd="0" destOrd="0" presId="urn:microsoft.com/office/officeart/2005/8/layout/orgChart1"/>
+    <dgm:cxn modelId="{62570FFA-CEDE-4B75-BAE4-EEE7E982262A}" type="presParOf" srcId="{4F80CD53-7EB2-4C22-865A-FCDA9217A393}" destId="{96CAF737-E6DA-4232-B1EC-8396D338EC04}" srcOrd="0" destOrd="0" presId="urn:microsoft.com/office/officeart/2005/8/layout/orgChart1"/>
+    <dgm:cxn modelId="{99FF481A-9250-4A3D-8F45-637C11C78260}" type="presParOf" srcId="{96CAF737-E6DA-4232-B1EC-8396D338EC04}" destId="{F28F543F-4FA2-4486-9663-FA36A4485AED}" srcOrd="0" destOrd="0" presId="urn:microsoft.com/office/officeart/2005/8/layout/orgChart1"/>
+    <dgm:cxn modelId="{3D1484E1-D00F-4582-BF3E-2CCB2F0C88D6}" type="presParOf" srcId="{F28F543F-4FA2-4486-9663-FA36A4485AED}" destId="{914F8C5F-EEB0-488A-9FFD-AD66D0824781}" srcOrd="0" destOrd="0" presId="urn:microsoft.com/office/officeart/2005/8/layout/orgChart1"/>
+    <dgm:cxn modelId="{359E347B-44F0-4BDD-8B3F-EA75B2A20370}" type="presParOf" srcId="{F28F543F-4FA2-4486-9663-FA36A4485AED}" destId="{B658174F-EB87-4A0C-B4E3-19DAB99A490F}" srcOrd="1" destOrd="0" presId="urn:microsoft.com/office/officeart/2005/8/layout/orgChart1"/>
+    <dgm:cxn modelId="{B3D21BE5-8477-4FFF-B5A1-F559622D63FE}" type="presParOf" srcId="{96CAF737-E6DA-4232-B1EC-8396D338EC04}" destId="{6907C97B-0BA1-4F64-9BFE-A2DA5D394937}" srcOrd="1" destOrd="0" presId="urn:microsoft.com/office/officeart/2005/8/layout/orgChart1"/>
+    <dgm:cxn modelId="{F06A72FF-1FEB-4745-A98F-07D4684E401B}" type="presParOf" srcId="{6907C97B-0BA1-4F64-9BFE-A2DA5D394937}" destId="{9D1C3C33-833B-4D97-AEC6-EA69C7084849}" srcOrd="0" destOrd="0" presId="urn:microsoft.com/office/officeart/2005/8/layout/orgChart1"/>
+    <dgm:cxn modelId="{14E8C7FD-2AE3-4AF8-A4CD-6E8299CA0C19}" type="presParOf" srcId="{6907C97B-0BA1-4F64-9BFE-A2DA5D394937}" destId="{C442212C-74D9-460F-8A59-0734C868850C}" srcOrd="1" destOrd="0" presId="urn:microsoft.com/office/officeart/2005/8/layout/orgChart1"/>
+    <dgm:cxn modelId="{18C7AB89-0FEC-4841-AE68-D965906DAAC0}" type="presParOf" srcId="{C442212C-74D9-460F-8A59-0734C868850C}" destId="{EDC49193-87E1-4692-85A4-9F9474092BA2}" srcOrd="0" destOrd="0" presId="urn:microsoft.com/office/officeart/2005/8/layout/orgChart1"/>
+    <dgm:cxn modelId="{47B8A6BA-1836-4AF2-8EF4-29AD4051632A}" type="presParOf" srcId="{EDC49193-87E1-4692-85A4-9F9474092BA2}" destId="{EC095EE4-D455-48C5-8753-B832ADE63F4A}" srcOrd="0" destOrd="0" presId="urn:microsoft.com/office/officeart/2005/8/layout/orgChart1"/>
+    <dgm:cxn modelId="{BAFC740A-80C3-435A-901D-CB2769ED2986}" type="presParOf" srcId="{EDC49193-87E1-4692-85A4-9F9474092BA2}" destId="{ECD3C041-566B-4971-8998-F5AEC5E7F584}" srcOrd="1" destOrd="0" presId="urn:microsoft.com/office/officeart/2005/8/layout/orgChart1"/>
+    <dgm:cxn modelId="{BA1BE60F-056E-44E6-A94D-2B3755F38579}" type="presParOf" srcId="{C442212C-74D9-460F-8A59-0734C868850C}" destId="{137660CD-3EAA-459E-B9C5-DD7AD25E04D5}" srcOrd="1" destOrd="0" presId="urn:microsoft.com/office/officeart/2005/8/layout/orgChart1"/>
+    <dgm:cxn modelId="{9D1136CD-7625-49E4-829D-47A9D5C483D3}" type="presParOf" srcId="{C442212C-74D9-460F-8A59-0734C868850C}" destId="{E39C16C1-E8CD-422E-857C-F51C00A4F44E}" srcOrd="2" destOrd="0" presId="urn:microsoft.com/office/officeart/2005/8/layout/orgChart1"/>
+    <dgm:cxn modelId="{9CCFA5B2-D10C-4816-938E-CB0DCE61AB39}" type="presParOf" srcId="{6907C97B-0BA1-4F64-9BFE-A2DA5D394937}" destId="{EB4111D1-AB41-4746-AE01-33AFFF2103BD}" srcOrd="2" destOrd="0" presId="urn:microsoft.com/office/officeart/2005/8/layout/orgChart1"/>
+    <dgm:cxn modelId="{9AFF24CC-EFDE-4AD3-B453-757F3FF7D358}" type="presParOf" srcId="{6907C97B-0BA1-4F64-9BFE-A2DA5D394937}" destId="{811177DA-3DC3-466C-ADFB-59ADE6EDC2C1}" srcOrd="3" destOrd="0" presId="urn:microsoft.com/office/officeart/2005/8/layout/orgChart1"/>
+    <dgm:cxn modelId="{F9FA653B-1106-4CA9-AF8C-7E77F360CEE1}" type="presParOf" srcId="{811177DA-3DC3-466C-ADFB-59ADE6EDC2C1}" destId="{3E1667D4-6FC4-4EDF-945F-FE2BA1638847}" srcOrd="0" destOrd="0" presId="urn:microsoft.com/office/officeart/2005/8/layout/orgChart1"/>
+    <dgm:cxn modelId="{CA07CFB9-ACCD-43BB-9485-090D6C921793}" type="presParOf" srcId="{3E1667D4-6FC4-4EDF-945F-FE2BA1638847}" destId="{DFE94D58-8D20-4D29-86E1-A4EDD7A5E205}" srcOrd="0" destOrd="0" presId="urn:microsoft.com/office/officeart/2005/8/layout/orgChart1"/>
+    <dgm:cxn modelId="{C1630AAB-75CA-453B-882D-C24E20CAE3F5}" type="presParOf" srcId="{3E1667D4-6FC4-4EDF-945F-FE2BA1638847}" destId="{E8F54BCB-D364-4A45-84DF-C548AAD754A6}" srcOrd="1" destOrd="0" presId="urn:microsoft.com/office/officeart/2005/8/layout/orgChart1"/>
+    <dgm:cxn modelId="{626E577F-4471-4DF3-94E2-10A0A05FA22C}" type="presParOf" srcId="{811177DA-3DC3-466C-ADFB-59ADE6EDC2C1}" destId="{A8AEBDBD-9B41-43E5-B23D-44771126732E}" srcOrd="1" destOrd="0" presId="urn:microsoft.com/office/officeart/2005/8/layout/orgChart1"/>
+    <dgm:cxn modelId="{821A118B-01DB-4D05-A752-F184375E126F}" type="presParOf" srcId="{A8AEBDBD-9B41-43E5-B23D-44771126732E}" destId="{13B935BE-5B5A-41CC-B4FC-95281ECE05B8}" srcOrd="0" destOrd="0" presId="urn:microsoft.com/office/officeart/2005/8/layout/orgChart1"/>
+    <dgm:cxn modelId="{4D394DCC-B856-45C5-BC9D-344C76A7EA6D}" type="presParOf" srcId="{A8AEBDBD-9B41-43E5-B23D-44771126732E}" destId="{11F60B46-05C8-44BE-8D9D-40E549A423DC}" srcOrd="1" destOrd="0" presId="urn:microsoft.com/office/officeart/2005/8/layout/orgChart1"/>
+    <dgm:cxn modelId="{69EADD14-9C33-4243-A9CA-3D0161AA5DAE}" type="presParOf" srcId="{11F60B46-05C8-44BE-8D9D-40E549A423DC}" destId="{B086050F-75C1-4E96-85DF-48B204C16FE1}" srcOrd="0" destOrd="0" presId="urn:microsoft.com/office/officeart/2005/8/layout/orgChart1"/>
+    <dgm:cxn modelId="{ACDAF69D-8F35-4D68-BF3F-26A771EC06BD}" type="presParOf" srcId="{B086050F-75C1-4E96-85DF-48B204C16FE1}" destId="{F53FE49E-569C-4311-8D80-83A0D7D69048}" srcOrd="0" destOrd="0" presId="urn:microsoft.com/office/officeart/2005/8/layout/orgChart1"/>
+    <dgm:cxn modelId="{869BA430-1928-4C91-B2A1-D25005B395BB}" type="presParOf" srcId="{B086050F-75C1-4E96-85DF-48B204C16FE1}" destId="{359D6882-F2D5-43A6-B6A0-912E233B3B8B}" srcOrd="1" destOrd="0" presId="urn:microsoft.com/office/officeart/2005/8/layout/orgChart1"/>
+    <dgm:cxn modelId="{A1AEB55E-D25B-4D69-9ABE-0C0394D0398A}" type="presParOf" srcId="{11F60B46-05C8-44BE-8D9D-40E549A423DC}" destId="{644A8E24-637D-492E-8FC9-4284EA72424B}" srcOrd="1" destOrd="0" presId="urn:microsoft.com/office/officeart/2005/8/layout/orgChart1"/>
+    <dgm:cxn modelId="{E493FA00-5FA8-4ED0-9B70-B3E5BCECB6D6}" type="presParOf" srcId="{644A8E24-637D-492E-8FC9-4284EA72424B}" destId="{AC142513-7AE7-485B-A5FF-DBA6C1DCA889}" srcOrd="0" destOrd="0" presId="urn:microsoft.com/office/officeart/2005/8/layout/orgChart1"/>
+    <dgm:cxn modelId="{49869BF6-2CCC-4F7D-AD60-9D0D48C09C83}" type="presParOf" srcId="{644A8E24-637D-492E-8FC9-4284EA72424B}" destId="{D1F4BFB6-B88C-4348-BB1B-32A5037E1FFF}" srcOrd="1" destOrd="0" presId="urn:microsoft.com/office/officeart/2005/8/layout/orgChart1"/>
+    <dgm:cxn modelId="{B5437794-7D68-4347-BE70-ABD3D839807F}" type="presParOf" srcId="{D1F4BFB6-B88C-4348-BB1B-32A5037E1FFF}" destId="{D8200A43-B73D-4365-A52F-A40B138C9035}" srcOrd="0" destOrd="0" presId="urn:microsoft.com/office/officeart/2005/8/layout/orgChart1"/>
+    <dgm:cxn modelId="{3E53BB04-3187-419C-899C-3A0FA631285B}" type="presParOf" srcId="{D8200A43-B73D-4365-A52F-A40B138C9035}" destId="{693A393F-D670-4879-9B42-7B577242AA0B}" srcOrd="0" destOrd="0" presId="urn:microsoft.com/office/officeart/2005/8/layout/orgChart1"/>
+    <dgm:cxn modelId="{DD9E51E8-5573-4B08-8594-619DB1A35401}" type="presParOf" srcId="{D8200A43-B73D-4365-A52F-A40B138C9035}" destId="{1BAED371-4878-438E-8894-3D32B60F942E}" srcOrd="1" destOrd="0" presId="urn:microsoft.com/office/officeart/2005/8/layout/orgChart1"/>
+    <dgm:cxn modelId="{12B82ADB-CADD-408E-B6F9-D0601EC94FAE}" type="presParOf" srcId="{D1F4BFB6-B88C-4348-BB1B-32A5037E1FFF}" destId="{8C99DE38-0A09-43AA-95A9-E4E480BE96C2}" srcOrd="1" destOrd="0" presId="urn:microsoft.com/office/officeart/2005/8/layout/orgChart1"/>
+    <dgm:cxn modelId="{D108E909-A659-4ABC-B583-4C08BA37C10D}" type="presParOf" srcId="{8C99DE38-0A09-43AA-95A9-E4E480BE96C2}" destId="{186B69E0-9290-438F-94FD-8EA5774CE85B}" srcOrd="0" destOrd="0" presId="urn:microsoft.com/office/officeart/2005/8/layout/orgChart1"/>
+    <dgm:cxn modelId="{438AD0D5-EAD8-4A56-853F-D0E10776D447}" type="presParOf" srcId="{8C99DE38-0A09-43AA-95A9-E4E480BE96C2}" destId="{DFDA894C-7EF8-4DD2-BF2D-2E707A1DE23B}" srcOrd="1" destOrd="0" presId="urn:microsoft.com/office/officeart/2005/8/layout/orgChart1"/>
+    <dgm:cxn modelId="{9F6D5CDF-782D-4D3B-B85B-6C8EFFFA2CB5}" type="presParOf" srcId="{DFDA894C-7EF8-4DD2-BF2D-2E707A1DE23B}" destId="{C08D2F38-D0AE-4896-893E-A9831F3C57A8}" srcOrd="0" destOrd="0" presId="urn:microsoft.com/office/officeart/2005/8/layout/orgChart1"/>
+    <dgm:cxn modelId="{32318784-A763-4A9E-9515-5A62060FB718}" type="presParOf" srcId="{C08D2F38-D0AE-4896-893E-A9831F3C57A8}" destId="{D04F07D2-1969-4D22-B502-6838108F79E4}" srcOrd="0" destOrd="0" presId="urn:microsoft.com/office/officeart/2005/8/layout/orgChart1"/>
+    <dgm:cxn modelId="{0598B396-84EE-4A1A-81B9-681A07ABF14E}" type="presParOf" srcId="{C08D2F38-D0AE-4896-893E-A9831F3C57A8}" destId="{62E1A66A-5CA0-4D7C-9C3E-4A8B9894CA2B}" srcOrd="1" destOrd="0" presId="urn:microsoft.com/office/officeart/2005/8/layout/orgChart1"/>
+    <dgm:cxn modelId="{D5B96843-8AF4-4792-AD5A-E10D51EC3115}" type="presParOf" srcId="{DFDA894C-7EF8-4DD2-BF2D-2E707A1DE23B}" destId="{662A2CF1-49CA-45CE-B3AF-FBFC69DFDAB4}" srcOrd="1" destOrd="0" presId="urn:microsoft.com/office/officeart/2005/8/layout/orgChart1"/>
+    <dgm:cxn modelId="{8AEB5164-89A5-4E0C-8F25-ABD535DFA537}" type="presParOf" srcId="{DFDA894C-7EF8-4DD2-BF2D-2E707A1DE23B}" destId="{9A90EE10-D82F-44DD-9863-A78B26F033E9}" srcOrd="2" destOrd="0" presId="urn:microsoft.com/office/officeart/2005/8/layout/orgChart1"/>
+    <dgm:cxn modelId="{4DEB1497-EDC8-4E1C-A7C2-1B8AD40A7EB8}" type="presParOf" srcId="{8C99DE38-0A09-43AA-95A9-E4E480BE96C2}" destId="{7409503C-0335-4CE4-8DE2-C7BC8D13475A}" srcOrd="2" destOrd="0" presId="urn:microsoft.com/office/officeart/2005/8/layout/orgChart1"/>
+    <dgm:cxn modelId="{93E6B109-85E3-4DB2-97CB-2A4C7B3FA8D2}" type="presParOf" srcId="{8C99DE38-0A09-43AA-95A9-E4E480BE96C2}" destId="{948C8AA1-B1F4-42AB-A6E6-7EB558AA0F7A}" srcOrd="3" destOrd="0" presId="urn:microsoft.com/office/officeart/2005/8/layout/orgChart1"/>
+    <dgm:cxn modelId="{9F50844A-792C-4F7A-9091-AFD2DCBA4A45}" type="presParOf" srcId="{948C8AA1-B1F4-42AB-A6E6-7EB558AA0F7A}" destId="{5A89AD79-4577-4112-A3AC-DF24D15CA016}" srcOrd="0" destOrd="0" presId="urn:microsoft.com/office/officeart/2005/8/layout/orgChart1"/>
+    <dgm:cxn modelId="{04D73C40-7930-4728-B588-DE0C29410B27}" type="presParOf" srcId="{5A89AD79-4577-4112-A3AC-DF24D15CA016}" destId="{B64A6CF6-8F7A-4364-AD9F-BFE36AFB6982}" srcOrd="0" destOrd="0" presId="urn:microsoft.com/office/officeart/2005/8/layout/orgChart1"/>
+    <dgm:cxn modelId="{AD518F32-8D78-4AD4-A898-D8C7074885D6}" type="presParOf" srcId="{5A89AD79-4577-4112-A3AC-DF24D15CA016}" destId="{E7BF482A-7080-4B86-863F-2DA9A5D564DF}" srcOrd="1" destOrd="0" presId="urn:microsoft.com/office/officeart/2005/8/layout/orgChart1"/>
+    <dgm:cxn modelId="{AB6EC8ED-C441-4666-A7BF-AAE09D06547B}" type="presParOf" srcId="{948C8AA1-B1F4-42AB-A6E6-7EB558AA0F7A}" destId="{0E341455-3793-4AC3-AEAC-219546F2BB56}" srcOrd="1" destOrd="0" presId="urn:microsoft.com/office/officeart/2005/8/layout/orgChart1"/>
+    <dgm:cxn modelId="{8D47DCA7-A38B-4E6E-9A81-497909408841}" type="presParOf" srcId="{948C8AA1-B1F4-42AB-A6E6-7EB558AA0F7A}" destId="{AFD071A9-C17F-46D4-A209-DA3A9142D16E}" srcOrd="2" destOrd="0" presId="urn:microsoft.com/office/officeart/2005/8/layout/orgChart1"/>
+    <dgm:cxn modelId="{3D88F99F-4CF6-423B-8979-164D43609DE5}" type="presParOf" srcId="{8C99DE38-0A09-43AA-95A9-E4E480BE96C2}" destId="{7ECB3B23-B804-4C05-85CC-CAACC7B7BF13}" srcOrd="4" destOrd="0" presId="urn:microsoft.com/office/officeart/2005/8/layout/orgChart1"/>
+    <dgm:cxn modelId="{63806025-9AEA-4D1F-AA4A-7BBD1676261A}" type="presParOf" srcId="{8C99DE38-0A09-43AA-95A9-E4E480BE96C2}" destId="{3FAAE3D9-E4D3-4C99-931A-3D961F4F60A0}" srcOrd="5" destOrd="0" presId="urn:microsoft.com/office/officeart/2005/8/layout/orgChart1"/>
+    <dgm:cxn modelId="{51C7C429-1D2D-4F9D-B96F-9A41152B8279}" type="presParOf" srcId="{3FAAE3D9-E4D3-4C99-931A-3D961F4F60A0}" destId="{2585D2AB-2EE5-4687-B0CE-E8AA1CFE2A5E}" srcOrd="0" destOrd="0" presId="urn:microsoft.com/office/officeart/2005/8/layout/orgChart1"/>
+    <dgm:cxn modelId="{BB41B922-303D-4F22-BF82-7E179845D489}" type="presParOf" srcId="{2585D2AB-2EE5-4687-B0CE-E8AA1CFE2A5E}" destId="{8D80E616-6FCF-483B-BEBE-4A08412FE2DC}" srcOrd="0" destOrd="0" presId="urn:microsoft.com/office/officeart/2005/8/layout/orgChart1"/>
+    <dgm:cxn modelId="{3F3FCF68-A88C-4665-BB03-9AFF9458F1FE}" type="presParOf" srcId="{2585D2AB-2EE5-4687-B0CE-E8AA1CFE2A5E}" destId="{89BAC87B-5C7A-4474-A135-505F60C74C03}" srcOrd="1" destOrd="0" presId="urn:microsoft.com/office/officeart/2005/8/layout/orgChart1"/>
+    <dgm:cxn modelId="{9802DFA1-5D32-4FB1-9CD6-134DA2772CAF}" type="presParOf" srcId="{3FAAE3D9-E4D3-4C99-931A-3D961F4F60A0}" destId="{6F2D3A69-8621-4333-B876-FFF96D2A56FC}" srcOrd="1" destOrd="0" presId="urn:microsoft.com/office/officeart/2005/8/layout/orgChart1"/>
+    <dgm:cxn modelId="{DBABE144-1C38-4065-99B8-4E9FF7DFED71}" type="presParOf" srcId="{3FAAE3D9-E4D3-4C99-931A-3D961F4F60A0}" destId="{04D74BA9-52BC-4977-9ED2-703A772D187A}" srcOrd="2" destOrd="0" presId="urn:microsoft.com/office/officeart/2005/8/layout/orgChart1"/>
+    <dgm:cxn modelId="{87F1E6CA-8BF6-4E15-8B18-A36D3A95834A}" type="presParOf" srcId="{D1F4BFB6-B88C-4348-BB1B-32A5037E1FFF}" destId="{DDDCF350-6837-42DC-9C80-407CA1211106}" srcOrd="2" destOrd="0" presId="urn:microsoft.com/office/officeart/2005/8/layout/orgChart1"/>
+    <dgm:cxn modelId="{7A2D1BE7-950D-4272-A8B8-2AEC0ED02E6E}" type="presParOf" srcId="{644A8E24-637D-492E-8FC9-4284EA72424B}" destId="{6D3CC969-3D30-48B9-84B1-EC7E77050D39}" srcOrd="2" destOrd="0" presId="urn:microsoft.com/office/officeart/2005/8/layout/orgChart1"/>
+    <dgm:cxn modelId="{E9374405-301E-44A5-8DB2-32F17DB6C5E0}" type="presParOf" srcId="{644A8E24-637D-492E-8FC9-4284EA72424B}" destId="{3914A81B-6FE3-48E0-9AC4-802D27A1EAD3}" srcOrd="3" destOrd="0" presId="urn:microsoft.com/office/officeart/2005/8/layout/orgChart1"/>
+    <dgm:cxn modelId="{A3D72D35-877E-443F-B89A-482DE0DB2549}" type="presParOf" srcId="{3914A81B-6FE3-48E0-9AC4-802D27A1EAD3}" destId="{1F789DF5-BE75-4746-8A2F-2482F5EFBEB4}" srcOrd="0" destOrd="0" presId="urn:microsoft.com/office/officeart/2005/8/layout/orgChart1"/>
+    <dgm:cxn modelId="{921FDADC-9133-4425-9DE6-60D625BB6A74}" type="presParOf" srcId="{1F789DF5-BE75-4746-8A2F-2482F5EFBEB4}" destId="{382F72B2-2256-47A0-BE19-B2F38A85E865}" srcOrd="0" destOrd="0" presId="urn:microsoft.com/office/officeart/2005/8/layout/orgChart1"/>
+    <dgm:cxn modelId="{9B982F6F-AC17-42A6-B697-F3703F9BF4FB}" type="presParOf" srcId="{1F789DF5-BE75-4746-8A2F-2482F5EFBEB4}" destId="{EE928D72-8D0E-40B7-A25B-3FBCD4315B9E}" srcOrd="1" destOrd="0" presId="urn:microsoft.com/office/officeart/2005/8/layout/orgChart1"/>
+    <dgm:cxn modelId="{37817548-2688-4EA3-934F-A9A9A725ECCD}" type="presParOf" srcId="{3914A81B-6FE3-48E0-9AC4-802D27A1EAD3}" destId="{5CD759AD-F7BF-4BB5-B5DC-FD952A3A0440}" srcOrd="1" destOrd="0" presId="urn:microsoft.com/office/officeart/2005/8/layout/orgChart1"/>
+    <dgm:cxn modelId="{E147B25C-B999-41FA-A786-7FA1AF1C2D4B}" type="presParOf" srcId="{5CD759AD-F7BF-4BB5-B5DC-FD952A3A0440}" destId="{53C6C9AF-16C4-4442-8068-5D2CE4553227}" srcOrd="0" destOrd="0" presId="urn:microsoft.com/office/officeart/2005/8/layout/orgChart1"/>
+    <dgm:cxn modelId="{A7E7C33B-73B6-41E2-9C73-F0836C06177B}" type="presParOf" srcId="{5CD759AD-F7BF-4BB5-B5DC-FD952A3A0440}" destId="{E9C2A065-0CA1-4C7F-ACB2-9258F882D077}" srcOrd="1" destOrd="0" presId="urn:microsoft.com/office/officeart/2005/8/layout/orgChart1"/>
+    <dgm:cxn modelId="{3DD40006-B404-4235-931A-CA9DE824934C}" type="presParOf" srcId="{E9C2A065-0CA1-4C7F-ACB2-9258F882D077}" destId="{7EBFC132-5C9B-4AB5-95BE-0B3F56D98F5C}" srcOrd="0" destOrd="0" presId="urn:microsoft.com/office/officeart/2005/8/layout/orgChart1"/>
+    <dgm:cxn modelId="{C11B1E09-FC15-47C9-916C-0451FA8DC54B}" type="presParOf" srcId="{7EBFC132-5C9B-4AB5-95BE-0B3F56D98F5C}" destId="{477C1EED-42BB-496C-B71E-1F1605AF6E7D}" srcOrd="0" destOrd="0" presId="urn:microsoft.com/office/officeart/2005/8/layout/orgChart1"/>
+    <dgm:cxn modelId="{8617686A-949D-4F07-937D-FB13B4B1C6DE}" type="presParOf" srcId="{7EBFC132-5C9B-4AB5-95BE-0B3F56D98F5C}" destId="{65667E9A-BF33-4E7D-B61B-F35126A43009}" srcOrd="1" destOrd="0" presId="urn:microsoft.com/office/officeart/2005/8/layout/orgChart1"/>
+    <dgm:cxn modelId="{8C7E55C3-3053-4871-9382-F9FC2E047354}" type="presParOf" srcId="{E9C2A065-0CA1-4C7F-ACB2-9258F882D077}" destId="{73C19493-B380-4931-8869-E72D5A290B98}" srcOrd="1" destOrd="0" presId="urn:microsoft.com/office/officeart/2005/8/layout/orgChart1"/>
+    <dgm:cxn modelId="{03661C24-3D3B-4807-B335-D33D8A7C4A94}" type="presParOf" srcId="{73C19493-B380-4931-8869-E72D5A290B98}" destId="{5E9F28B4-BBB9-4EB1-8E9B-2832D2ABEBEF}" srcOrd="0" destOrd="0" presId="urn:microsoft.com/office/officeart/2005/8/layout/orgChart1"/>
+    <dgm:cxn modelId="{9CD53BCB-4144-458B-81BC-BF765861F174}" type="presParOf" srcId="{73C19493-B380-4931-8869-E72D5A290B98}" destId="{6AD618C1-3F02-481C-A697-07E10FAF9CA9}" srcOrd="1" destOrd="0" presId="urn:microsoft.com/office/officeart/2005/8/layout/orgChart1"/>
+    <dgm:cxn modelId="{510E216B-4F6D-4349-8CDA-E4033F8D6319}" type="presParOf" srcId="{6AD618C1-3F02-481C-A697-07E10FAF9CA9}" destId="{6BE6EF3A-00CB-4058-85F1-BD8AD450A9DF}" srcOrd="0" destOrd="0" presId="urn:microsoft.com/office/officeart/2005/8/layout/orgChart1"/>
+    <dgm:cxn modelId="{EDAEBDFD-4268-4756-AFDC-51FA858948E9}" type="presParOf" srcId="{6BE6EF3A-00CB-4058-85F1-BD8AD450A9DF}" destId="{381DD7B1-51BE-4EEC-A903-7D7EF199D30D}" srcOrd="0" destOrd="0" presId="urn:microsoft.com/office/officeart/2005/8/layout/orgChart1"/>
+    <dgm:cxn modelId="{B443317D-2DDE-43EA-915B-B4D8D38EA65C}" type="presParOf" srcId="{6BE6EF3A-00CB-4058-85F1-BD8AD450A9DF}" destId="{14EDCAF2-BA01-437E-BFF1-137C05EC0AD1}" srcOrd="1" destOrd="0" presId="urn:microsoft.com/office/officeart/2005/8/layout/orgChart1"/>
+    <dgm:cxn modelId="{BC15B84E-8356-4269-85EA-0189F6BD39F5}" type="presParOf" srcId="{6AD618C1-3F02-481C-A697-07E10FAF9CA9}" destId="{F2AED173-4C15-4A7B-9308-E317BA6A1604}" srcOrd="1" destOrd="0" presId="urn:microsoft.com/office/officeart/2005/8/layout/orgChart1"/>
+    <dgm:cxn modelId="{05D2BE98-1103-418C-A937-02F7C90531B0}" type="presParOf" srcId="{6AD618C1-3F02-481C-A697-07E10FAF9CA9}" destId="{2163B79B-020D-4B98-96F6-7A88D8EC1F1B}" srcOrd="2" destOrd="0" presId="urn:microsoft.com/office/officeart/2005/8/layout/orgChart1"/>
+    <dgm:cxn modelId="{29396E74-85E4-4D45-AD7B-9957E9F57A08}" type="presParOf" srcId="{73C19493-B380-4931-8869-E72D5A290B98}" destId="{619FB830-126C-4ED9-9BE5-317D85E053F8}" srcOrd="2" destOrd="0" presId="urn:microsoft.com/office/officeart/2005/8/layout/orgChart1"/>
+    <dgm:cxn modelId="{FA097FB6-0673-4DEE-81EE-060BD0145F83}" type="presParOf" srcId="{73C19493-B380-4931-8869-E72D5A290B98}" destId="{1F31DA8C-169D-425E-9586-1B88BE192F75}" srcOrd="3" destOrd="0" presId="urn:microsoft.com/office/officeart/2005/8/layout/orgChart1"/>
+    <dgm:cxn modelId="{101BF4B7-A4B6-4B71-9D3C-40075AD29864}" type="presParOf" srcId="{1F31DA8C-169D-425E-9586-1B88BE192F75}" destId="{73E08C0C-7404-4FDC-B429-E8FA10ECB190}" srcOrd="0" destOrd="0" presId="urn:microsoft.com/office/officeart/2005/8/layout/orgChart1"/>
+    <dgm:cxn modelId="{AD13AD2F-08BD-4A35-AC21-8E6193845CBA}" type="presParOf" srcId="{73E08C0C-7404-4FDC-B429-E8FA10ECB190}" destId="{06E7B90D-991F-4286-A1EF-44B27880EF82}" srcOrd="0" destOrd="0" presId="urn:microsoft.com/office/officeart/2005/8/layout/orgChart1"/>
+    <dgm:cxn modelId="{0095B202-B66F-4C88-8006-41F8720E830F}" type="presParOf" srcId="{73E08C0C-7404-4FDC-B429-E8FA10ECB190}" destId="{970C0A9A-B549-4DE6-B454-20536EEF46FA}" srcOrd="1" destOrd="0" presId="urn:microsoft.com/office/officeart/2005/8/layout/orgChart1"/>
+    <dgm:cxn modelId="{DCD8AE03-5B73-4C56-97A9-507010B636F5}" type="presParOf" srcId="{1F31DA8C-169D-425E-9586-1B88BE192F75}" destId="{4E1E19CF-79F6-4EFE-BAF4-759CBDF64A60}" srcOrd="1" destOrd="0" presId="urn:microsoft.com/office/officeart/2005/8/layout/orgChart1"/>
+    <dgm:cxn modelId="{13B3F85A-81A6-427A-9D21-EFA90F1E2410}" type="presParOf" srcId="{1F31DA8C-169D-425E-9586-1B88BE192F75}" destId="{0DC8C2E8-F61B-4014-9895-D3B409917A84}" srcOrd="2" destOrd="0" presId="urn:microsoft.com/office/officeart/2005/8/layout/orgChart1"/>
+    <dgm:cxn modelId="{0890F6A2-09BE-43D1-AA2A-D3FCD65060E2}" type="presParOf" srcId="{73C19493-B380-4931-8869-E72D5A290B98}" destId="{7DC5B0FF-D667-4676-94E3-34449AE4CEDE}" srcOrd="4" destOrd="0" presId="urn:microsoft.com/office/officeart/2005/8/layout/orgChart1"/>
+    <dgm:cxn modelId="{F6275433-5D45-4E44-9382-524AC74DA0A9}" type="presParOf" srcId="{73C19493-B380-4931-8869-E72D5A290B98}" destId="{65E14D4D-227C-4039-A619-322888A5F010}" srcOrd="5" destOrd="0" presId="urn:microsoft.com/office/officeart/2005/8/layout/orgChart1"/>
+    <dgm:cxn modelId="{18006F01-6F1E-4579-BA17-A642BDC16B5A}" type="presParOf" srcId="{65E14D4D-227C-4039-A619-322888A5F010}" destId="{0C898B4E-7515-4006-A4E5-5F7FD0448BA7}" srcOrd="0" destOrd="0" presId="urn:microsoft.com/office/officeart/2005/8/layout/orgChart1"/>
+    <dgm:cxn modelId="{F37BA0B9-514D-4D9B-99A4-7E95B97851D8}" type="presParOf" srcId="{0C898B4E-7515-4006-A4E5-5F7FD0448BA7}" destId="{95786B5D-7924-481D-B953-EA8124768C93}" srcOrd="0" destOrd="0" presId="urn:microsoft.com/office/officeart/2005/8/layout/orgChart1"/>
+    <dgm:cxn modelId="{27348FF5-DB19-4948-BB41-8008C718918F}" type="presParOf" srcId="{0C898B4E-7515-4006-A4E5-5F7FD0448BA7}" destId="{11C34AE8-6343-40E4-9BBA-0C3FA8851812}" srcOrd="1" destOrd="0" presId="urn:microsoft.com/office/officeart/2005/8/layout/orgChart1"/>
+    <dgm:cxn modelId="{399486D2-D0BA-4B9B-98D4-7A90B2E08E30}" type="presParOf" srcId="{65E14D4D-227C-4039-A619-322888A5F010}" destId="{116B4502-BE41-4F04-853B-650D409B75B8}" srcOrd="1" destOrd="0" presId="urn:microsoft.com/office/officeart/2005/8/layout/orgChart1"/>
+    <dgm:cxn modelId="{38D493CD-CAA5-4C91-9465-07DF107F9D62}" type="presParOf" srcId="{65E14D4D-227C-4039-A619-322888A5F010}" destId="{10A0CB9D-5C6F-4889-BA89-F1E0B7734E86}" srcOrd="2" destOrd="0" presId="urn:microsoft.com/office/officeart/2005/8/layout/orgChart1"/>
+    <dgm:cxn modelId="{E0EC527F-887A-4C77-87F2-C34937439E34}" type="presParOf" srcId="{E9C2A065-0CA1-4C7F-ACB2-9258F882D077}" destId="{745C9293-B0E0-4127-B532-B68D92F08DB4}" srcOrd="2" destOrd="0" presId="urn:microsoft.com/office/officeart/2005/8/layout/orgChart1"/>
+    <dgm:cxn modelId="{EF3251BF-CFB8-486F-AC8C-EB01E63D3D14}" type="presParOf" srcId="{3914A81B-6FE3-48E0-9AC4-802D27A1EAD3}" destId="{C023E5C2-16E2-4E81-A798-35CABA574ACD}" srcOrd="2" destOrd="0" presId="urn:microsoft.com/office/officeart/2005/8/layout/orgChart1"/>
+    <dgm:cxn modelId="{FF302D9E-D37E-4AB0-BFDA-45BB013F770F}" type="presParOf" srcId="{11F60B46-05C8-44BE-8D9D-40E549A423DC}" destId="{F2F79496-BD13-4FAE-98EF-3AEDDE2AEF2E}" srcOrd="2" destOrd="0" presId="urn:microsoft.com/office/officeart/2005/8/layout/orgChart1"/>
+    <dgm:cxn modelId="{98AE6289-C288-40A1-99D0-B1E9CDC8EA11}" type="presParOf" srcId="{811177DA-3DC3-466C-ADFB-59ADE6EDC2C1}" destId="{20F56D07-CB45-4658-9AC5-61261AE57339}" srcOrd="2" destOrd="0" presId="urn:microsoft.com/office/officeart/2005/8/layout/orgChart1"/>
+    <dgm:cxn modelId="{76C5E381-6B2F-4C31-B85C-69D9E61E7711}" type="presParOf" srcId="{96CAF737-E6DA-4232-B1EC-8396D338EC04}" destId="{51A6D625-7919-499A-80CC-76B473721C57}" srcOrd="2" destOrd="0" presId="urn:microsoft.com/office/officeart/2005/8/layout/orgChart1"/>
+  </dgm:cxnLst>
+  <dgm:bg/>
+  <dgm:whole/>
+  <dgm:extLst>
+    <a:ext uri="http://schemas.microsoft.com/office/drawing/2008/diagram">
+      <dsp:dataModelExt xmlns:dsp="http://schemas.microsoft.com/office/drawing/2008/diagram" relId="rId6" minVer="http://schemas.openxmlformats.org/drawingml/2006/diagram"/>
+    </a:ext>
+  </dgm:extLst>
+</dgm:dataModel>
+</file>
+
+<file path=ppt/diagrams/data6.xml><?xml version="1.0" encoding="utf-8"?>
 <dgm:dataModel xmlns:dgm="http://schemas.openxmlformats.org/drawingml/2006/diagram" xmlns:a="http://schemas.openxmlformats.org/drawingml/2006/main">
   <dgm:ptLst>
     <dgm:pt modelId="{6190A34A-E4CC-44FD-B4D9-0AB09720CE1F}" type="doc">
@@ -12637,6 +14509,1751 @@
 </file>
 
 <file path=ppt/diagrams/drawing5.xml><?xml version="1.0" encoding="utf-8"?>
+<dsp:drawing xmlns:dgm="http://schemas.openxmlformats.org/drawingml/2006/diagram" xmlns:dsp="http://schemas.microsoft.com/office/drawing/2008/diagram" xmlns:a="http://schemas.openxmlformats.org/drawingml/2006/main">
+  <dsp:spTree>
+    <dsp:nvGrpSpPr>
+      <dsp:cNvPr id="0" name=""/>
+      <dsp:cNvGrpSpPr/>
+    </dsp:nvGrpSpPr>
+    <dsp:grpSpPr/>
+    <dsp:sp modelId="{7DC5B0FF-D667-4676-94E3-34449AE4CEDE}">
+      <dsp:nvSpPr>
+        <dsp:cNvPr id="0" name=""/>
+        <dsp:cNvSpPr/>
+      </dsp:nvSpPr>
+      <dsp:spPr>
+        <a:xfrm>
+          <a:off x="6653147" y="4186470"/>
+          <a:ext cx="187802" cy="2353791"/>
+        </a:xfrm>
+        <a:custGeom>
+          <a:avLst/>
+          <a:gdLst/>
+          <a:ahLst/>
+          <a:cxnLst/>
+          <a:rect l="0" t="0" r="0" b="0"/>
+          <a:pathLst>
+            <a:path>
+              <a:moveTo>
+                <a:pt x="0" y="0"/>
+              </a:moveTo>
+              <a:lnTo>
+                <a:pt x="0" y="2353791"/>
+              </a:lnTo>
+              <a:lnTo>
+                <a:pt x="187802" y="2353791"/>
+              </a:lnTo>
+            </a:path>
+          </a:pathLst>
+        </a:custGeom>
+        <a:noFill/>
+        <a:ln w="12700" cap="flat" cmpd="sng" algn="ctr">
+          <a:solidFill>
+            <a:schemeClr val="accent1">
+              <a:shade val="80000"/>
+              <a:hueOff val="0"/>
+              <a:satOff val="0"/>
+              <a:lumOff val="0"/>
+              <a:alphaOff val="0"/>
+            </a:schemeClr>
+          </a:solidFill>
+          <a:prstDash val="solid"/>
+          <a:miter lim="800000"/>
+        </a:ln>
+        <a:effectLst/>
+      </dsp:spPr>
+      <dsp:style>
+        <a:lnRef idx="2">
+          <a:scrgbClr r="0" g="0" b="0"/>
+        </a:lnRef>
+        <a:fillRef idx="0">
+          <a:scrgbClr r="0" g="0" b="0"/>
+        </a:fillRef>
+        <a:effectRef idx="0">
+          <a:scrgbClr r="0" g="0" b="0"/>
+        </a:effectRef>
+        <a:fontRef idx="minor"/>
+      </dsp:style>
+    </dsp:sp>
+    <dsp:sp modelId="{619FB830-126C-4ED9-9BE5-317D85E053F8}">
+      <dsp:nvSpPr>
+        <dsp:cNvPr id="0" name=""/>
+        <dsp:cNvSpPr/>
+      </dsp:nvSpPr>
+      <dsp:spPr>
+        <a:xfrm>
+          <a:off x="6653147" y="4186470"/>
+          <a:ext cx="187802" cy="1464859"/>
+        </a:xfrm>
+        <a:custGeom>
+          <a:avLst/>
+          <a:gdLst/>
+          <a:ahLst/>
+          <a:cxnLst/>
+          <a:rect l="0" t="0" r="0" b="0"/>
+          <a:pathLst>
+            <a:path>
+              <a:moveTo>
+                <a:pt x="0" y="0"/>
+              </a:moveTo>
+              <a:lnTo>
+                <a:pt x="0" y="1464859"/>
+              </a:lnTo>
+              <a:lnTo>
+                <a:pt x="187802" y="1464859"/>
+              </a:lnTo>
+            </a:path>
+          </a:pathLst>
+        </a:custGeom>
+        <a:noFill/>
+        <a:ln w="12700" cap="flat" cmpd="sng" algn="ctr">
+          <a:solidFill>
+            <a:schemeClr val="accent1">
+              <a:shade val="80000"/>
+              <a:hueOff val="0"/>
+              <a:satOff val="0"/>
+              <a:lumOff val="0"/>
+              <a:alphaOff val="0"/>
+            </a:schemeClr>
+          </a:solidFill>
+          <a:prstDash val="solid"/>
+          <a:miter lim="800000"/>
+        </a:ln>
+        <a:effectLst/>
+      </dsp:spPr>
+      <dsp:style>
+        <a:lnRef idx="2">
+          <a:scrgbClr r="0" g="0" b="0"/>
+        </a:lnRef>
+        <a:fillRef idx="0">
+          <a:scrgbClr r="0" g="0" b="0"/>
+        </a:fillRef>
+        <a:effectRef idx="0">
+          <a:scrgbClr r="0" g="0" b="0"/>
+        </a:effectRef>
+        <a:fontRef idx="minor"/>
+      </dsp:style>
+    </dsp:sp>
+    <dsp:sp modelId="{5E9F28B4-BBB9-4EB1-8E9B-2832D2ABEBEF}">
+      <dsp:nvSpPr>
+        <dsp:cNvPr id="0" name=""/>
+        <dsp:cNvSpPr/>
+      </dsp:nvSpPr>
+      <dsp:spPr>
+        <a:xfrm>
+          <a:off x="6653147" y="4186470"/>
+          <a:ext cx="187802" cy="575927"/>
+        </a:xfrm>
+        <a:custGeom>
+          <a:avLst/>
+          <a:gdLst/>
+          <a:ahLst/>
+          <a:cxnLst/>
+          <a:rect l="0" t="0" r="0" b="0"/>
+          <a:pathLst>
+            <a:path>
+              <a:moveTo>
+                <a:pt x="0" y="0"/>
+              </a:moveTo>
+              <a:lnTo>
+                <a:pt x="0" y="575927"/>
+              </a:lnTo>
+              <a:lnTo>
+                <a:pt x="187802" y="575927"/>
+              </a:lnTo>
+            </a:path>
+          </a:pathLst>
+        </a:custGeom>
+        <a:noFill/>
+        <a:ln w="12700" cap="flat" cmpd="sng" algn="ctr">
+          <a:solidFill>
+            <a:schemeClr val="accent1">
+              <a:shade val="80000"/>
+              <a:hueOff val="0"/>
+              <a:satOff val="0"/>
+              <a:lumOff val="0"/>
+              <a:alphaOff val="0"/>
+            </a:schemeClr>
+          </a:solidFill>
+          <a:prstDash val="solid"/>
+          <a:miter lim="800000"/>
+        </a:ln>
+        <a:effectLst/>
+      </dsp:spPr>
+      <dsp:style>
+        <a:lnRef idx="2">
+          <a:scrgbClr r="0" g="0" b="0"/>
+        </a:lnRef>
+        <a:fillRef idx="0">
+          <a:scrgbClr r="0" g="0" b="0"/>
+        </a:fillRef>
+        <a:effectRef idx="0">
+          <a:scrgbClr r="0" g="0" b="0"/>
+        </a:effectRef>
+        <a:fontRef idx="minor"/>
+      </dsp:style>
+    </dsp:sp>
+    <dsp:sp modelId="{53C6C9AF-16C4-4442-8068-5D2CE4553227}">
+      <dsp:nvSpPr>
+        <dsp:cNvPr id="0" name=""/>
+        <dsp:cNvSpPr/>
+      </dsp:nvSpPr>
+      <dsp:spPr>
+        <a:xfrm>
+          <a:off x="7108234" y="3297538"/>
+          <a:ext cx="91440" cy="262923"/>
+        </a:xfrm>
+        <a:custGeom>
+          <a:avLst/>
+          <a:gdLst/>
+          <a:ahLst/>
+          <a:cxnLst/>
+          <a:rect l="0" t="0" r="0" b="0"/>
+          <a:pathLst>
+            <a:path>
+              <a:moveTo>
+                <a:pt x="45720" y="0"/>
+              </a:moveTo>
+              <a:lnTo>
+                <a:pt x="45720" y="262923"/>
+              </a:lnTo>
+            </a:path>
+          </a:pathLst>
+        </a:custGeom>
+        <a:noFill/>
+        <a:ln w="12700" cap="flat" cmpd="sng" algn="ctr">
+          <a:solidFill>
+            <a:schemeClr val="accent1">
+              <a:shade val="80000"/>
+              <a:hueOff val="0"/>
+              <a:satOff val="0"/>
+              <a:lumOff val="0"/>
+              <a:alphaOff val="0"/>
+            </a:schemeClr>
+          </a:solidFill>
+          <a:prstDash val="solid"/>
+          <a:miter lim="800000"/>
+        </a:ln>
+        <a:effectLst/>
+      </dsp:spPr>
+      <dsp:style>
+        <a:lnRef idx="2">
+          <a:scrgbClr r="0" g="0" b="0"/>
+        </a:lnRef>
+        <a:fillRef idx="0">
+          <a:scrgbClr r="0" g="0" b="0"/>
+        </a:fillRef>
+        <a:effectRef idx="0">
+          <a:scrgbClr r="0" g="0" b="0"/>
+        </a:effectRef>
+        <a:fontRef idx="minor"/>
+      </dsp:style>
+    </dsp:sp>
+    <dsp:sp modelId="{6D3CC969-3D30-48B9-84B1-EC7E77050D39}">
+      <dsp:nvSpPr>
+        <dsp:cNvPr id="0" name=""/>
+        <dsp:cNvSpPr/>
+      </dsp:nvSpPr>
+      <dsp:spPr>
+        <a:xfrm>
+          <a:off x="6239981" y="2408606"/>
+          <a:ext cx="913972" cy="262923"/>
+        </a:xfrm>
+        <a:custGeom>
+          <a:avLst/>
+          <a:gdLst/>
+          <a:ahLst/>
+          <a:cxnLst/>
+          <a:rect l="0" t="0" r="0" b="0"/>
+          <a:pathLst>
+            <a:path>
+              <a:moveTo>
+                <a:pt x="0" y="0"/>
+              </a:moveTo>
+              <a:lnTo>
+                <a:pt x="0" y="131461"/>
+              </a:lnTo>
+              <a:lnTo>
+                <a:pt x="913972" y="131461"/>
+              </a:lnTo>
+              <a:lnTo>
+                <a:pt x="913972" y="262923"/>
+              </a:lnTo>
+            </a:path>
+          </a:pathLst>
+        </a:custGeom>
+        <a:noFill/>
+        <a:ln w="12700" cap="flat" cmpd="sng" algn="ctr">
+          <a:solidFill>
+            <a:schemeClr val="accent1">
+              <a:shade val="80000"/>
+              <a:hueOff val="0"/>
+              <a:satOff val="0"/>
+              <a:lumOff val="0"/>
+              <a:alphaOff val="0"/>
+            </a:schemeClr>
+          </a:solidFill>
+          <a:prstDash val="solid"/>
+          <a:miter lim="800000"/>
+        </a:ln>
+        <a:effectLst/>
+      </dsp:spPr>
+      <dsp:style>
+        <a:lnRef idx="2">
+          <a:scrgbClr r="0" g="0" b="0"/>
+        </a:lnRef>
+        <a:fillRef idx="0">
+          <a:scrgbClr r="0" g="0" b="0"/>
+        </a:fillRef>
+        <a:effectRef idx="0">
+          <a:scrgbClr r="0" g="0" b="0"/>
+        </a:effectRef>
+        <a:fontRef idx="minor"/>
+      </dsp:style>
+    </dsp:sp>
+    <dsp:sp modelId="{7ECB3B23-B804-4C05-85CC-CAACC7B7BF13}">
+      <dsp:nvSpPr>
+        <dsp:cNvPr id="0" name=""/>
+        <dsp:cNvSpPr/>
+      </dsp:nvSpPr>
+      <dsp:spPr>
+        <a:xfrm>
+          <a:off x="4825203" y="3297538"/>
+          <a:ext cx="187802" cy="2353791"/>
+        </a:xfrm>
+        <a:custGeom>
+          <a:avLst/>
+          <a:gdLst/>
+          <a:ahLst/>
+          <a:cxnLst/>
+          <a:rect l="0" t="0" r="0" b="0"/>
+          <a:pathLst>
+            <a:path>
+              <a:moveTo>
+                <a:pt x="0" y="0"/>
+              </a:moveTo>
+              <a:lnTo>
+                <a:pt x="0" y="2353791"/>
+              </a:lnTo>
+              <a:lnTo>
+                <a:pt x="187802" y="2353791"/>
+              </a:lnTo>
+            </a:path>
+          </a:pathLst>
+        </a:custGeom>
+        <a:noFill/>
+        <a:ln w="12700" cap="flat" cmpd="sng" algn="ctr">
+          <a:solidFill>
+            <a:schemeClr val="accent1">
+              <a:shade val="80000"/>
+              <a:hueOff val="0"/>
+              <a:satOff val="0"/>
+              <a:lumOff val="0"/>
+              <a:alphaOff val="0"/>
+            </a:schemeClr>
+          </a:solidFill>
+          <a:prstDash val="solid"/>
+          <a:miter lim="800000"/>
+        </a:ln>
+        <a:effectLst/>
+      </dsp:spPr>
+      <dsp:style>
+        <a:lnRef idx="2">
+          <a:scrgbClr r="0" g="0" b="0"/>
+        </a:lnRef>
+        <a:fillRef idx="0">
+          <a:scrgbClr r="0" g="0" b="0"/>
+        </a:fillRef>
+        <a:effectRef idx="0">
+          <a:scrgbClr r="0" g="0" b="0"/>
+        </a:effectRef>
+        <a:fontRef idx="minor"/>
+      </dsp:style>
+    </dsp:sp>
+    <dsp:sp modelId="{7409503C-0335-4CE4-8DE2-C7BC8D13475A}">
+      <dsp:nvSpPr>
+        <dsp:cNvPr id="0" name=""/>
+        <dsp:cNvSpPr/>
+      </dsp:nvSpPr>
+      <dsp:spPr>
+        <a:xfrm>
+          <a:off x="4825203" y="3297538"/>
+          <a:ext cx="187802" cy="1464859"/>
+        </a:xfrm>
+        <a:custGeom>
+          <a:avLst/>
+          <a:gdLst/>
+          <a:ahLst/>
+          <a:cxnLst/>
+          <a:rect l="0" t="0" r="0" b="0"/>
+          <a:pathLst>
+            <a:path>
+              <a:moveTo>
+                <a:pt x="0" y="0"/>
+              </a:moveTo>
+              <a:lnTo>
+                <a:pt x="0" y="1464859"/>
+              </a:lnTo>
+              <a:lnTo>
+                <a:pt x="187802" y="1464859"/>
+              </a:lnTo>
+            </a:path>
+          </a:pathLst>
+        </a:custGeom>
+        <a:noFill/>
+        <a:ln w="12700" cap="flat" cmpd="sng" algn="ctr">
+          <a:solidFill>
+            <a:schemeClr val="accent1">
+              <a:shade val="80000"/>
+              <a:hueOff val="0"/>
+              <a:satOff val="0"/>
+              <a:lumOff val="0"/>
+              <a:alphaOff val="0"/>
+            </a:schemeClr>
+          </a:solidFill>
+          <a:prstDash val="solid"/>
+          <a:miter lim="800000"/>
+        </a:ln>
+        <a:effectLst/>
+      </dsp:spPr>
+      <dsp:style>
+        <a:lnRef idx="2">
+          <a:scrgbClr r="0" g="0" b="0"/>
+        </a:lnRef>
+        <a:fillRef idx="0">
+          <a:scrgbClr r="0" g="0" b="0"/>
+        </a:fillRef>
+        <a:effectRef idx="0">
+          <a:scrgbClr r="0" g="0" b="0"/>
+        </a:effectRef>
+        <a:fontRef idx="minor"/>
+      </dsp:style>
+    </dsp:sp>
+    <dsp:sp modelId="{186B69E0-9290-438F-94FD-8EA5774CE85B}">
+      <dsp:nvSpPr>
+        <dsp:cNvPr id="0" name=""/>
+        <dsp:cNvSpPr/>
+      </dsp:nvSpPr>
+      <dsp:spPr>
+        <a:xfrm>
+          <a:off x="4825203" y="3297538"/>
+          <a:ext cx="187802" cy="575927"/>
+        </a:xfrm>
+        <a:custGeom>
+          <a:avLst/>
+          <a:gdLst/>
+          <a:ahLst/>
+          <a:cxnLst/>
+          <a:rect l="0" t="0" r="0" b="0"/>
+          <a:pathLst>
+            <a:path>
+              <a:moveTo>
+                <a:pt x="0" y="0"/>
+              </a:moveTo>
+              <a:lnTo>
+                <a:pt x="0" y="575927"/>
+              </a:lnTo>
+              <a:lnTo>
+                <a:pt x="187802" y="575927"/>
+              </a:lnTo>
+            </a:path>
+          </a:pathLst>
+        </a:custGeom>
+        <a:noFill/>
+        <a:ln w="12700" cap="flat" cmpd="sng" algn="ctr">
+          <a:solidFill>
+            <a:schemeClr val="accent1">
+              <a:shade val="80000"/>
+              <a:hueOff val="0"/>
+              <a:satOff val="0"/>
+              <a:lumOff val="0"/>
+              <a:alphaOff val="0"/>
+            </a:schemeClr>
+          </a:solidFill>
+          <a:prstDash val="solid"/>
+          <a:miter lim="800000"/>
+        </a:ln>
+        <a:effectLst/>
+      </dsp:spPr>
+      <dsp:style>
+        <a:lnRef idx="2">
+          <a:scrgbClr r="0" g="0" b="0"/>
+        </a:lnRef>
+        <a:fillRef idx="0">
+          <a:scrgbClr r="0" g="0" b="0"/>
+        </a:fillRef>
+        <a:effectRef idx="0">
+          <a:scrgbClr r="0" g="0" b="0"/>
+        </a:effectRef>
+        <a:fontRef idx="minor"/>
+      </dsp:style>
+    </dsp:sp>
+    <dsp:sp modelId="{AC142513-7AE7-485B-A5FF-DBA6C1DCA889}">
+      <dsp:nvSpPr>
+        <dsp:cNvPr id="0" name=""/>
+        <dsp:cNvSpPr/>
+      </dsp:nvSpPr>
+      <dsp:spPr>
+        <a:xfrm>
+          <a:off x="5326009" y="2408606"/>
+          <a:ext cx="913972" cy="262923"/>
+        </a:xfrm>
+        <a:custGeom>
+          <a:avLst/>
+          <a:gdLst/>
+          <a:ahLst/>
+          <a:cxnLst/>
+          <a:rect l="0" t="0" r="0" b="0"/>
+          <a:pathLst>
+            <a:path>
+              <a:moveTo>
+                <a:pt x="913972" y="0"/>
+              </a:moveTo>
+              <a:lnTo>
+                <a:pt x="913972" y="131461"/>
+              </a:lnTo>
+              <a:lnTo>
+                <a:pt x="0" y="131461"/>
+              </a:lnTo>
+              <a:lnTo>
+                <a:pt x="0" y="262923"/>
+              </a:lnTo>
+            </a:path>
+          </a:pathLst>
+        </a:custGeom>
+        <a:noFill/>
+        <a:ln w="12700" cap="flat" cmpd="sng" algn="ctr">
+          <a:solidFill>
+            <a:schemeClr val="accent1">
+              <a:shade val="80000"/>
+              <a:hueOff val="0"/>
+              <a:satOff val="0"/>
+              <a:lumOff val="0"/>
+              <a:alphaOff val="0"/>
+            </a:schemeClr>
+          </a:solidFill>
+          <a:prstDash val="solid"/>
+          <a:miter lim="800000"/>
+        </a:ln>
+        <a:effectLst/>
+      </dsp:spPr>
+      <dsp:style>
+        <a:lnRef idx="2">
+          <a:scrgbClr r="0" g="0" b="0"/>
+        </a:lnRef>
+        <a:fillRef idx="0">
+          <a:scrgbClr r="0" g="0" b="0"/>
+        </a:fillRef>
+        <a:effectRef idx="0">
+          <a:scrgbClr r="0" g="0" b="0"/>
+        </a:effectRef>
+        <a:fontRef idx="minor"/>
+      </dsp:style>
+    </dsp:sp>
+    <dsp:sp modelId="{13B935BE-5B5A-41CC-B4FC-95281ECE05B8}">
+      <dsp:nvSpPr>
+        <dsp:cNvPr id="0" name=""/>
+        <dsp:cNvSpPr/>
+      </dsp:nvSpPr>
+      <dsp:spPr>
+        <a:xfrm>
+          <a:off x="6194261" y="1519674"/>
+          <a:ext cx="91440" cy="262923"/>
+        </a:xfrm>
+        <a:custGeom>
+          <a:avLst/>
+          <a:gdLst/>
+          <a:ahLst/>
+          <a:cxnLst/>
+          <a:rect l="0" t="0" r="0" b="0"/>
+          <a:pathLst>
+            <a:path>
+              <a:moveTo>
+                <a:pt x="45720" y="0"/>
+              </a:moveTo>
+              <a:lnTo>
+                <a:pt x="45720" y="262923"/>
+              </a:lnTo>
+            </a:path>
+          </a:pathLst>
+        </a:custGeom>
+        <a:noFill/>
+        <a:ln w="12700" cap="flat" cmpd="sng" algn="ctr">
+          <a:solidFill>
+            <a:schemeClr val="accent1">
+              <a:shade val="80000"/>
+              <a:hueOff val="0"/>
+              <a:satOff val="0"/>
+              <a:lumOff val="0"/>
+              <a:alphaOff val="0"/>
+            </a:schemeClr>
+          </a:solidFill>
+          <a:prstDash val="solid"/>
+          <a:miter lim="800000"/>
+        </a:ln>
+        <a:effectLst/>
+      </dsp:spPr>
+      <dsp:style>
+        <a:lnRef idx="2">
+          <a:scrgbClr r="0" g="0" b="0"/>
+        </a:lnRef>
+        <a:fillRef idx="0">
+          <a:scrgbClr r="0" g="0" b="0"/>
+        </a:fillRef>
+        <a:effectRef idx="0">
+          <a:scrgbClr r="0" g="0" b="0"/>
+        </a:effectRef>
+        <a:fontRef idx="minor"/>
+      </dsp:style>
+    </dsp:sp>
+    <dsp:sp modelId="{EB4111D1-AB41-4746-AE01-33AFFF2103BD}">
+      <dsp:nvSpPr>
+        <dsp:cNvPr id="0" name=""/>
+        <dsp:cNvSpPr/>
+      </dsp:nvSpPr>
+      <dsp:spPr>
+        <a:xfrm>
+          <a:off x="5482511" y="630742"/>
+          <a:ext cx="757470" cy="262923"/>
+        </a:xfrm>
+        <a:custGeom>
+          <a:avLst/>
+          <a:gdLst/>
+          <a:ahLst/>
+          <a:cxnLst/>
+          <a:rect l="0" t="0" r="0" b="0"/>
+          <a:pathLst>
+            <a:path>
+              <a:moveTo>
+                <a:pt x="0" y="0"/>
+              </a:moveTo>
+              <a:lnTo>
+                <a:pt x="0" y="131461"/>
+              </a:lnTo>
+              <a:lnTo>
+                <a:pt x="757470" y="131461"/>
+              </a:lnTo>
+              <a:lnTo>
+                <a:pt x="757470" y="262923"/>
+              </a:lnTo>
+            </a:path>
+          </a:pathLst>
+        </a:custGeom>
+        <a:noFill/>
+        <a:ln w="12700" cap="flat" cmpd="sng" algn="ctr">
+          <a:solidFill>
+            <a:schemeClr val="accent1">
+              <a:shade val="60000"/>
+              <a:hueOff val="0"/>
+              <a:satOff val="0"/>
+              <a:lumOff val="0"/>
+              <a:alphaOff val="0"/>
+            </a:schemeClr>
+          </a:solidFill>
+          <a:prstDash val="solid"/>
+          <a:miter lim="800000"/>
+        </a:ln>
+        <a:effectLst/>
+      </dsp:spPr>
+      <dsp:style>
+        <a:lnRef idx="2">
+          <a:scrgbClr r="0" g="0" b="0"/>
+        </a:lnRef>
+        <a:fillRef idx="0">
+          <a:scrgbClr r="0" g="0" b="0"/>
+        </a:fillRef>
+        <a:effectRef idx="0">
+          <a:scrgbClr r="0" g="0" b="0"/>
+        </a:effectRef>
+        <a:fontRef idx="minor"/>
+      </dsp:style>
+    </dsp:sp>
+    <dsp:sp modelId="{9D1C3C33-833B-4D97-AEC6-EA69C7084849}">
+      <dsp:nvSpPr>
+        <dsp:cNvPr id="0" name=""/>
+        <dsp:cNvSpPr/>
+      </dsp:nvSpPr>
+      <dsp:spPr>
+        <a:xfrm>
+          <a:off x="4725041" y="630742"/>
+          <a:ext cx="757470" cy="262923"/>
+        </a:xfrm>
+        <a:custGeom>
+          <a:avLst/>
+          <a:gdLst/>
+          <a:ahLst/>
+          <a:cxnLst/>
+          <a:rect l="0" t="0" r="0" b="0"/>
+          <a:pathLst>
+            <a:path>
+              <a:moveTo>
+                <a:pt x="757470" y="0"/>
+              </a:moveTo>
+              <a:lnTo>
+                <a:pt x="757470" y="131461"/>
+              </a:lnTo>
+              <a:lnTo>
+                <a:pt x="0" y="131461"/>
+              </a:lnTo>
+              <a:lnTo>
+                <a:pt x="0" y="262923"/>
+              </a:lnTo>
+            </a:path>
+          </a:pathLst>
+        </a:custGeom>
+        <a:noFill/>
+        <a:ln w="12700" cap="flat" cmpd="sng" algn="ctr">
+          <a:solidFill>
+            <a:schemeClr val="accent1">
+              <a:shade val="60000"/>
+              <a:hueOff val="0"/>
+              <a:satOff val="0"/>
+              <a:lumOff val="0"/>
+              <a:alphaOff val="0"/>
+            </a:schemeClr>
+          </a:solidFill>
+          <a:prstDash val="solid"/>
+          <a:miter lim="800000"/>
+        </a:ln>
+        <a:effectLst/>
+      </dsp:spPr>
+      <dsp:style>
+        <a:lnRef idx="2">
+          <a:scrgbClr r="0" g="0" b="0"/>
+        </a:lnRef>
+        <a:fillRef idx="0">
+          <a:scrgbClr r="0" g="0" b="0"/>
+        </a:fillRef>
+        <a:effectRef idx="0">
+          <a:scrgbClr r="0" g="0" b="0"/>
+        </a:effectRef>
+        <a:fontRef idx="minor"/>
+      </dsp:style>
+    </dsp:sp>
+    <dsp:sp modelId="{914F8C5F-EEB0-488A-9FFD-AD66D0824781}">
+      <dsp:nvSpPr>
+        <dsp:cNvPr id="0" name=""/>
+        <dsp:cNvSpPr/>
+      </dsp:nvSpPr>
+      <dsp:spPr>
+        <a:xfrm>
+          <a:off x="4856503" y="4734"/>
+          <a:ext cx="1252016" cy="626008"/>
+        </a:xfrm>
+        <a:prstGeom prst="rect">
+          <a:avLst/>
+        </a:prstGeom>
+        <a:solidFill>
+          <a:schemeClr val="accent1">
+            <a:hueOff val="0"/>
+            <a:satOff val="0"/>
+            <a:lumOff val="0"/>
+            <a:alphaOff val="0"/>
+          </a:schemeClr>
+        </a:solidFill>
+        <a:ln w="12700" cap="flat" cmpd="sng" algn="ctr">
+          <a:solidFill>
+            <a:schemeClr val="lt1">
+              <a:hueOff val="0"/>
+              <a:satOff val="0"/>
+              <a:lumOff val="0"/>
+              <a:alphaOff val="0"/>
+            </a:schemeClr>
+          </a:solidFill>
+          <a:prstDash val="solid"/>
+          <a:miter lim="800000"/>
+        </a:ln>
+        <a:effectLst/>
+      </dsp:spPr>
+      <dsp:style>
+        <a:lnRef idx="2">
+          <a:scrgbClr r="0" g="0" b="0"/>
+        </a:lnRef>
+        <a:fillRef idx="1">
+          <a:scrgbClr r="0" g="0" b="0"/>
+        </a:fillRef>
+        <a:effectRef idx="0">
+          <a:scrgbClr r="0" g="0" b="0"/>
+        </a:effectRef>
+        <a:fontRef idx="minor">
+          <a:schemeClr val="lt1"/>
+        </a:fontRef>
+      </dsp:style>
+      <dsp:txBody>
+        <a:bodyPr spcFirstLastPara="0" vert="horz" wrap="square" lIns="7620" tIns="7620" rIns="7620" bIns="7620" numCol="1" spcCol="1270" anchor="ctr" anchorCtr="0">
+          <a:noAutofit/>
+        </a:bodyPr>
+        <a:lstStyle/>
+        <a:p>
+          <a:pPr marL="0" lvl="0" indent="0" algn="ctr" defTabSz="533400">
+            <a:lnSpc>
+              <a:spcPct val="90000"/>
+            </a:lnSpc>
+            <a:spcBef>
+              <a:spcPct val="0"/>
+            </a:spcBef>
+            <a:spcAft>
+              <a:spcPct val="35000"/>
+            </a:spcAft>
+            <a:buNone/>
+          </a:pPr>
+          <a:r>
+            <a:rPr lang="en-GB" sz="1200" kern="1200" dirty="0"/>
+            <a:t>Evolution</a:t>
+          </a:r>
+        </a:p>
+      </dsp:txBody>
+      <dsp:txXfrm>
+        <a:off x="4856503" y="4734"/>
+        <a:ext cx="1252016" cy="626008"/>
+      </dsp:txXfrm>
+    </dsp:sp>
+    <dsp:sp modelId="{EC095EE4-D455-48C5-8753-B832ADE63F4A}">
+      <dsp:nvSpPr>
+        <dsp:cNvPr id="0" name=""/>
+        <dsp:cNvSpPr/>
+      </dsp:nvSpPr>
+      <dsp:spPr>
+        <a:xfrm>
+          <a:off x="4099033" y="893666"/>
+          <a:ext cx="1252016" cy="626008"/>
+        </a:xfrm>
+        <a:prstGeom prst="rect">
+          <a:avLst/>
+        </a:prstGeom>
+        <a:solidFill>
+          <a:schemeClr val="accent1">
+            <a:hueOff val="0"/>
+            <a:satOff val="0"/>
+            <a:lumOff val="0"/>
+            <a:alphaOff val="0"/>
+          </a:schemeClr>
+        </a:solidFill>
+        <a:ln w="12700" cap="flat" cmpd="sng" algn="ctr">
+          <a:solidFill>
+            <a:schemeClr val="lt1">
+              <a:hueOff val="0"/>
+              <a:satOff val="0"/>
+              <a:lumOff val="0"/>
+              <a:alphaOff val="0"/>
+            </a:schemeClr>
+          </a:solidFill>
+          <a:prstDash val="solid"/>
+          <a:miter lim="800000"/>
+        </a:ln>
+        <a:effectLst/>
+      </dsp:spPr>
+      <dsp:style>
+        <a:lnRef idx="2">
+          <a:scrgbClr r="0" g="0" b="0"/>
+        </a:lnRef>
+        <a:fillRef idx="1">
+          <a:scrgbClr r="0" g="0" b="0"/>
+        </a:fillRef>
+        <a:effectRef idx="0">
+          <a:scrgbClr r="0" g="0" b="0"/>
+        </a:effectRef>
+        <a:fontRef idx="minor">
+          <a:schemeClr val="lt1"/>
+        </a:fontRef>
+      </dsp:style>
+      <dsp:txBody>
+        <a:bodyPr spcFirstLastPara="0" vert="horz" wrap="square" lIns="7620" tIns="7620" rIns="7620" bIns="7620" numCol="1" spcCol="1270" anchor="ctr" anchorCtr="0">
+          <a:noAutofit/>
+        </a:bodyPr>
+        <a:lstStyle/>
+        <a:p>
+          <a:pPr marL="0" lvl="0" indent="0" algn="ctr" defTabSz="533400">
+            <a:lnSpc>
+              <a:spcPct val="90000"/>
+            </a:lnSpc>
+            <a:spcBef>
+              <a:spcPct val="0"/>
+            </a:spcBef>
+            <a:spcAft>
+              <a:spcPct val="35000"/>
+            </a:spcAft>
+            <a:buNone/>
+          </a:pPr>
+          <a:r>
+            <a:rPr lang="en-GB" sz="1200" kern="1200" dirty="0"/>
+            <a:t>Motor Babbling</a:t>
+          </a:r>
+        </a:p>
+      </dsp:txBody>
+      <dsp:txXfrm>
+        <a:off x="4099033" y="893666"/>
+        <a:ext cx="1252016" cy="626008"/>
+      </dsp:txXfrm>
+    </dsp:sp>
+    <dsp:sp modelId="{DFE94D58-8D20-4D29-86E1-A4EDD7A5E205}">
+      <dsp:nvSpPr>
+        <dsp:cNvPr id="0" name=""/>
+        <dsp:cNvSpPr/>
+      </dsp:nvSpPr>
+      <dsp:spPr>
+        <a:xfrm>
+          <a:off x="5613973" y="893666"/>
+          <a:ext cx="1252016" cy="626008"/>
+        </a:xfrm>
+        <a:prstGeom prst="rect">
+          <a:avLst/>
+        </a:prstGeom>
+        <a:solidFill>
+          <a:schemeClr val="accent1">
+            <a:hueOff val="0"/>
+            <a:satOff val="0"/>
+            <a:lumOff val="0"/>
+            <a:alphaOff val="0"/>
+          </a:schemeClr>
+        </a:solidFill>
+        <a:ln w="12700" cap="flat" cmpd="sng" algn="ctr">
+          <a:solidFill>
+            <a:schemeClr val="lt1">
+              <a:hueOff val="0"/>
+              <a:satOff val="0"/>
+              <a:lumOff val="0"/>
+              <a:alphaOff val="0"/>
+            </a:schemeClr>
+          </a:solidFill>
+          <a:prstDash val="solid"/>
+          <a:miter lim="800000"/>
+        </a:ln>
+        <a:effectLst/>
+      </dsp:spPr>
+      <dsp:style>
+        <a:lnRef idx="2">
+          <a:scrgbClr r="0" g="0" b="0"/>
+        </a:lnRef>
+        <a:fillRef idx="1">
+          <a:scrgbClr r="0" g="0" b="0"/>
+        </a:fillRef>
+        <a:effectRef idx="0">
+          <a:scrgbClr r="0" g="0" b="0"/>
+        </a:effectRef>
+        <a:fontRef idx="minor">
+          <a:schemeClr val="lt1"/>
+        </a:fontRef>
+      </dsp:style>
+      <dsp:txBody>
+        <a:bodyPr spcFirstLastPara="0" vert="horz" wrap="square" lIns="7620" tIns="7620" rIns="7620" bIns="7620" numCol="1" spcCol="1270" anchor="ctr" anchorCtr="0">
+          <a:noAutofit/>
+        </a:bodyPr>
+        <a:lstStyle/>
+        <a:p>
+          <a:pPr marL="0" lvl="0" indent="0" algn="ctr" defTabSz="533400">
+            <a:lnSpc>
+              <a:spcPct val="90000"/>
+            </a:lnSpc>
+            <a:spcBef>
+              <a:spcPct val="0"/>
+            </a:spcBef>
+            <a:spcAft>
+              <a:spcPct val="35000"/>
+            </a:spcAft>
+            <a:buNone/>
+          </a:pPr>
+          <a:r>
+            <a:rPr lang="en-GB" sz="1200" kern="1200" dirty="0"/>
+            <a:t>Intrinsic Motivation</a:t>
+          </a:r>
+        </a:p>
+      </dsp:txBody>
+      <dsp:txXfrm>
+        <a:off x="5613973" y="893666"/>
+        <a:ext cx="1252016" cy="626008"/>
+      </dsp:txXfrm>
+    </dsp:sp>
+    <dsp:sp modelId="{F53FE49E-569C-4311-8D80-83A0D7D69048}">
+      <dsp:nvSpPr>
+        <dsp:cNvPr id="0" name=""/>
+        <dsp:cNvSpPr/>
+      </dsp:nvSpPr>
+      <dsp:spPr>
+        <a:xfrm>
+          <a:off x="5613973" y="1782598"/>
+          <a:ext cx="1252016" cy="626008"/>
+        </a:xfrm>
+        <a:prstGeom prst="rect">
+          <a:avLst/>
+        </a:prstGeom>
+        <a:solidFill>
+          <a:schemeClr val="accent1">
+            <a:hueOff val="0"/>
+            <a:satOff val="0"/>
+            <a:lumOff val="0"/>
+            <a:alphaOff val="0"/>
+          </a:schemeClr>
+        </a:solidFill>
+        <a:ln w="12700" cap="flat" cmpd="sng" algn="ctr">
+          <a:solidFill>
+            <a:schemeClr val="lt1">
+              <a:hueOff val="0"/>
+              <a:satOff val="0"/>
+              <a:lumOff val="0"/>
+              <a:alphaOff val="0"/>
+            </a:schemeClr>
+          </a:solidFill>
+          <a:prstDash val="solid"/>
+          <a:miter lim="800000"/>
+        </a:ln>
+        <a:effectLst/>
+      </dsp:spPr>
+      <dsp:style>
+        <a:lnRef idx="2">
+          <a:scrgbClr r="0" g="0" b="0"/>
+        </a:lnRef>
+        <a:fillRef idx="1">
+          <a:scrgbClr r="0" g="0" b="0"/>
+        </a:fillRef>
+        <a:effectRef idx="0">
+          <a:scrgbClr r="0" g="0" b="0"/>
+        </a:effectRef>
+        <a:fontRef idx="minor">
+          <a:schemeClr val="lt1"/>
+        </a:fontRef>
+      </dsp:style>
+      <dsp:txBody>
+        <a:bodyPr spcFirstLastPara="0" vert="horz" wrap="square" lIns="7620" tIns="7620" rIns="7620" bIns="7620" numCol="1" spcCol="1270" anchor="ctr" anchorCtr="0">
+          <a:noAutofit/>
+        </a:bodyPr>
+        <a:lstStyle/>
+        <a:p>
+          <a:pPr marL="0" lvl="0" indent="0" algn="ctr" defTabSz="533400">
+            <a:lnSpc>
+              <a:spcPct val="90000"/>
+            </a:lnSpc>
+            <a:spcBef>
+              <a:spcPct val="0"/>
+            </a:spcBef>
+            <a:spcAft>
+              <a:spcPct val="35000"/>
+            </a:spcAft>
+            <a:buNone/>
+          </a:pPr>
+          <a:r>
+            <a:rPr lang="en-GB" sz="1200" kern="1200" dirty="0"/>
+            <a:t>Reinforcement Learning</a:t>
+          </a:r>
+        </a:p>
+      </dsp:txBody>
+      <dsp:txXfrm>
+        <a:off x="5613973" y="1782598"/>
+        <a:ext cx="1252016" cy="626008"/>
+      </dsp:txXfrm>
+    </dsp:sp>
+    <dsp:sp modelId="{693A393F-D670-4879-9B42-7B577242AA0B}">
+      <dsp:nvSpPr>
+        <dsp:cNvPr id="0" name=""/>
+        <dsp:cNvSpPr/>
+      </dsp:nvSpPr>
+      <dsp:spPr>
+        <a:xfrm>
+          <a:off x="4700001" y="2671529"/>
+          <a:ext cx="1252016" cy="626008"/>
+        </a:xfrm>
+        <a:prstGeom prst="rect">
+          <a:avLst/>
+        </a:prstGeom>
+        <a:solidFill>
+          <a:schemeClr val="accent1">
+            <a:hueOff val="0"/>
+            <a:satOff val="0"/>
+            <a:lumOff val="0"/>
+            <a:alphaOff val="0"/>
+          </a:schemeClr>
+        </a:solidFill>
+        <a:ln w="12700" cap="flat" cmpd="sng" algn="ctr">
+          <a:solidFill>
+            <a:schemeClr val="lt1">
+              <a:hueOff val="0"/>
+              <a:satOff val="0"/>
+              <a:lumOff val="0"/>
+              <a:alphaOff val="0"/>
+            </a:schemeClr>
+          </a:solidFill>
+          <a:prstDash val="solid"/>
+          <a:miter lim="800000"/>
+        </a:ln>
+        <a:effectLst/>
+      </dsp:spPr>
+      <dsp:style>
+        <a:lnRef idx="2">
+          <a:scrgbClr r="0" g="0" b="0"/>
+        </a:lnRef>
+        <a:fillRef idx="1">
+          <a:scrgbClr r="0" g="0" b="0"/>
+        </a:fillRef>
+        <a:effectRef idx="0">
+          <a:scrgbClr r="0" g="0" b="0"/>
+        </a:effectRef>
+        <a:fontRef idx="minor">
+          <a:schemeClr val="lt1"/>
+        </a:fontRef>
+      </dsp:style>
+      <dsp:txBody>
+        <a:bodyPr spcFirstLastPara="0" vert="horz" wrap="square" lIns="7620" tIns="7620" rIns="7620" bIns="7620" numCol="1" spcCol="1270" anchor="ctr" anchorCtr="0">
+          <a:noAutofit/>
+        </a:bodyPr>
+        <a:lstStyle/>
+        <a:p>
+          <a:pPr marL="0" lvl="0" indent="0" algn="ctr" defTabSz="533400">
+            <a:lnSpc>
+              <a:spcPct val="90000"/>
+            </a:lnSpc>
+            <a:spcBef>
+              <a:spcPct val="0"/>
+            </a:spcBef>
+            <a:spcAft>
+              <a:spcPct val="35000"/>
+            </a:spcAft>
+            <a:buNone/>
+          </a:pPr>
+          <a:r>
+            <a:rPr lang="en-GB" sz="1200" kern="1200" dirty="0"/>
+            <a:t>Skill Abstraction</a:t>
+          </a:r>
+        </a:p>
+      </dsp:txBody>
+      <dsp:txXfrm>
+        <a:off x="4700001" y="2671529"/>
+        <a:ext cx="1252016" cy="626008"/>
+      </dsp:txXfrm>
+    </dsp:sp>
+    <dsp:sp modelId="{D04F07D2-1969-4D22-B502-6838108F79E4}">
+      <dsp:nvSpPr>
+        <dsp:cNvPr id="0" name=""/>
+        <dsp:cNvSpPr/>
+      </dsp:nvSpPr>
+      <dsp:spPr>
+        <a:xfrm>
+          <a:off x="5013005" y="3560461"/>
+          <a:ext cx="1252016" cy="626008"/>
+        </a:xfrm>
+        <a:prstGeom prst="rect">
+          <a:avLst/>
+        </a:prstGeom>
+        <a:solidFill>
+          <a:schemeClr val="accent1">
+            <a:hueOff val="0"/>
+            <a:satOff val="0"/>
+            <a:lumOff val="0"/>
+            <a:alphaOff val="0"/>
+          </a:schemeClr>
+        </a:solidFill>
+        <a:ln w="12700" cap="flat" cmpd="sng" algn="ctr">
+          <a:solidFill>
+            <a:schemeClr val="lt1">
+              <a:hueOff val="0"/>
+              <a:satOff val="0"/>
+              <a:lumOff val="0"/>
+              <a:alphaOff val="0"/>
+            </a:schemeClr>
+          </a:solidFill>
+          <a:prstDash val="solid"/>
+          <a:miter lim="800000"/>
+        </a:ln>
+        <a:effectLst/>
+      </dsp:spPr>
+      <dsp:style>
+        <a:lnRef idx="2">
+          <a:scrgbClr r="0" g="0" b="0"/>
+        </a:lnRef>
+        <a:fillRef idx="1">
+          <a:scrgbClr r="0" g="0" b="0"/>
+        </a:fillRef>
+        <a:effectRef idx="0">
+          <a:scrgbClr r="0" g="0" b="0"/>
+        </a:effectRef>
+        <a:fontRef idx="minor">
+          <a:schemeClr val="lt1"/>
+        </a:fontRef>
+      </dsp:style>
+      <dsp:txBody>
+        <a:bodyPr spcFirstLastPara="0" vert="horz" wrap="square" lIns="7620" tIns="7620" rIns="7620" bIns="7620" numCol="1" spcCol="1270" anchor="ctr" anchorCtr="0">
+          <a:noAutofit/>
+        </a:bodyPr>
+        <a:lstStyle/>
+        <a:p>
+          <a:pPr marL="0" lvl="0" indent="0" algn="ctr" defTabSz="533400">
+            <a:lnSpc>
+              <a:spcPct val="90000"/>
+            </a:lnSpc>
+            <a:spcBef>
+              <a:spcPct val="0"/>
+            </a:spcBef>
+            <a:spcAft>
+              <a:spcPct val="35000"/>
+            </a:spcAft>
+            <a:buNone/>
+          </a:pPr>
+          <a:r>
+            <a:rPr lang="en-GB" sz="1200" b="0" i="0" kern="1200" dirty="0"/>
+            <a:t>Intrinsic rewards with expert knowledge.</a:t>
+          </a:r>
+          <a:endParaRPr lang="en-GB" sz="1200" kern="1200" dirty="0"/>
+        </a:p>
+      </dsp:txBody>
+      <dsp:txXfrm>
+        <a:off x="5013005" y="3560461"/>
+        <a:ext cx="1252016" cy="626008"/>
+      </dsp:txXfrm>
+    </dsp:sp>
+    <dsp:sp modelId="{B64A6CF6-8F7A-4364-AD9F-BFE36AFB6982}">
+      <dsp:nvSpPr>
+        <dsp:cNvPr id="0" name=""/>
+        <dsp:cNvSpPr/>
+      </dsp:nvSpPr>
+      <dsp:spPr>
+        <a:xfrm>
+          <a:off x="5013005" y="4449393"/>
+          <a:ext cx="1252016" cy="626008"/>
+        </a:xfrm>
+        <a:prstGeom prst="rect">
+          <a:avLst/>
+        </a:prstGeom>
+        <a:solidFill>
+          <a:schemeClr val="accent1">
+            <a:hueOff val="0"/>
+            <a:satOff val="0"/>
+            <a:lumOff val="0"/>
+            <a:alphaOff val="0"/>
+          </a:schemeClr>
+        </a:solidFill>
+        <a:ln w="12700" cap="flat" cmpd="sng" algn="ctr">
+          <a:solidFill>
+            <a:schemeClr val="lt1">
+              <a:hueOff val="0"/>
+              <a:satOff val="0"/>
+              <a:lumOff val="0"/>
+              <a:alphaOff val="0"/>
+            </a:schemeClr>
+          </a:solidFill>
+          <a:prstDash val="solid"/>
+          <a:miter lim="800000"/>
+        </a:ln>
+        <a:effectLst/>
+      </dsp:spPr>
+      <dsp:style>
+        <a:lnRef idx="2">
+          <a:scrgbClr r="0" g="0" b="0"/>
+        </a:lnRef>
+        <a:fillRef idx="1">
+          <a:scrgbClr r="0" g="0" b="0"/>
+        </a:fillRef>
+        <a:effectRef idx="0">
+          <a:scrgbClr r="0" g="0" b="0"/>
+        </a:effectRef>
+        <a:fontRef idx="minor">
+          <a:schemeClr val="lt1"/>
+        </a:fontRef>
+      </dsp:style>
+      <dsp:txBody>
+        <a:bodyPr spcFirstLastPara="0" vert="horz" wrap="square" lIns="7620" tIns="7620" rIns="7620" bIns="7620" numCol="1" spcCol="1270" anchor="ctr" anchorCtr="0">
+          <a:noAutofit/>
+        </a:bodyPr>
+        <a:lstStyle/>
+        <a:p>
+          <a:pPr marL="0" lvl="0" indent="0" algn="ctr" defTabSz="533400">
+            <a:lnSpc>
+              <a:spcPct val="90000"/>
+            </a:lnSpc>
+            <a:spcBef>
+              <a:spcPct val="0"/>
+            </a:spcBef>
+            <a:spcAft>
+              <a:spcPct val="35000"/>
+            </a:spcAft>
+            <a:buNone/>
+          </a:pPr>
+          <a:r>
+            <a:rPr lang="en-GB" sz="1200" b="0" i="0" kern="1200"/>
+            <a:t>Building the goal space from the state space</a:t>
+          </a:r>
+          <a:endParaRPr lang="en-GB" sz="1200" kern="1200" dirty="0"/>
+        </a:p>
+      </dsp:txBody>
+      <dsp:txXfrm>
+        <a:off x="5013005" y="4449393"/>
+        <a:ext cx="1252016" cy="626008"/>
+      </dsp:txXfrm>
+    </dsp:sp>
+    <dsp:sp modelId="{8D80E616-6FCF-483B-BEBE-4A08412FE2DC}">
+      <dsp:nvSpPr>
+        <dsp:cNvPr id="0" name=""/>
+        <dsp:cNvSpPr/>
+      </dsp:nvSpPr>
+      <dsp:spPr>
+        <a:xfrm>
+          <a:off x="5013005" y="5338325"/>
+          <a:ext cx="1252016" cy="626008"/>
+        </a:xfrm>
+        <a:prstGeom prst="rect">
+          <a:avLst/>
+        </a:prstGeom>
+        <a:solidFill>
+          <a:schemeClr val="accent1">
+            <a:hueOff val="0"/>
+            <a:satOff val="0"/>
+            <a:lumOff val="0"/>
+            <a:alphaOff val="0"/>
+          </a:schemeClr>
+        </a:solidFill>
+        <a:ln w="12700" cap="flat" cmpd="sng" algn="ctr">
+          <a:solidFill>
+            <a:schemeClr val="lt1">
+              <a:hueOff val="0"/>
+              <a:satOff val="0"/>
+              <a:lumOff val="0"/>
+              <a:alphaOff val="0"/>
+            </a:schemeClr>
+          </a:solidFill>
+          <a:prstDash val="solid"/>
+          <a:miter lim="800000"/>
+        </a:ln>
+        <a:effectLst/>
+      </dsp:spPr>
+      <dsp:style>
+        <a:lnRef idx="2">
+          <a:scrgbClr r="0" g="0" b="0"/>
+        </a:lnRef>
+        <a:fillRef idx="1">
+          <a:scrgbClr r="0" g="0" b="0"/>
+        </a:fillRef>
+        <a:effectRef idx="0">
+          <a:scrgbClr r="0" g="0" b="0"/>
+        </a:effectRef>
+        <a:fontRef idx="minor">
+          <a:schemeClr val="lt1"/>
+        </a:fontRef>
+      </dsp:style>
+      <dsp:txBody>
+        <a:bodyPr spcFirstLastPara="0" vert="horz" wrap="square" lIns="7620" tIns="7620" rIns="7620" bIns="7620" numCol="1" spcCol="1270" anchor="ctr" anchorCtr="0">
+          <a:noAutofit/>
+        </a:bodyPr>
+        <a:lstStyle/>
+        <a:p>
+          <a:pPr marL="0" lvl="0" indent="0" algn="ctr" defTabSz="533400">
+            <a:lnSpc>
+              <a:spcPct val="90000"/>
+            </a:lnSpc>
+            <a:spcBef>
+              <a:spcPct val="0"/>
+            </a:spcBef>
+            <a:spcAft>
+              <a:spcPct val="35000"/>
+            </a:spcAft>
+            <a:buNone/>
+          </a:pPr>
+          <a:r>
+            <a:rPr lang="en-GB" sz="1200" b="0" i="0" kern="1200" dirty="0"/>
+            <a:t>Mutual information between goals and trajectories.</a:t>
+          </a:r>
+          <a:endParaRPr lang="en-GB" sz="1200" kern="1200" dirty="0"/>
+        </a:p>
+      </dsp:txBody>
+      <dsp:txXfrm>
+        <a:off x="5013005" y="5338325"/>
+        <a:ext cx="1252016" cy="626008"/>
+      </dsp:txXfrm>
+    </dsp:sp>
+    <dsp:sp modelId="{382F72B2-2256-47A0-BE19-B2F38A85E865}">
+      <dsp:nvSpPr>
+        <dsp:cNvPr id="0" name=""/>
+        <dsp:cNvSpPr/>
+      </dsp:nvSpPr>
+      <dsp:spPr>
+        <a:xfrm>
+          <a:off x="6527945" y="2671529"/>
+          <a:ext cx="1252016" cy="626008"/>
+        </a:xfrm>
+        <a:prstGeom prst="rect">
+          <a:avLst/>
+        </a:prstGeom>
+        <a:solidFill>
+          <a:schemeClr val="accent1">
+            <a:hueOff val="0"/>
+            <a:satOff val="0"/>
+            <a:lumOff val="0"/>
+            <a:alphaOff val="0"/>
+          </a:schemeClr>
+        </a:solidFill>
+        <a:ln w="12700" cap="flat" cmpd="sng" algn="ctr">
+          <a:solidFill>
+            <a:schemeClr val="lt1">
+              <a:hueOff val="0"/>
+              <a:satOff val="0"/>
+              <a:lumOff val="0"/>
+              <a:alphaOff val="0"/>
+            </a:schemeClr>
+          </a:solidFill>
+          <a:prstDash val="solid"/>
+          <a:miter lim="800000"/>
+        </a:ln>
+        <a:effectLst/>
+      </dsp:spPr>
+      <dsp:style>
+        <a:lnRef idx="2">
+          <a:scrgbClr r="0" g="0" b="0"/>
+        </a:lnRef>
+        <a:fillRef idx="1">
+          <a:scrgbClr r="0" g="0" b="0"/>
+        </a:fillRef>
+        <a:effectRef idx="0">
+          <a:scrgbClr r="0" g="0" b="0"/>
+        </a:effectRef>
+        <a:fontRef idx="minor">
+          <a:schemeClr val="lt1"/>
+        </a:fontRef>
+      </dsp:style>
+      <dsp:txBody>
+        <a:bodyPr spcFirstLastPara="0" vert="horz" wrap="square" lIns="7620" tIns="7620" rIns="7620" bIns="7620" numCol="1" spcCol="1270" anchor="ctr" anchorCtr="0">
+          <a:noAutofit/>
+        </a:bodyPr>
+        <a:lstStyle/>
+        <a:p>
+          <a:pPr marL="0" lvl="0" indent="0" algn="ctr" defTabSz="533400">
+            <a:lnSpc>
+              <a:spcPct val="90000"/>
+            </a:lnSpc>
+            <a:spcBef>
+              <a:spcPct val="0"/>
+            </a:spcBef>
+            <a:spcAft>
+              <a:spcPct val="35000"/>
+            </a:spcAft>
+            <a:buNone/>
+          </a:pPr>
+          <a:r>
+            <a:rPr lang="en-GB" sz="1200" kern="1200" dirty="0"/>
+            <a:t>Curriculum Learning</a:t>
+          </a:r>
+        </a:p>
+      </dsp:txBody>
+      <dsp:txXfrm>
+        <a:off x="6527945" y="2671529"/>
+        <a:ext cx="1252016" cy="626008"/>
+      </dsp:txXfrm>
+    </dsp:sp>
+    <dsp:sp modelId="{477C1EED-42BB-496C-B71E-1F1605AF6E7D}">
+      <dsp:nvSpPr>
+        <dsp:cNvPr id="0" name=""/>
+        <dsp:cNvSpPr/>
+      </dsp:nvSpPr>
+      <dsp:spPr>
+        <a:xfrm>
+          <a:off x="6527945" y="3560461"/>
+          <a:ext cx="1252016" cy="626008"/>
+        </a:xfrm>
+        <a:prstGeom prst="rect">
+          <a:avLst/>
+        </a:prstGeom>
+        <a:solidFill>
+          <a:schemeClr val="accent1">
+            <a:hueOff val="0"/>
+            <a:satOff val="0"/>
+            <a:lumOff val="0"/>
+            <a:alphaOff val="0"/>
+          </a:schemeClr>
+        </a:solidFill>
+        <a:ln w="12700" cap="flat" cmpd="sng" algn="ctr">
+          <a:solidFill>
+            <a:schemeClr val="lt1">
+              <a:hueOff val="0"/>
+              <a:satOff val="0"/>
+              <a:lumOff val="0"/>
+              <a:alphaOff val="0"/>
+            </a:schemeClr>
+          </a:solidFill>
+          <a:prstDash val="solid"/>
+          <a:miter lim="800000"/>
+        </a:ln>
+        <a:effectLst/>
+      </dsp:spPr>
+      <dsp:style>
+        <a:lnRef idx="2">
+          <a:scrgbClr r="0" g="0" b="0"/>
+        </a:lnRef>
+        <a:fillRef idx="1">
+          <a:scrgbClr r="0" g="0" b="0"/>
+        </a:fillRef>
+        <a:effectRef idx="0">
+          <a:scrgbClr r="0" g="0" b="0"/>
+        </a:effectRef>
+        <a:fontRef idx="minor">
+          <a:schemeClr val="lt1"/>
+        </a:fontRef>
+      </dsp:style>
+      <dsp:txBody>
+        <a:bodyPr spcFirstLastPara="0" vert="horz" wrap="square" lIns="7620" tIns="7620" rIns="7620" bIns="7620" numCol="1" spcCol="1270" anchor="ctr" anchorCtr="0">
+          <a:noAutofit/>
+        </a:bodyPr>
+        <a:lstStyle/>
+        <a:p>
+          <a:pPr marL="0" lvl="0" indent="0" algn="ctr" defTabSz="533400">
+            <a:lnSpc>
+              <a:spcPct val="90000"/>
+            </a:lnSpc>
+            <a:spcBef>
+              <a:spcPct val="0"/>
+            </a:spcBef>
+            <a:spcAft>
+              <a:spcPct val="35000"/>
+            </a:spcAft>
+            <a:buNone/>
+          </a:pPr>
+          <a:r>
+            <a:rPr lang="en-GB" sz="1200" b="0" i="0" kern="1200" dirty="0"/>
+            <a:t>Goal space from the state space</a:t>
+          </a:r>
+          <a:endParaRPr lang="en-GB" sz="1200" kern="1200" dirty="0"/>
+        </a:p>
+      </dsp:txBody>
+      <dsp:txXfrm>
+        <a:off x="6527945" y="3560461"/>
+        <a:ext cx="1252016" cy="626008"/>
+      </dsp:txXfrm>
+    </dsp:sp>
+    <dsp:sp modelId="{381DD7B1-51BE-4EEC-A903-7D7EF199D30D}">
+      <dsp:nvSpPr>
+        <dsp:cNvPr id="0" name=""/>
+        <dsp:cNvSpPr/>
+      </dsp:nvSpPr>
+      <dsp:spPr>
+        <a:xfrm>
+          <a:off x="6840949" y="4449393"/>
+          <a:ext cx="1252016" cy="626008"/>
+        </a:xfrm>
+        <a:prstGeom prst="rect">
+          <a:avLst/>
+        </a:prstGeom>
+        <a:solidFill>
+          <a:schemeClr val="accent1">
+            <a:hueOff val="0"/>
+            <a:satOff val="0"/>
+            <a:lumOff val="0"/>
+            <a:alphaOff val="0"/>
+          </a:schemeClr>
+        </a:solidFill>
+        <a:ln w="12700" cap="flat" cmpd="sng" algn="ctr">
+          <a:solidFill>
+            <a:schemeClr val="lt1">
+              <a:hueOff val="0"/>
+              <a:satOff val="0"/>
+              <a:lumOff val="0"/>
+              <a:alphaOff val="0"/>
+            </a:schemeClr>
+          </a:solidFill>
+          <a:prstDash val="solid"/>
+          <a:miter lim="800000"/>
+        </a:ln>
+        <a:effectLst/>
+      </dsp:spPr>
+      <dsp:style>
+        <a:lnRef idx="2">
+          <a:scrgbClr r="0" g="0" b="0"/>
+        </a:lnRef>
+        <a:fillRef idx="1">
+          <a:scrgbClr r="0" g="0" b="0"/>
+        </a:fillRef>
+        <a:effectRef idx="0">
+          <a:scrgbClr r="0" g="0" b="0"/>
+        </a:effectRef>
+        <a:fontRef idx="minor">
+          <a:schemeClr val="lt1"/>
+        </a:fontRef>
+      </dsp:style>
+      <dsp:txBody>
+        <a:bodyPr spcFirstLastPara="0" vert="horz" wrap="square" lIns="7620" tIns="7620" rIns="7620" bIns="7620" numCol="1" spcCol="1270" anchor="ctr" anchorCtr="0">
+          <a:noAutofit/>
+        </a:bodyPr>
+        <a:lstStyle/>
+        <a:p>
+          <a:pPr marL="0" lvl="0" indent="0" algn="ctr" defTabSz="533400">
+            <a:lnSpc>
+              <a:spcPct val="90000"/>
+            </a:lnSpc>
+            <a:spcBef>
+              <a:spcPct val="0"/>
+            </a:spcBef>
+            <a:spcAft>
+              <a:spcPct val="35000"/>
+            </a:spcAft>
+            <a:buNone/>
+          </a:pPr>
+          <a:r>
+            <a:rPr lang="en-GB" sz="1200" kern="1200" dirty="0"/>
+            <a:t>Goal sampling</a:t>
+          </a:r>
+        </a:p>
+      </dsp:txBody>
+      <dsp:txXfrm>
+        <a:off x="6840949" y="4449393"/>
+        <a:ext cx="1252016" cy="626008"/>
+      </dsp:txXfrm>
+    </dsp:sp>
+    <dsp:sp modelId="{06E7B90D-991F-4286-A1EF-44B27880EF82}">
+      <dsp:nvSpPr>
+        <dsp:cNvPr id="0" name=""/>
+        <dsp:cNvSpPr/>
+      </dsp:nvSpPr>
+      <dsp:spPr>
+        <a:xfrm>
+          <a:off x="6840949" y="5338325"/>
+          <a:ext cx="1252016" cy="626008"/>
+        </a:xfrm>
+        <a:prstGeom prst="rect">
+          <a:avLst/>
+        </a:prstGeom>
+        <a:solidFill>
+          <a:schemeClr val="accent1">
+            <a:hueOff val="0"/>
+            <a:satOff val="0"/>
+            <a:lumOff val="0"/>
+            <a:alphaOff val="0"/>
+          </a:schemeClr>
+        </a:solidFill>
+        <a:ln w="12700" cap="flat" cmpd="sng" algn="ctr">
+          <a:solidFill>
+            <a:schemeClr val="lt1">
+              <a:hueOff val="0"/>
+              <a:satOff val="0"/>
+              <a:lumOff val="0"/>
+              <a:alphaOff val="0"/>
+            </a:schemeClr>
+          </a:solidFill>
+          <a:prstDash val="solid"/>
+          <a:miter lim="800000"/>
+        </a:ln>
+        <a:effectLst/>
+      </dsp:spPr>
+      <dsp:style>
+        <a:lnRef idx="2">
+          <a:scrgbClr r="0" g="0" b="0"/>
+        </a:lnRef>
+        <a:fillRef idx="1">
+          <a:scrgbClr r="0" g="0" b="0"/>
+        </a:fillRef>
+        <a:effectRef idx="0">
+          <a:scrgbClr r="0" g="0" b="0"/>
+        </a:effectRef>
+        <a:fontRef idx="minor">
+          <a:schemeClr val="lt1"/>
+        </a:fontRef>
+      </dsp:style>
+      <dsp:txBody>
+        <a:bodyPr spcFirstLastPara="0" vert="horz" wrap="square" lIns="7620" tIns="7620" rIns="7620" bIns="7620" numCol="1" spcCol="1270" anchor="ctr" anchorCtr="0">
+          <a:noAutofit/>
+        </a:bodyPr>
+        <a:lstStyle/>
+        <a:p>
+          <a:pPr marL="0" lvl="0" indent="0" algn="ctr" defTabSz="533400">
+            <a:lnSpc>
+              <a:spcPct val="90000"/>
+            </a:lnSpc>
+            <a:spcBef>
+              <a:spcPct val="0"/>
+            </a:spcBef>
+            <a:spcAft>
+              <a:spcPct val="35000"/>
+            </a:spcAft>
+            <a:buNone/>
+          </a:pPr>
+          <a:r>
+            <a:rPr lang="en-GB" sz="1200" kern="1200" dirty="0"/>
+            <a:t>Multi-arm bandit</a:t>
+          </a:r>
+        </a:p>
+      </dsp:txBody>
+      <dsp:txXfrm>
+        <a:off x="6840949" y="5338325"/>
+        <a:ext cx="1252016" cy="626008"/>
+      </dsp:txXfrm>
+    </dsp:sp>
+    <dsp:sp modelId="{95786B5D-7924-481D-B953-EA8124768C93}">
+      <dsp:nvSpPr>
+        <dsp:cNvPr id="0" name=""/>
+        <dsp:cNvSpPr/>
+      </dsp:nvSpPr>
+      <dsp:spPr>
+        <a:xfrm>
+          <a:off x="6840949" y="6227257"/>
+          <a:ext cx="1252016" cy="626008"/>
+        </a:xfrm>
+        <a:prstGeom prst="rect">
+          <a:avLst/>
+        </a:prstGeom>
+        <a:solidFill>
+          <a:schemeClr val="accent1">
+            <a:hueOff val="0"/>
+            <a:satOff val="0"/>
+            <a:lumOff val="0"/>
+            <a:alphaOff val="0"/>
+          </a:schemeClr>
+        </a:solidFill>
+        <a:ln w="12700" cap="flat" cmpd="sng" algn="ctr">
+          <a:solidFill>
+            <a:schemeClr val="lt1">
+              <a:hueOff val="0"/>
+              <a:satOff val="0"/>
+              <a:lumOff val="0"/>
+              <a:alphaOff val="0"/>
+            </a:schemeClr>
+          </a:solidFill>
+          <a:prstDash val="solid"/>
+          <a:miter lim="800000"/>
+        </a:ln>
+        <a:effectLst/>
+      </dsp:spPr>
+      <dsp:style>
+        <a:lnRef idx="2">
+          <a:scrgbClr r="0" g="0" b="0"/>
+        </a:lnRef>
+        <a:fillRef idx="1">
+          <a:scrgbClr r="0" g="0" b="0"/>
+        </a:fillRef>
+        <a:effectRef idx="0">
+          <a:scrgbClr r="0" g="0" b="0"/>
+        </a:effectRef>
+        <a:fontRef idx="minor">
+          <a:schemeClr val="lt1"/>
+        </a:fontRef>
+      </dsp:style>
+      <dsp:txBody>
+        <a:bodyPr spcFirstLastPara="0" vert="horz" wrap="square" lIns="7620" tIns="7620" rIns="7620" bIns="7620" numCol="1" spcCol="1270" anchor="ctr" anchorCtr="0">
+          <a:noAutofit/>
+        </a:bodyPr>
+        <a:lstStyle/>
+        <a:p>
+          <a:pPr marL="0" lvl="0" indent="0" algn="ctr" defTabSz="533400">
+            <a:lnSpc>
+              <a:spcPct val="90000"/>
+            </a:lnSpc>
+            <a:spcBef>
+              <a:spcPct val="0"/>
+            </a:spcBef>
+            <a:spcAft>
+              <a:spcPct val="35000"/>
+            </a:spcAft>
+            <a:buNone/>
+          </a:pPr>
+          <a:r>
+            <a:rPr lang="en-GB" sz="1200" b="0" i="0" kern="1200" dirty="0"/>
+            <a:t>Adversarial training</a:t>
+          </a:r>
+          <a:endParaRPr lang="en-GB" sz="1200" kern="1200" dirty="0"/>
+        </a:p>
+      </dsp:txBody>
+      <dsp:txXfrm>
+        <a:off x="6840949" y="6227257"/>
+        <a:ext cx="1252016" cy="626008"/>
+      </dsp:txXfrm>
+    </dsp:sp>
+  </dsp:spTree>
+</dsp:drawing>
+</file>
+
+<file path=ppt/diagrams/drawing6.xml><?xml version="1.0" encoding="utf-8"?>
 <dsp:drawing xmlns:dgm="http://schemas.openxmlformats.org/drawingml/2006/diagram" xmlns:dsp="http://schemas.microsoft.com/office/drawing/2008/diagram" xmlns:a="http://schemas.openxmlformats.org/drawingml/2006/main">
   <dsp:spTree>
     <dsp:nvGrpSpPr>
@@ -17866,6 +21483,1152 @@
 </file>
 
 <file path=ppt/diagrams/layout5.xml><?xml version="1.0" encoding="utf-8"?>
+<dgm:layoutDef xmlns:dgm="http://schemas.openxmlformats.org/drawingml/2006/diagram" xmlns:a="http://schemas.openxmlformats.org/drawingml/2006/main" uniqueId="urn:microsoft.com/office/officeart/2005/8/layout/orgChart1">
+  <dgm:title val=""/>
+  <dgm:desc val=""/>
+  <dgm:catLst>
+    <dgm:cat type="hierarchy" pri="1000"/>
+    <dgm:cat type="convert" pri="6000"/>
+  </dgm:catLst>
+  <dgm:sampData>
+    <dgm:dataModel>
+      <dgm:ptLst>
+        <dgm:pt modelId="0" type="doc"/>
+        <dgm:pt modelId="1">
+          <dgm:prSet phldr="1"/>
+        </dgm:pt>
+        <dgm:pt modelId="2" type="asst">
+          <dgm:prSet phldr="1"/>
+        </dgm:pt>
+        <dgm:pt modelId="3">
+          <dgm:prSet phldr="1"/>
+        </dgm:pt>
+        <dgm:pt modelId="4">
+          <dgm:prSet phldr="1"/>
+        </dgm:pt>
+        <dgm:pt modelId="5">
+          <dgm:prSet phldr="1"/>
+        </dgm:pt>
+      </dgm:ptLst>
+      <dgm:cxnLst>
+        <dgm:cxn modelId="5" srcId="0" destId="1" srcOrd="0" destOrd="0"/>
+        <dgm:cxn modelId="6" srcId="1" destId="2" srcOrd="0" destOrd="0"/>
+        <dgm:cxn modelId="7" srcId="1" destId="3" srcOrd="1" destOrd="0"/>
+        <dgm:cxn modelId="8" srcId="1" destId="4" srcOrd="2" destOrd="0"/>
+        <dgm:cxn modelId="9" srcId="1" destId="5" srcOrd="3" destOrd="0"/>
+      </dgm:cxnLst>
+      <dgm:bg/>
+      <dgm:whole/>
+    </dgm:dataModel>
+  </dgm:sampData>
+  <dgm:styleData>
+    <dgm:dataModel>
+      <dgm:ptLst>
+        <dgm:pt modelId="0" type="doc"/>
+        <dgm:pt modelId="1"/>
+        <dgm:pt modelId="12"/>
+        <dgm:pt modelId="13"/>
+      </dgm:ptLst>
+      <dgm:cxnLst>
+        <dgm:cxn modelId="2" srcId="0" destId="1" srcOrd="0" destOrd="0"/>
+        <dgm:cxn modelId="16" srcId="1" destId="12" srcOrd="1" destOrd="0"/>
+        <dgm:cxn modelId="17" srcId="1" destId="13" srcOrd="2" destOrd="0"/>
+      </dgm:cxnLst>
+      <dgm:bg/>
+      <dgm:whole/>
+    </dgm:dataModel>
+  </dgm:styleData>
+  <dgm:clrData>
+    <dgm:dataModel>
+      <dgm:ptLst>
+        <dgm:pt modelId="0" type="doc"/>
+        <dgm:pt modelId="1"/>
+        <dgm:pt modelId="11" type="asst"/>
+        <dgm:pt modelId="12"/>
+        <dgm:pt modelId="13"/>
+        <dgm:pt modelId="14"/>
+      </dgm:ptLst>
+      <dgm:cxnLst>
+        <dgm:cxn modelId="2" srcId="0" destId="1" srcOrd="0" destOrd="0"/>
+        <dgm:cxn modelId="15" srcId="1" destId="11" srcOrd="0" destOrd="0"/>
+        <dgm:cxn modelId="16" srcId="1" destId="12" srcOrd="1" destOrd="0"/>
+        <dgm:cxn modelId="17" srcId="1" destId="13" srcOrd="2" destOrd="0"/>
+        <dgm:cxn modelId="18" srcId="1" destId="14" srcOrd="2" destOrd="0"/>
+      </dgm:cxnLst>
+      <dgm:bg/>
+      <dgm:whole/>
+    </dgm:dataModel>
+  </dgm:clrData>
+  <dgm:layoutNode name="hierChild1">
+    <dgm:varLst>
+      <dgm:orgChart val="1"/>
+      <dgm:chPref val="1"/>
+      <dgm:dir/>
+      <dgm:animOne val="branch"/>
+      <dgm:animLvl val="lvl"/>
+      <dgm:resizeHandles/>
+    </dgm:varLst>
+    <dgm:choose name="Name0">
+      <dgm:if name="Name1" func="var" arg="dir" op="equ" val="norm">
+        <dgm:alg type="hierChild">
+          <dgm:param type="linDir" val="fromL"/>
+        </dgm:alg>
+      </dgm:if>
+      <dgm:else name="Name2">
+        <dgm:alg type="hierChild">
+          <dgm:param type="linDir" val="fromR"/>
+        </dgm:alg>
+      </dgm:else>
+    </dgm:choose>
+    <dgm:shape xmlns:r="http://schemas.openxmlformats.org/officeDocument/2006/relationships" r:blip="">
+      <dgm:adjLst/>
+    </dgm:shape>
+    <dgm:presOf/>
+    <dgm:constrLst>
+      <dgm:constr type="w" for="des" forName="rootComposite1" refType="w" fact="10"/>
+      <dgm:constr type="h" for="des" forName="rootComposite1" refType="w" refFor="des" refForName="rootComposite1" fact="0.5"/>
+      <dgm:constr type="w" for="des" forName="rootComposite" refType="w" fact="10"/>
+      <dgm:constr type="h" for="des" forName="rootComposite" refType="w" refFor="des" refForName="rootComposite1" fact="0.5"/>
+      <dgm:constr type="w" for="des" forName="rootComposite3" refType="w" fact="10"/>
+      <dgm:constr type="h" for="des" forName="rootComposite3" refType="w" refFor="des" refForName="rootComposite1" fact="0.5"/>
+      <dgm:constr type="primFontSz" for="des" ptType="node" op="equ"/>
+      <dgm:constr type="sp" for="des" op="equ"/>
+      <dgm:constr type="sp" for="des" forName="hierRoot1" refType="w" refFor="des" refForName="rootComposite1" fact="0.21"/>
+      <dgm:constr type="sp" for="des" forName="hierRoot2" refType="sp" refFor="des" refForName="hierRoot1"/>
+      <dgm:constr type="sp" for="des" forName="hierRoot3" refType="sp" refFor="des" refForName="hierRoot1"/>
+      <dgm:constr type="sibSp" refType="w" refFor="des" refForName="rootComposite1" fact="0.21"/>
+      <dgm:constr type="sibSp" for="des" forName="hierChild2" refType="sibSp"/>
+      <dgm:constr type="sibSp" for="des" forName="hierChild3" refType="sibSp"/>
+      <dgm:constr type="sibSp" for="des" forName="hierChild4" refType="sibSp"/>
+      <dgm:constr type="sibSp" for="des" forName="hierChild5" refType="sibSp"/>
+      <dgm:constr type="sibSp" for="des" forName="hierChild6" refType="sibSp"/>
+      <dgm:constr type="sibSp" for="des" forName="hierChild7" refType="sibSp"/>
+      <dgm:constr type="secSibSp" refType="w" refFor="des" refForName="rootComposite1" fact="0.21"/>
+      <dgm:constr type="secSibSp" for="des" forName="hierChild2" refType="secSibSp"/>
+      <dgm:constr type="secSibSp" for="des" forName="hierChild3" refType="secSibSp"/>
+      <dgm:constr type="secSibSp" for="des" forName="hierChild4" refType="secSibSp"/>
+      <dgm:constr type="secSibSp" for="des" forName="hierChild5" refType="secSibSp"/>
+      <dgm:constr type="secSibSp" for="des" forName="hierChild6" refType="secSibSp"/>
+      <dgm:constr type="secSibSp" for="des" forName="hierChild7" refType="secSibSp"/>
+    </dgm:constrLst>
+    <dgm:ruleLst/>
+    <dgm:forEach name="Name3" axis="ch">
+      <dgm:forEach name="Name4" axis="self" ptType="node">
+        <dgm:layoutNode name="hierRoot1">
+          <dgm:varLst>
+            <dgm:hierBranch val="init"/>
+          </dgm:varLst>
+          <dgm:choose name="Name5">
+            <dgm:if name="Name6" func="var" arg="hierBranch" op="equ" val="l">
+              <dgm:choose name="Name7">
+                <dgm:if name="Name8" axis="ch" ptType="asst" func="cnt" op="gte" val="1">
+                  <dgm:alg type="hierRoot">
+                    <dgm:param type="hierAlign" val="tR"/>
+                  </dgm:alg>
+                  <dgm:constrLst>
+                    <dgm:constr type="alignOff" val="0.65"/>
+                  </dgm:constrLst>
+                </dgm:if>
+                <dgm:else name="Name9">
+                  <dgm:alg type="hierRoot">
+                    <dgm:param type="hierAlign" val="tR"/>
+                  </dgm:alg>
+                  <dgm:constrLst>
+                    <dgm:constr type="alignOff" val="0.25"/>
+                  </dgm:constrLst>
+                </dgm:else>
+              </dgm:choose>
+            </dgm:if>
+            <dgm:if name="Name10" func="var" arg="hierBranch" op="equ" val="r">
+              <dgm:choose name="Name11">
+                <dgm:if name="Name12" axis="ch" ptType="asst" func="cnt" op="gte" val="1">
+                  <dgm:alg type="hierRoot">
+                    <dgm:param type="hierAlign" val="tL"/>
+                  </dgm:alg>
+                  <dgm:constrLst>
+                    <dgm:constr type="alignOff" val="0.65"/>
+                  </dgm:constrLst>
+                </dgm:if>
+                <dgm:else name="Name13">
+                  <dgm:alg type="hierRoot">
+                    <dgm:param type="hierAlign" val="tL"/>
+                  </dgm:alg>
+                  <dgm:constrLst>
+                    <dgm:constr type="alignOff" val="0.25"/>
+                  </dgm:constrLst>
+                </dgm:else>
+              </dgm:choose>
+            </dgm:if>
+            <dgm:if name="Name14" func="var" arg="hierBranch" op="equ" val="hang">
+              <dgm:alg type="hierRoot"/>
+              <dgm:constrLst>
+                <dgm:constr type="alignOff" val="0.65"/>
+              </dgm:constrLst>
+            </dgm:if>
+            <dgm:else name="Name15">
+              <dgm:alg type="hierRoot"/>
+              <dgm:constrLst>
+                <dgm:constr type="alignOff"/>
+                <dgm:constr type="bendDist" for="des" ptType="parTrans" refType="sp" fact="0.5"/>
+              </dgm:constrLst>
+            </dgm:else>
+          </dgm:choose>
+          <dgm:shape xmlns:r="http://schemas.openxmlformats.org/officeDocument/2006/relationships" r:blip="">
+            <dgm:adjLst/>
+          </dgm:shape>
+          <dgm:presOf/>
+          <dgm:ruleLst/>
+          <dgm:layoutNode name="rootComposite1">
+            <dgm:alg type="composite"/>
+            <dgm:shape xmlns:r="http://schemas.openxmlformats.org/officeDocument/2006/relationships" r:blip="">
+              <dgm:adjLst/>
+            </dgm:shape>
+            <dgm:presOf axis="self" ptType="node" cnt="1"/>
+            <dgm:choose name="Name16">
+              <dgm:if name="Name17" func="var" arg="hierBranch" op="equ" val="init">
+                <dgm:constrLst>
+                  <dgm:constr type="l" for="ch" forName="rootText1"/>
+                  <dgm:constr type="t" for="ch" forName="rootText1"/>
+                  <dgm:constr type="w" for="ch" forName="rootText1" refType="w"/>
+                  <dgm:constr type="h" for="ch" forName="rootText1" refType="h"/>
+                  <dgm:constr type="l" for="ch" forName="rootConnector1"/>
+                  <dgm:constr type="t" for="ch" forName="rootConnector1"/>
+                  <dgm:constr type="w" for="ch" forName="rootConnector1" refType="w" refFor="ch" refForName="rootText1" fact="0.2"/>
+                  <dgm:constr type="h" for="ch" forName="rootConnector1" refType="h" refFor="ch" refForName="rootText1"/>
+                </dgm:constrLst>
+              </dgm:if>
+              <dgm:if name="Name18" func="var" arg="hierBranch" op="equ" val="l">
+                <dgm:constrLst>
+                  <dgm:constr type="l" for="ch" forName="rootText1"/>
+                  <dgm:constr type="t" for="ch" forName="rootText1"/>
+                  <dgm:constr type="w" for="ch" forName="rootText1" refType="w"/>
+                  <dgm:constr type="h" for="ch" forName="rootText1" refType="h"/>
+                  <dgm:constr type="r" for="ch" forName="rootConnector1" refType="w"/>
+                  <dgm:constr type="t" for="ch" forName="rootConnector1"/>
+                  <dgm:constr type="w" for="ch" forName="rootConnector1" refType="w" refFor="ch" refForName="rootText1" fact="0.2"/>
+                  <dgm:constr type="h" for="ch" forName="rootConnector1" refType="h" refFor="ch" refForName="rootText1"/>
+                </dgm:constrLst>
+              </dgm:if>
+              <dgm:if name="Name19" func="var" arg="hierBranch" op="equ" val="r">
+                <dgm:constrLst>
+                  <dgm:constr type="l" for="ch" forName="rootText1"/>
+                  <dgm:constr type="t" for="ch" forName="rootText1"/>
+                  <dgm:constr type="w" for="ch" forName="rootText1" refType="w"/>
+                  <dgm:constr type="h" for="ch" forName="rootText1" refType="h"/>
+                  <dgm:constr type="l" for="ch" forName="rootConnector1"/>
+                  <dgm:constr type="t" for="ch" forName="rootConnector1"/>
+                  <dgm:constr type="w" for="ch" forName="rootConnector1" refType="w" refFor="ch" refForName="rootText1" fact="0.2"/>
+                  <dgm:constr type="h" for="ch" forName="rootConnector1" refType="h" refFor="ch" refForName="rootText1"/>
+                </dgm:constrLst>
+              </dgm:if>
+              <dgm:else name="Name20">
+                <dgm:constrLst>
+                  <dgm:constr type="l" for="ch" forName="rootText1"/>
+                  <dgm:constr type="t" for="ch" forName="rootText1"/>
+                  <dgm:constr type="w" for="ch" forName="rootText1" refType="w"/>
+                  <dgm:constr type="h" for="ch" forName="rootText1" refType="h"/>
+                  <dgm:constr type="r" for="ch" forName="rootConnector1" refType="w"/>
+                  <dgm:constr type="t" for="ch" forName="rootConnector1"/>
+                  <dgm:constr type="w" for="ch" forName="rootConnector1" refType="w" refFor="ch" refForName="rootText1" fact="0.2"/>
+                  <dgm:constr type="h" for="ch" forName="rootConnector1" refType="h" refFor="ch" refForName="rootText1"/>
+                </dgm:constrLst>
+              </dgm:else>
+            </dgm:choose>
+            <dgm:ruleLst/>
+            <dgm:layoutNode name="rootText1" styleLbl="node0">
+              <dgm:varLst>
+                <dgm:chPref val="3"/>
+              </dgm:varLst>
+              <dgm:alg type="tx"/>
+              <dgm:shape xmlns:r="http://schemas.openxmlformats.org/officeDocument/2006/relationships" type="rect" r:blip="">
+                <dgm:adjLst/>
+              </dgm:shape>
+              <dgm:presOf axis="self" ptType="node" cnt="1"/>
+              <dgm:constrLst>
+                <dgm:constr type="primFontSz" val="65"/>
+                <dgm:constr type="lMarg" refType="primFontSz" fact="0.05"/>
+                <dgm:constr type="rMarg" refType="primFontSz" fact="0.05"/>
+                <dgm:constr type="tMarg" refType="primFontSz" fact="0.05"/>
+                <dgm:constr type="bMarg" refType="primFontSz" fact="0.05"/>
+              </dgm:constrLst>
+              <dgm:ruleLst>
+                <dgm:rule type="primFontSz" val="5" fact="NaN" max="NaN"/>
+              </dgm:ruleLst>
+            </dgm:layoutNode>
+            <dgm:layoutNode name="rootConnector1" moveWith="rootText1">
+              <dgm:alg type="sp"/>
+              <dgm:shape xmlns:r="http://schemas.openxmlformats.org/officeDocument/2006/relationships" type="rect" r:blip="" hideGeom="1">
+                <dgm:adjLst/>
+              </dgm:shape>
+              <dgm:presOf axis="self" ptType="node" cnt="1"/>
+              <dgm:constrLst/>
+              <dgm:ruleLst/>
+            </dgm:layoutNode>
+          </dgm:layoutNode>
+          <dgm:layoutNode name="hierChild2">
+            <dgm:choose name="Name21">
+              <dgm:if name="Name22" func="var" arg="hierBranch" op="equ" val="l">
+                <dgm:alg type="hierChild">
+                  <dgm:param type="chAlign" val="r"/>
+                  <dgm:param type="linDir" val="fromT"/>
+                </dgm:alg>
+              </dgm:if>
+              <dgm:if name="Name23" func="var" arg="hierBranch" op="equ" val="r">
+                <dgm:alg type="hierChild">
+                  <dgm:param type="chAlign" val="l"/>
+                  <dgm:param type="linDir" val="fromT"/>
+                </dgm:alg>
+              </dgm:if>
+              <dgm:if name="Name24" func="var" arg="hierBranch" op="equ" val="hang">
+                <dgm:choose name="Name25">
+                  <dgm:if name="Name26" func="var" arg="dir" op="equ" val="norm">
+                    <dgm:alg type="hierChild">
+                      <dgm:param type="chAlign" val="l"/>
+                      <dgm:param type="linDir" val="fromL"/>
+                      <dgm:param type="secChAlign" val="t"/>
+                      <dgm:param type="secLinDir" val="fromT"/>
+                    </dgm:alg>
+                  </dgm:if>
+                  <dgm:else name="Name27">
+                    <dgm:alg type="hierChild">
+                      <dgm:param type="chAlign" val="l"/>
+                      <dgm:param type="linDir" val="fromR"/>
+                      <dgm:param type="secChAlign" val="t"/>
+                      <dgm:param type="secLinDir" val="fromT"/>
+                    </dgm:alg>
+                  </dgm:else>
+                </dgm:choose>
+              </dgm:if>
+              <dgm:else name="Name28">
+                <dgm:choose name="Name29">
+                  <dgm:if name="Name30" func="var" arg="dir" op="equ" val="norm">
+                    <dgm:alg type="hierChild"/>
+                  </dgm:if>
+                  <dgm:else name="Name31">
+                    <dgm:alg type="hierChild">
+                      <dgm:param type="linDir" val="fromR"/>
+                    </dgm:alg>
+                  </dgm:else>
+                </dgm:choose>
+              </dgm:else>
+            </dgm:choose>
+            <dgm:shape xmlns:r="http://schemas.openxmlformats.org/officeDocument/2006/relationships" r:blip="">
+              <dgm:adjLst/>
+            </dgm:shape>
+            <dgm:presOf/>
+            <dgm:constrLst/>
+            <dgm:ruleLst/>
+            <dgm:forEach name="rep2a" axis="ch" ptType="nonAsst">
+              <dgm:forEach name="Name32" axis="precedSib" ptType="parTrans" st="-1" cnt="1">
+                <dgm:choose name="Name33">
+                  <dgm:if name="Name34" func="var" arg="hierBranch" op="equ" val="std">
+                    <dgm:layoutNode name="Name35">
+                      <dgm:alg type="conn">
+                        <dgm:param type="connRout" val="bend"/>
+                        <dgm:param type="dim" val="1D"/>
+                        <dgm:param type="endSty" val="noArr"/>
+                        <dgm:param type="begPts" val="bCtr"/>
+                        <dgm:param type="endPts" val="tCtr"/>
+                        <dgm:param type="bendPt" val="end"/>
+                      </dgm:alg>
+                      <dgm:shape xmlns:r="http://schemas.openxmlformats.org/officeDocument/2006/relationships" type="conn" r:blip="" zOrderOff="-99999">
+                        <dgm:adjLst/>
+                      </dgm:shape>
+                      <dgm:presOf axis="self"/>
+                      <dgm:constrLst>
+                        <dgm:constr type="begPad"/>
+                        <dgm:constr type="endPad"/>
+                      </dgm:constrLst>
+                      <dgm:ruleLst/>
+                    </dgm:layoutNode>
+                  </dgm:if>
+                  <dgm:if name="Name36" func="var" arg="hierBranch" op="equ" val="init">
+                    <dgm:layoutNode name="Name37">
+                      <dgm:choose name="Name38">
+                        <dgm:if name="Name39" axis="self" func="depth" op="lte" val="2">
+                          <dgm:alg type="conn">
+                            <dgm:param type="connRout" val="bend"/>
+                            <dgm:param type="dim" val="1D"/>
+                            <dgm:param type="endSty" val="noArr"/>
+                            <dgm:param type="begPts" val="bCtr"/>
+                            <dgm:param type="endPts" val="tCtr"/>
+                            <dgm:param type="bendPt" val="end"/>
+                          </dgm:alg>
+                        </dgm:if>
+                        <dgm:else name="Name40">
+                          <dgm:choose name="Name41">
+                            <dgm:if name="Name42" axis="par des" func="maxDepth" op="lte" val="1">
+                              <dgm:choose name="Name43">
+                                <dgm:if name="Name44" axis="par ch" ptType="node asst" func="cnt" op="gte" val="1">
+                                  <dgm:alg type="conn">
+                                    <dgm:param type="connRout" val="bend"/>
+                                    <dgm:param type="dim" val="1D"/>
+                                    <dgm:param type="endSty" val="noArr"/>
+                                    <dgm:param type="begPts" val="bCtr"/>
+                                    <dgm:param type="endPts" val="midL midR"/>
+                                  </dgm:alg>
+                                </dgm:if>
+                                <dgm:else name="Name45">
+                                  <dgm:alg type="conn">
+                                    <dgm:param type="connRout" val="bend"/>
+                                    <dgm:param type="dim" val="1D"/>
+                                    <dgm:param type="endSty" val="noArr"/>
+                                    <dgm:param type="begPts" val="bCtr"/>
+                                    <dgm:param type="endPts" val="midL midR"/>
+                                    <dgm:param type="srcNode" val="rootConnector"/>
+                                  </dgm:alg>
+                                </dgm:else>
+                              </dgm:choose>
+                            </dgm:if>
+                            <dgm:else name="Name46">
+                              <dgm:alg type="conn">
+                                <dgm:param type="connRout" val="bend"/>
+                                <dgm:param type="dim" val="1D"/>
+                                <dgm:param type="endSty" val="noArr"/>
+                                <dgm:param type="begPts" val="bCtr"/>
+                                <dgm:param type="endPts" val="tCtr"/>
+                                <dgm:param type="bendPt" val="end"/>
+                              </dgm:alg>
+                            </dgm:else>
+                          </dgm:choose>
+                        </dgm:else>
+                      </dgm:choose>
+                      <dgm:shape xmlns:r="http://schemas.openxmlformats.org/officeDocument/2006/relationships" type="conn" r:blip="" zOrderOff="-99999">
+                        <dgm:adjLst/>
+                      </dgm:shape>
+                      <dgm:presOf axis="self"/>
+                      <dgm:constrLst>
+                        <dgm:constr type="begPad"/>
+                        <dgm:constr type="endPad"/>
+                      </dgm:constrLst>
+                      <dgm:ruleLst/>
+                    </dgm:layoutNode>
+                  </dgm:if>
+                  <dgm:if name="Name47" func="var" arg="hierBranch" op="equ" val="hang">
+                    <dgm:layoutNode name="Name48">
+                      <dgm:alg type="conn">
+                        <dgm:param type="connRout" val="bend"/>
+                        <dgm:param type="dim" val="1D"/>
+                        <dgm:param type="endSty" val="noArr"/>
+                        <dgm:param type="begPts" val="bCtr"/>
+                        <dgm:param type="endPts" val="midL midR"/>
+                      </dgm:alg>
+                      <dgm:shape xmlns:r="http://schemas.openxmlformats.org/officeDocument/2006/relationships" type="conn" r:blip="" zOrderOff="-99999">
+                        <dgm:adjLst/>
+                      </dgm:shape>
+                      <dgm:presOf axis="self"/>
+                      <dgm:constrLst>
+                        <dgm:constr type="begPad"/>
+                        <dgm:constr type="endPad"/>
+                      </dgm:constrLst>
+                      <dgm:ruleLst/>
+                    </dgm:layoutNode>
+                  </dgm:if>
+                  <dgm:else name="Name49">
+                    <dgm:layoutNode name="Name50">
+                      <dgm:choose name="Name51">
+                        <dgm:if name="Name52" axis="self" func="depth" op="lte" val="2">
+                          <dgm:choose name="Name53">
+                            <dgm:if name="Name54" axis="par ch" ptType="node asst" func="cnt" op="gte" val="1">
+                              <dgm:alg type="conn">
+                                <dgm:param type="connRout" val="bend"/>
+                                <dgm:param type="dim" val="1D"/>
+                                <dgm:param type="endSty" val="noArr"/>
+                                <dgm:param type="begPts" val="bCtr"/>
+                                <dgm:param type="endPts" val="midL midR"/>
+                              </dgm:alg>
+                            </dgm:if>
+                            <dgm:else name="Name55">
+                              <dgm:alg type="conn">
+                                <dgm:param type="connRout" val="bend"/>
+                                <dgm:param type="dim" val="1D"/>
+                                <dgm:param type="endSty" val="noArr"/>
+                                <dgm:param type="begPts" val="bCtr"/>
+                                <dgm:param type="endPts" val="midL midR"/>
+                                <dgm:param type="srcNode" val="rootConnector1"/>
+                              </dgm:alg>
+                            </dgm:else>
+                          </dgm:choose>
+                        </dgm:if>
+                        <dgm:else name="Name56">
+                          <dgm:choose name="Name57">
+                            <dgm:if name="Name58" axis="par ch" ptType="node asst" func="cnt" op="gte" val="1">
+                              <dgm:alg type="conn">
+                                <dgm:param type="connRout" val="bend"/>
+                                <dgm:param type="dim" val="1D"/>
+                                <dgm:param type="endSty" val="noArr"/>
+                                <dgm:param type="begPts" val="bCtr"/>
+                                <dgm:param type="endPts" val="midL midR"/>
+                              </dgm:alg>
+                            </dgm:if>
+                            <dgm:else name="Name59">
+                              <dgm:alg type="conn">
+                                <dgm:param type="connRout" val="bend"/>
+                                <dgm:param type="dim" val="1D"/>
+                                <dgm:param type="endSty" val="noArr"/>
+                                <dgm:param type="begPts" val="bCtr"/>
+                                <dgm:param type="endPts" val="midL midR"/>
+                                <dgm:param type="srcNode" val="rootConnector"/>
+                              </dgm:alg>
+                            </dgm:else>
+                          </dgm:choose>
+                        </dgm:else>
+                      </dgm:choose>
+                      <dgm:shape xmlns:r="http://schemas.openxmlformats.org/officeDocument/2006/relationships" type="conn" r:blip="" zOrderOff="-99999">
+                        <dgm:adjLst/>
+                      </dgm:shape>
+                      <dgm:presOf axis="self"/>
+                      <dgm:constrLst>
+                        <dgm:constr type="begPad"/>
+                        <dgm:constr type="endPad"/>
+                      </dgm:constrLst>
+                      <dgm:ruleLst/>
+                    </dgm:layoutNode>
+                  </dgm:else>
+                </dgm:choose>
+              </dgm:forEach>
+              <dgm:layoutNode name="hierRoot2">
+                <dgm:varLst>
+                  <dgm:hierBranch val="init"/>
+                </dgm:varLst>
+                <dgm:choose name="Name60">
+                  <dgm:if name="Name61" func="var" arg="hierBranch" op="equ" val="l">
+                    <dgm:choose name="Name62">
+                      <dgm:if name="Name63" axis="ch" ptType="asst" func="cnt" op="gte" val="1">
+                        <dgm:alg type="hierRoot">
+                          <dgm:param type="hierAlign" val="tR"/>
+                        </dgm:alg>
+                        <dgm:shape xmlns:r="http://schemas.openxmlformats.org/officeDocument/2006/relationships" r:blip="">
+                          <dgm:adjLst/>
+                        </dgm:shape>
+                        <dgm:presOf/>
+                        <dgm:constrLst>
+                          <dgm:constr type="alignOff" val="0.65"/>
+                        </dgm:constrLst>
+                      </dgm:if>
+                      <dgm:else name="Name64">
+                        <dgm:alg type="hierRoot">
+                          <dgm:param type="hierAlign" val="tR"/>
+                        </dgm:alg>
+                        <dgm:shape xmlns:r="http://schemas.openxmlformats.org/officeDocument/2006/relationships" r:blip="">
+                          <dgm:adjLst/>
+                        </dgm:shape>
+                        <dgm:presOf/>
+                        <dgm:constrLst>
+                          <dgm:constr type="alignOff" val="0.25"/>
+                        </dgm:constrLst>
+                      </dgm:else>
+                    </dgm:choose>
+                  </dgm:if>
+                  <dgm:if name="Name65" func="var" arg="hierBranch" op="equ" val="r">
+                    <dgm:choose name="Name66">
+                      <dgm:if name="Name67" axis="ch" ptType="asst" func="cnt" op="gte" val="1">
+                        <dgm:alg type="hierRoot">
+                          <dgm:param type="hierAlign" val="tL"/>
+                        </dgm:alg>
+                        <dgm:shape xmlns:r="http://schemas.openxmlformats.org/officeDocument/2006/relationships" r:blip="">
+                          <dgm:adjLst/>
+                        </dgm:shape>
+                        <dgm:presOf/>
+                        <dgm:constrLst>
+                          <dgm:constr type="alignOff" val="0.65"/>
+                        </dgm:constrLst>
+                      </dgm:if>
+                      <dgm:else name="Name68">
+                        <dgm:alg type="hierRoot">
+                          <dgm:param type="hierAlign" val="tL"/>
+                        </dgm:alg>
+                        <dgm:shape xmlns:r="http://schemas.openxmlformats.org/officeDocument/2006/relationships" r:blip="">
+                          <dgm:adjLst/>
+                        </dgm:shape>
+                        <dgm:presOf/>
+                        <dgm:constrLst>
+                          <dgm:constr type="alignOff" val="0.25"/>
+                        </dgm:constrLst>
+                      </dgm:else>
+                    </dgm:choose>
+                  </dgm:if>
+                  <dgm:if name="Name69" func="var" arg="hierBranch" op="equ" val="std">
+                    <dgm:alg type="hierRoot"/>
+                    <dgm:shape xmlns:r="http://schemas.openxmlformats.org/officeDocument/2006/relationships" r:blip="">
+                      <dgm:adjLst/>
+                    </dgm:shape>
+                    <dgm:presOf/>
+                    <dgm:constrLst>
+                      <dgm:constr type="alignOff"/>
+                      <dgm:constr type="bendDist" for="des" ptType="parTrans" refType="sp" fact="0.5"/>
+                    </dgm:constrLst>
+                  </dgm:if>
+                  <dgm:if name="Name70" func="var" arg="hierBranch" op="equ" val="init">
+                    <dgm:choose name="Name71">
+                      <dgm:if name="Name72" axis="des" func="maxDepth" op="lte" val="1">
+                        <dgm:choose name="Name73">
+                          <dgm:if name="Name74" axis="ch" ptType="asst" func="cnt" op="gte" val="1">
+                            <dgm:alg type="hierRoot">
+                              <dgm:param type="hierAlign" val="tL"/>
+                            </dgm:alg>
+                            <dgm:shape xmlns:r="http://schemas.openxmlformats.org/officeDocument/2006/relationships" r:blip="">
+                              <dgm:adjLst/>
+                            </dgm:shape>
+                            <dgm:presOf/>
+                            <dgm:constrLst>
+                              <dgm:constr type="alignOff" val="0.65"/>
+                            </dgm:constrLst>
+                          </dgm:if>
+                          <dgm:else name="Name75">
+                            <dgm:alg type="hierRoot">
+                              <dgm:param type="hierAlign" val="tL"/>
+                            </dgm:alg>
+                            <dgm:shape xmlns:r="http://schemas.openxmlformats.org/officeDocument/2006/relationships" r:blip="">
+                              <dgm:adjLst/>
+                            </dgm:shape>
+                            <dgm:presOf/>
+                            <dgm:constrLst>
+                              <dgm:constr type="alignOff" val="0.25"/>
+                            </dgm:constrLst>
+                          </dgm:else>
+                        </dgm:choose>
+                      </dgm:if>
+                      <dgm:else name="Name76">
+                        <dgm:alg type="hierRoot"/>
+                        <dgm:shape xmlns:r="http://schemas.openxmlformats.org/officeDocument/2006/relationships" r:blip="">
+                          <dgm:adjLst/>
+                        </dgm:shape>
+                        <dgm:presOf/>
+                        <dgm:constrLst>
+                          <dgm:constr type="alignOff"/>
+                          <dgm:constr type="bendDist" for="des" ptType="parTrans" refType="sp" fact="0.5"/>
+                        </dgm:constrLst>
+                      </dgm:else>
+                    </dgm:choose>
+                  </dgm:if>
+                  <dgm:else name="Name77">
+                    <dgm:alg type="hierRoot"/>
+                    <dgm:shape xmlns:r="http://schemas.openxmlformats.org/officeDocument/2006/relationships" r:blip="">
+                      <dgm:adjLst/>
+                    </dgm:shape>
+                    <dgm:presOf/>
+                    <dgm:constrLst>
+                      <dgm:constr type="alignOff" val="0.65"/>
+                    </dgm:constrLst>
+                  </dgm:else>
+                </dgm:choose>
+                <dgm:ruleLst/>
+                <dgm:layoutNode name="rootComposite">
+                  <dgm:alg type="composite"/>
+                  <dgm:shape xmlns:r="http://schemas.openxmlformats.org/officeDocument/2006/relationships" r:blip="">
+                    <dgm:adjLst/>
+                  </dgm:shape>
+                  <dgm:presOf axis="self" ptType="node" cnt="1"/>
+                  <dgm:choose name="Name78">
+                    <dgm:if name="Name79" func="var" arg="hierBranch" op="equ" val="init">
+                      <dgm:constrLst>
+                        <dgm:constr type="l" for="ch" forName="rootText"/>
+                        <dgm:constr type="t" for="ch" forName="rootText"/>
+                        <dgm:constr type="w" for="ch" forName="rootText" refType="w"/>
+                        <dgm:constr type="h" for="ch" forName="rootText" refType="h"/>
+                        <dgm:constr type="l" for="ch" forName="rootConnector"/>
+                        <dgm:constr type="t" for="ch" forName="rootConnector"/>
+                        <dgm:constr type="w" for="ch" forName="rootConnector" refType="w" refFor="ch" refForName="rootText" fact="0.2"/>
+                        <dgm:constr type="h" for="ch" forName="rootConnector" refType="h" refFor="ch" refForName="rootText"/>
+                      </dgm:constrLst>
+                    </dgm:if>
+                    <dgm:if name="Name80" func="var" arg="hierBranch" op="equ" val="l">
+                      <dgm:constrLst>
+                        <dgm:constr type="l" for="ch" forName="rootText"/>
+                        <dgm:constr type="t" for="ch" forName="rootText"/>
+                        <dgm:constr type="w" for="ch" forName="rootText" refType="w"/>
+                        <dgm:constr type="h" for="ch" forName="rootText" refType="h"/>
+                        <dgm:constr type="r" for="ch" forName="rootConnector" refType="w"/>
+                        <dgm:constr type="t" for="ch" forName="rootConnector"/>
+                        <dgm:constr type="w" for="ch" forName="rootConnector" refType="w" refFor="ch" refForName="rootText" fact="0.2"/>
+                        <dgm:constr type="h" for="ch" forName="rootConnector" refType="h" refFor="ch" refForName="rootText"/>
+                      </dgm:constrLst>
+                    </dgm:if>
+                    <dgm:if name="Name81" func="var" arg="hierBranch" op="equ" val="r">
+                      <dgm:constrLst>
+                        <dgm:constr type="l" for="ch" forName="rootText"/>
+                        <dgm:constr type="t" for="ch" forName="rootText"/>
+                        <dgm:constr type="w" for="ch" forName="rootText" refType="w"/>
+                        <dgm:constr type="h" for="ch" forName="rootText" refType="h"/>
+                        <dgm:constr type="l" for="ch" forName="rootConnector"/>
+                        <dgm:constr type="t" for="ch" forName="rootConnector"/>
+                        <dgm:constr type="w" for="ch" forName="rootConnector" refType="w" refFor="ch" refForName="rootText" fact="0.2"/>
+                        <dgm:constr type="h" for="ch" forName="rootConnector" refType="h" refFor="ch" refForName="rootText"/>
+                      </dgm:constrLst>
+                    </dgm:if>
+                    <dgm:else name="Name82">
+                      <dgm:constrLst>
+                        <dgm:constr type="l" for="ch" forName="rootText"/>
+                        <dgm:constr type="t" for="ch" forName="rootText"/>
+                        <dgm:constr type="w" for="ch" forName="rootText" refType="w"/>
+                        <dgm:constr type="h" for="ch" forName="rootText" refType="h"/>
+                        <dgm:constr type="r" for="ch" forName="rootConnector" refType="w"/>
+                        <dgm:constr type="t" for="ch" forName="rootConnector"/>
+                        <dgm:constr type="w" for="ch" forName="rootConnector" refType="w" refFor="ch" refForName="rootText" fact="0.2"/>
+                        <dgm:constr type="h" for="ch" forName="rootConnector" refType="h" refFor="ch" refForName="rootText"/>
+                      </dgm:constrLst>
+                    </dgm:else>
+                  </dgm:choose>
+                  <dgm:ruleLst/>
+                  <dgm:layoutNode name="rootText">
+                    <dgm:varLst>
+                      <dgm:chPref val="3"/>
+                    </dgm:varLst>
+                    <dgm:alg type="tx"/>
+                    <dgm:shape xmlns:r="http://schemas.openxmlformats.org/officeDocument/2006/relationships" type="rect" r:blip="">
+                      <dgm:adjLst/>
+                    </dgm:shape>
+                    <dgm:presOf axis="self" ptType="node" cnt="1"/>
+                    <dgm:constrLst>
+                      <dgm:constr type="primFontSz" val="65"/>
+                      <dgm:constr type="lMarg" refType="primFontSz" fact="0.05"/>
+                      <dgm:constr type="rMarg" refType="primFontSz" fact="0.05"/>
+                      <dgm:constr type="tMarg" refType="primFontSz" fact="0.05"/>
+                      <dgm:constr type="bMarg" refType="primFontSz" fact="0.05"/>
+                    </dgm:constrLst>
+                    <dgm:ruleLst>
+                      <dgm:rule type="primFontSz" val="5" fact="NaN" max="NaN"/>
+                    </dgm:ruleLst>
+                  </dgm:layoutNode>
+                  <dgm:layoutNode name="rootConnector" moveWith="rootText">
+                    <dgm:alg type="sp"/>
+                    <dgm:shape xmlns:r="http://schemas.openxmlformats.org/officeDocument/2006/relationships" type="rect" r:blip="" hideGeom="1">
+                      <dgm:adjLst/>
+                    </dgm:shape>
+                    <dgm:presOf axis="self" ptType="node" cnt="1"/>
+                    <dgm:constrLst/>
+                    <dgm:ruleLst/>
+                  </dgm:layoutNode>
+                </dgm:layoutNode>
+                <dgm:layoutNode name="hierChild4">
+                  <dgm:choose name="Name83">
+                    <dgm:if name="Name84" func="var" arg="hierBranch" op="equ" val="l">
+                      <dgm:alg type="hierChild">
+                        <dgm:param type="chAlign" val="r"/>
+                        <dgm:param type="linDir" val="fromT"/>
+                      </dgm:alg>
+                    </dgm:if>
+                    <dgm:if name="Name85" func="var" arg="hierBranch" op="equ" val="r">
+                      <dgm:alg type="hierChild">
+                        <dgm:param type="chAlign" val="l"/>
+                        <dgm:param type="linDir" val="fromT"/>
+                      </dgm:alg>
+                    </dgm:if>
+                    <dgm:if name="Name86" func="var" arg="hierBranch" op="equ" val="hang">
+                      <dgm:choose name="Name87">
+                        <dgm:if name="Name88" func="var" arg="dir" op="equ" val="norm">
+                          <dgm:alg type="hierChild">
+                            <dgm:param type="chAlign" val="l"/>
+                            <dgm:param type="linDir" val="fromL"/>
+                            <dgm:param type="secChAlign" val="t"/>
+                            <dgm:param type="secLinDir" val="fromT"/>
+                          </dgm:alg>
+                        </dgm:if>
+                        <dgm:else name="Name89">
+                          <dgm:alg type="hierChild">
+                            <dgm:param type="chAlign" val="l"/>
+                            <dgm:param type="linDir" val="fromR"/>
+                            <dgm:param type="secChAlign" val="t"/>
+                            <dgm:param type="secLinDir" val="fromT"/>
+                          </dgm:alg>
+                        </dgm:else>
+                      </dgm:choose>
+                    </dgm:if>
+                    <dgm:if name="Name90" func="var" arg="hierBranch" op="equ" val="std">
+                      <dgm:choose name="Name91">
+                        <dgm:if name="Name92" func="var" arg="dir" op="equ" val="norm">
+                          <dgm:alg type="hierChild"/>
+                        </dgm:if>
+                        <dgm:else name="Name93">
+                          <dgm:alg type="hierChild">
+                            <dgm:param type="linDir" val="fromR"/>
+                          </dgm:alg>
+                        </dgm:else>
+                      </dgm:choose>
+                    </dgm:if>
+                    <dgm:if name="Name94" func="var" arg="hierBranch" op="equ" val="init">
+                      <dgm:choose name="Name95">
+                        <dgm:if name="Name96" axis="des" func="maxDepth" op="lte" val="1">
+                          <dgm:alg type="hierChild">
+                            <dgm:param type="chAlign" val="l"/>
+                            <dgm:param type="linDir" val="fromT"/>
+                          </dgm:alg>
+                        </dgm:if>
+                        <dgm:else name="Name97">
+                          <dgm:choose name="Name98">
+                            <dgm:if name="Name99" func="var" arg="dir" op="equ" val="norm">
+                              <dgm:alg type="hierChild"/>
+                            </dgm:if>
+                            <dgm:else name="Name100">
+                              <dgm:alg type="hierChild">
+                                <dgm:param type="linDir" val="fromR"/>
+                              </dgm:alg>
+                            </dgm:else>
+                          </dgm:choose>
+                        </dgm:else>
+                      </dgm:choose>
+                    </dgm:if>
+                    <dgm:else name="Name101"/>
+                  </dgm:choose>
+                  <dgm:shape xmlns:r="http://schemas.openxmlformats.org/officeDocument/2006/relationships" r:blip="">
+                    <dgm:adjLst/>
+                  </dgm:shape>
+                  <dgm:presOf/>
+                  <dgm:constrLst/>
+                  <dgm:ruleLst/>
+                  <dgm:forEach name="Name102" ref="rep2a"/>
+                </dgm:layoutNode>
+                <dgm:layoutNode name="hierChild5">
+                  <dgm:choose name="Name103">
+                    <dgm:if name="Name104" func="var" arg="dir" op="equ" val="norm">
+                      <dgm:alg type="hierChild">
+                        <dgm:param type="chAlign" val="l"/>
+                        <dgm:param type="linDir" val="fromL"/>
+                        <dgm:param type="secChAlign" val="t"/>
+                        <dgm:param type="secLinDir" val="fromT"/>
+                      </dgm:alg>
+                    </dgm:if>
+                    <dgm:else name="Name105">
+                      <dgm:alg type="hierChild">
+                        <dgm:param type="chAlign" val="l"/>
+                        <dgm:param type="linDir" val="fromR"/>
+                        <dgm:param type="secChAlign" val="t"/>
+                        <dgm:param type="secLinDir" val="fromT"/>
+                      </dgm:alg>
+                    </dgm:else>
+                  </dgm:choose>
+                  <dgm:shape xmlns:r="http://schemas.openxmlformats.org/officeDocument/2006/relationships" r:blip="">
+                    <dgm:adjLst/>
+                  </dgm:shape>
+                  <dgm:presOf/>
+                  <dgm:constrLst/>
+                  <dgm:ruleLst/>
+                  <dgm:forEach name="Name106" ref="rep2b"/>
+                </dgm:layoutNode>
+              </dgm:layoutNode>
+            </dgm:forEach>
+          </dgm:layoutNode>
+          <dgm:layoutNode name="hierChild3">
+            <dgm:choose name="Name107">
+              <dgm:if name="Name108" func="var" arg="dir" op="equ" val="norm">
+                <dgm:alg type="hierChild">
+                  <dgm:param type="chAlign" val="l"/>
+                  <dgm:param type="linDir" val="fromL"/>
+                  <dgm:param type="secChAlign" val="t"/>
+                  <dgm:param type="secLinDir" val="fromT"/>
+                </dgm:alg>
+              </dgm:if>
+              <dgm:else name="Name109">
+                <dgm:alg type="hierChild">
+                  <dgm:param type="chAlign" val="l"/>
+                  <dgm:param type="linDir" val="fromR"/>
+                  <dgm:param type="secChAlign" val="t"/>
+                  <dgm:param type="secLinDir" val="fromT"/>
+                </dgm:alg>
+              </dgm:else>
+            </dgm:choose>
+            <dgm:shape xmlns:r="http://schemas.openxmlformats.org/officeDocument/2006/relationships" r:blip="">
+              <dgm:adjLst/>
+            </dgm:shape>
+            <dgm:presOf/>
+            <dgm:constrLst/>
+            <dgm:ruleLst/>
+            <dgm:forEach name="rep2b" axis="ch" ptType="asst">
+              <dgm:forEach name="Name110" axis="precedSib" ptType="parTrans" st="-1" cnt="1">
+                <dgm:layoutNode name="Name111">
+                  <dgm:alg type="conn">
+                    <dgm:param type="connRout" val="bend"/>
+                    <dgm:param type="dim" val="1D"/>
+                    <dgm:param type="endSty" val="noArr"/>
+                    <dgm:param type="begPts" val="bCtr"/>
+                    <dgm:param type="endPts" val="midL midR"/>
+                  </dgm:alg>
+                  <dgm:shape xmlns:r="http://schemas.openxmlformats.org/officeDocument/2006/relationships" type="conn" r:blip="" zOrderOff="-99999">
+                    <dgm:adjLst/>
+                  </dgm:shape>
+                  <dgm:presOf axis="self"/>
+                  <dgm:constrLst>
+                    <dgm:constr type="begPad"/>
+                    <dgm:constr type="endPad"/>
+                  </dgm:constrLst>
+                  <dgm:ruleLst/>
+                </dgm:layoutNode>
+              </dgm:forEach>
+              <dgm:layoutNode name="hierRoot3">
+                <dgm:varLst>
+                  <dgm:hierBranch val="init"/>
+                </dgm:varLst>
+                <dgm:choose name="Name112">
+                  <dgm:if name="Name113" func="var" arg="hierBranch" op="equ" val="l">
+                    <dgm:alg type="hierRoot">
+                      <dgm:param type="hierAlign" val="tR"/>
+                    </dgm:alg>
+                    <dgm:shape xmlns:r="http://schemas.openxmlformats.org/officeDocument/2006/relationships" r:blip="">
+                      <dgm:adjLst/>
+                    </dgm:shape>
+                    <dgm:presOf/>
+                    <dgm:constrLst>
+                      <dgm:constr type="alignOff" val="0.65"/>
+                    </dgm:constrLst>
+                  </dgm:if>
+                  <dgm:if name="Name114" func="var" arg="hierBranch" op="equ" val="r">
+                    <dgm:alg type="hierRoot">
+                      <dgm:param type="hierAlign" val="tL"/>
+                    </dgm:alg>
+                    <dgm:shape xmlns:r="http://schemas.openxmlformats.org/officeDocument/2006/relationships" r:blip="">
+                      <dgm:adjLst/>
+                    </dgm:shape>
+                    <dgm:presOf/>
+                    <dgm:constrLst>
+                      <dgm:constr type="alignOff" val="0.65"/>
+                    </dgm:constrLst>
+                  </dgm:if>
+                  <dgm:if name="Name115" func="var" arg="hierBranch" op="equ" val="hang">
+                    <dgm:alg type="hierRoot"/>
+                    <dgm:shape xmlns:r="http://schemas.openxmlformats.org/officeDocument/2006/relationships" r:blip="">
+                      <dgm:adjLst/>
+                    </dgm:shape>
+                    <dgm:presOf/>
+                    <dgm:constrLst>
+                      <dgm:constr type="alignOff" val="0.65"/>
+                    </dgm:constrLst>
+                  </dgm:if>
+                  <dgm:if name="Name116" func="var" arg="hierBranch" op="equ" val="std">
+                    <dgm:alg type="hierRoot"/>
+                    <dgm:shape xmlns:r="http://schemas.openxmlformats.org/officeDocument/2006/relationships" r:blip="">
+                      <dgm:adjLst/>
+                    </dgm:shape>
+                    <dgm:presOf/>
+                    <dgm:constrLst>
+                      <dgm:constr type="alignOff"/>
+                      <dgm:constr type="bendDist" for="des" ptType="parTrans" refType="sp" fact="0.5"/>
+                    </dgm:constrLst>
+                  </dgm:if>
+                  <dgm:if name="Name117" func="var" arg="hierBranch" op="equ" val="init">
+                    <dgm:choose name="Name118">
+                      <dgm:if name="Name119" axis="des" func="maxDepth" op="lte" val="1">
+                        <dgm:alg type="hierRoot">
+                          <dgm:param type="hierAlign" val="tL"/>
+                        </dgm:alg>
+                        <dgm:shape xmlns:r="http://schemas.openxmlformats.org/officeDocument/2006/relationships" r:blip="">
+                          <dgm:adjLst/>
+                        </dgm:shape>
+                        <dgm:presOf/>
+                        <dgm:constrLst>
+                          <dgm:constr type="alignOff" val="0.65"/>
+                        </dgm:constrLst>
+                      </dgm:if>
+                      <dgm:else name="Name120">
+                        <dgm:alg type="hierRoot"/>
+                        <dgm:shape xmlns:r="http://schemas.openxmlformats.org/officeDocument/2006/relationships" r:blip="">
+                          <dgm:adjLst/>
+                        </dgm:shape>
+                        <dgm:presOf/>
+                        <dgm:constrLst>
+                          <dgm:constr type="alignOff"/>
+                          <dgm:constr type="bendDist" for="des" ptType="parTrans" refType="sp" fact="0.5"/>
+                        </dgm:constrLst>
+                      </dgm:else>
+                    </dgm:choose>
+                  </dgm:if>
+                  <dgm:else name="Name121"/>
+                </dgm:choose>
+                <dgm:ruleLst/>
+                <dgm:layoutNode name="rootComposite3">
+                  <dgm:alg type="composite"/>
+                  <dgm:shape xmlns:r="http://schemas.openxmlformats.org/officeDocument/2006/relationships" r:blip="">
+                    <dgm:adjLst/>
+                  </dgm:shape>
+                  <dgm:presOf axis="self" ptType="node" cnt="1"/>
+                  <dgm:choose name="Name122">
+                    <dgm:if name="Name123" func="var" arg="hierBranch" op="equ" val="init">
+                      <dgm:constrLst>
+                        <dgm:constr type="l" for="ch" forName="rootText3"/>
+                        <dgm:constr type="t" for="ch" forName="rootText3"/>
+                        <dgm:constr type="w" for="ch" forName="rootText3" refType="w"/>
+                        <dgm:constr type="h" for="ch" forName="rootText3" refType="h"/>
+                        <dgm:constr type="l" for="ch" forName="rootConnector3"/>
+                        <dgm:constr type="t" for="ch" forName="rootConnector3"/>
+                        <dgm:constr type="w" for="ch" forName="rootConnector3" refType="w" refFor="ch" refForName="rootText3" fact="0.2"/>
+                        <dgm:constr type="h" for="ch" forName="rootConnector3" refType="h" refFor="ch" refForName="rootText3"/>
+                      </dgm:constrLst>
+                    </dgm:if>
+                    <dgm:if name="Name124" func="var" arg="hierBranch" op="equ" val="l">
+                      <dgm:constrLst>
+                        <dgm:constr type="l" for="ch" forName="rootText3"/>
+                        <dgm:constr type="t" for="ch" forName="rootText3"/>
+                        <dgm:constr type="w" for="ch" forName="rootText3" refType="w"/>
+                        <dgm:constr type="h" for="ch" forName="rootText3" refType="h"/>
+                        <dgm:constr type="r" for="ch" forName="rootConnector3" refType="w"/>
+                        <dgm:constr type="t" for="ch" forName="rootConnector3"/>
+                        <dgm:constr type="w" for="ch" forName="rootConnector3" refType="w" refFor="ch" refForName="rootText3" fact="0.2"/>
+                        <dgm:constr type="h" for="ch" forName="rootConnector3" refType="h" refFor="ch" refForName="rootText3"/>
+                      </dgm:constrLst>
+                    </dgm:if>
+                    <dgm:if name="Name125" func="var" arg="hierBranch" op="equ" val="r">
+                      <dgm:constrLst>
+                        <dgm:constr type="l" for="ch" forName="rootText3"/>
+                        <dgm:constr type="t" for="ch" forName="rootText3"/>
+                        <dgm:constr type="w" for="ch" forName="rootText3" refType="w"/>
+                        <dgm:constr type="h" for="ch" forName="rootText3" refType="h"/>
+                        <dgm:constr type="l" for="ch" forName="rootConnector3"/>
+                        <dgm:constr type="t" for="ch" forName="rootConnector3"/>
+                        <dgm:constr type="w" for="ch" forName="rootConnector3" refType="w" refFor="ch" refForName="rootText3" fact="0.2"/>
+                        <dgm:constr type="h" for="ch" forName="rootConnector3" refType="h" refFor="ch" refForName="rootText3"/>
+                      </dgm:constrLst>
+                    </dgm:if>
+                    <dgm:else name="Name126">
+                      <dgm:constrLst>
+                        <dgm:constr type="l" for="ch" forName="rootText3"/>
+                        <dgm:constr type="t" for="ch" forName="rootText3"/>
+                        <dgm:constr type="w" for="ch" forName="rootText3" refType="w"/>
+                        <dgm:constr type="h" for="ch" forName="rootText3" refType="h"/>
+                        <dgm:constr type="r" for="ch" forName="rootConnector3" refType="w"/>
+                        <dgm:constr type="t" for="ch" forName="rootConnector3"/>
+                        <dgm:constr type="w" for="ch" forName="rootConnector3" refType="w" refFor="ch" refForName="rootText3" fact="0.2"/>
+                        <dgm:constr type="h" for="ch" forName="rootConnector3" refType="h" refFor="ch" refForName="rootText3"/>
+                      </dgm:constrLst>
+                    </dgm:else>
+                  </dgm:choose>
+                  <dgm:ruleLst/>
+                  <dgm:layoutNode name="rootText3">
+                    <dgm:varLst>
+                      <dgm:chPref val="3"/>
+                    </dgm:varLst>
+                    <dgm:alg type="tx"/>
+                    <dgm:shape xmlns:r="http://schemas.openxmlformats.org/officeDocument/2006/relationships" type="rect" r:blip="">
+                      <dgm:adjLst/>
+                    </dgm:shape>
+                    <dgm:presOf axis="self" ptType="node" cnt="1"/>
+                    <dgm:constrLst>
+                      <dgm:constr type="primFontSz" val="65"/>
+                      <dgm:constr type="lMarg" refType="primFontSz" fact="0.05"/>
+                      <dgm:constr type="rMarg" refType="primFontSz" fact="0.05"/>
+                      <dgm:constr type="tMarg" refType="primFontSz" fact="0.05"/>
+                      <dgm:constr type="bMarg" refType="primFontSz" fact="0.05"/>
+                    </dgm:constrLst>
+                    <dgm:ruleLst>
+                      <dgm:rule type="primFontSz" val="5" fact="NaN" max="NaN"/>
+                    </dgm:ruleLst>
+                  </dgm:layoutNode>
+                  <dgm:layoutNode name="rootConnector3" moveWith="rootText1">
+                    <dgm:alg type="sp"/>
+                    <dgm:shape xmlns:r="http://schemas.openxmlformats.org/officeDocument/2006/relationships" type="rect" r:blip="" hideGeom="1">
+                      <dgm:adjLst/>
+                    </dgm:shape>
+                    <dgm:presOf axis="self" ptType="node" cnt="1"/>
+                    <dgm:constrLst/>
+                    <dgm:ruleLst/>
+                  </dgm:layoutNode>
+                </dgm:layoutNode>
+                <dgm:layoutNode name="hierChild6">
+                  <dgm:choose name="Name127">
+                    <dgm:if name="Name128" func="var" arg="hierBranch" op="equ" val="l">
+                      <dgm:alg type="hierChild">
+                        <dgm:param type="chAlign" val="r"/>
+                        <dgm:param type="linDir" val="fromT"/>
+                      </dgm:alg>
+                    </dgm:if>
+                    <dgm:if name="Name129" func="var" arg="hierBranch" op="equ" val="r">
+                      <dgm:alg type="hierChild">
+                        <dgm:param type="chAlign" val="l"/>
+                        <dgm:param type="linDir" val="fromT"/>
+                      </dgm:alg>
+                    </dgm:if>
+                    <dgm:if name="Name130" func="var" arg="hierBranch" op="equ" val="hang">
+                      <dgm:choose name="Name131">
+                        <dgm:if name="Name132" func="var" arg="dir" op="equ" val="norm">
+                          <dgm:alg type="hierChild">
+                            <dgm:param type="chAlign" val="l"/>
+                            <dgm:param type="linDir" val="fromL"/>
+                            <dgm:param type="secChAlign" val="t"/>
+                            <dgm:param type="secLinDir" val="fromT"/>
+                          </dgm:alg>
+                        </dgm:if>
+                        <dgm:else name="Name133">
+                          <dgm:alg type="hierChild">
+                            <dgm:param type="chAlign" val="l"/>
+                            <dgm:param type="linDir" val="fromR"/>
+                            <dgm:param type="secChAlign" val="t"/>
+                            <dgm:param type="secLinDir" val="fromT"/>
+                          </dgm:alg>
+                        </dgm:else>
+                      </dgm:choose>
+                    </dgm:if>
+                    <dgm:if name="Name134" func="var" arg="hierBranch" op="equ" val="std">
+                      <dgm:choose name="Name135">
+                        <dgm:if name="Name136" func="var" arg="dir" op="equ" val="norm">
+                          <dgm:alg type="hierChild"/>
+                        </dgm:if>
+                        <dgm:else name="Name137">
+                          <dgm:alg type="hierChild">
+                            <dgm:param type="linDir" val="fromR"/>
+                          </dgm:alg>
+                        </dgm:else>
+                      </dgm:choose>
+                    </dgm:if>
+                    <dgm:if name="Name138" func="var" arg="hierBranch" op="equ" val="init">
+                      <dgm:choose name="Name139">
+                        <dgm:if name="Name140" axis="des" func="maxDepth" op="lte" val="1">
+                          <dgm:alg type="hierChild">
+                            <dgm:param type="chAlign" val="l"/>
+                            <dgm:param type="linDir" val="fromT"/>
+                          </dgm:alg>
+                        </dgm:if>
+                        <dgm:else name="Name141">
+                          <dgm:alg type="hierChild"/>
+                        </dgm:else>
+                      </dgm:choose>
+                    </dgm:if>
+                    <dgm:else name="Name142"/>
+                  </dgm:choose>
+                  <dgm:shape xmlns:r="http://schemas.openxmlformats.org/officeDocument/2006/relationships" r:blip="">
+                    <dgm:adjLst/>
+                  </dgm:shape>
+                  <dgm:presOf/>
+                  <dgm:constrLst/>
+                  <dgm:ruleLst/>
+                  <dgm:forEach name="Name143" ref="rep2a"/>
+                </dgm:layoutNode>
+                <dgm:layoutNode name="hierChild7">
+                  <dgm:choose name="Name144">
+                    <dgm:if name="Name145" func="var" arg="dir" op="equ" val="norm">
+                      <dgm:alg type="hierChild">
+                        <dgm:param type="chAlign" val="l"/>
+                        <dgm:param type="linDir" val="fromL"/>
+                        <dgm:param type="secChAlign" val="t"/>
+                        <dgm:param type="secLinDir" val="fromT"/>
+                      </dgm:alg>
+                    </dgm:if>
+                    <dgm:else name="Name146">
+                      <dgm:alg type="hierChild">
+                        <dgm:param type="chAlign" val="l"/>
+                        <dgm:param type="linDir" val="fromR"/>
+                        <dgm:param type="secChAlign" val="t"/>
+                        <dgm:param type="secLinDir" val="fromT"/>
+                      </dgm:alg>
+                    </dgm:else>
+                  </dgm:choose>
+                  <dgm:shape xmlns:r="http://schemas.openxmlformats.org/officeDocument/2006/relationships" r:blip="">
+                    <dgm:adjLst/>
+                  </dgm:shape>
+                  <dgm:presOf/>
+                  <dgm:constrLst/>
+                  <dgm:ruleLst/>
+                  <dgm:forEach name="Name147" ref="rep2b"/>
+                </dgm:layoutNode>
+              </dgm:layoutNode>
+            </dgm:forEach>
+          </dgm:layoutNode>
+        </dgm:layoutNode>
+      </dgm:forEach>
+    </dgm:forEach>
+  </dgm:layoutNode>
+</dgm:layoutDef>
+</file>
+
+<file path=ppt/diagrams/layout6.xml><?xml version="1.0" encoding="utf-8"?>
 <dgm:layoutDef xmlns:dgm="http://schemas.openxmlformats.org/drawingml/2006/diagram" xmlns:a="http://schemas.openxmlformats.org/drawingml/2006/main" uniqueId="urn:microsoft.com/office/officeart/2005/8/layout/process3">
   <dgm:title val=""/>
   <dgm:desc val=""/>
@@ -23336,6 +28099,1040 @@
 </dgm:styleDef>
 </file>
 
+<file path=ppt/diagrams/quickStyle6.xml><?xml version="1.0" encoding="utf-8"?>
+<dgm:styleDef xmlns:dgm="http://schemas.openxmlformats.org/drawingml/2006/diagram" xmlns:a="http://schemas.openxmlformats.org/drawingml/2006/main" uniqueId="urn:microsoft.com/office/officeart/2005/8/quickstyle/simple1">
+  <dgm:title val=""/>
+  <dgm:desc val=""/>
+  <dgm:catLst>
+    <dgm:cat type="simple" pri="10100"/>
+  </dgm:catLst>
+  <dgm:scene3d>
+    <a:camera prst="orthographicFront"/>
+    <a:lightRig rig="threePt" dir="t"/>
+  </dgm:scene3d>
+  <dgm:styleLbl name="node0">
+    <dgm:scene3d>
+      <a:camera prst="orthographicFront"/>
+      <a:lightRig rig="threePt" dir="t"/>
+    </dgm:scene3d>
+    <dgm:sp3d/>
+    <dgm:txPr/>
+    <dgm:style>
+      <a:lnRef idx="2">
+        <a:scrgbClr r="0" g="0" b="0"/>
+      </a:lnRef>
+      <a:fillRef idx="1">
+        <a:scrgbClr r="0" g="0" b="0"/>
+      </a:fillRef>
+      <a:effectRef idx="0">
+        <a:scrgbClr r="0" g="0" b="0"/>
+      </a:effectRef>
+      <a:fontRef idx="minor">
+        <a:schemeClr val="lt1"/>
+      </a:fontRef>
+    </dgm:style>
+  </dgm:styleLbl>
+  <dgm:styleLbl name="lnNode1">
+    <dgm:scene3d>
+      <a:camera prst="orthographicFront"/>
+      <a:lightRig rig="threePt" dir="t"/>
+    </dgm:scene3d>
+    <dgm:sp3d/>
+    <dgm:txPr/>
+    <dgm:style>
+      <a:lnRef idx="2">
+        <a:scrgbClr r="0" g="0" b="0"/>
+      </a:lnRef>
+      <a:fillRef idx="1">
+        <a:scrgbClr r="0" g="0" b="0"/>
+      </a:fillRef>
+      <a:effectRef idx="0">
+        <a:scrgbClr r="0" g="0" b="0"/>
+      </a:effectRef>
+      <a:fontRef idx="minor">
+        <a:schemeClr val="lt1"/>
+      </a:fontRef>
+    </dgm:style>
+  </dgm:styleLbl>
+  <dgm:styleLbl name="vennNode1">
+    <dgm:scene3d>
+      <a:camera prst="orthographicFront"/>
+      <a:lightRig rig="threePt" dir="t"/>
+    </dgm:scene3d>
+    <dgm:sp3d/>
+    <dgm:txPr/>
+    <dgm:style>
+      <a:lnRef idx="2">
+        <a:scrgbClr r="0" g="0" b="0"/>
+      </a:lnRef>
+      <a:fillRef idx="1">
+        <a:scrgbClr r="0" g="0" b="0"/>
+      </a:fillRef>
+      <a:effectRef idx="0">
+        <a:scrgbClr r="0" g="0" b="0"/>
+      </a:effectRef>
+      <a:fontRef idx="minor">
+        <a:schemeClr val="tx1"/>
+      </a:fontRef>
+    </dgm:style>
+  </dgm:styleLbl>
+  <dgm:styleLbl name="alignNode1">
+    <dgm:scene3d>
+      <a:camera prst="orthographicFront"/>
+      <a:lightRig rig="threePt" dir="t"/>
+    </dgm:scene3d>
+    <dgm:sp3d/>
+    <dgm:txPr/>
+    <dgm:style>
+      <a:lnRef idx="2">
+        <a:scrgbClr r="0" g="0" b="0"/>
+      </a:lnRef>
+      <a:fillRef idx="1">
+        <a:scrgbClr r="0" g="0" b="0"/>
+      </a:fillRef>
+      <a:effectRef idx="0">
+        <a:scrgbClr r="0" g="0" b="0"/>
+      </a:effectRef>
+      <a:fontRef idx="minor">
+        <a:schemeClr val="lt1"/>
+      </a:fontRef>
+    </dgm:style>
+  </dgm:styleLbl>
+  <dgm:styleLbl name="node1">
+    <dgm:scene3d>
+      <a:camera prst="orthographicFront"/>
+      <a:lightRig rig="threePt" dir="t"/>
+    </dgm:scene3d>
+    <dgm:sp3d/>
+    <dgm:txPr/>
+    <dgm:style>
+      <a:lnRef idx="2">
+        <a:scrgbClr r="0" g="0" b="0"/>
+      </a:lnRef>
+      <a:fillRef idx="1">
+        <a:scrgbClr r="0" g="0" b="0"/>
+      </a:fillRef>
+      <a:effectRef idx="0">
+        <a:scrgbClr r="0" g="0" b="0"/>
+      </a:effectRef>
+      <a:fontRef idx="minor">
+        <a:schemeClr val="lt1"/>
+      </a:fontRef>
+    </dgm:style>
+  </dgm:styleLbl>
+  <dgm:styleLbl name="node2">
+    <dgm:scene3d>
+      <a:camera prst="orthographicFront"/>
+      <a:lightRig rig="threePt" dir="t"/>
+    </dgm:scene3d>
+    <dgm:sp3d/>
+    <dgm:txPr/>
+    <dgm:style>
+      <a:lnRef idx="2">
+        <a:scrgbClr r="0" g="0" b="0"/>
+      </a:lnRef>
+      <a:fillRef idx="1">
+        <a:scrgbClr r="0" g="0" b="0"/>
+      </a:fillRef>
+      <a:effectRef idx="0">
+        <a:scrgbClr r="0" g="0" b="0"/>
+      </a:effectRef>
+      <a:fontRef idx="minor">
+        <a:schemeClr val="lt1"/>
+      </a:fontRef>
+    </dgm:style>
+  </dgm:styleLbl>
+  <dgm:styleLbl name="node3">
+    <dgm:scene3d>
+      <a:camera prst="orthographicFront"/>
+      <a:lightRig rig="threePt" dir="t"/>
+    </dgm:scene3d>
+    <dgm:sp3d/>
+    <dgm:txPr/>
+    <dgm:style>
+      <a:lnRef idx="2">
+        <a:scrgbClr r="0" g="0" b="0"/>
+      </a:lnRef>
+      <a:fillRef idx="1">
+        <a:scrgbClr r="0" g="0" b="0"/>
+      </a:fillRef>
+      <a:effectRef idx="0">
+        <a:scrgbClr r="0" g="0" b="0"/>
+      </a:effectRef>
+      <a:fontRef idx="minor">
+        <a:schemeClr val="lt1"/>
+      </a:fontRef>
+    </dgm:style>
+  </dgm:styleLbl>
+  <dgm:styleLbl name="node4">
+    <dgm:scene3d>
+      <a:camera prst="orthographicFront"/>
+      <a:lightRig rig="threePt" dir="t"/>
+    </dgm:scene3d>
+    <dgm:sp3d/>
+    <dgm:txPr/>
+    <dgm:style>
+      <a:lnRef idx="2">
+        <a:scrgbClr r="0" g="0" b="0"/>
+      </a:lnRef>
+      <a:fillRef idx="1">
+        <a:scrgbClr r="0" g="0" b="0"/>
+      </a:fillRef>
+      <a:effectRef idx="0">
+        <a:scrgbClr r="0" g="0" b="0"/>
+      </a:effectRef>
+      <a:fontRef idx="minor">
+        <a:schemeClr val="lt1"/>
+      </a:fontRef>
+    </dgm:style>
+  </dgm:styleLbl>
+  <dgm:styleLbl name="fgImgPlace1">
+    <dgm:scene3d>
+      <a:camera prst="orthographicFront"/>
+      <a:lightRig rig="threePt" dir="t"/>
+    </dgm:scene3d>
+    <dgm:sp3d/>
+    <dgm:txPr/>
+    <dgm:style>
+      <a:lnRef idx="2">
+        <a:scrgbClr r="0" g="0" b="0"/>
+      </a:lnRef>
+      <a:fillRef idx="1">
+        <a:scrgbClr r="0" g="0" b="0"/>
+      </a:fillRef>
+      <a:effectRef idx="0">
+        <a:scrgbClr r="0" g="0" b="0"/>
+      </a:effectRef>
+      <a:fontRef idx="minor"/>
+    </dgm:style>
+  </dgm:styleLbl>
+  <dgm:styleLbl name="alignImgPlace1">
+    <dgm:scene3d>
+      <a:camera prst="orthographicFront"/>
+      <a:lightRig rig="threePt" dir="t"/>
+    </dgm:scene3d>
+    <dgm:sp3d/>
+    <dgm:txPr/>
+    <dgm:style>
+      <a:lnRef idx="2">
+        <a:scrgbClr r="0" g="0" b="0"/>
+      </a:lnRef>
+      <a:fillRef idx="1">
+        <a:scrgbClr r="0" g="0" b="0"/>
+      </a:fillRef>
+      <a:effectRef idx="0">
+        <a:scrgbClr r="0" g="0" b="0"/>
+      </a:effectRef>
+      <a:fontRef idx="minor"/>
+    </dgm:style>
+  </dgm:styleLbl>
+  <dgm:styleLbl name="bgImgPlace1">
+    <dgm:scene3d>
+      <a:camera prst="orthographicFront"/>
+      <a:lightRig rig="threePt" dir="t"/>
+    </dgm:scene3d>
+    <dgm:sp3d/>
+    <dgm:txPr/>
+    <dgm:style>
+      <a:lnRef idx="2">
+        <a:scrgbClr r="0" g="0" b="0"/>
+      </a:lnRef>
+      <a:fillRef idx="1">
+        <a:scrgbClr r="0" g="0" b="0"/>
+      </a:fillRef>
+      <a:effectRef idx="0">
+        <a:scrgbClr r="0" g="0" b="0"/>
+      </a:effectRef>
+      <a:fontRef idx="minor"/>
+    </dgm:style>
+  </dgm:styleLbl>
+  <dgm:styleLbl name="sibTrans2D1">
+    <dgm:scene3d>
+      <a:camera prst="orthographicFront"/>
+      <a:lightRig rig="threePt" dir="t"/>
+    </dgm:scene3d>
+    <dgm:sp3d/>
+    <dgm:txPr/>
+    <dgm:style>
+      <a:lnRef idx="0">
+        <a:scrgbClr r="0" g="0" b="0"/>
+      </a:lnRef>
+      <a:fillRef idx="1">
+        <a:scrgbClr r="0" g="0" b="0"/>
+      </a:fillRef>
+      <a:effectRef idx="0">
+        <a:scrgbClr r="0" g="0" b="0"/>
+      </a:effectRef>
+      <a:fontRef idx="minor">
+        <a:schemeClr val="lt1"/>
+      </a:fontRef>
+    </dgm:style>
+  </dgm:styleLbl>
+  <dgm:styleLbl name="fgSibTrans2D1">
+    <dgm:scene3d>
+      <a:camera prst="orthographicFront"/>
+      <a:lightRig rig="threePt" dir="t"/>
+    </dgm:scene3d>
+    <dgm:sp3d/>
+    <dgm:txPr/>
+    <dgm:style>
+      <a:lnRef idx="0">
+        <a:scrgbClr r="0" g="0" b="0"/>
+      </a:lnRef>
+      <a:fillRef idx="1">
+        <a:scrgbClr r="0" g="0" b="0"/>
+      </a:fillRef>
+      <a:effectRef idx="0">
+        <a:scrgbClr r="0" g="0" b="0"/>
+      </a:effectRef>
+      <a:fontRef idx="minor">
+        <a:schemeClr val="lt1"/>
+      </a:fontRef>
+    </dgm:style>
+  </dgm:styleLbl>
+  <dgm:styleLbl name="bgSibTrans2D1">
+    <dgm:scene3d>
+      <a:camera prst="orthographicFront"/>
+      <a:lightRig rig="threePt" dir="t"/>
+    </dgm:scene3d>
+    <dgm:sp3d/>
+    <dgm:txPr/>
+    <dgm:style>
+      <a:lnRef idx="0">
+        <a:scrgbClr r="0" g="0" b="0"/>
+      </a:lnRef>
+      <a:fillRef idx="1">
+        <a:scrgbClr r="0" g="0" b="0"/>
+      </a:fillRef>
+      <a:effectRef idx="0">
+        <a:scrgbClr r="0" g="0" b="0"/>
+      </a:effectRef>
+      <a:fontRef idx="minor">
+        <a:schemeClr val="lt1"/>
+      </a:fontRef>
+    </dgm:style>
+  </dgm:styleLbl>
+  <dgm:styleLbl name="sibTrans1D1">
+    <dgm:scene3d>
+      <a:camera prst="orthographicFront"/>
+      <a:lightRig rig="threePt" dir="t"/>
+    </dgm:scene3d>
+    <dgm:sp3d/>
+    <dgm:txPr/>
+    <dgm:style>
+      <a:lnRef idx="1">
+        <a:scrgbClr r="0" g="0" b="0"/>
+      </a:lnRef>
+      <a:fillRef idx="0">
+        <a:scrgbClr r="0" g="0" b="0"/>
+      </a:fillRef>
+      <a:effectRef idx="0">
+        <a:scrgbClr r="0" g="0" b="0"/>
+      </a:effectRef>
+      <a:fontRef idx="minor"/>
+    </dgm:style>
+  </dgm:styleLbl>
+  <dgm:styleLbl name="callout">
+    <dgm:scene3d>
+      <a:camera prst="orthographicFront"/>
+      <a:lightRig rig="threePt" dir="t"/>
+    </dgm:scene3d>
+    <dgm:sp3d/>
+    <dgm:txPr/>
+    <dgm:style>
+      <a:lnRef idx="2">
+        <a:scrgbClr r="0" g="0" b="0"/>
+      </a:lnRef>
+      <a:fillRef idx="1">
+        <a:scrgbClr r="0" g="0" b="0"/>
+      </a:fillRef>
+      <a:effectRef idx="0">
+        <a:scrgbClr r="0" g="0" b="0"/>
+      </a:effectRef>
+      <a:fontRef idx="minor"/>
+    </dgm:style>
+  </dgm:styleLbl>
+  <dgm:styleLbl name="asst0">
+    <dgm:scene3d>
+      <a:camera prst="orthographicFront"/>
+      <a:lightRig rig="threePt" dir="t"/>
+    </dgm:scene3d>
+    <dgm:sp3d/>
+    <dgm:txPr/>
+    <dgm:style>
+      <a:lnRef idx="2">
+        <a:scrgbClr r="0" g="0" b="0"/>
+      </a:lnRef>
+      <a:fillRef idx="1">
+        <a:scrgbClr r="0" g="0" b="0"/>
+      </a:fillRef>
+      <a:effectRef idx="0">
+        <a:scrgbClr r="0" g="0" b="0"/>
+      </a:effectRef>
+      <a:fontRef idx="minor">
+        <a:schemeClr val="lt1"/>
+      </a:fontRef>
+    </dgm:style>
+  </dgm:styleLbl>
+  <dgm:styleLbl name="asst1">
+    <dgm:scene3d>
+      <a:camera prst="orthographicFront"/>
+      <a:lightRig rig="threePt" dir="t"/>
+    </dgm:scene3d>
+    <dgm:sp3d/>
+    <dgm:txPr/>
+    <dgm:style>
+      <a:lnRef idx="2">
+        <a:scrgbClr r="0" g="0" b="0"/>
+      </a:lnRef>
+      <a:fillRef idx="1">
+        <a:scrgbClr r="0" g="0" b="0"/>
+      </a:fillRef>
+      <a:effectRef idx="0">
+        <a:scrgbClr r="0" g="0" b="0"/>
+      </a:effectRef>
+      <a:fontRef idx="minor">
+        <a:schemeClr val="lt1"/>
+      </a:fontRef>
+    </dgm:style>
+  </dgm:styleLbl>
+  <dgm:styleLbl name="asst2">
+    <dgm:scene3d>
+      <a:camera prst="orthographicFront"/>
+      <a:lightRig rig="threePt" dir="t"/>
+    </dgm:scene3d>
+    <dgm:sp3d/>
+    <dgm:txPr/>
+    <dgm:style>
+      <a:lnRef idx="2">
+        <a:scrgbClr r="0" g="0" b="0"/>
+      </a:lnRef>
+      <a:fillRef idx="1">
+        <a:scrgbClr r="0" g="0" b="0"/>
+      </a:fillRef>
+      <a:effectRef idx="0">
+        <a:scrgbClr r="0" g="0" b="0"/>
+      </a:effectRef>
+      <a:fontRef idx="minor">
+        <a:schemeClr val="lt1"/>
+      </a:fontRef>
+    </dgm:style>
+  </dgm:styleLbl>
+  <dgm:styleLbl name="asst3">
+    <dgm:scene3d>
+      <a:camera prst="orthographicFront"/>
+      <a:lightRig rig="threePt" dir="t"/>
+    </dgm:scene3d>
+    <dgm:sp3d/>
+    <dgm:txPr/>
+    <dgm:style>
+      <a:lnRef idx="2">
+        <a:scrgbClr r="0" g="0" b="0"/>
+      </a:lnRef>
+      <a:fillRef idx="1">
+        <a:scrgbClr r="0" g="0" b="0"/>
+      </a:fillRef>
+      <a:effectRef idx="0">
+        <a:scrgbClr r="0" g="0" b="0"/>
+      </a:effectRef>
+      <a:fontRef idx="minor">
+        <a:schemeClr val="lt1"/>
+      </a:fontRef>
+    </dgm:style>
+  </dgm:styleLbl>
+  <dgm:styleLbl name="asst4">
+    <dgm:scene3d>
+      <a:camera prst="orthographicFront"/>
+      <a:lightRig rig="threePt" dir="t"/>
+    </dgm:scene3d>
+    <dgm:sp3d/>
+    <dgm:txPr/>
+    <dgm:style>
+      <a:lnRef idx="2">
+        <a:scrgbClr r="0" g="0" b="0"/>
+      </a:lnRef>
+      <a:fillRef idx="1">
+        <a:scrgbClr r="0" g="0" b="0"/>
+      </a:fillRef>
+      <a:effectRef idx="0">
+        <a:scrgbClr r="0" g="0" b="0"/>
+      </a:effectRef>
+      <a:fontRef idx="minor">
+        <a:schemeClr val="lt1"/>
+      </a:fontRef>
+    </dgm:style>
+  </dgm:styleLbl>
+  <dgm:styleLbl name="parChTrans2D1">
+    <dgm:scene3d>
+      <a:camera prst="orthographicFront"/>
+      <a:lightRig rig="threePt" dir="t"/>
+    </dgm:scene3d>
+    <dgm:sp3d/>
+    <dgm:txPr/>
+    <dgm:style>
+      <a:lnRef idx="2">
+        <a:scrgbClr r="0" g="0" b="0"/>
+      </a:lnRef>
+      <a:fillRef idx="1">
+        <a:scrgbClr r="0" g="0" b="0"/>
+      </a:fillRef>
+      <a:effectRef idx="0">
+        <a:scrgbClr r="0" g="0" b="0"/>
+      </a:effectRef>
+      <a:fontRef idx="minor">
+        <a:schemeClr val="lt1"/>
+      </a:fontRef>
+    </dgm:style>
+  </dgm:styleLbl>
+  <dgm:styleLbl name="parChTrans2D2">
+    <dgm:scene3d>
+      <a:camera prst="orthographicFront"/>
+      <a:lightRig rig="threePt" dir="t"/>
+    </dgm:scene3d>
+    <dgm:sp3d/>
+    <dgm:txPr/>
+    <dgm:style>
+      <a:lnRef idx="2">
+        <a:scrgbClr r="0" g="0" b="0"/>
+      </a:lnRef>
+      <a:fillRef idx="1">
+        <a:scrgbClr r="0" g="0" b="0"/>
+      </a:fillRef>
+      <a:effectRef idx="0">
+        <a:scrgbClr r="0" g="0" b="0"/>
+      </a:effectRef>
+      <a:fontRef idx="minor">
+        <a:schemeClr val="lt1"/>
+      </a:fontRef>
+    </dgm:style>
+  </dgm:styleLbl>
+  <dgm:styleLbl name="parChTrans2D3">
+    <dgm:scene3d>
+      <a:camera prst="orthographicFront"/>
+      <a:lightRig rig="threePt" dir="t"/>
+    </dgm:scene3d>
+    <dgm:sp3d/>
+    <dgm:txPr/>
+    <dgm:style>
+      <a:lnRef idx="2">
+        <a:scrgbClr r="0" g="0" b="0"/>
+      </a:lnRef>
+      <a:fillRef idx="1">
+        <a:scrgbClr r="0" g="0" b="0"/>
+      </a:fillRef>
+      <a:effectRef idx="0">
+        <a:scrgbClr r="0" g="0" b="0"/>
+      </a:effectRef>
+      <a:fontRef idx="minor">
+        <a:schemeClr val="lt1"/>
+      </a:fontRef>
+    </dgm:style>
+  </dgm:styleLbl>
+  <dgm:styleLbl name="parChTrans2D4">
+    <dgm:scene3d>
+      <a:camera prst="orthographicFront"/>
+      <a:lightRig rig="threePt" dir="t"/>
+    </dgm:scene3d>
+    <dgm:sp3d/>
+    <dgm:txPr/>
+    <dgm:style>
+      <a:lnRef idx="2">
+        <a:scrgbClr r="0" g="0" b="0"/>
+      </a:lnRef>
+      <a:fillRef idx="1">
+        <a:scrgbClr r="0" g="0" b="0"/>
+      </a:fillRef>
+      <a:effectRef idx="0">
+        <a:scrgbClr r="0" g="0" b="0"/>
+      </a:effectRef>
+      <a:fontRef idx="minor">
+        <a:schemeClr val="lt1"/>
+      </a:fontRef>
+    </dgm:style>
+  </dgm:styleLbl>
+  <dgm:styleLbl name="parChTrans1D1">
+    <dgm:scene3d>
+      <a:camera prst="orthographicFront"/>
+      <a:lightRig rig="threePt" dir="t"/>
+    </dgm:scene3d>
+    <dgm:sp3d/>
+    <dgm:txPr/>
+    <dgm:style>
+      <a:lnRef idx="2">
+        <a:scrgbClr r="0" g="0" b="0"/>
+      </a:lnRef>
+      <a:fillRef idx="0">
+        <a:scrgbClr r="0" g="0" b="0"/>
+      </a:fillRef>
+      <a:effectRef idx="0">
+        <a:scrgbClr r="0" g="0" b="0"/>
+      </a:effectRef>
+      <a:fontRef idx="minor"/>
+    </dgm:style>
+  </dgm:styleLbl>
+  <dgm:styleLbl name="parChTrans1D2">
+    <dgm:scene3d>
+      <a:camera prst="orthographicFront"/>
+      <a:lightRig rig="threePt" dir="t"/>
+    </dgm:scene3d>
+    <dgm:sp3d/>
+    <dgm:txPr/>
+    <dgm:style>
+      <a:lnRef idx="2">
+        <a:scrgbClr r="0" g="0" b="0"/>
+      </a:lnRef>
+      <a:fillRef idx="0">
+        <a:scrgbClr r="0" g="0" b="0"/>
+      </a:fillRef>
+      <a:effectRef idx="0">
+        <a:scrgbClr r="0" g="0" b="0"/>
+      </a:effectRef>
+      <a:fontRef idx="minor"/>
+    </dgm:style>
+  </dgm:styleLbl>
+  <dgm:styleLbl name="parChTrans1D3">
+    <dgm:scene3d>
+      <a:camera prst="orthographicFront"/>
+      <a:lightRig rig="threePt" dir="t"/>
+    </dgm:scene3d>
+    <dgm:sp3d/>
+    <dgm:txPr/>
+    <dgm:style>
+      <a:lnRef idx="2">
+        <a:scrgbClr r="0" g="0" b="0"/>
+      </a:lnRef>
+      <a:fillRef idx="0">
+        <a:scrgbClr r="0" g="0" b="0"/>
+      </a:fillRef>
+      <a:effectRef idx="0">
+        <a:scrgbClr r="0" g="0" b="0"/>
+      </a:effectRef>
+      <a:fontRef idx="minor"/>
+    </dgm:style>
+  </dgm:styleLbl>
+  <dgm:styleLbl name="parChTrans1D4">
+    <dgm:scene3d>
+      <a:camera prst="orthographicFront"/>
+      <a:lightRig rig="threePt" dir="t"/>
+    </dgm:scene3d>
+    <dgm:sp3d/>
+    <dgm:txPr/>
+    <dgm:style>
+      <a:lnRef idx="2">
+        <a:scrgbClr r="0" g="0" b="0"/>
+      </a:lnRef>
+      <a:fillRef idx="0">
+        <a:scrgbClr r="0" g="0" b="0"/>
+      </a:fillRef>
+      <a:effectRef idx="0">
+        <a:scrgbClr r="0" g="0" b="0"/>
+      </a:effectRef>
+      <a:fontRef idx="minor"/>
+    </dgm:style>
+  </dgm:styleLbl>
+  <dgm:styleLbl name="fgAcc1">
+    <dgm:scene3d>
+      <a:camera prst="orthographicFront"/>
+      <a:lightRig rig="threePt" dir="t"/>
+    </dgm:scene3d>
+    <dgm:sp3d/>
+    <dgm:txPr/>
+    <dgm:style>
+      <a:lnRef idx="2">
+        <a:scrgbClr r="0" g="0" b="0"/>
+      </a:lnRef>
+      <a:fillRef idx="1">
+        <a:scrgbClr r="0" g="0" b="0"/>
+      </a:fillRef>
+      <a:effectRef idx="0">
+        <a:scrgbClr r="0" g="0" b="0"/>
+      </a:effectRef>
+      <a:fontRef idx="minor"/>
+    </dgm:style>
+  </dgm:styleLbl>
+  <dgm:styleLbl name="conFgAcc1">
+    <dgm:scene3d>
+      <a:camera prst="orthographicFront"/>
+      <a:lightRig rig="threePt" dir="t"/>
+    </dgm:scene3d>
+    <dgm:sp3d/>
+    <dgm:txPr/>
+    <dgm:style>
+      <a:lnRef idx="2">
+        <a:scrgbClr r="0" g="0" b="0"/>
+      </a:lnRef>
+      <a:fillRef idx="1">
+        <a:scrgbClr r="0" g="0" b="0"/>
+      </a:fillRef>
+      <a:effectRef idx="0">
+        <a:scrgbClr r="0" g="0" b="0"/>
+      </a:effectRef>
+      <a:fontRef idx="minor"/>
+    </dgm:style>
+  </dgm:styleLbl>
+  <dgm:styleLbl name="alignAcc1">
+    <dgm:scene3d>
+      <a:camera prst="orthographicFront"/>
+      <a:lightRig rig="threePt" dir="t"/>
+    </dgm:scene3d>
+    <dgm:sp3d/>
+    <dgm:txPr/>
+    <dgm:style>
+      <a:lnRef idx="2">
+        <a:scrgbClr r="0" g="0" b="0"/>
+      </a:lnRef>
+      <a:fillRef idx="1">
+        <a:scrgbClr r="0" g="0" b="0"/>
+      </a:fillRef>
+      <a:effectRef idx="0">
+        <a:scrgbClr r="0" g="0" b="0"/>
+      </a:effectRef>
+      <a:fontRef idx="minor"/>
+    </dgm:style>
+  </dgm:styleLbl>
+  <dgm:styleLbl name="trAlignAcc1">
+    <dgm:scene3d>
+      <a:camera prst="orthographicFront"/>
+      <a:lightRig rig="threePt" dir="t"/>
+    </dgm:scene3d>
+    <dgm:sp3d/>
+    <dgm:txPr/>
+    <dgm:style>
+      <a:lnRef idx="1">
+        <a:scrgbClr r="0" g="0" b="0"/>
+      </a:lnRef>
+      <a:fillRef idx="1">
+        <a:scrgbClr r="0" g="0" b="0"/>
+      </a:fillRef>
+      <a:effectRef idx="0">
+        <a:scrgbClr r="0" g="0" b="0"/>
+      </a:effectRef>
+      <a:fontRef idx="minor"/>
+    </dgm:style>
+  </dgm:styleLbl>
+  <dgm:styleLbl name="bgAcc1">
+    <dgm:scene3d>
+      <a:camera prst="orthographicFront"/>
+      <a:lightRig rig="threePt" dir="t"/>
+    </dgm:scene3d>
+    <dgm:sp3d/>
+    <dgm:txPr/>
+    <dgm:style>
+      <a:lnRef idx="2">
+        <a:scrgbClr r="0" g="0" b="0"/>
+      </a:lnRef>
+      <a:fillRef idx="1">
+        <a:scrgbClr r="0" g="0" b="0"/>
+      </a:fillRef>
+      <a:effectRef idx="0">
+        <a:scrgbClr r="0" g="0" b="0"/>
+      </a:effectRef>
+      <a:fontRef idx="minor"/>
+    </dgm:style>
+  </dgm:styleLbl>
+  <dgm:styleLbl name="solidFgAcc1">
+    <dgm:scene3d>
+      <a:camera prst="orthographicFront"/>
+      <a:lightRig rig="threePt" dir="t"/>
+    </dgm:scene3d>
+    <dgm:sp3d/>
+    <dgm:txPr/>
+    <dgm:style>
+      <a:lnRef idx="2">
+        <a:scrgbClr r="0" g="0" b="0"/>
+      </a:lnRef>
+      <a:fillRef idx="1">
+        <a:scrgbClr r="0" g="0" b="0"/>
+      </a:fillRef>
+      <a:effectRef idx="0">
+        <a:scrgbClr r="0" g="0" b="0"/>
+      </a:effectRef>
+      <a:fontRef idx="minor"/>
+    </dgm:style>
+  </dgm:styleLbl>
+  <dgm:styleLbl name="solidAlignAcc1">
+    <dgm:scene3d>
+      <a:camera prst="orthographicFront"/>
+      <a:lightRig rig="threePt" dir="t"/>
+    </dgm:scene3d>
+    <dgm:sp3d/>
+    <dgm:txPr/>
+    <dgm:style>
+      <a:lnRef idx="2">
+        <a:scrgbClr r="0" g="0" b="0"/>
+      </a:lnRef>
+      <a:fillRef idx="1">
+        <a:scrgbClr r="0" g="0" b="0"/>
+      </a:fillRef>
+      <a:effectRef idx="0">
+        <a:scrgbClr r="0" g="0" b="0"/>
+      </a:effectRef>
+      <a:fontRef idx="minor"/>
+    </dgm:style>
+  </dgm:styleLbl>
+  <dgm:styleLbl name="solidBgAcc1">
+    <dgm:scene3d>
+      <a:camera prst="orthographicFront"/>
+      <a:lightRig rig="threePt" dir="t"/>
+    </dgm:scene3d>
+    <dgm:sp3d/>
+    <dgm:txPr/>
+    <dgm:style>
+      <a:lnRef idx="2">
+        <a:scrgbClr r="0" g="0" b="0"/>
+      </a:lnRef>
+      <a:fillRef idx="1">
+        <a:scrgbClr r="0" g="0" b="0"/>
+      </a:fillRef>
+      <a:effectRef idx="0">
+        <a:scrgbClr r="0" g="0" b="0"/>
+      </a:effectRef>
+      <a:fontRef idx="minor"/>
+    </dgm:style>
+  </dgm:styleLbl>
+  <dgm:styleLbl name="fgAccFollowNode1">
+    <dgm:scene3d>
+      <a:camera prst="orthographicFront"/>
+      <a:lightRig rig="threePt" dir="t"/>
+    </dgm:scene3d>
+    <dgm:sp3d/>
+    <dgm:txPr/>
+    <dgm:style>
+      <a:lnRef idx="2">
+        <a:scrgbClr r="0" g="0" b="0"/>
+      </a:lnRef>
+      <a:fillRef idx="1">
+        <a:scrgbClr r="0" g="0" b="0"/>
+      </a:fillRef>
+      <a:effectRef idx="0">
+        <a:scrgbClr r="0" g="0" b="0"/>
+      </a:effectRef>
+      <a:fontRef idx="minor"/>
+    </dgm:style>
+  </dgm:styleLbl>
+  <dgm:styleLbl name="alignAccFollowNode1">
+    <dgm:scene3d>
+      <a:camera prst="orthographicFront"/>
+      <a:lightRig rig="threePt" dir="t"/>
+    </dgm:scene3d>
+    <dgm:sp3d/>
+    <dgm:txPr/>
+    <dgm:style>
+      <a:lnRef idx="2">
+        <a:scrgbClr r="0" g="0" b="0"/>
+      </a:lnRef>
+      <a:fillRef idx="1">
+        <a:scrgbClr r="0" g="0" b="0"/>
+      </a:fillRef>
+      <a:effectRef idx="0">
+        <a:scrgbClr r="0" g="0" b="0"/>
+      </a:effectRef>
+      <a:fontRef idx="minor"/>
+    </dgm:style>
+  </dgm:styleLbl>
+  <dgm:styleLbl name="bgAccFollowNode1">
+    <dgm:scene3d>
+      <a:camera prst="orthographicFront"/>
+      <a:lightRig rig="threePt" dir="t"/>
+    </dgm:scene3d>
+    <dgm:sp3d/>
+    <dgm:txPr/>
+    <dgm:style>
+      <a:lnRef idx="2">
+        <a:scrgbClr r="0" g="0" b="0"/>
+      </a:lnRef>
+      <a:fillRef idx="1">
+        <a:scrgbClr r="0" g="0" b="0"/>
+      </a:fillRef>
+      <a:effectRef idx="0">
+        <a:scrgbClr r="0" g="0" b="0"/>
+      </a:effectRef>
+      <a:fontRef idx="minor"/>
+    </dgm:style>
+  </dgm:styleLbl>
+  <dgm:styleLbl name="fgAcc0">
+    <dgm:scene3d>
+      <a:camera prst="orthographicFront"/>
+      <a:lightRig rig="threePt" dir="t"/>
+    </dgm:scene3d>
+    <dgm:sp3d/>
+    <dgm:txPr/>
+    <dgm:style>
+      <a:lnRef idx="2">
+        <a:scrgbClr r="0" g="0" b="0"/>
+      </a:lnRef>
+      <a:fillRef idx="1">
+        <a:scrgbClr r="0" g="0" b="0"/>
+      </a:fillRef>
+      <a:effectRef idx="0">
+        <a:scrgbClr r="0" g="0" b="0"/>
+      </a:effectRef>
+      <a:fontRef idx="minor"/>
+    </dgm:style>
+  </dgm:styleLbl>
+  <dgm:styleLbl name="fgAcc2">
+    <dgm:scene3d>
+      <a:camera prst="orthographicFront"/>
+      <a:lightRig rig="threePt" dir="t"/>
+    </dgm:scene3d>
+    <dgm:sp3d/>
+    <dgm:txPr/>
+    <dgm:style>
+      <a:lnRef idx="2">
+        <a:scrgbClr r="0" g="0" b="0"/>
+      </a:lnRef>
+      <a:fillRef idx="1">
+        <a:scrgbClr r="0" g="0" b="0"/>
+      </a:fillRef>
+      <a:effectRef idx="0">
+        <a:scrgbClr r="0" g="0" b="0"/>
+      </a:effectRef>
+      <a:fontRef idx="minor"/>
+    </dgm:style>
+  </dgm:styleLbl>
+  <dgm:styleLbl name="fgAcc3">
+    <dgm:scene3d>
+      <a:camera prst="orthographicFront"/>
+      <a:lightRig rig="threePt" dir="t"/>
+    </dgm:scene3d>
+    <dgm:sp3d/>
+    <dgm:txPr/>
+    <dgm:style>
+      <a:lnRef idx="2">
+        <a:scrgbClr r="0" g="0" b="0"/>
+      </a:lnRef>
+      <a:fillRef idx="1">
+        <a:scrgbClr r="0" g="0" b="0"/>
+      </a:fillRef>
+      <a:effectRef idx="0">
+        <a:scrgbClr r="0" g="0" b="0"/>
+      </a:effectRef>
+      <a:fontRef idx="minor"/>
+    </dgm:style>
+  </dgm:styleLbl>
+  <dgm:styleLbl name="fgAcc4">
+    <dgm:scene3d>
+      <a:camera prst="orthographicFront"/>
+      <a:lightRig rig="threePt" dir="t"/>
+    </dgm:scene3d>
+    <dgm:sp3d/>
+    <dgm:txPr/>
+    <dgm:style>
+      <a:lnRef idx="2">
+        <a:scrgbClr r="0" g="0" b="0"/>
+      </a:lnRef>
+      <a:fillRef idx="1">
+        <a:scrgbClr r="0" g="0" b="0"/>
+      </a:fillRef>
+      <a:effectRef idx="0">
+        <a:scrgbClr r="0" g="0" b="0"/>
+      </a:effectRef>
+      <a:fontRef idx="minor"/>
+    </dgm:style>
+  </dgm:styleLbl>
+  <dgm:styleLbl name="bgShp">
+    <dgm:scene3d>
+      <a:camera prst="orthographicFront"/>
+      <a:lightRig rig="threePt" dir="t"/>
+    </dgm:scene3d>
+    <dgm:sp3d/>
+    <dgm:txPr/>
+    <dgm:style>
+      <a:lnRef idx="0">
+        <a:scrgbClr r="0" g="0" b="0"/>
+      </a:lnRef>
+      <a:fillRef idx="1">
+        <a:scrgbClr r="0" g="0" b="0"/>
+      </a:fillRef>
+      <a:effectRef idx="0">
+        <a:scrgbClr r="0" g="0" b="0"/>
+      </a:effectRef>
+      <a:fontRef idx="minor"/>
+    </dgm:style>
+  </dgm:styleLbl>
+  <dgm:styleLbl name="dkBgShp">
+    <dgm:scene3d>
+      <a:camera prst="orthographicFront"/>
+      <a:lightRig rig="threePt" dir="t"/>
+    </dgm:scene3d>
+    <dgm:sp3d/>
+    <dgm:txPr/>
+    <dgm:style>
+      <a:lnRef idx="0">
+        <a:scrgbClr r="0" g="0" b="0"/>
+      </a:lnRef>
+      <a:fillRef idx="1">
+        <a:scrgbClr r="0" g="0" b="0"/>
+      </a:fillRef>
+      <a:effectRef idx="0">
+        <a:scrgbClr r="0" g="0" b="0"/>
+      </a:effectRef>
+      <a:fontRef idx="minor"/>
+    </dgm:style>
+  </dgm:styleLbl>
+  <dgm:styleLbl name="trBgShp">
+    <dgm:scene3d>
+      <a:camera prst="orthographicFront"/>
+      <a:lightRig rig="threePt" dir="t"/>
+    </dgm:scene3d>
+    <dgm:sp3d/>
+    <dgm:txPr/>
+    <dgm:style>
+      <a:lnRef idx="0">
+        <a:scrgbClr r="0" g="0" b="0"/>
+      </a:lnRef>
+      <a:fillRef idx="1">
+        <a:scrgbClr r="0" g="0" b="0"/>
+      </a:fillRef>
+      <a:effectRef idx="0">
+        <a:scrgbClr r="0" g="0" b="0"/>
+      </a:effectRef>
+      <a:fontRef idx="minor"/>
+    </dgm:style>
+  </dgm:styleLbl>
+  <dgm:styleLbl name="fgShp">
+    <dgm:scene3d>
+      <a:camera prst="orthographicFront"/>
+      <a:lightRig rig="threePt" dir="t"/>
+    </dgm:scene3d>
+    <dgm:sp3d/>
+    <dgm:txPr/>
+    <dgm:style>
+      <a:lnRef idx="2">
+        <a:scrgbClr r="0" g="0" b="0"/>
+      </a:lnRef>
+      <a:fillRef idx="1">
+        <a:scrgbClr r="0" g="0" b="0"/>
+      </a:fillRef>
+      <a:effectRef idx="0">
+        <a:scrgbClr r="0" g="0" b="0"/>
+      </a:effectRef>
+      <a:fontRef idx="minor"/>
+    </dgm:style>
+  </dgm:styleLbl>
+  <dgm:styleLbl name="revTx">
+    <dgm:scene3d>
+      <a:camera prst="orthographicFront"/>
+      <a:lightRig rig="threePt" dir="t"/>
+    </dgm:scene3d>
+    <dgm:sp3d/>
+    <dgm:txPr/>
+    <dgm:style>
+      <a:lnRef idx="0">
+        <a:scrgbClr r="0" g="0" b="0"/>
+      </a:lnRef>
+      <a:fillRef idx="0">
+        <a:scrgbClr r="0" g="0" b="0"/>
+      </a:fillRef>
+      <a:effectRef idx="0">
+        <a:scrgbClr r="0" g="0" b="0"/>
+      </a:effectRef>
+      <a:fontRef idx="minor"/>
+    </dgm:style>
+  </dgm:styleLbl>
+</dgm:styleDef>
+</file>
+
 <file path=ppt/slideLayouts/slideLayout1.xml><?xml version="1.0" encoding="utf-8"?>
 <p:sldLayout xmlns:a="http://schemas.openxmlformats.org/drawingml/2006/main" xmlns:r="http://schemas.openxmlformats.org/officeDocument/2006/relationships" xmlns:p="http://schemas.openxmlformats.org/presentationml/2006/main" type="title" preserve="1">
   <p:cSld name="Titeldia">
@@ -23485,7 +29282,7 @@
           <a:p>
             <a:fld id="{EEBF9BA7-190A-4C1B-A0F5-6182826AF7D8}" type="datetimeFigureOut">
               <a:rPr lang="en-GB" smtClean="0"/>
-              <a:t>11/11/2021</a:t>
+              <a:t>16/11/2021</a:t>
             </a:fld>
             <a:endParaRPr lang="en-GB"/>
           </a:p>
@@ -23685,7 +29482,7 @@
           <a:p>
             <a:fld id="{EEBF9BA7-190A-4C1B-A0F5-6182826AF7D8}" type="datetimeFigureOut">
               <a:rPr lang="en-GB" smtClean="0"/>
-              <a:t>11/11/2021</a:t>
+              <a:t>16/11/2021</a:t>
             </a:fld>
             <a:endParaRPr lang="en-GB"/>
           </a:p>
@@ -23895,7 +29692,7 @@
           <a:p>
             <a:fld id="{EEBF9BA7-190A-4C1B-A0F5-6182826AF7D8}" type="datetimeFigureOut">
               <a:rPr lang="en-GB" smtClean="0"/>
-              <a:t>11/11/2021</a:t>
+              <a:t>16/11/2021</a:t>
             </a:fld>
             <a:endParaRPr lang="en-GB"/>
           </a:p>
@@ -24095,7 +29892,7 @@
           <a:p>
             <a:fld id="{EEBF9BA7-190A-4C1B-A0F5-6182826AF7D8}" type="datetimeFigureOut">
               <a:rPr lang="en-GB" smtClean="0"/>
-              <a:t>11/11/2021</a:t>
+              <a:t>16/11/2021</a:t>
             </a:fld>
             <a:endParaRPr lang="en-GB"/>
           </a:p>
@@ -24371,7 +30168,7 @@
           <a:p>
             <a:fld id="{EEBF9BA7-190A-4C1B-A0F5-6182826AF7D8}" type="datetimeFigureOut">
               <a:rPr lang="en-GB" smtClean="0"/>
-              <a:t>11/11/2021</a:t>
+              <a:t>16/11/2021</a:t>
             </a:fld>
             <a:endParaRPr lang="en-GB"/>
           </a:p>
@@ -24639,7 +30436,7 @@
           <a:p>
             <a:fld id="{EEBF9BA7-190A-4C1B-A0F5-6182826AF7D8}" type="datetimeFigureOut">
               <a:rPr lang="en-GB" smtClean="0"/>
-              <a:t>11/11/2021</a:t>
+              <a:t>16/11/2021</a:t>
             </a:fld>
             <a:endParaRPr lang="en-GB"/>
           </a:p>
@@ -25054,7 +30851,7 @@
           <a:p>
             <a:fld id="{EEBF9BA7-190A-4C1B-A0F5-6182826AF7D8}" type="datetimeFigureOut">
               <a:rPr lang="en-GB" smtClean="0"/>
-              <a:t>11/11/2021</a:t>
+              <a:t>16/11/2021</a:t>
             </a:fld>
             <a:endParaRPr lang="en-GB"/>
           </a:p>
@@ -25196,7 +30993,7 @@
           <a:p>
             <a:fld id="{EEBF9BA7-190A-4C1B-A0F5-6182826AF7D8}" type="datetimeFigureOut">
               <a:rPr lang="en-GB" smtClean="0"/>
-              <a:t>11/11/2021</a:t>
+              <a:t>16/11/2021</a:t>
             </a:fld>
             <a:endParaRPr lang="en-GB"/>
           </a:p>
@@ -25309,7 +31106,7 @@
           <a:p>
             <a:fld id="{EEBF9BA7-190A-4C1B-A0F5-6182826AF7D8}" type="datetimeFigureOut">
               <a:rPr lang="en-GB" smtClean="0"/>
-              <a:t>11/11/2021</a:t>
+              <a:t>16/11/2021</a:t>
             </a:fld>
             <a:endParaRPr lang="en-GB"/>
           </a:p>
@@ -25622,7 +31419,7 @@
           <a:p>
             <a:fld id="{EEBF9BA7-190A-4C1B-A0F5-6182826AF7D8}" type="datetimeFigureOut">
               <a:rPr lang="en-GB" smtClean="0"/>
-              <a:t>11/11/2021</a:t>
+              <a:t>16/11/2021</a:t>
             </a:fld>
             <a:endParaRPr lang="en-GB"/>
           </a:p>
@@ -25911,7 +31708,7 @@
           <a:p>
             <a:fld id="{EEBF9BA7-190A-4C1B-A0F5-6182826AF7D8}" type="datetimeFigureOut">
               <a:rPr lang="en-GB" smtClean="0"/>
-              <a:t>11/11/2021</a:t>
+              <a:t>16/11/2021</a:t>
             </a:fld>
             <a:endParaRPr lang="en-GB"/>
           </a:p>
@@ -26154,7 +31951,7 @@
           <a:p>
             <a:fld id="{EEBF9BA7-190A-4C1B-A0F5-6182826AF7D8}" type="datetimeFigureOut">
               <a:rPr lang="en-GB" smtClean="0"/>
-              <a:t>11/11/2021</a:t>
+              <a:t>16/11/2021</a:t>
             </a:fld>
             <a:endParaRPr lang="en-GB"/>
           </a:p>
@@ -26814,6 +32611,67 @@
       </p:grpSpPr>
       <p:graphicFrame>
         <p:nvGraphicFramePr>
+          <p:cNvPr id="4" name="Tijdelijke aanduiding voor inhoud 3">
+            <a:extLst>
+              <a:ext uri="{FF2B5EF4-FFF2-40B4-BE49-F238E27FC236}">
+                <a16:creationId xmlns:a16="http://schemas.microsoft.com/office/drawing/2014/main" id="{DE867EB6-E2C6-4A2F-8C6E-F32FB770E5D8}"/>
+              </a:ext>
+            </a:extLst>
+          </p:cNvPr>
+          <p:cNvGraphicFramePr>
+            <a:graphicFrameLocks noGrp="1"/>
+          </p:cNvGraphicFramePr>
+          <p:nvPr>
+            <p:ph idx="1"/>
+            <p:extLst>
+              <p:ext uri="{D42A27DB-BD31-4B8C-83A1-F6EECF244321}">
+                <p14:modId xmlns:p14="http://schemas.microsoft.com/office/powerpoint/2010/main" val="4012118434"/>
+              </p:ext>
+            </p:extLst>
+          </p:nvPr>
+        </p:nvGraphicFramePr>
+        <p:xfrm>
+          <a:off x="0" y="0"/>
+          <a:ext cx="12192000" cy="6858000"/>
+        </p:xfrm>
+        <a:graphic>
+          <a:graphicData uri="http://schemas.openxmlformats.org/drawingml/2006/diagram">
+            <dgm:relIds xmlns:dgm="http://schemas.openxmlformats.org/drawingml/2006/diagram" xmlns:r="http://schemas.openxmlformats.org/officeDocument/2006/relationships" r:dm="rId2" r:lo="rId3" r:qs="rId4" r:cs="rId5"/>
+          </a:graphicData>
+        </a:graphic>
+      </p:graphicFrame>
+    </p:spTree>
+    <p:extLst>
+      <p:ext uri="{BB962C8B-B14F-4D97-AF65-F5344CB8AC3E}">
+        <p14:creationId xmlns:p14="http://schemas.microsoft.com/office/powerpoint/2010/main" val="2302109385"/>
+      </p:ext>
+    </p:extLst>
+  </p:cSld>
+  <p:clrMapOvr>
+    <a:masterClrMapping/>
+  </p:clrMapOvr>
+</p:sld>
+</file>
+
+<file path=ppt/slides/slide6.xml><?xml version="1.0" encoding="utf-8"?>
+<p:sld xmlns:a="http://schemas.openxmlformats.org/drawingml/2006/main" xmlns:r="http://schemas.openxmlformats.org/officeDocument/2006/relationships" xmlns:p="http://schemas.openxmlformats.org/presentationml/2006/main">
+  <p:cSld>
+    <p:spTree>
+      <p:nvGrpSpPr>
+        <p:cNvPr id="1" name=""/>
+        <p:cNvGrpSpPr/>
+        <p:nvPr/>
+      </p:nvGrpSpPr>
+      <p:grpSpPr>
+        <a:xfrm>
+          <a:off x="0" y="0"/>
+          <a:ext cx="0" cy="0"/>
+          <a:chOff x="0" y="0"/>
+          <a:chExt cx="0" cy="0"/>
+        </a:xfrm>
+      </p:grpSpPr>
+      <p:graphicFrame>
+        <p:nvGraphicFramePr>
           <p:cNvPr id="4" name="Diagram 3">
             <a:extLst>
               <a:ext uri="{FF2B5EF4-FFF2-40B4-BE49-F238E27FC236}">

--- a/Literature_to_be_searched.pptx
+++ b/Literature_to_be_searched.pptx
@@ -10,7 +10,8 @@
     <p:sldId id="258" r:id="rId4"/>
     <p:sldId id="256" r:id="rId5"/>
     <p:sldId id="261" r:id="rId6"/>
-    <p:sldId id="260" r:id="rId7"/>
+    <p:sldId id="262" r:id="rId7"/>
+    <p:sldId id="260" r:id="rId8"/>
   </p:sldIdLst>
   <p:sldSz cx="12192000" cy="6858000"/>
   <p:notesSz cx="6858000" cy="9144000"/>
@@ -3853,6 +3854,753 @@
 </file>
 
 <file path=ppt/diagrams/colors6.xml><?xml version="1.0" encoding="utf-8"?>
+<dgm:colorsDef xmlns:dgm="http://schemas.openxmlformats.org/drawingml/2006/diagram" xmlns:a="http://schemas.openxmlformats.org/drawingml/2006/main" uniqueId="urn:microsoft.com/office/officeart/2005/8/colors/accent1_2">
+  <dgm:title val=""/>
+  <dgm:desc val=""/>
+  <dgm:catLst>
+    <dgm:cat type="accent1" pri="11200"/>
+  </dgm:catLst>
+  <dgm:styleLbl name="node0">
+    <dgm:fillClrLst meth="repeat">
+      <a:schemeClr val="accent1"/>
+    </dgm:fillClrLst>
+    <dgm:linClrLst meth="repeat">
+      <a:schemeClr val="lt1"/>
+    </dgm:linClrLst>
+    <dgm:effectClrLst/>
+    <dgm:txLinClrLst/>
+    <dgm:txFillClrLst/>
+    <dgm:txEffectClrLst/>
+  </dgm:styleLbl>
+  <dgm:styleLbl name="alignNode1">
+    <dgm:fillClrLst meth="repeat">
+      <a:schemeClr val="accent1"/>
+    </dgm:fillClrLst>
+    <dgm:linClrLst meth="repeat">
+      <a:schemeClr val="accent1"/>
+    </dgm:linClrLst>
+    <dgm:effectClrLst/>
+    <dgm:txLinClrLst/>
+    <dgm:txFillClrLst/>
+    <dgm:txEffectClrLst/>
+  </dgm:styleLbl>
+  <dgm:styleLbl name="node1">
+    <dgm:fillClrLst meth="repeat">
+      <a:schemeClr val="accent1"/>
+    </dgm:fillClrLst>
+    <dgm:linClrLst meth="repeat">
+      <a:schemeClr val="lt1"/>
+    </dgm:linClrLst>
+    <dgm:effectClrLst/>
+    <dgm:txLinClrLst/>
+    <dgm:txFillClrLst/>
+    <dgm:txEffectClrLst/>
+  </dgm:styleLbl>
+  <dgm:styleLbl name="lnNode1">
+    <dgm:fillClrLst meth="repeat">
+      <a:schemeClr val="accent1"/>
+    </dgm:fillClrLst>
+    <dgm:linClrLst meth="repeat">
+      <a:schemeClr val="lt1"/>
+    </dgm:linClrLst>
+    <dgm:effectClrLst/>
+    <dgm:txLinClrLst/>
+    <dgm:txFillClrLst/>
+    <dgm:txEffectClrLst/>
+  </dgm:styleLbl>
+  <dgm:styleLbl name="vennNode1">
+    <dgm:fillClrLst meth="repeat">
+      <a:schemeClr val="accent1">
+        <a:alpha val="50000"/>
+      </a:schemeClr>
+    </dgm:fillClrLst>
+    <dgm:linClrLst meth="repeat">
+      <a:schemeClr val="lt1"/>
+    </dgm:linClrLst>
+    <dgm:effectClrLst/>
+    <dgm:txLinClrLst/>
+    <dgm:txFillClrLst/>
+    <dgm:txEffectClrLst/>
+  </dgm:styleLbl>
+  <dgm:styleLbl name="node2">
+    <dgm:fillClrLst meth="repeat">
+      <a:schemeClr val="accent1"/>
+    </dgm:fillClrLst>
+    <dgm:linClrLst meth="repeat">
+      <a:schemeClr val="lt1"/>
+    </dgm:linClrLst>
+    <dgm:effectClrLst/>
+    <dgm:txLinClrLst/>
+    <dgm:txFillClrLst/>
+    <dgm:txEffectClrLst/>
+  </dgm:styleLbl>
+  <dgm:styleLbl name="node3">
+    <dgm:fillClrLst meth="repeat">
+      <a:schemeClr val="accent1"/>
+    </dgm:fillClrLst>
+    <dgm:linClrLst meth="repeat">
+      <a:schemeClr val="lt1"/>
+    </dgm:linClrLst>
+    <dgm:effectClrLst/>
+    <dgm:txLinClrLst/>
+    <dgm:txFillClrLst/>
+    <dgm:txEffectClrLst/>
+  </dgm:styleLbl>
+  <dgm:styleLbl name="node4">
+    <dgm:fillClrLst meth="repeat">
+      <a:schemeClr val="accent1"/>
+    </dgm:fillClrLst>
+    <dgm:linClrLst meth="repeat">
+      <a:schemeClr val="lt1"/>
+    </dgm:linClrLst>
+    <dgm:effectClrLst/>
+    <dgm:txLinClrLst/>
+    <dgm:txFillClrLst/>
+    <dgm:txEffectClrLst/>
+  </dgm:styleLbl>
+  <dgm:styleLbl name="fgImgPlace1">
+    <dgm:fillClrLst meth="repeat">
+      <a:schemeClr val="accent1">
+        <a:tint val="50000"/>
+      </a:schemeClr>
+    </dgm:fillClrLst>
+    <dgm:linClrLst meth="repeat">
+      <a:schemeClr val="lt1"/>
+    </dgm:linClrLst>
+    <dgm:effectClrLst/>
+    <dgm:txLinClrLst/>
+    <dgm:txFillClrLst meth="repeat">
+      <a:schemeClr val="lt1"/>
+    </dgm:txFillClrLst>
+    <dgm:txEffectClrLst/>
+  </dgm:styleLbl>
+  <dgm:styleLbl name="alignImgPlace1">
+    <dgm:fillClrLst meth="repeat">
+      <a:schemeClr val="accent1">
+        <a:tint val="50000"/>
+      </a:schemeClr>
+    </dgm:fillClrLst>
+    <dgm:linClrLst meth="repeat">
+      <a:schemeClr val="lt1"/>
+    </dgm:linClrLst>
+    <dgm:effectClrLst/>
+    <dgm:txLinClrLst/>
+    <dgm:txFillClrLst meth="repeat">
+      <a:schemeClr val="lt1"/>
+    </dgm:txFillClrLst>
+    <dgm:txEffectClrLst/>
+  </dgm:styleLbl>
+  <dgm:styleLbl name="bgImgPlace1">
+    <dgm:fillClrLst meth="repeat">
+      <a:schemeClr val="accent1">
+        <a:tint val="50000"/>
+      </a:schemeClr>
+    </dgm:fillClrLst>
+    <dgm:linClrLst meth="repeat">
+      <a:schemeClr val="lt1"/>
+    </dgm:linClrLst>
+    <dgm:effectClrLst/>
+    <dgm:txLinClrLst/>
+    <dgm:txFillClrLst meth="repeat">
+      <a:schemeClr val="lt1"/>
+    </dgm:txFillClrLst>
+    <dgm:txEffectClrLst/>
+  </dgm:styleLbl>
+  <dgm:styleLbl name="sibTrans2D1">
+    <dgm:fillClrLst meth="repeat">
+      <a:schemeClr val="accent1">
+        <a:tint val="60000"/>
+      </a:schemeClr>
+    </dgm:fillClrLst>
+    <dgm:linClrLst meth="repeat">
+      <a:schemeClr val="accent1">
+        <a:tint val="60000"/>
+      </a:schemeClr>
+    </dgm:linClrLst>
+    <dgm:effectClrLst/>
+    <dgm:txLinClrLst/>
+    <dgm:txFillClrLst/>
+    <dgm:txEffectClrLst/>
+  </dgm:styleLbl>
+  <dgm:styleLbl name="fgSibTrans2D1">
+    <dgm:fillClrLst meth="repeat">
+      <a:schemeClr val="accent1">
+        <a:tint val="60000"/>
+      </a:schemeClr>
+    </dgm:fillClrLst>
+    <dgm:linClrLst meth="repeat">
+      <a:schemeClr val="accent1">
+        <a:tint val="60000"/>
+      </a:schemeClr>
+    </dgm:linClrLst>
+    <dgm:effectClrLst/>
+    <dgm:txLinClrLst/>
+    <dgm:txFillClrLst/>
+    <dgm:txEffectClrLst/>
+  </dgm:styleLbl>
+  <dgm:styleLbl name="bgSibTrans2D1">
+    <dgm:fillClrLst meth="repeat">
+      <a:schemeClr val="accent1">
+        <a:tint val="60000"/>
+      </a:schemeClr>
+    </dgm:fillClrLst>
+    <dgm:linClrLst meth="repeat">
+      <a:schemeClr val="accent1">
+        <a:tint val="60000"/>
+      </a:schemeClr>
+    </dgm:linClrLst>
+    <dgm:effectClrLst/>
+    <dgm:txLinClrLst/>
+    <dgm:txFillClrLst/>
+    <dgm:txEffectClrLst/>
+  </dgm:styleLbl>
+  <dgm:styleLbl name="sibTrans1D1">
+    <dgm:fillClrLst meth="repeat">
+      <a:schemeClr val="accent1"/>
+    </dgm:fillClrLst>
+    <dgm:linClrLst meth="repeat">
+      <a:schemeClr val="accent1"/>
+    </dgm:linClrLst>
+    <dgm:effectClrLst/>
+    <dgm:txLinClrLst/>
+    <dgm:txFillClrLst meth="repeat">
+      <a:schemeClr val="tx1"/>
+    </dgm:txFillClrLst>
+    <dgm:txEffectClrLst/>
+  </dgm:styleLbl>
+  <dgm:styleLbl name="callout">
+    <dgm:fillClrLst meth="repeat">
+      <a:schemeClr val="accent1"/>
+    </dgm:fillClrLst>
+    <dgm:linClrLst meth="repeat">
+      <a:schemeClr val="accent1">
+        <a:tint val="50000"/>
+      </a:schemeClr>
+    </dgm:linClrLst>
+    <dgm:effectClrLst/>
+    <dgm:txLinClrLst/>
+    <dgm:txFillClrLst meth="repeat">
+      <a:schemeClr val="tx1"/>
+    </dgm:txFillClrLst>
+    <dgm:txEffectClrLst/>
+  </dgm:styleLbl>
+  <dgm:styleLbl name="asst0">
+    <dgm:fillClrLst meth="repeat">
+      <a:schemeClr val="accent1"/>
+    </dgm:fillClrLst>
+    <dgm:linClrLst meth="repeat">
+      <a:schemeClr val="lt1"/>
+    </dgm:linClrLst>
+    <dgm:effectClrLst/>
+    <dgm:txLinClrLst/>
+    <dgm:txFillClrLst/>
+    <dgm:txEffectClrLst/>
+  </dgm:styleLbl>
+  <dgm:styleLbl name="asst1">
+    <dgm:fillClrLst meth="repeat">
+      <a:schemeClr val="accent1"/>
+    </dgm:fillClrLst>
+    <dgm:linClrLst meth="repeat">
+      <a:schemeClr val="lt1"/>
+    </dgm:linClrLst>
+    <dgm:effectClrLst/>
+    <dgm:txLinClrLst/>
+    <dgm:txFillClrLst/>
+    <dgm:txEffectClrLst/>
+  </dgm:styleLbl>
+  <dgm:styleLbl name="asst2">
+    <dgm:fillClrLst meth="repeat">
+      <a:schemeClr val="accent1"/>
+    </dgm:fillClrLst>
+    <dgm:linClrLst meth="repeat">
+      <a:schemeClr val="lt1"/>
+    </dgm:linClrLst>
+    <dgm:effectClrLst/>
+    <dgm:txLinClrLst/>
+    <dgm:txFillClrLst/>
+    <dgm:txEffectClrLst/>
+  </dgm:styleLbl>
+  <dgm:styleLbl name="asst3">
+    <dgm:fillClrLst meth="repeat">
+      <a:schemeClr val="accent1"/>
+    </dgm:fillClrLst>
+    <dgm:linClrLst meth="repeat">
+      <a:schemeClr val="lt1"/>
+    </dgm:linClrLst>
+    <dgm:effectClrLst/>
+    <dgm:txLinClrLst/>
+    <dgm:txFillClrLst/>
+    <dgm:txEffectClrLst/>
+  </dgm:styleLbl>
+  <dgm:styleLbl name="asst4">
+    <dgm:fillClrLst meth="repeat">
+      <a:schemeClr val="accent1"/>
+    </dgm:fillClrLst>
+    <dgm:linClrLst meth="repeat">
+      <a:schemeClr val="lt1"/>
+    </dgm:linClrLst>
+    <dgm:effectClrLst/>
+    <dgm:txLinClrLst/>
+    <dgm:txFillClrLst/>
+    <dgm:txEffectClrLst/>
+  </dgm:styleLbl>
+  <dgm:styleLbl name="parChTrans2D1">
+    <dgm:fillClrLst meth="repeat">
+      <a:schemeClr val="accent1">
+        <a:tint val="60000"/>
+      </a:schemeClr>
+    </dgm:fillClrLst>
+    <dgm:linClrLst meth="repeat">
+      <a:schemeClr val="accent1">
+        <a:tint val="60000"/>
+      </a:schemeClr>
+    </dgm:linClrLst>
+    <dgm:effectClrLst/>
+    <dgm:txLinClrLst/>
+    <dgm:txFillClrLst meth="repeat">
+      <a:schemeClr val="lt1"/>
+    </dgm:txFillClrLst>
+    <dgm:txEffectClrLst/>
+  </dgm:styleLbl>
+  <dgm:styleLbl name="parChTrans2D2">
+    <dgm:fillClrLst meth="repeat">
+      <a:schemeClr val="accent1"/>
+    </dgm:fillClrLst>
+    <dgm:linClrLst meth="repeat">
+      <a:schemeClr val="accent1"/>
+    </dgm:linClrLst>
+    <dgm:effectClrLst/>
+    <dgm:txLinClrLst/>
+    <dgm:txFillClrLst meth="repeat">
+      <a:schemeClr val="lt1"/>
+    </dgm:txFillClrLst>
+    <dgm:txEffectClrLst/>
+  </dgm:styleLbl>
+  <dgm:styleLbl name="parChTrans2D3">
+    <dgm:fillClrLst meth="repeat">
+      <a:schemeClr val="accent1"/>
+    </dgm:fillClrLst>
+    <dgm:linClrLst meth="repeat">
+      <a:schemeClr val="accent1"/>
+    </dgm:linClrLst>
+    <dgm:effectClrLst/>
+    <dgm:txLinClrLst/>
+    <dgm:txFillClrLst meth="repeat">
+      <a:schemeClr val="lt1"/>
+    </dgm:txFillClrLst>
+    <dgm:txEffectClrLst/>
+  </dgm:styleLbl>
+  <dgm:styleLbl name="parChTrans2D4">
+    <dgm:fillClrLst meth="repeat">
+      <a:schemeClr val="accent1"/>
+    </dgm:fillClrLst>
+    <dgm:linClrLst meth="repeat">
+      <a:schemeClr val="accent1"/>
+    </dgm:linClrLst>
+    <dgm:effectClrLst/>
+    <dgm:txLinClrLst/>
+    <dgm:txFillClrLst meth="repeat">
+      <a:schemeClr val="lt1"/>
+    </dgm:txFillClrLst>
+    <dgm:txEffectClrLst/>
+  </dgm:styleLbl>
+  <dgm:styleLbl name="parChTrans1D1">
+    <dgm:fillClrLst meth="repeat">
+      <a:schemeClr val="accent1"/>
+    </dgm:fillClrLst>
+    <dgm:linClrLst meth="repeat">
+      <a:schemeClr val="accent1">
+        <a:shade val="60000"/>
+      </a:schemeClr>
+    </dgm:linClrLst>
+    <dgm:effectClrLst/>
+    <dgm:txLinClrLst/>
+    <dgm:txFillClrLst meth="repeat">
+      <a:schemeClr val="tx1"/>
+    </dgm:txFillClrLst>
+    <dgm:txEffectClrLst/>
+  </dgm:styleLbl>
+  <dgm:styleLbl name="parChTrans1D2">
+    <dgm:fillClrLst meth="repeat">
+      <a:schemeClr val="accent1"/>
+    </dgm:fillClrLst>
+    <dgm:linClrLst meth="repeat">
+      <a:schemeClr val="accent1">
+        <a:shade val="60000"/>
+      </a:schemeClr>
+    </dgm:linClrLst>
+    <dgm:effectClrLst/>
+    <dgm:txLinClrLst/>
+    <dgm:txFillClrLst meth="repeat">
+      <a:schemeClr val="tx1"/>
+    </dgm:txFillClrLst>
+    <dgm:txEffectClrLst/>
+  </dgm:styleLbl>
+  <dgm:styleLbl name="parChTrans1D3">
+    <dgm:fillClrLst meth="repeat">
+      <a:schemeClr val="accent1"/>
+    </dgm:fillClrLst>
+    <dgm:linClrLst meth="repeat">
+      <a:schemeClr val="accent1">
+        <a:shade val="80000"/>
+      </a:schemeClr>
+    </dgm:linClrLst>
+    <dgm:effectClrLst/>
+    <dgm:txLinClrLst/>
+    <dgm:txFillClrLst meth="repeat">
+      <a:schemeClr val="tx1"/>
+    </dgm:txFillClrLst>
+    <dgm:txEffectClrLst/>
+  </dgm:styleLbl>
+  <dgm:styleLbl name="parChTrans1D4">
+    <dgm:fillClrLst meth="repeat">
+      <a:schemeClr val="accent1"/>
+    </dgm:fillClrLst>
+    <dgm:linClrLst meth="repeat">
+      <a:schemeClr val="accent1">
+        <a:shade val="80000"/>
+      </a:schemeClr>
+    </dgm:linClrLst>
+    <dgm:effectClrLst/>
+    <dgm:txLinClrLst/>
+    <dgm:txFillClrLst meth="repeat">
+      <a:schemeClr val="tx1"/>
+    </dgm:txFillClrLst>
+    <dgm:txEffectClrLst/>
+  </dgm:styleLbl>
+  <dgm:styleLbl name="fgAcc1">
+    <dgm:fillClrLst meth="repeat">
+      <a:schemeClr val="lt1">
+        <a:alpha val="90000"/>
+      </a:schemeClr>
+    </dgm:fillClrLst>
+    <dgm:linClrLst meth="repeat">
+      <a:schemeClr val="accent1"/>
+    </dgm:linClrLst>
+    <dgm:effectClrLst/>
+    <dgm:txLinClrLst/>
+    <dgm:txFillClrLst meth="repeat">
+      <a:schemeClr val="dk1"/>
+    </dgm:txFillClrLst>
+    <dgm:txEffectClrLst/>
+  </dgm:styleLbl>
+  <dgm:styleLbl name="conFgAcc1">
+    <dgm:fillClrLst meth="repeat">
+      <a:schemeClr val="lt1">
+        <a:alpha val="90000"/>
+      </a:schemeClr>
+    </dgm:fillClrLst>
+    <dgm:linClrLst meth="repeat">
+      <a:schemeClr val="accent1"/>
+    </dgm:linClrLst>
+    <dgm:effectClrLst/>
+    <dgm:txLinClrLst/>
+    <dgm:txFillClrLst meth="repeat">
+      <a:schemeClr val="dk1"/>
+    </dgm:txFillClrLst>
+    <dgm:txEffectClrLst/>
+  </dgm:styleLbl>
+  <dgm:styleLbl name="alignAcc1">
+    <dgm:fillClrLst meth="repeat">
+      <a:schemeClr val="lt1">
+        <a:alpha val="90000"/>
+      </a:schemeClr>
+    </dgm:fillClrLst>
+    <dgm:linClrLst meth="repeat">
+      <a:schemeClr val="accent1"/>
+    </dgm:linClrLst>
+    <dgm:effectClrLst/>
+    <dgm:txLinClrLst/>
+    <dgm:txFillClrLst meth="repeat">
+      <a:schemeClr val="dk1"/>
+    </dgm:txFillClrLst>
+    <dgm:txEffectClrLst/>
+  </dgm:styleLbl>
+  <dgm:styleLbl name="trAlignAcc1">
+    <dgm:fillClrLst meth="repeat">
+      <a:schemeClr val="lt1">
+        <a:alpha val="40000"/>
+      </a:schemeClr>
+    </dgm:fillClrLst>
+    <dgm:linClrLst meth="repeat">
+      <a:schemeClr val="accent1"/>
+    </dgm:linClrLst>
+    <dgm:effectClrLst/>
+    <dgm:txLinClrLst/>
+    <dgm:txFillClrLst meth="repeat">
+      <a:schemeClr val="dk1"/>
+    </dgm:txFillClrLst>
+    <dgm:txEffectClrLst/>
+  </dgm:styleLbl>
+  <dgm:styleLbl name="bgAcc1">
+    <dgm:fillClrLst meth="repeat">
+      <a:schemeClr val="lt1">
+        <a:alpha val="90000"/>
+      </a:schemeClr>
+    </dgm:fillClrLst>
+    <dgm:linClrLst meth="repeat">
+      <a:schemeClr val="accent1"/>
+    </dgm:linClrLst>
+    <dgm:effectClrLst/>
+    <dgm:txLinClrLst/>
+    <dgm:txFillClrLst meth="repeat">
+      <a:schemeClr val="dk1"/>
+    </dgm:txFillClrLst>
+    <dgm:txEffectClrLst/>
+  </dgm:styleLbl>
+  <dgm:styleLbl name="solidFgAcc1">
+    <dgm:fillClrLst meth="repeat">
+      <a:schemeClr val="lt1"/>
+    </dgm:fillClrLst>
+    <dgm:linClrLst meth="repeat">
+      <a:schemeClr val="accent1"/>
+    </dgm:linClrLst>
+    <dgm:effectClrLst/>
+    <dgm:txLinClrLst/>
+    <dgm:txFillClrLst meth="repeat">
+      <a:schemeClr val="dk1"/>
+    </dgm:txFillClrLst>
+    <dgm:txEffectClrLst/>
+  </dgm:styleLbl>
+  <dgm:styleLbl name="solidAlignAcc1">
+    <dgm:fillClrLst meth="repeat">
+      <a:schemeClr val="lt1"/>
+    </dgm:fillClrLst>
+    <dgm:linClrLst meth="repeat">
+      <a:schemeClr val="accent1"/>
+    </dgm:linClrLst>
+    <dgm:effectClrLst/>
+    <dgm:txLinClrLst/>
+    <dgm:txFillClrLst meth="repeat">
+      <a:schemeClr val="dk1"/>
+    </dgm:txFillClrLst>
+    <dgm:txEffectClrLst/>
+  </dgm:styleLbl>
+  <dgm:styleLbl name="solidBgAcc1">
+    <dgm:fillClrLst meth="repeat">
+      <a:schemeClr val="lt1"/>
+    </dgm:fillClrLst>
+    <dgm:linClrLst meth="repeat">
+      <a:schemeClr val="accent1"/>
+    </dgm:linClrLst>
+    <dgm:effectClrLst/>
+    <dgm:txLinClrLst/>
+    <dgm:txFillClrLst meth="repeat">
+      <a:schemeClr val="dk1"/>
+    </dgm:txFillClrLst>
+    <dgm:txEffectClrLst/>
+  </dgm:styleLbl>
+  <dgm:styleLbl name="fgAccFollowNode1">
+    <dgm:fillClrLst meth="repeat">
+      <a:schemeClr val="accent1">
+        <a:alpha val="90000"/>
+        <a:tint val="40000"/>
+      </a:schemeClr>
+    </dgm:fillClrLst>
+    <dgm:linClrLst meth="repeat">
+      <a:schemeClr val="accent1">
+        <a:alpha val="90000"/>
+        <a:tint val="40000"/>
+      </a:schemeClr>
+    </dgm:linClrLst>
+    <dgm:effectClrLst/>
+    <dgm:txLinClrLst/>
+    <dgm:txFillClrLst meth="repeat">
+      <a:schemeClr val="dk1"/>
+    </dgm:txFillClrLst>
+    <dgm:txEffectClrLst/>
+  </dgm:styleLbl>
+  <dgm:styleLbl name="alignAccFollowNode1">
+    <dgm:fillClrLst meth="repeat">
+      <a:schemeClr val="accent1">
+        <a:alpha val="90000"/>
+        <a:tint val="40000"/>
+      </a:schemeClr>
+    </dgm:fillClrLst>
+    <dgm:linClrLst meth="repeat">
+      <a:schemeClr val="accent1">
+        <a:alpha val="90000"/>
+        <a:tint val="40000"/>
+      </a:schemeClr>
+    </dgm:linClrLst>
+    <dgm:effectClrLst/>
+    <dgm:txLinClrLst/>
+    <dgm:txFillClrLst meth="repeat">
+      <a:schemeClr val="dk1"/>
+    </dgm:txFillClrLst>
+    <dgm:txEffectClrLst/>
+  </dgm:styleLbl>
+  <dgm:styleLbl name="bgAccFollowNode1">
+    <dgm:fillClrLst meth="repeat">
+      <a:schemeClr val="accent1">
+        <a:alpha val="90000"/>
+        <a:tint val="40000"/>
+      </a:schemeClr>
+    </dgm:fillClrLst>
+    <dgm:linClrLst meth="repeat">
+      <a:schemeClr val="accent1">
+        <a:alpha val="90000"/>
+        <a:tint val="40000"/>
+      </a:schemeClr>
+    </dgm:linClrLst>
+    <dgm:effectClrLst/>
+    <dgm:txLinClrLst/>
+    <dgm:txFillClrLst meth="repeat">
+      <a:schemeClr val="dk1"/>
+    </dgm:txFillClrLst>
+    <dgm:txEffectClrLst/>
+  </dgm:styleLbl>
+  <dgm:styleLbl name="fgAcc0">
+    <dgm:fillClrLst meth="repeat">
+      <a:schemeClr val="lt1">
+        <a:alpha val="90000"/>
+      </a:schemeClr>
+    </dgm:fillClrLst>
+    <dgm:linClrLst meth="repeat">
+      <a:schemeClr val="accent1"/>
+    </dgm:linClrLst>
+    <dgm:effectClrLst/>
+    <dgm:txLinClrLst/>
+    <dgm:txFillClrLst meth="repeat">
+      <a:schemeClr val="dk1"/>
+    </dgm:txFillClrLst>
+    <dgm:txEffectClrLst/>
+  </dgm:styleLbl>
+  <dgm:styleLbl name="fgAcc2">
+    <dgm:fillClrLst meth="repeat">
+      <a:schemeClr val="lt1">
+        <a:alpha val="90000"/>
+      </a:schemeClr>
+    </dgm:fillClrLst>
+    <dgm:linClrLst meth="repeat">
+      <a:schemeClr val="accent1"/>
+    </dgm:linClrLst>
+    <dgm:effectClrLst/>
+    <dgm:txLinClrLst/>
+    <dgm:txFillClrLst meth="repeat">
+      <a:schemeClr val="dk1"/>
+    </dgm:txFillClrLst>
+    <dgm:txEffectClrLst/>
+  </dgm:styleLbl>
+  <dgm:styleLbl name="fgAcc3">
+    <dgm:fillClrLst meth="repeat">
+      <a:schemeClr val="lt1">
+        <a:alpha val="90000"/>
+      </a:schemeClr>
+    </dgm:fillClrLst>
+    <dgm:linClrLst meth="repeat">
+      <a:schemeClr val="accent1"/>
+    </dgm:linClrLst>
+    <dgm:effectClrLst/>
+    <dgm:txLinClrLst/>
+    <dgm:txFillClrLst meth="repeat">
+      <a:schemeClr val="dk1"/>
+    </dgm:txFillClrLst>
+    <dgm:txEffectClrLst/>
+  </dgm:styleLbl>
+  <dgm:styleLbl name="fgAcc4">
+    <dgm:fillClrLst meth="repeat">
+      <a:schemeClr val="lt1">
+        <a:alpha val="90000"/>
+      </a:schemeClr>
+    </dgm:fillClrLst>
+    <dgm:linClrLst meth="repeat">
+      <a:schemeClr val="accent1"/>
+    </dgm:linClrLst>
+    <dgm:effectClrLst/>
+    <dgm:txLinClrLst/>
+    <dgm:txFillClrLst meth="repeat">
+      <a:schemeClr val="dk1"/>
+    </dgm:txFillClrLst>
+    <dgm:txEffectClrLst/>
+  </dgm:styleLbl>
+  <dgm:styleLbl name="bgShp">
+    <dgm:fillClrLst meth="repeat">
+      <a:schemeClr val="accent1">
+        <a:tint val="40000"/>
+      </a:schemeClr>
+    </dgm:fillClrLst>
+    <dgm:linClrLst meth="repeat">
+      <a:schemeClr val="accent1"/>
+    </dgm:linClrLst>
+    <dgm:effectClrLst/>
+    <dgm:txLinClrLst/>
+    <dgm:txFillClrLst meth="repeat">
+      <a:schemeClr val="dk1"/>
+    </dgm:txFillClrLst>
+    <dgm:txEffectClrLst/>
+  </dgm:styleLbl>
+  <dgm:styleLbl name="dkBgShp">
+    <dgm:fillClrLst meth="repeat">
+      <a:schemeClr val="accent1">
+        <a:shade val="80000"/>
+      </a:schemeClr>
+    </dgm:fillClrLst>
+    <dgm:linClrLst meth="repeat">
+      <a:schemeClr val="accent1"/>
+    </dgm:linClrLst>
+    <dgm:effectClrLst/>
+    <dgm:txLinClrLst/>
+    <dgm:txFillClrLst meth="repeat">
+      <a:schemeClr val="lt1"/>
+    </dgm:txFillClrLst>
+    <dgm:txEffectClrLst/>
+  </dgm:styleLbl>
+  <dgm:styleLbl name="trBgShp">
+    <dgm:fillClrLst meth="repeat">
+      <a:schemeClr val="accent1">
+        <a:tint val="50000"/>
+        <a:alpha val="40000"/>
+      </a:schemeClr>
+    </dgm:fillClrLst>
+    <dgm:linClrLst meth="repeat">
+      <a:schemeClr val="accent1"/>
+    </dgm:linClrLst>
+    <dgm:effectClrLst/>
+    <dgm:txLinClrLst/>
+    <dgm:txFillClrLst meth="repeat">
+      <a:schemeClr val="lt1"/>
+    </dgm:txFillClrLst>
+    <dgm:txEffectClrLst/>
+  </dgm:styleLbl>
+  <dgm:styleLbl name="fgShp">
+    <dgm:fillClrLst meth="repeat">
+      <a:schemeClr val="accent1">
+        <a:tint val="60000"/>
+      </a:schemeClr>
+    </dgm:fillClrLst>
+    <dgm:linClrLst meth="repeat">
+      <a:schemeClr val="lt1"/>
+    </dgm:linClrLst>
+    <dgm:effectClrLst/>
+    <dgm:txLinClrLst/>
+    <dgm:txFillClrLst meth="repeat">
+      <a:schemeClr val="dk1"/>
+    </dgm:txFillClrLst>
+    <dgm:txEffectClrLst/>
+  </dgm:styleLbl>
+  <dgm:styleLbl name="revTx">
+    <dgm:fillClrLst meth="repeat">
+      <a:schemeClr val="lt1">
+        <a:alpha val="0"/>
+      </a:schemeClr>
+    </dgm:fillClrLst>
+    <dgm:linClrLst meth="repeat">
+      <a:schemeClr val="dk1">
+        <a:alpha val="0"/>
+      </a:schemeClr>
+    </dgm:linClrLst>
+    <dgm:effectClrLst/>
+    <dgm:txLinClrLst/>
+    <dgm:txFillClrLst meth="repeat">
+      <a:schemeClr val="tx1"/>
+    </dgm:txFillClrLst>
+    <dgm:txEffectClrLst/>
+  </dgm:styleLbl>
+</dgm:colorsDef>
+</file>
+
+<file path=ppt/diagrams/colors7.xml><?xml version="1.0" encoding="utf-8"?>
 <dgm:colorsDef xmlns:dgm="http://schemas.openxmlformats.org/drawingml/2006/diagram" xmlns:a="http://schemas.openxmlformats.org/drawingml/2006/main" uniqueId="urn:microsoft.com/office/officeart/2005/8/colors/accent1_2">
   <dgm:title val=""/>
   <dgm:desc val=""/>
@@ -9000,6 +9748,1122 @@
 <file path=ppt/diagrams/data6.xml><?xml version="1.0" encoding="utf-8"?>
 <dgm:dataModel xmlns:dgm="http://schemas.openxmlformats.org/drawingml/2006/diagram" xmlns:a="http://schemas.openxmlformats.org/drawingml/2006/main">
   <dgm:ptLst>
+    <dgm:pt modelId="{95C7B7D3-0FAC-43BF-B8F7-2D67D94D9B0C}" type="doc">
+      <dgm:prSet loTypeId="urn:microsoft.com/office/officeart/2005/8/layout/orgChart1" loCatId="hierarchy" qsTypeId="urn:microsoft.com/office/officeart/2005/8/quickstyle/simple1" qsCatId="simple" csTypeId="urn:microsoft.com/office/officeart/2005/8/colors/accent1_2" csCatId="accent1" phldr="1"/>
+      <dgm:spPr/>
+      <dgm:t>
+        <a:bodyPr/>
+        <a:lstStyle/>
+        <a:p>
+          <a:endParaRPr lang="en-GB"/>
+        </a:p>
+      </dgm:t>
+    </dgm:pt>
+    <dgm:pt modelId="{C4553A1D-8E77-4CAA-91E0-5606486A5A52}">
+      <dgm:prSet phldrT="[Tekst]"/>
+      <dgm:spPr/>
+      <dgm:t>
+        <a:bodyPr/>
+        <a:lstStyle/>
+        <a:p>
+          <a:r>
+            <a:rPr lang="en-GB" dirty="0"/>
+            <a:t>Skill Encoding</a:t>
+          </a:r>
+        </a:p>
+      </dgm:t>
+    </dgm:pt>
+    <dgm:pt modelId="{269E7F69-B449-4611-8FF3-1D1D1B7ADF2A}" type="parTrans" cxnId="{C1503D1B-55EE-452C-9E08-E0A83F5537C7}">
+      <dgm:prSet/>
+      <dgm:spPr/>
+      <dgm:t>
+        <a:bodyPr/>
+        <a:lstStyle/>
+        <a:p>
+          <a:endParaRPr lang="en-GB"/>
+        </a:p>
+      </dgm:t>
+    </dgm:pt>
+    <dgm:pt modelId="{FDD5703A-68AB-4EA2-A391-3F6C7DD9CBD8}" type="sibTrans" cxnId="{C1503D1B-55EE-452C-9E08-E0A83F5537C7}">
+      <dgm:prSet/>
+      <dgm:spPr/>
+      <dgm:t>
+        <a:bodyPr/>
+        <a:lstStyle/>
+        <a:p>
+          <a:endParaRPr lang="en-GB"/>
+        </a:p>
+      </dgm:t>
+    </dgm:pt>
+    <dgm:pt modelId="{4B7CC519-184B-47DA-A58F-2A7B82AA7B13}">
+      <dgm:prSet phldrT="[Tekst]"/>
+      <dgm:spPr/>
+      <dgm:t>
+        <a:bodyPr/>
+        <a:lstStyle/>
+        <a:p>
+          <a:r>
+            <a:rPr lang="en-GB" dirty="0"/>
+            <a:t>Dynamic System</a:t>
+          </a:r>
+        </a:p>
+      </dgm:t>
+    </dgm:pt>
+    <dgm:pt modelId="{09C86F3B-58E2-4EEE-A19E-500DC0C73F3F}" type="parTrans" cxnId="{34F6DF41-4D3B-46A2-8D0C-623CA2863118}">
+      <dgm:prSet/>
+      <dgm:spPr/>
+      <dgm:t>
+        <a:bodyPr/>
+        <a:lstStyle/>
+        <a:p>
+          <a:endParaRPr lang="en-GB"/>
+        </a:p>
+      </dgm:t>
+    </dgm:pt>
+    <dgm:pt modelId="{6FBDEA5E-F8B3-4C89-AE0E-7D1DEAD61B0F}" type="sibTrans" cxnId="{34F6DF41-4D3B-46A2-8D0C-623CA2863118}">
+      <dgm:prSet/>
+      <dgm:spPr/>
+      <dgm:t>
+        <a:bodyPr/>
+        <a:lstStyle/>
+        <a:p>
+          <a:endParaRPr lang="en-GB"/>
+        </a:p>
+      </dgm:t>
+    </dgm:pt>
+    <dgm:pt modelId="{960F4CA4-D155-42D9-A0E6-E1918B7F9432}">
+      <dgm:prSet phldrT="[Tekst]"/>
+      <dgm:spPr/>
+      <dgm:t>
+        <a:bodyPr/>
+        <a:lstStyle/>
+        <a:p>
+          <a:r>
+            <a:rPr lang="en-GB" dirty="0"/>
+            <a:t>Statical modelling</a:t>
+          </a:r>
+        </a:p>
+      </dgm:t>
+    </dgm:pt>
+    <dgm:pt modelId="{FC497E10-7CCF-4BF6-8C92-328CB00397DC}" type="parTrans" cxnId="{2128921C-7290-4EA0-BD0B-DB3C5E13420E}">
+      <dgm:prSet/>
+      <dgm:spPr/>
+      <dgm:t>
+        <a:bodyPr/>
+        <a:lstStyle/>
+        <a:p>
+          <a:endParaRPr lang="en-GB"/>
+        </a:p>
+      </dgm:t>
+    </dgm:pt>
+    <dgm:pt modelId="{72BEEB35-0A24-4D7D-AF96-47DB85D82A81}" type="sibTrans" cxnId="{2128921C-7290-4EA0-BD0B-DB3C5E13420E}">
+      <dgm:prSet/>
+      <dgm:spPr/>
+      <dgm:t>
+        <a:bodyPr/>
+        <a:lstStyle/>
+        <a:p>
+          <a:endParaRPr lang="en-GB"/>
+        </a:p>
+      </dgm:t>
+    </dgm:pt>
+    <dgm:pt modelId="{336C68D9-F379-4A31-A1C0-A5E370DD08D4}">
+      <dgm:prSet phldrT="[Tekst]"/>
+      <dgm:spPr/>
+      <dgm:t>
+        <a:bodyPr/>
+        <a:lstStyle/>
+        <a:p>
+          <a:r>
+            <a:rPr lang="en-GB" dirty="0"/>
+            <a:t>SEDS</a:t>
+          </a:r>
+        </a:p>
+      </dgm:t>
+    </dgm:pt>
+    <dgm:pt modelId="{66C64060-2546-45CB-8E71-BFA5C0590B6D}" type="parTrans" cxnId="{17D9E3E9-22C6-441A-A4C7-E2104DF9CC4F}">
+      <dgm:prSet/>
+      <dgm:spPr/>
+      <dgm:t>
+        <a:bodyPr/>
+        <a:lstStyle/>
+        <a:p>
+          <a:endParaRPr lang="en-GB"/>
+        </a:p>
+      </dgm:t>
+    </dgm:pt>
+    <dgm:pt modelId="{0A074CD8-C09C-46E2-A2B2-B646928ABBE7}" type="sibTrans" cxnId="{17D9E3E9-22C6-441A-A4C7-E2104DF9CC4F}">
+      <dgm:prSet/>
+      <dgm:spPr/>
+      <dgm:t>
+        <a:bodyPr/>
+        <a:lstStyle/>
+        <a:p>
+          <a:endParaRPr lang="en-GB"/>
+        </a:p>
+      </dgm:t>
+    </dgm:pt>
+    <dgm:pt modelId="{D1742661-ECDA-4497-99CD-A9124C325774}">
+      <dgm:prSet phldrT="[Tekst]"/>
+      <dgm:spPr/>
+      <dgm:t>
+        <a:bodyPr/>
+        <a:lstStyle/>
+        <a:p>
+          <a:r>
+            <a:rPr lang="en-GB" dirty="0"/>
+            <a:t>DMP</a:t>
+          </a:r>
+        </a:p>
+      </dgm:t>
+    </dgm:pt>
+    <dgm:pt modelId="{128927DA-5604-4EC4-8B38-75D795B11C7A}" type="parTrans" cxnId="{4827B9DA-BD28-4362-89D7-DC33E3ECDF92}">
+      <dgm:prSet/>
+      <dgm:spPr/>
+      <dgm:t>
+        <a:bodyPr/>
+        <a:lstStyle/>
+        <a:p>
+          <a:endParaRPr lang="en-GB"/>
+        </a:p>
+      </dgm:t>
+    </dgm:pt>
+    <dgm:pt modelId="{BC649EF6-CAB9-4837-98FD-9DF42B06B540}" type="sibTrans" cxnId="{4827B9DA-BD28-4362-89D7-DC33E3ECDF92}">
+      <dgm:prSet/>
+      <dgm:spPr/>
+      <dgm:t>
+        <a:bodyPr/>
+        <a:lstStyle/>
+        <a:p>
+          <a:endParaRPr lang="en-GB"/>
+        </a:p>
+      </dgm:t>
+    </dgm:pt>
+    <dgm:pt modelId="{09FB2B95-52BD-4876-A11B-AFD4348B4CEC}">
+      <dgm:prSet phldrT="[Tekst]"/>
+      <dgm:spPr/>
+      <dgm:t>
+        <a:bodyPr/>
+        <a:lstStyle/>
+        <a:p>
+          <a:r>
+            <a:rPr lang="en-GB" dirty="0"/>
+            <a:t>DMPP</a:t>
+          </a:r>
+        </a:p>
+      </dgm:t>
+    </dgm:pt>
+    <dgm:pt modelId="{F1FB29B5-47BE-4388-9E94-E3921B4E612A}" type="parTrans" cxnId="{007715D0-C435-4684-A010-AC1B72DF4B51}">
+      <dgm:prSet/>
+      <dgm:spPr/>
+      <dgm:t>
+        <a:bodyPr/>
+        <a:lstStyle/>
+        <a:p>
+          <a:endParaRPr lang="en-GB"/>
+        </a:p>
+      </dgm:t>
+    </dgm:pt>
+    <dgm:pt modelId="{C22C4E5F-83DA-4BEF-95F1-D5F40EE075AF}" type="sibTrans" cxnId="{007715D0-C435-4684-A010-AC1B72DF4B51}">
+      <dgm:prSet/>
+      <dgm:spPr/>
+      <dgm:t>
+        <a:bodyPr/>
+        <a:lstStyle/>
+        <a:p>
+          <a:endParaRPr lang="en-GB"/>
+        </a:p>
+      </dgm:t>
+    </dgm:pt>
+    <dgm:pt modelId="{FA4549AE-D887-4B7C-960D-DFC84D59C578}">
+      <dgm:prSet phldrT="[Tekst]"/>
+      <dgm:spPr/>
+      <dgm:t>
+        <a:bodyPr/>
+        <a:lstStyle/>
+        <a:p>
+          <a:r>
+            <a:rPr lang="en-GB" dirty="0"/>
+            <a:t>Couple DMP</a:t>
+          </a:r>
+        </a:p>
+      </dgm:t>
+    </dgm:pt>
+    <dgm:pt modelId="{B15F667C-4BC3-4CF0-9080-8BCF3DBBF4CF}" type="parTrans" cxnId="{77D64ED8-C264-4ADB-B285-84E05A1D11D8}">
+      <dgm:prSet/>
+      <dgm:spPr/>
+      <dgm:t>
+        <a:bodyPr/>
+        <a:lstStyle/>
+        <a:p>
+          <a:endParaRPr lang="en-GB"/>
+        </a:p>
+      </dgm:t>
+    </dgm:pt>
+    <dgm:pt modelId="{EA27BFB0-48FB-492A-AEFA-E178AE31EF08}" type="sibTrans" cxnId="{77D64ED8-C264-4ADB-B285-84E05A1D11D8}">
+      <dgm:prSet/>
+      <dgm:spPr/>
+      <dgm:t>
+        <a:bodyPr/>
+        <a:lstStyle/>
+        <a:p>
+          <a:endParaRPr lang="en-GB"/>
+        </a:p>
+      </dgm:t>
+    </dgm:pt>
+    <dgm:pt modelId="{16478D80-8DE1-411B-B563-8816C204DE22}">
+      <dgm:prSet phldrT="[Tekst]"/>
+      <dgm:spPr/>
+      <dgm:t>
+        <a:bodyPr/>
+        <a:lstStyle/>
+        <a:p>
+          <a:r>
+            <a:rPr lang="en-GB" dirty="0"/>
+            <a:t>GMM</a:t>
+          </a:r>
+        </a:p>
+      </dgm:t>
+    </dgm:pt>
+    <dgm:pt modelId="{09BD77F2-8D07-40C7-8739-E22B9D454AE0}" type="parTrans" cxnId="{4B594696-1B25-4C39-9909-E22707966A0C}">
+      <dgm:prSet/>
+      <dgm:spPr/>
+      <dgm:t>
+        <a:bodyPr/>
+        <a:lstStyle/>
+        <a:p>
+          <a:endParaRPr lang="en-GB"/>
+        </a:p>
+      </dgm:t>
+    </dgm:pt>
+    <dgm:pt modelId="{60BD6B62-3E6B-4F2E-955E-59EDC517CAAC}" type="sibTrans" cxnId="{4B594696-1B25-4C39-9909-E22707966A0C}">
+      <dgm:prSet/>
+      <dgm:spPr/>
+      <dgm:t>
+        <a:bodyPr/>
+        <a:lstStyle/>
+        <a:p>
+          <a:endParaRPr lang="en-GB"/>
+        </a:p>
+      </dgm:t>
+    </dgm:pt>
+    <dgm:pt modelId="{B0C453E7-869A-4932-A78D-3CB267389211}">
+      <dgm:prSet phldrT="[Tekst]"/>
+      <dgm:spPr/>
+      <dgm:t>
+        <a:bodyPr/>
+        <a:lstStyle/>
+        <a:p>
+          <a:r>
+            <a:rPr lang="en-GB" dirty="0"/>
+            <a:t>KMP</a:t>
+          </a:r>
+        </a:p>
+      </dgm:t>
+    </dgm:pt>
+    <dgm:pt modelId="{5C1A85AD-380D-487C-9342-052496935FD4}" type="parTrans" cxnId="{CC147757-AD90-42CC-AC70-149A203F94BC}">
+      <dgm:prSet/>
+      <dgm:spPr/>
+      <dgm:t>
+        <a:bodyPr/>
+        <a:lstStyle/>
+        <a:p>
+          <a:endParaRPr lang="en-GB"/>
+        </a:p>
+      </dgm:t>
+    </dgm:pt>
+    <dgm:pt modelId="{E4F49F5C-2341-4453-93D3-6A311B991AA0}" type="sibTrans" cxnId="{CC147757-AD90-42CC-AC70-149A203F94BC}">
+      <dgm:prSet/>
+      <dgm:spPr/>
+      <dgm:t>
+        <a:bodyPr/>
+        <a:lstStyle/>
+        <a:p>
+          <a:endParaRPr lang="en-GB"/>
+        </a:p>
+      </dgm:t>
+    </dgm:pt>
+    <dgm:pt modelId="{0F8B0822-C115-41A2-BEB7-9A74B1757EE9}">
+      <dgm:prSet phldrT="[Tekst]"/>
+      <dgm:spPr/>
+      <dgm:t>
+        <a:bodyPr/>
+        <a:lstStyle/>
+        <a:p>
+          <a:r>
+            <a:rPr lang="en-GB" dirty="0" err="1"/>
+            <a:t>PRoMPs</a:t>
+          </a:r>
+          <a:endParaRPr lang="en-GB" dirty="0"/>
+        </a:p>
+      </dgm:t>
+    </dgm:pt>
+    <dgm:pt modelId="{E6EBBE14-1004-4621-AA91-542B996C4D92}" type="parTrans" cxnId="{2CDEDA66-576F-4F33-988C-3A1512C788D5}">
+      <dgm:prSet/>
+      <dgm:spPr/>
+      <dgm:t>
+        <a:bodyPr/>
+        <a:lstStyle/>
+        <a:p>
+          <a:endParaRPr lang="en-GB"/>
+        </a:p>
+      </dgm:t>
+    </dgm:pt>
+    <dgm:pt modelId="{C9CB5553-A39C-4A0E-BA9A-4E57FBC2D251}" type="sibTrans" cxnId="{2CDEDA66-576F-4F33-988C-3A1512C788D5}">
+      <dgm:prSet/>
+      <dgm:spPr/>
+      <dgm:t>
+        <a:bodyPr/>
+        <a:lstStyle/>
+        <a:p>
+          <a:endParaRPr lang="en-GB"/>
+        </a:p>
+      </dgm:t>
+    </dgm:pt>
+    <dgm:pt modelId="{D4BE52FD-0A91-462C-BA63-704912428EF6}">
+      <dgm:prSet phldrT="[Tekst]"/>
+      <dgm:spPr/>
+      <dgm:t>
+        <a:bodyPr/>
+        <a:lstStyle/>
+        <a:p>
+          <a:r>
+            <a:rPr lang="en-GB" dirty="0"/>
+            <a:t>HMM</a:t>
+          </a:r>
+        </a:p>
+      </dgm:t>
+    </dgm:pt>
+    <dgm:pt modelId="{DEAE494D-3F42-404E-88DC-E662797BBA5D}" type="parTrans" cxnId="{F308CCE1-9146-4CAC-95F2-1F9001A31A2A}">
+      <dgm:prSet/>
+      <dgm:spPr/>
+      <dgm:t>
+        <a:bodyPr/>
+        <a:lstStyle/>
+        <a:p>
+          <a:endParaRPr lang="en-GB"/>
+        </a:p>
+      </dgm:t>
+    </dgm:pt>
+    <dgm:pt modelId="{FB0B2062-F34D-4B7F-B7C5-F7A8E5618F72}" type="sibTrans" cxnId="{F308CCE1-9146-4CAC-95F2-1F9001A31A2A}">
+      <dgm:prSet/>
+      <dgm:spPr/>
+      <dgm:t>
+        <a:bodyPr/>
+        <a:lstStyle/>
+        <a:p>
+          <a:endParaRPr lang="en-GB"/>
+        </a:p>
+      </dgm:t>
+    </dgm:pt>
+    <dgm:pt modelId="{78BB37FB-0CBE-4A54-85CE-63AD78582801}">
+      <dgm:prSet phldrT="[Tekst]"/>
+      <dgm:spPr/>
+      <dgm:t>
+        <a:bodyPr/>
+        <a:lstStyle/>
+        <a:p>
+          <a:r>
+            <a:rPr lang="en-GB" dirty="0"/>
+            <a:t>HSMM</a:t>
+          </a:r>
+        </a:p>
+      </dgm:t>
+    </dgm:pt>
+    <dgm:pt modelId="{0270C9E8-7BAF-4566-AB1E-06176C21CE8A}" type="parTrans" cxnId="{A623246B-9168-44E1-A1FD-1346CD6E945F}">
+      <dgm:prSet/>
+      <dgm:spPr/>
+      <dgm:t>
+        <a:bodyPr/>
+        <a:lstStyle/>
+        <a:p>
+          <a:endParaRPr lang="en-GB"/>
+        </a:p>
+      </dgm:t>
+    </dgm:pt>
+    <dgm:pt modelId="{727E653A-FE6B-43B4-9F90-47EB3831567F}" type="sibTrans" cxnId="{A623246B-9168-44E1-A1FD-1346CD6E945F}">
+      <dgm:prSet/>
+      <dgm:spPr/>
+      <dgm:t>
+        <a:bodyPr/>
+        <a:lstStyle/>
+        <a:p>
+          <a:endParaRPr lang="en-GB"/>
+        </a:p>
+      </dgm:t>
+    </dgm:pt>
+    <dgm:pt modelId="{E802F364-119D-4B65-B5AD-0BD50ED8792C}">
+      <dgm:prSet phldrT="[Tekst]"/>
+      <dgm:spPr/>
+      <dgm:t>
+        <a:bodyPr/>
+        <a:lstStyle/>
+        <a:p>
+          <a:r>
+            <a:rPr lang="en-GB"/>
+            <a:t>RL-based DMP</a:t>
+          </a:r>
+          <a:endParaRPr lang="en-GB" dirty="0"/>
+        </a:p>
+      </dgm:t>
+    </dgm:pt>
+    <dgm:pt modelId="{B6F91B69-61D8-4ABD-AB79-CB1B46AC0D3F}" type="parTrans" cxnId="{87F31695-A919-4A62-A3F3-0FC2018F45E5}">
+      <dgm:prSet/>
+      <dgm:spPr/>
+      <dgm:t>
+        <a:bodyPr/>
+        <a:lstStyle/>
+        <a:p>
+          <a:endParaRPr lang="en-GB"/>
+        </a:p>
+      </dgm:t>
+    </dgm:pt>
+    <dgm:pt modelId="{9188D636-9946-46D4-82C9-AA7820E6AE8F}" type="sibTrans" cxnId="{87F31695-A919-4A62-A3F3-0FC2018F45E5}">
+      <dgm:prSet/>
+      <dgm:spPr/>
+      <dgm:t>
+        <a:bodyPr/>
+        <a:lstStyle/>
+        <a:p>
+          <a:endParaRPr lang="en-GB"/>
+        </a:p>
+      </dgm:t>
+    </dgm:pt>
+    <dgm:pt modelId="{4F80CD53-7EB2-4C22-865A-FCDA9217A393}" type="pres">
+      <dgm:prSet presAssocID="{95C7B7D3-0FAC-43BF-B8F7-2D67D94D9B0C}" presName="hierChild1" presStyleCnt="0">
+        <dgm:presLayoutVars>
+          <dgm:orgChart val="1"/>
+          <dgm:chPref val="1"/>
+          <dgm:dir/>
+          <dgm:animOne val="branch"/>
+          <dgm:animLvl val="lvl"/>
+          <dgm:resizeHandles/>
+        </dgm:presLayoutVars>
+      </dgm:prSet>
+      <dgm:spPr/>
+    </dgm:pt>
+    <dgm:pt modelId="{96CAF737-E6DA-4232-B1EC-8396D338EC04}" type="pres">
+      <dgm:prSet presAssocID="{C4553A1D-8E77-4CAA-91E0-5606486A5A52}" presName="hierRoot1" presStyleCnt="0">
+        <dgm:presLayoutVars>
+          <dgm:hierBranch val="init"/>
+        </dgm:presLayoutVars>
+      </dgm:prSet>
+      <dgm:spPr/>
+    </dgm:pt>
+    <dgm:pt modelId="{F28F543F-4FA2-4486-9663-FA36A4485AED}" type="pres">
+      <dgm:prSet presAssocID="{C4553A1D-8E77-4CAA-91E0-5606486A5A52}" presName="rootComposite1" presStyleCnt="0"/>
+      <dgm:spPr/>
+    </dgm:pt>
+    <dgm:pt modelId="{914F8C5F-EEB0-488A-9FFD-AD66D0824781}" type="pres">
+      <dgm:prSet presAssocID="{C4553A1D-8E77-4CAA-91E0-5606486A5A52}" presName="rootText1" presStyleLbl="node0" presStyleIdx="0" presStyleCnt="1">
+        <dgm:presLayoutVars>
+          <dgm:chPref val="3"/>
+        </dgm:presLayoutVars>
+      </dgm:prSet>
+      <dgm:spPr/>
+    </dgm:pt>
+    <dgm:pt modelId="{B658174F-EB87-4A0C-B4E3-19DAB99A490F}" type="pres">
+      <dgm:prSet presAssocID="{C4553A1D-8E77-4CAA-91E0-5606486A5A52}" presName="rootConnector1" presStyleLbl="node1" presStyleIdx="0" presStyleCnt="0"/>
+      <dgm:spPr/>
+    </dgm:pt>
+    <dgm:pt modelId="{6907C97B-0BA1-4F64-9BFE-A2DA5D394937}" type="pres">
+      <dgm:prSet presAssocID="{C4553A1D-8E77-4CAA-91E0-5606486A5A52}" presName="hierChild2" presStyleCnt="0"/>
+      <dgm:spPr/>
+    </dgm:pt>
+    <dgm:pt modelId="{A974E180-B6B1-4F00-9F30-03782F41A227}" type="pres">
+      <dgm:prSet presAssocID="{09C86F3B-58E2-4EEE-A19E-500DC0C73F3F}" presName="Name37" presStyleLbl="parChTrans1D2" presStyleIdx="0" presStyleCnt="2"/>
+      <dgm:spPr/>
+    </dgm:pt>
+    <dgm:pt modelId="{0D6A0649-AA6E-4254-B562-30F15C580268}" type="pres">
+      <dgm:prSet presAssocID="{4B7CC519-184B-47DA-A58F-2A7B82AA7B13}" presName="hierRoot2" presStyleCnt="0">
+        <dgm:presLayoutVars>
+          <dgm:hierBranch/>
+        </dgm:presLayoutVars>
+      </dgm:prSet>
+      <dgm:spPr/>
+    </dgm:pt>
+    <dgm:pt modelId="{44FA8AE5-F0C5-437D-9086-04CB03EFAFD2}" type="pres">
+      <dgm:prSet presAssocID="{4B7CC519-184B-47DA-A58F-2A7B82AA7B13}" presName="rootComposite" presStyleCnt="0"/>
+      <dgm:spPr/>
+    </dgm:pt>
+    <dgm:pt modelId="{96BFF3BD-3012-4251-AB80-376C292D6FE7}" type="pres">
+      <dgm:prSet presAssocID="{4B7CC519-184B-47DA-A58F-2A7B82AA7B13}" presName="rootText" presStyleLbl="node2" presStyleIdx="0" presStyleCnt="2">
+        <dgm:presLayoutVars>
+          <dgm:chPref val="3"/>
+        </dgm:presLayoutVars>
+      </dgm:prSet>
+      <dgm:spPr/>
+    </dgm:pt>
+    <dgm:pt modelId="{364BEEFF-89AE-4612-A356-B3281575A508}" type="pres">
+      <dgm:prSet presAssocID="{4B7CC519-184B-47DA-A58F-2A7B82AA7B13}" presName="rootConnector" presStyleLbl="node2" presStyleIdx="0" presStyleCnt="2"/>
+      <dgm:spPr/>
+    </dgm:pt>
+    <dgm:pt modelId="{36EB46D1-2B72-466D-B720-2DE699D43043}" type="pres">
+      <dgm:prSet presAssocID="{4B7CC519-184B-47DA-A58F-2A7B82AA7B13}" presName="hierChild4" presStyleCnt="0"/>
+      <dgm:spPr/>
+    </dgm:pt>
+    <dgm:pt modelId="{D7AA817C-07DA-4C2E-B3E2-29F96F2C144B}" type="pres">
+      <dgm:prSet presAssocID="{66C64060-2546-45CB-8E71-BFA5C0590B6D}" presName="Name35" presStyleLbl="parChTrans1D3" presStyleIdx="0" presStyleCnt="10"/>
+      <dgm:spPr/>
+    </dgm:pt>
+    <dgm:pt modelId="{76247A75-8204-47A2-BE80-526F03E2432D}" type="pres">
+      <dgm:prSet presAssocID="{336C68D9-F379-4A31-A1C0-A5E370DD08D4}" presName="hierRoot2" presStyleCnt="0">
+        <dgm:presLayoutVars>
+          <dgm:hierBranch/>
+        </dgm:presLayoutVars>
+      </dgm:prSet>
+      <dgm:spPr/>
+    </dgm:pt>
+    <dgm:pt modelId="{7E80BCA9-9E25-454E-A983-903E1C882190}" type="pres">
+      <dgm:prSet presAssocID="{336C68D9-F379-4A31-A1C0-A5E370DD08D4}" presName="rootComposite" presStyleCnt="0"/>
+      <dgm:spPr/>
+    </dgm:pt>
+    <dgm:pt modelId="{975CBC03-8D52-4C24-AA9A-E63193FF7E64}" type="pres">
+      <dgm:prSet presAssocID="{336C68D9-F379-4A31-A1C0-A5E370DD08D4}" presName="rootText" presStyleLbl="node3" presStyleIdx="0" presStyleCnt="10">
+        <dgm:presLayoutVars>
+          <dgm:chPref val="3"/>
+        </dgm:presLayoutVars>
+      </dgm:prSet>
+      <dgm:spPr/>
+    </dgm:pt>
+    <dgm:pt modelId="{DE4DF8F2-7227-4D6A-A67D-04E459AB0206}" type="pres">
+      <dgm:prSet presAssocID="{336C68D9-F379-4A31-A1C0-A5E370DD08D4}" presName="rootConnector" presStyleLbl="node3" presStyleIdx="0" presStyleCnt="10"/>
+      <dgm:spPr/>
+    </dgm:pt>
+    <dgm:pt modelId="{2A8436A9-5FED-446C-B7B6-9B9B45A85E68}" type="pres">
+      <dgm:prSet presAssocID="{336C68D9-F379-4A31-A1C0-A5E370DD08D4}" presName="hierChild4" presStyleCnt="0"/>
+      <dgm:spPr/>
+    </dgm:pt>
+    <dgm:pt modelId="{34162513-A58C-484D-B42B-10075459AC19}" type="pres">
+      <dgm:prSet presAssocID="{336C68D9-F379-4A31-A1C0-A5E370DD08D4}" presName="hierChild5" presStyleCnt="0"/>
+      <dgm:spPr/>
+    </dgm:pt>
+    <dgm:pt modelId="{4C826A88-BCBA-49AF-9853-76DE2AFAF0A1}" type="pres">
+      <dgm:prSet presAssocID="{128927DA-5604-4EC4-8B38-75D795B11C7A}" presName="Name35" presStyleLbl="parChTrans1D3" presStyleIdx="1" presStyleCnt="10"/>
+      <dgm:spPr/>
+    </dgm:pt>
+    <dgm:pt modelId="{DEA27D38-5B7C-4FC0-9C8D-B317C48A2445}" type="pres">
+      <dgm:prSet presAssocID="{D1742661-ECDA-4497-99CD-A9124C325774}" presName="hierRoot2" presStyleCnt="0">
+        <dgm:presLayoutVars>
+          <dgm:hierBranch val="init"/>
+        </dgm:presLayoutVars>
+      </dgm:prSet>
+      <dgm:spPr/>
+    </dgm:pt>
+    <dgm:pt modelId="{A20A7F1D-A89E-400E-AFCF-A49A5F7DBBC4}" type="pres">
+      <dgm:prSet presAssocID="{D1742661-ECDA-4497-99CD-A9124C325774}" presName="rootComposite" presStyleCnt="0"/>
+      <dgm:spPr/>
+    </dgm:pt>
+    <dgm:pt modelId="{3CA9917C-3549-4A9D-B673-79D56F6E4BE4}" type="pres">
+      <dgm:prSet presAssocID="{D1742661-ECDA-4497-99CD-A9124C325774}" presName="rootText" presStyleLbl="node3" presStyleIdx="1" presStyleCnt="10">
+        <dgm:presLayoutVars>
+          <dgm:chPref val="3"/>
+        </dgm:presLayoutVars>
+      </dgm:prSet>
+      <dgm:spPr/>
+    </dgm:pt>
+    <dgm:pt modelId="{4158EC0E-75F0-400E-B254-57E28A9CCB5B}" type="pres">
+      <dgm:prSet presAssocID="{D1742661-ECDA-4497-99CD-A9124C325774}" presName="rootConnector" presStyleLbl="node3" presStyleIdx="1" presStyleCnt="10"/>
+      <dgm:spPr/>
+    </dgm:pt>
+    <dgm:pt modelId="{0DB24DA0-2637-4716-BF98-F12518672276}" type="pres">
+      <dgm:prSet presAssocID="{D1742661-ECDA-4497-99CD-A9124C325774}" presName="hierChild4" presStyleCnt="0"/>
+      <dgm:spPr/>
+    </dgm:pt>
+    <dgm:pt modelId="{FD3D7DB9-9C01-4ED9-A6A6-159489D785B1}" type="pres">
+      <dgm:prSet presAssocID="{D1742661-ECDA-4497-99CD-A9124C325774}" presName="hierChild5" presStyleCnt="0"/>
+      <dgm:spPr/>
+    </dgm:pt>
+    <dgm:pt modelId="{66F0CDD2-4786-4891-8938-4E94D58E75D4}" type="pres">
+      <dgm:prSet presAssocID="{F1FB29B5-47BE-4388-9E94-E3921B4E612A}" presName="Name35" presStyleLbl="parChTrans1D3" presStyleIdx="2" presStyleCnt="10"/>
+      <dgm:spPr/>
+    </dgm:pt>
+    <dgm:pt modelId="{EAA331AB-E377-4D1D-A333-CDE181B813BF}" type="pres">
+      <dgm:prSet presAssocID="{09FB2B95-52BD-4876-A11B-AFD4348B4CEC}" presName="hierRoot2" presStyleCnt="0">
+        <dgm:presLayoutVars>
+          <dgm:hierBranch val="init"/>
+        </dgm:presLayoutVars>
+      </dgm:prSet>
+      <dgm:spPr/>
+    </dgm:pt>
+    <dgm:pt modelId="{91F240F9-E2DC-4911-BECA-28913E033FD4}" type="pres">
+      <dgm:prSet presAssocID="{09FB2B95-52BD-4876-A11B-AFD4348B4CEC}" presName="rootComposite" presStyleCnt="0"/>
+      <dgm:spPr/>
+    </dgm:pt>
+    <dgm:pt modelId="{64CE813D-AEF9-494C-8E20-B5A1CE769672}" type="pres">
+      <dgm:prSet presAssocID="{09FB2B95-52BD-4876-A11B-AFD4348B4CEC}" presName="rootText" presStyleLbl="node3" presStyleIdx="2" presStyleCnt="10">
+        <dgm:presLayoutVars>
+          <dgm:chPref val="3"/>
+        </dgm:presLayoutVars>
+      </dgm:prSet>
+      <dgm:spPr/>
+    </dgm:pt>
+    <dgm:pt modelId="{78EBB801-4816-4ACB-9307-C9EBE6D97D42}" type="pres">
+      <dgm:prSet presAssocID="{09FB2B95-52BD-4876-A11B-AFD4348B4CEC}" presName="rootConnector" presStyleLbl="node3" presStyleIdx="2" presStyleCnt="10"/>
+      <dgm:spPr/>
+    </dgm:pt>
+    <dgm:pt modelId="{1CD2A4D9-560F-472C-8952-10C76EFA22A7}" type="pres">
+      <dgm:prSet presAssocID="{09FB2B95-52BD-4876-A11B-AFD4348B4CEC}" presName="hierChild4" presStyleCnt="0"/>
+      <dgm:spPr/>
+    </dgm:pt>
+    <dgm:pt modelId="{DECC0DC4-0A72-4FF1-9179-ECA4B1BA6E51}" type="pres">
+      <dgm:prSet presAssocID="{09FB2B95-52BD-4876-A11B-AFD4348B4CEC}" presName="hierChild5" presStyleCnt="0"/>
+      <dgm:spPr/>
+    </dgm:pt>
+    <dgm:pt modelId="{212664E3-E6D1-4F28-B77C-E185D7F2AA58}" type="pres">
+      <dgm:prSet presAssocID="{B15F667C-4BC3-4CF0-9080-8BCF3DBBF4CF}" presName="Name35" presStyleLbl="parChTrans1D3" presStyleIdx="3" presStyleCnt="10"/>
+      <dgm:spPr/>
+    </dgm:pt>
+    <dgm:pt modelId="{5A6A1ACB-1279-4C1B-90B0-45A58BD93C24}" type="pres">
+      <dgm:prSet presAssocID="{FA4549AE-D887-4B7C-960D-DFC84D59C578}" presName="hierRoot2" presStyleCnt="0">
+        <dgm:presLayoutVars>
+          <dgm:hierBranch val="init"/>
+        </dgm:presLayoutVars>
+      </dgm:prSet>
+      <dgm:spPr/>
+    </dgm:pt>
+    <dgm:pt modelId="{606E6870-F838-4199-8D5B-31EFAF5F1285}" type="pres">
+      <dgm:prSet presAssocID="{FA4549AE-D887-4B7C-960D-DFC84D59C578}" presName="rootComposite" presStyleCnt="0"/>
+      <dgm:spPr/>
+    </dgm:pt>
+    <dgm:pt modelId="{B993F7F9-BBE8-4648-8FE1-36B951017B49}" type="pres">
+      <dgm:prSet presAssocID="{FA4549AE-D887-4B7C-960D-DFC84D59C578}" presName="rootText" presStyleLbl="node3" presStyleIdx="3" presStyleCnt="10">
+        <dgm:presLayoutVars>
+          <dgm:chPref val="3"/>
+        </dgm:presLayoutVars>
+      </dgm:prSet>
+      <dgm:spPr/>
+    </dgm:pt>
+    <dgm:pt modelId="{B45E8EA9-4A71-4C3D-AB2C-E5F203D9EAF7}" type="pres">
+      <dgm:prSet presAssocID="{FA4549AE-D887-4B7C-960D-DFC84D59C578}" presName="rootConnector" presStyleLbl="node3" presStyleIdx="3" presStyleCnt="10"/>
+      <dgm:spPr/>
+    </dgm:pt>
+    <dgm:pt modelId="{E0DCE775-38D5-48BE-91F5-305E2F30DB38}" type="pres">
+      <dgm:prSet presAssocID="{FA4549AE-D887-4B7C-960D-DFC84D59C578}" presName="hierChild4" presStyleCnt="0"/>
+      <dgm:spPr/>
+    </dgm:pt>
+    <dgm:pt modelId="{F504E8F5-0CB1-4D6C-80F4-9BAAE3D3F90A}" type="pres">
+      <dgm:prSet presAssocID="{FA4549AE-D887-4B7C-960D-DFC84D59C578}" presName="hierChild5" presStyleCnt="0"/>
+      <dgm:spPr/>
+    </dgm:pt>
+    <dgm:pt modelId="{721BF807-386A-4CCA-94B2-21AE3368A808}" type="pres">
+      <dgm:prSet presAssocID="{B6F91B69-61D8-4ABD-AB79-CB1B46AC0D3F}" presName="Name35" presStyleLbl="parChTrans1D3" presStyleIdx="4" presStyleCnt="10"/>
+      <dgm:spPr/>
+    </dgm:pt>
+    <dgm:pt modelId="{02DF8B08-14E3-42FD-870C-35CFEFE9C194}" type="pres">
+      <dgm:prSet presAssocID="{E802F364-119D-4B65-B5AD-0BD50ED8792C}" presName="hierRoot2" presStyleCnt="0">
+        <dgm:presLayoutVars>
+          <dgm:hierBranch val="init"/>
+        </dgm:presLayoutVars>
+      </dgm:prSet>
+      <dgm:spPr/>
+    </dgm:pt>
+    <dgm:pt modelId="{9081BF23-8BF3-4F42-986E-89B8234179C9}" type="pres">
+      <dgm:prSet presAssocID="{E802F364-119D-4B65-B5AD-0BD50ED8792C}" presName="rootComposite" presStyleCnt="0"/>
+      <dgm:spPr/>
+    </dgm:pt>
+    <dgm:pt modelId="{CDF3FFCE-24AB-4EE6-8DD3-3848CF0AC864}" type="pres">
+      <dgm:prSet presAssocID="{E802F364-119D-4B65-B5AD-0BD50ED8792C}" presName="rootText" presStyleLbl="node3" presStyleIdx="4" presStyleCnt="10">
+        <dgm:presLayoutVars>
+          <dgm:chPref val="3"/>
+        </dgm:presLayoutVars>
+      </dgm:prSet>
+      <dgm:spPr/>
+    </dgm:pt>
+    <dgm:pt modelId="{3F4676A2-E265-416C-A83B-9EBC596CDB4B}" type="pres">
+      <dgm:prSet presAssocID="{E802F364-119D-4B65-B5AD-0BD50ED8792C}" presName="rootConnector" presStyleLbl="node3" presStyleIdx="4" presStyleCnt="10"/>
+      <dgm:spPr/>
+    </dgm:pt>
+    <dgm:pt modelId="{BAAB86A3-491A-4315-8A1D-537E13BF1FDD}" type="pres">
+      <dgm:prSet presAssocID="{E802F364-119D-4B65-B5AD-0BD50ED8792C}" presName="hierChild4" presStyleCnt="0"/>
+      <dgm:spPr/>
+    </dgm:pt>
+    <dgm:pt modelId="{A8E98322-021B-4720-8FF1-CBD26CEEE7D4}" type="pres">
+      <dgm:prSet presAssocID="{E802F364-119D-4B65-B5AD-0BD50ED8792C}" presName="hierChild5" presStyleCnt="0"/>
+      <dgm:spPr/>
+    </dgm:pt>
+    <dgm:pt modelId="{3BFB0DEB-7F8D-4519-A2A8-449854D9CE74}" type="pres">
+      <dgm:prSet presAssocID="{4B7CC519-184B-47DA-A58F-2A7B82AA7B13}" presName="hierChild5" presStyleCnt="0"/>
+      <dgm:spPr/>
+    </dgm:pt>
+    <dgm:pt modelId="{9649D4EA-C996-469F-8ED6-DBC73CC7C1E1}" type="pres">
+      <dgm:prSet presAssocID="{FC497E10-7CCF-4BF6-8C92-328CB00397DC}" presName="Name37" presStyleLbl="parChTrans1D2" presStyleIdx="1" presStyleCnt="2"/>
+      <dgm:spPr/>
+    </dgm:pt>
+    <dgm:pt modelId="{586BEC13-C683-4FC1-9B90-19B27157F6A2}" type="pres">
+      <dgm:prSet presAssocID="{960F4CA4-D155-42D9-A0E6-E1918B7F9432}" presName="hierRoot2" presStyleCnt="0">
+        <dgm:presLayoutVars>
+          <dgm:hierBranch/>
+        </dgm:presLayoutVars>
+      </dgm:prSet>
+      <dgm:spPr/>
+    </dgm:pt>
+    <dgm:pt modelId="{05747EC8-1EA4-48D1-AFAC-8E20BE38AAFE}" type="pres">
+      <dgm:prSet presAssocID="{960F4CA4-D155-42D9-A0E6-E1918B7F9432}" presName="rootComposite" presStyleCnt="0"/>
+      <dgm:spPr/>
+    </dgm:pt>
+    <dgm:pt modelId="{C8C6D9D3-7074-42D7-A6F1-10FBD2BEC32A}" type="pres">
+      <dgm:prSet presAssocID="{960F4CA4-D155-42D9-A0E6-E1918B7F9432}" presName="rootText" presStyleLbl="node2" presStyleIdx="1" presStyleCnt="2">
+        <dgm:presLayoutVars>
+          <dgm:chPref val="3"/>
+        </dgm:presLayoutVars>
+      </dgm:prSet>
+      <dgm:spPr/>
+    </dgm:pt>
+    <dgm:pt modelId="{78A8E8A2-15C0-4963-962E-CD42F48487EA}" type="pres">
+      <dgm:prSet presAssocID="{960F4CA4-D155-42D9-A0E6-E1918B7F9432}" presName="rootConnector" presStyleLbl="node2" presStyleIdx="1" presStyleCnt="2"/>
+      <dgm:spPr/>
+    </dgm:pt>
+    <dgm:pt modelId="{A83BA388-FD4A-4B29-B7F6-67C584940D94}" type="pres">
+      <dgm:prSet presAssocID="{960F4CA4-D155-42D9-A0E6-E1918B7F9432}" presName="hierChild4" presStyleCnt="0"/>
+      <dgm:spPr/>
+    </dgm:pt>
+    <dgm:pt modelId="{F9058072-0D10-4957-800D-91D2BD79E5B1}" type="pres">
+      <dgm:prSet presAssocID="{09BD77F2-8D07-40C7-8739-E22B9D454AE0}" presName="Name35" presStyleLbl="parChTrans1D3" presStyleIdx="5" presStyleCnt="10"/>
+      <dgm:spPr/>
+    </dgm:pt>
+    <dgm:pt modelId="{8E0C15B1-7326-4B3E-9072-CBCB17BF824B}" type="pres">
+      <dgm:prSet presAssocID="{16478D80-8DE1-411B-B563-8816C204DE22}" presName="hierRoot2" presStyleCnt="0">
+        <dgm:presLayoutVars>
+          <dgm:hierBranch val="init"/>
+        </dgm:presLayoutVars>
+      </dgm:prSet>
+      <dgm:spPr/>
+    </dgm:pt>
+    <dgm:pt modelId="{342A7EEA-9215-4710-94D4-0847A6EA5453}" type="pres">
+      <dgm:prSet presAssocID="{16478D80-8DE1-411B-B563-8816C204DE22}" presName="rootComposite" presStyleCnt="0"/>
+      <dgm:spPr/>
+    </dgm:pt>
+    <dgm:pt modelId="{051E0539-77E8-4E7C-BA0F-6723B11172EA}" type="pres">
+      <dgm:prSet presAssocID="{16478D80-8DE1-411B-B563-8816C204DE22}" presName="rootText" presStyleLbl="node3" presStyleIdx="5" presStyleCnt="10">
+        <dgm:presLayoutVars>
+          <dgm:chPref val="3"/>
+        </dgm:presLayoutVars>
+      </dgm:prSet>
+      <dgm:spPr/>
+    </dgm:pt>
+    <dgm:pt modelId="{C56A4CED-F98D-4CF5-9D6C-BAAA9092FF81}" type="pres">
+      <dgm:prSet presAssocID="{16478D80-8DE1-411B-B563-8816C204DE22}" presName="rootConnector" presStyleLbl="node3" presStyleIdx="5" presStyleCnt="10"/>
+      <dgm:spPr/>
+    </dgm:pt>
+    <dgm:pt modelId="{CBE8789C-515E-4553-A53A-B7BBAE0595E7}" type="pres">
+      <dgm:prSet presAssocID="{16478D80-8DE1-411B-B563-8816C204DE22}" presName="hierChild4" presStyleCnt="0"/>
+      <dgm:spPr/>
+    </dgm:pt>
+    <dgm:pt modelId="{C4688311-8CC1-42B6-8EED-250E55547164}" type="pres">
+      <dgm:prSet presAssocID="{16478D80-8DE1-411B-B563-8816C204DE22}" presName="hierChild5" presStyleCnt="0"/>
+      <dgm:spPr/>
+    </dgm:pt>
+    <dgm:pt modelId="{B4FD5723-12CD-4106-904B-E50554CEFF4C}" type="pres">
+      <dgm:prSet presAssocID="{5C1A85AD-380D-487C-9342-052496935FD4}" presName="Name35" presStyleLbl="parChTrans1D3" presStyleIdx="6" presStyleCnt="10"/>
+      <dgm:spPr/>
+    </dgm:pt>
+    <dgm:pt modelId="{5073BA19-BEF7-41C7-84DF-17822C1349E8}" type="pres">
+      <dgm:prSet presAssocID="{B0C453E7-869A-4932-A78D-3CB267389211}" presName="hierRoot2" presStyleCnt="0">
+        <dgm:presLayoutVars>
+          <dgm:hierBranch val="init"/>
+        </dgm:presLayoutVars>
+      </dgm:prSet>
+      <dgm:spPr/>
+    </dgm:pt>
+    <dgm:pt modelId="{29CAB051-A356-46F9-B164-72B1543C5906}" type="pres">
+      <dgm:prSet presAssocID="{B0C453E7-869A-4932-A78D-3CB267389211}" presName="rootComposite" presStyleCnt="0"/>
+      <dgm:spPr/>
+    </dgm:pt>
+    <dgm:pt modelId="{0A6B0EB6-EBE5-4B8F-A97F-C0B4F54E97D1}" type="pres">
+      <dgm:prSet presAssocID="{B0C453E7-869A-4932-A78D-3CB267389211}" presName="rootText" presStyleLbl="node3" presStyleIdx="6" presStyleCnt="10">
+        <dgm:presLayoutVars>
+          <dgm:chPref val="3"/>
+        </dgm:presLayoutVars>
+      </dgm:prSet>
+      <dgm:spPr/>
+    </dgm:pt>
+    <dgm:pt modelId="{66DBBA5B-8540-4538-B522-BBB059A04C30}" type="pres">
+      <dgm:prSet presAssocID="{B0C453E7-869A-4932-A78D-3CB267389211}" presName="rootConnector" presStyleLbl="node3" presStyleIdx="6" presStyleCnt="10"/>
+      <dgm:spPr/>
+    </dgm:pt>
+    <dgm:pt modelId="{B4252093-441A-4ED9-B471-DE15A1054080}" type="pres">
+      <dgm:prSet presAssocID="{B0C453E7-869A-4932-A78D-3CB267389211}" presName="hierChild4" presStyleCnt="0"/>
+      <dgm:spPr/>
+    </dgm:pt>
+    <dgm:pt modelId="{011DA106-32D0-41E9-BBF1-DED538CDB0DB}" type="pres">
+      <dgm:prSet presAssocID="{B0C453E7-869A-4932-A78D-3CB267389211}" presName="hierChild5" presStyleCnt="0"/>
+      <dgm:spPr/>
+    </dgm:pt>
+    <dgm:pt modelId="{64E0F826-206B-466D-9D1A-DFBBCBA6A3FF}" type="pres">
+      <dgm:prSet presAssocID="{E6EBBE14-1004-4621-AA91-542B996C4D92}" presName="Name35" presStyleLbl="parChTrans1D3" presStyleIdx="7" presStyleCnt="10"/>
+      <dgm:spPr/>
+    </dgm:pt>
+    <dgm:pt modelId="{2E1E28F6-033E-4162-96D4-EE272E654A35}" type="pres">
+      <dgm:prSet presAssocID="{0F8B0822-C115-41A2-BEB7-9A74B1757EE9}" presName="hierRoot2" presStyleCnt="0">
+        <dgm:presLayoutVars>
+          <dgm:hierBranch val="init"/>
+        </dgm:presLayoutVars>
+      </dgm:prSet>
+      <dgm:spPr/>
+    </dgm:pt>
+    <dgm:pt modelId="{10D7A0E9-50DB-4097-BDAC-04C892D11DDF}" type="pres">
+      <dgm:prSet presAssocID="{0F8B0822-C115-41A2-BEB7-9A74B1757EE9}" presName="rootComposite" presStyleCnt="0"/>
+      <dgm:spPr/>
+    </dgm:pt>
+    <dgm:pt modelId="{370BD400-03AC-4DFF-BDCD-B6413F500B5E}" type="pres">
+      <dgm:prSet presAssocID="{0F8B0822-C115-41A2-BEB7-9A74B1757EE9}" presName="rootText" presStyleLbl="node3" presStyleIdx="7" presStyleCnt="10">
+        <dgm:presLayoutVars>
+          <dgm:chPref val="3"/>
+        </dgm:presLayoutVars>
+      </dgm:prSet>
+      <dgm:spPr/>
+    </dgm:pt>
+    <dgm:pt modelId="{9821165B-68D0-4654-8C6A-2DDFA6099A86}" type="pres">
+      <dgm:prSet presAssocID="{0F8B0822-C115-41A2-BEB7-9A74B1757EE9}" presName="rootConnector" presStyleLbl="node3" presStyleIdx="7" presStyleCnt="10"/>
+      <dgm:spPr/>
+    </dgm:pt>
+    <dgm:pt modelId="{D7199C7A-DE24-4EFE-9F85-213D578962F1}" type="pres">
+      <dgm:prSet presAssocID="{0F8B0822-C115-41A2-BEB7-9A74B1757EE9}" presName="hierChild4" presStyleCnt="0"/>
+      <dgm:spPr/>
+    </dgm:pt>
+    <dgm:pt modelId="{C62FB02C-EAD3-4061-858D-CBF9A148283D}" type="pres">
+      <dgm:prSet presAssocID="{0F8B0822-C115-41A2-BEB7-9A74B1757EE9}" presName="hierChild5" presStyleCnt="0"/>
+      <dgm:spPr/>
+    </dgm:pt>
+    <dgm:pt modelId="{E71ACD49-94D0-41AF-A14E-0ADA3EBA740D}" type="pres">
+      <dgm:prSet presAssocID="{DEAE494D-3F42-404E-88DC-E662797BBA5D}" presName="Name35" presStyleLbl="parChTrans1D3" presStyleIdx="8" presStyleCnt="10"/>
+      <dgm:spPr/>
+    </dgm:pt>
+    <dgm:pt modelId="{CABCB65C-AD61-47AE-8050-D86D4314EA72}" type="pres">
+      <dgm:prSet presAssocID="{D4BE52FD-0A91-462C-BA63-704912428EF6}" presName="hierRoot2" presStyleCnt="0">
+        <dgm:presLayoutVars>
+          <dgm:hierBranch val="init"/>
+        </dgm:presLayoutVars>
+      </dgm:prSet>
+      <dgm:spPr/>
+    </dgm:pt>
+    <dgm:pt modelId="{6EEC8C6A-100B-4083-8482-25D49615F8B0}" type="pres">
+      <dgm:prSet presAssocID="{D4BE52FD-0A91-462C-BA63-704912428EF6}" presName="rootComposite" presStyleCnt="0"/>
+      <dgm:spPr/>
+    </dgm:pt>
+    <dgm:pt modelId="{C33D4B92-40BD-49B3-ABD9-CFC39B54360F}" type="pres">
+      <dgm:prSet presAssocID="{D4BE52FD-0A91-462C-BA63-704912428EF6}" presName="rootText" presStyleLbl="node3" presStyleIdx="8" presStyleCnt="10">
+        <dgm:presLayoutVars>
+          <dgm:chPref val="3"/>
+        </dgm:presLayoutVars>
+      </dgm:prSet>
+      <dgm:spPr/>
+    </dgm:pt>
+    <dgm:pt modelId="{247D8277-C948-476C-84A6-06D76DC5C7A9}" type="pres">
+      <dgm:prSet presAssocID="{D4BE52FD-0A91-462C-BA63-704912428EF6}" presName="rootConnector" presStyleLbl="node3" presStyleIdx="8" presStyleCnt="10"/>
+      <dgm:spPr/>
+    </dgm:pt>
+    <dgm:pt modelId="{22716F99-BB2E-477E-8DF9-36B2706D564B}" type="pres">
+      <dgm:prSet presAssocID="{D4BE52FD-0A91-462C-BA63-704912428EF6}" presName="hierChild4" presStyleCnt="0"/>
+      <dgm:spPr/>
+    </dgm:pt>
+    <dgm:pt modelId="{037879F9-BD6D-4EBE-AC9E-99353C92D3B4}" type="pres">
+      <dgm:prSet presAssocID="{D4BE52FD-0A91-462C-BA63-704912428EF6}" presName="hierChild5" presStyleCnt="0"/>
+      <dgm:spPr/>
+    </dgm:pt>
+    <dgm:pt modelId="{663A8188-BC84-4B1C-9DDE-06E696611DF9}" type="pres">
+      <dgm:prSet presAssocID="{0270C9E8-7BAF-4566-AB1E-06176C21CE8A}" presName="Name35" presStyleLbl="parChTrans1D3" presStyleIdx="9" presStyleCnt="10"/>
+      <dgm:spPr/>
+    </dgm:pt>
+    <dgm:pt modelId="{ADA8F0F5-56C6-43EE-A562-73A415B9E585}" type="pres">
+      <dgm:prSet presAssocID="{78BB37FB-0CBE-4A54-85CE-63AD78582801}" presName="hierRoot2" presStyleCnt="0">
+        <dgm:presLayoutVars>
+          <dgm:hierBranch val="init"/>
+        </dgm:presLayoutVars>
+      </dgm:prSet>
+      <dgm:spPr/>
+    </dgm:pt>
+    <dgm:pt modelId="{48640FE6-16C9-4699-8C42-765E46B2DFB3}" type="pres">
+      <dgm:prSet presAssocID="{78BB37FB-0CBE-4A54-85CE-63AD78582801}" presName="rootComposite" presStyleCnt="0"/>
+      <dgm:spPr/>
+    </dgm:pt>
+    <dgm:pt modelId="{7CFA7F24-D599-41AD-B542-174A2988BDB4}" type="pres">
+      <dgm:prSet presAssocID="{78BB37FB-0CBE-4A54-85CE-63AD78582801}" presName="rootText" presStyleLbl="node3" presStyleIdx="9" presStyleCnt="10">
+        <dgm:presLayoutVars>
+          <dgm:chPref val="3"/>
+        </dgm:presLayoutVars>
+      </dgm:prSet>
+      <dgm:spPr/>
+    </dgm:pt>
+    <dgm:pt modelId="{1CE1B96D-1D34-4136-8722-8D09433FF9C0}" type="pres">
+      <dgm:prSet presAssocID="{78BB37FB-0CBE-4A54-85CE-63AD78582801}" presName="rootConnector" presStyleLbl="node3" presStyleIdx="9" presStyleCnt="10"/>
+      <dgm:spPr/>
+    </dgm:pt>
+    <dgm:pt modelId="{F02B1D93-06B0-4221-B159-E82ECD7B50C9}" type="pres">
+      <dgm:prSet presAssocID="{78BB37FB-0CBE-4A54-85CE-63AD78582801}" presName="hierChild4" presStyleCnt="0"/>
+      <dgm:spPr/>
+    </dgm:pt>
+    <dgm:pt modelId="{6F058BD7-59AE-4089-8920-08DE8C7EA986}" type="pres">
+      <dgm:prSet presAssocID="{78BB37FB-0CBE-4A54-85CE-63AD78582801}" presName="hierChild5" presStyleCnt="0"/>
+      <dgm:spPr/>
+    </dgm:pt>
+    <dgm:pt modelId="{62069537-96C5-41C2-A67B-17E22419E541}" type="pres">
+      <dgm:prSet presAssocID="{960F4CA4-D155-42D9-A0E6-E1918B7F9432}" presName="hierChild5" presStyleCnt="0"/>
+      <dgm:spPr/>
+    </dgm:pt>
+    <dgm:pt modelId="{51A6D625-7919-499A-80CC-76B473721C57}" type="pres">
+      <dgm:prSet presAssocID="{C4553A1D-8E77-4CAA-91E0-5606486A5A52}" presName="hierChild3" presStyleCnt="0"/>
+      <dgm:spPr/>
+    </dgm:pt>
+  </dgm:ptLst>
+  <dgm:cxnLst>
+    <dgm:cxn modelId="{B813A302-2BCB-462E-8FC6-F8582C6A7852}" type="presOf" srcId="{D1742661-ECDA-4497-99CD-A9124C325774}" destId="{3CA9917C-3549-4A9D-B673-79D56F6E4BE4}" srcOrd="0" destOrd="0" presId="urn:microsoft.com/office/officeart/2005/8/layout/orgChart1"/>
+    <dgm:cxn modelId="{A0BECC04-A5AF-42FD-9070-09A4F484AD54}" type="presOf" srcId="{FA4549AE-D887-4B7C-960D-DFC84D59C578}" destId="{B45E8EA9-4A71-4C3D-AB2C-E5F203D9EAF7}" srcOrd="1" destOrd="0" presId="urn:microsoft.com/office/officeart/2005/8/layout/orgChart1"/>
+    <dgm:cxn modelId="{7ED6400D-A808-4C4E-9CC9-35CBB6AD528D}" type="presOf" srcId="{E6EBBE14-1004-4621-AA91-542B996C4D92}" destId="{64E0F826-206B-466D-9D1A-DFBBCBA6A3FF}" srcOrd="0" destOrd="0" presId="urn:microsoft.com/office/officeart/2005/8/layout/orgChart1"/>
+    <dgm:cxn modelId="{A7B0BC0F-8BB5-4B9F-B35E-0170B6BC59BA}" type="presOf" srcId="{5C1A85AD-380D-487C-9342-052496935FD4}" destId="{B4FD5723-12CD-4106-904B-E50554CEFF4C}" srcOrd="0" destOrd="0" presId="urn:microsoft.com/office/officeart/2005/8/layout/orgChart1"/>
+    <dgm:cxn modelId="{8B243010-FB93-45C5-B879-D503581069D4}" type="presOf" srcId="{09BD77F2-8D07-40C7-8739-E22B9D454AE0}" destId="{F9058072-0D10-4957-800D-91D2BD79E5B1}" srcOrd="0" destOrd="0" presId="urn:microsoft.com/office/officeart/2005/8/layout/orgChart1"/>
+    <dgm:cxn modelId="{C1503D1B-55EE-452C-9E08-E0A83F5537C7}" srcId="{95C7B7D3-0FAC-43BF-B8F7-2D67D94D9B0C}" destId="{C4553A1D-8E77-4CAA-91E0-5606486A5A52}" srcOrd="0" destOrd="0" parTransId="{269E7F69-B449-4611-8FF3-1D1D1B7ADF2A}" sibTransId="{FDD5703A-68AB-4EA2-A391-3F6C7DD9CBD8}"/>
+    <dgm:cxn modelId="{2128921C-7290-4EA0-BD0B-DB3C5E13420E}" srcId="{C4553A1D-8E77-4CAA-91E0-5606486A5A52}" destId="{960F4CA4-D155-42D9-A0E6-E1918B7F9432}" srcOrd="1" destOrd="0" parTransId="{FC497E10-7CCF-4BF6-8C92-328CB00397DC}" sibTransId="{72BEEB35-0A24-4D7D-AF96-47DB85D82A81}"/>
+    <dgm:cxn modelId="{0EB6C124-DC32-4250-AADA-EB4066FA58EE}" type="presOf" srcId="{0F8B0822-C115-41A2-BEB7-9A74B1757EE9}" destId="{9821165B-68D0-4654-8C6A-2DDFA6099A86}" srcOrd="1" destOrd="0" presId="urn:microsoft.com/office/officeart/2005/8/layout/orgChart1"/>
+    <dgm:cxn modelId="{AE392C2E-50B0-489E-8814-F882F052BD7B}" type="presOf" srcId="{09C86F3B-58E2-4EEE-A19E-500DC0C73F3F}" destId="{A974E180-B6B1-4F00-9F30-03782F41A227}" srcOrd="0" destOrd="0" presId="urn:microsoft.com/office/officeart/2005/8/layout/orgChart1"/>
+    <dgm:cxn modelId="{6468442E-0A64-4240-AB0B-49D999C3AEDE}" type="presOf" srcId="{FC497E10-7CCF-4BF6-8C92-328CB00397DC}" destId="{9649D4EA-C996-469F-8ED6-DBC73CC7C1E1}" srcOrd="0" destOrd="0" presId="urn:microsoft.com/office/officeart/2005/8/layout/orgChart1"/>
+    <dgm:cxn modelId="{71192D32-E461-4DE4-9726-D7B8E4F69C43}" type="presOf" srcId="{C4553A1D-8E77-4CAA-91E0-5606486A5A52}" destId="{914F8C5F-EEB0-488A-9FFD-AD66D0824781}" srcOrd="0" destOrd="0" presId="urn:microsoft.com/office/officeart/2005/8/layout/orgChart1"/>
+    <dgm:cxn modelId="{3FD90337-C936-4E85-A1DE-34AB6EB82993}" type="presOf" srcId="{B0C453E7-869A-4932-A78D-3CB267389211}" destId="{0A6B0EB6-EBE5-4B8F-A97F-C0B4F54E97D1}" srcOrd="0" destOrd="0" presId="urn:microsoft.com/office/officeart/2005/8/layout/orgChart1"/>
+    <dgm:cxn modelId="{8985EE3B-5396-40FF-800E-F9E0F1531D1C}" type="presOf" srcId="{E802F364-119D-4B65-B5AD-0BD50ED8792C}" destId="{3F4676A2-E265-416C-A83B-9EBC596CDB4B}" srcOrd="1" destOrd="0" presId="urn:microsoft.com/office/officeart/2005/8/layout/orgChart1"/>
+    <dgm:cxn modelId="{15A4623D-A852-4146-9291-A01FD31721AD}" type="presOf" srcId="{4B7CC519-184B-47DA-A58F-2A7B82AA7B13}" destId="{96BFF3BD-3012-4251-AB80-376C292D6FE7}" srcOrd="0" destOrd="0" presId="urn:microsoft.com/office/officeart/2005/8/layout/orgChart1"/>
+    <dgm:cxn modelId="{BA8EA63E-4179-443C-B6C6-F994FA927DCB}" type="presOf" srcId="{B15F667C-4BC3-4CF0-9080-8BCF3DBBF4CF}" destId="{212664E3-E6D1-4F28-B77C-E185D7F2AA58}" srcOrd="0" destOrd="0" presId="urn:microsoft.com/office/officeart/2005/8/layout/orgChart1"/>
+    <dgm:cxn modelId="{A73F9A5C-E5C2-40B1-9939-A2DE3B4D8F22}" type="presOf" srcId="{FA4549AE-D887-4B7C-960D-DFC84D59C578}" destId="{B993F7F9-BBE8-4648-8FE1-36B951017B49}" srcOrd="0" destOrd="0" presId="urn:microsoft.com/office/officeart/2005/8/layout/orgChart1"/>
+    <dgm:cxn modelId="{74486641-FFBB-4BEF-A8C8-B0010E96FE48}" type="presOf" srcId="{16478D80-8DE1-411B-B563-8816C204DE22}" destId="{C56A4CED-F98D-4CF5-9D6C-BAAA9092FF81}" srcOrd="1" destOrd="0" presId="urn:microsoft.com/office/officeart/2005/8/layout/orgChart1"/>
+    <dgm:cxn modelId="{34F6DF41-4D3B-46A2-8D0C-623CA2863118}" srcId="{C4553A1D-8E77-4CAA-91E0-5606486A5A52}" destId="{4B7CC519-184B-47DA-A58F-2A7B82AA7B13}" srcOrd="0" destOrd="0" parTransId="{09C86F3B-58E2-4EEE-A19E-500DC0C73F3F}" sibTransId="{6FBDEA5E-F8B3-4C89-AE0E-7D1DEAD61B0F}"/>
+    <dgm:cxn modelId="{C6ABCE42-590E-40E9-A3FF-5D7E591506D5}" type="presOf" srcId="{DEAE494D-3F42-404E-88DC-E662797BBA5D}" destId="{E71ACD49-94D0-41AF-A14E-0ADA3EBA740D}" srcOrd="0" destOrd="0" presId="urn:microsoft.com/office/officeart/2005/8/layout/orgChart1"/>
+    <dgm:cxn modelId="{9DC6D344-F071-40B6-A0D3-D46BB1C78869}" type="presOf" srcId="{95C7B7D3-0FAC-43BF-B8F7-2D67D94D9B0C}" destId="{4F80CD53-7EB2-4C22-865A-FCDA9217A393}" srcOrd="0" destOrd="0" presId="urn:microsoft.com/office/officeart/2005/8/layout/orgChart1"/>
+    <dgm:cxn modelId="{2CDEDA66-576F-4F33-988C-3A1512C788D5}" srcId="{960F4CA4-D155-42D9-A0E6-E1918B7F9432}" destId="{0F8B0822-C115-41A2-BEB7-9A74B1757EE9}" srcOrd="2" destOrd="0" parTransId="{E6EBBE14-1004-4621-AA91-542B996C4D92}" sibTransId="{C9CB5553-A39C-4A0E-BA9A-4E57FBC2D251}"/>
+    <dgm:cxn modelId="{C699D267-C281-4D5B-BFAD-0FA8058CC6F9}" type="presOf" srcId="{E802F364-119D-4B65-B5AD-0BD50ED8792C}" destId="{CDF3FFCE-24AB-4EE6-8DD3-3848CF0AC864}" srcOrd="0" destOrd="0" presId="urn:microsoft.com/office/officeart/2005/8/layout/orgChart1"/>
+    <dgm:cxn modelId="{A623246B-9168-44E1-A1FD-1346CD6E945F}" srcId="{960F4CA4-D155-42D9-A0E6-E1918B7F9432}" destId="{78BB37FB-0CBE-4A54-85CE-63AD78582801}" srcOrd="4" destOrd="0" parTransId="{0270C9E8-7BAF-4566-AB1E-06176C21CE8A}" sibTransId="{727E653A-FE6B-43B4-9F90-47EB3831567F}"/>
+    <dgm:cxn modelId="{49FDDD4D-DE28-47CC-AC98-DC5AADADDB39}" type="presOf" srcId="{0270C9E8-7BAF-4566-AB1E-06176C21CE8A}" destId="{663A8188-BC84-4B1C-9DDE-06E696611DF9}" srcOrd="0" destOrd="0" presId="urn:microsoft.com/office/officeart/2005/8/layout/orgChart1"/>
+    <dgm:cxn modelId="{AB928655-CC16-4B50-ACE4-6D0DC8A61827}" type="presOf" srcId="{C4553A1D-8E77-4CAA-91E0-5606486A5A52}" destId="{B658174F-EB87-4A0C-B4E3-19DAB99A490F}" srcOrd="1" destOrd="0" presId="urn:microsoft.com/office/officeart/2005/8/layout/orgChart1"/>
+    <dgm:cxn modelId="{CC147757-AD90-42CC-AC70-149A203F94BC}" srcId="{960F4CA4-D155-42D9-A0E6-E1918B7F9432}" destId="{B0C453E7-869A-4932-A78D-3CB267389211}" srcOrd="1" destOrd="0" parTransId="{5C1A85AD-380D-487C-9342-052496935FD4}" sibTransId="{E4F49F5C-2341-4453-93D3-6A311B991AA0}"/>
+    <dgm:cxn modelId="{5581D383-512C-4F74-B27F-D0C72F621E97}" type="presOf" srcId="{960F4CA4-D155-42D9-A0E6-E1918B7F9432}" destId="{C8C6D9D3-7074-42D7-A6F1-10FBD2BEC32A}" srcOrd="0" destOrd="0" presId="urn:microsoft.com/office/officeart/2005/8/layout/orgChart1"/>
+    <dgm:cxn modelId="{E4074086-95CF-4235-AC39-07FB8FE48138}" type="presOf" srcId="{336C68D9-F379-4A31-A1C0-A5E370DD08D4}" destId="{DE4DF8F2-7227-4D6A-A67D-04E459AB0206}" srcOrd="1" destOrd="0" presId="urn:microsoft.com/office/officeart/2005/8/layout/orgChart1"/>
+    <dgm:cxn modelId="{77E3CA8B-E0DE-487A-B306-B8ED90D9A320}" type="presOf" srcId="{960F4CA4-D155-42D9-A0E6-E1918B7F9432}" destId="{78A8E8A2-15C0-4963-962E-CD42F48487EA}" srcOrd="1" destOrd="0" presId="urn:microsoft.com/office/officeart/2005/8/layout/orgChart1"/>
+    <dgm:cxn modelId="{87F31695-A919-4A62-A3F3-0FC2018F45E5}" srcId="{4B7CC519-184B-47DA-A58F-2A7B82AA7B13}" destId="{E802F364-119D-4B65-B5AD-0BD50ED8792C}" srcOrd="4" destOrd="0" parTransId="{B6F91B69-61D8-4ABD-AB79-CB1B46AC0D3F}" sibTransId="{9188D636-9946-46D4-82C9-AA7820E6AE8F}"/>
+    <dgm:cxn modelId="{4B594696-1B25-4C39-9909-E22707966A0C}" srcId="{960F4CA4-D155-42D9-A0E6-E1918B7F9432}" destId="{16478D80-8DE1-411B-B563-8816C204DE22}" srcOrd="0" destOrd="0" parTransId="{09BD77F2-8D07-40C7-8739-E22B9D454AE0}" sibTransId="{60BD6B62-3E6B-4F2E-955E-59EDC517CAAC}"/>
+    <dgm:cxn modelId="{837F9898-EE46-4319-8088-F5EC2B0B4B6C}" type="presOf" srcId="{128927DA-5604-4EC4-8B38-75D795B11C7A}" destId="{4C826A88-BCBA-49AF-9853-76DE2AFAF0A1}" srcOrd="0" destOrd="0" presId="urn:microsoft.com/office/officeart/2005/8/layout/orgChart1"/>
+    <dgm:cxn modelId="{F38A6B9A-3F4E-4D3D-BFCC-B30305DD1C0D}" type="presOf" srcId="{B0C453E7-869A-4932-A78D-3CB267389211}" destId="{66DBBA5B-8540-4538-B522-BBB059A04C30}" srcOrd="1" destOrd="0" presId="urn:microsoft.com/office/officeart/2005/8/layout/orgChart1"/>
+    <dgm:cxn modelId="{2EE6149C-77F9-4893-A650-80314365FA83}" type="presOf" srcId="{78BB37FB-0CBE-4A54-85CE-63AD78582801}" destId="{7CFA7F24-D599-41AD-B542-174A2988BDB4}" srcOrd="0" destOrd="0" presId="urn:microsoft.com/office/officeart/2005/8/layout/orgChart1"/>
+    <dgm:cxn modelId="{52E9359D-5C14-4212-B5D3-C69CE8B52D2B}" type="presOf" srcId="{0F8B0822-C115-41A2-BEB7-9A74B1757EE9}" destId="{370BD400-03AC-4DFF-BDCD-B6413F500B5E}" srcOrd="0" destOrd="0" presId="urn:microsoft.com/office/officeart/2005/8/layout/orgChart1"/>
+    <dgm:cxn modelId="{FCD7F9B0-4477-4C17-A277-4C8CCEDD7C77}" type="presOf" srcId="{D1742661-ECDA-4497-99CD-A9124C325774}" destId="{4158EC0E-75F0-400E-B254-57E28A9CCB5B}" srcOrd="1" destOrd="0" presId="urn:microsoft.com/office/officeart/2005/8/layout/orgChart1"/>
+    <dgm:cxn modelId="{DDA742B1-567A-4CA0-BB1B-24B89926FB38}" type="presOf" srcId="{D4BE52FD-0A91-462C-BA63-704912428EF6}" destId="{C33D4B92-40BD-49B3-ABD9-CFC39B54360F}" srcOrd="0" destOrd="0" presId="urn:microsoft.com/office/officeart/2005/8/layout/orgChart1"/>
+    <dgm:cxn modelId="{4DC736B5-4B65-424D-8A87-7B61E63FC164}" type="presOf" srcId="{09FB2B95-52BD-4876-A11B-AFD4348B4CEC}" destId="{78EBB801-4816-4ACB-9307-C9EBE6D97D42}" srcOrd="1" destOrd="0" presId="urn:microsoft.com/office/officeart/2005/8/layout/orgChart1"/>
+    <dgm:cxn modelId="{817E7EB6-E5DC-4767-A7E9-8FF7970CCC10}" type="presOf" srcId="{09FB2B95-52BD-4876-A11B-AFD4348B4CEC}" destId="{64CE813D-AEF9-494C-8E20-B5A1CE769672}" srcOrd="0" destOrd="0" presId="urn:microsoft.com/office/officeart/2005/8/layout/orgChart1"/>
+    <dgm:cxn modelId="{8B61DBCC-EEAB-4C26-9DAF-3B21D666F560}" type="presOf" srcId="{4B7CC519-184B-47DA-A58F-2A7B82AA7B13}" destId="{364BEEFF-89AE-4612-A356-B3281575A508}" srcOrd="1" destOrd="0" presId="urn:microsoft.com/office/officeart/2005/8/layout/orgChart1"/>
+    <dgm:cxn modelId="{007715D0-C435-4684-A010-AC1B72DF4B51}" srcId="{4B7CC519-184B-47DA-A58F-2A7B82AA7B13}" destId="{09FB2B95-52BD-4876-A11B-AFD4348B4CEC}" srcOrd="2" destOrd="0" parTransId="{F1FB29B5-47BE-4388-9E94-E3921B4E612A}" sibTransId="{C22C4E5F-83DA-4BEF-95F1-D5F40EE075AF}"/>
+    <dgm:cxn modelId="{77D64ED8-C264-4ADB-B285-84E05A1D11D8}" srcId="{4B7CC519-184B-47DA-A58F-2A7B82AA7B13}" destId="{FA4549AE-D887-4B7C-960D-DFC84D59C578}" srcOrd="3" destOrd="0" parTransId="{B15F667C-4BC3-4CF0-9080-8BCF3DBBF4CF}" sibTransId="{EA27BFB0-48FB-492A-AEFA-E178AE31EF08}"/>
+    <dgm:cxn modelId="{4827B9DA-BD28-4362-89D7-DC33E3ECDF92}" srcId="{4B7CC519-184B-47DA-A58F-2A7B82AA7B13}" destId="{D1742661-ECDA-4497-99CD-A9124C325774}" srcOrd="1" destOrd="0" parTransId="{128927DA-5604-4EC4-8B38-75D795B11C7A}" sibTransId="{BC649EF6-CAB9-4837-98FD-9DF42B06B540}"/>
+    <dgm:cxn modelId="{E7CEC0E0-5D1C-4539-81A6-24D790F08B9E}" type="presOf" srcId="{D4BE52FD-0A91-462C-BA63-704912428EF6}" destId="{247D8277-C948-476C-84A6-06D76DC5C7A9}" srcOrd="1" destOrd="0" presId="urn:microsoft.com/office/officeart/2005/8/layout/orgChart1"/>
+    <dgm:cxn modelId="{F308CCE1-9146-4CAC-95F2-1F9001A31A2A}" srcId="{960F4CA4-D155-42D9-A0E6-E1918B7F9432}" destId="{D4BE52FD-0A91-462C-BA63-704912428EF6}" srcOrd="3" destOrd="0" parTransId="{DEAE494D-3F42-404E-88DC-E662797BBA5D}" sibTransId="{FB0B2062-F34D-4B7F-B7C5-F7A8E5618F72}"/>
+    <dgm:cxn modelId="{17D9E3E9-22C6-441A-A4C7-E2104DF9CC4F}" srcId="{4B7CC519-184B-47DA-A58F-2A7B82AA7B13}" destId="{336C68D9-F379-4A31-A1C0-A5E370DD08D4}" srcOrd="0" destOrd="0" parTransId="{66C64060-2546-45CB-8E71-BFA5C0590B6D}" sibTransId="{0A074CD8-C09C-46E2-A2B2-B646928ABBE7}"/>
+    <dgm:cxn modelId="{217B25EB-7619-4BAC-9DBA-41488FE20221}" type="presOf" srcId="{66C64060-2546-45CB-8E71-BFA5C0590B6D}" destId="{D7AA817C-07DA-4C2E-B3E2-29F96F2C144B}" srcOrd="0" destOrd="0" presId="urn:microsoft.com/office/officeart/2005/8/layout/orgChart1"/>
+    <dgm:cxn modelId="{F09FDBEF-7848-42E9-A304-9EE1D07E0052}" type="presOf" srcId="{F1FB29B5-47BE-4388-9E94-E3921B4E612A}" destId="{66F0CDD2-4786-4891-8938-4E94D58E75D4}" srcOrd="0" destOrd="0" presId="urn:microsoft.com/office/officeart/2005/8/layout/orgChart1"/>
+    <dgm:cxn modelId="{CAA173F0-3E0E-4B73-8415-5BEEB1804BA0}" type="presOf" srcId="{16478D80-8DE1-411B-B563-8816C204DE22}" destId="{051E0539-77E8-4E7C-BA0F-6723B11172EA}" srcOrd="0" destOrd="0" presId="urn:microsoft.com/office/officeart/2005/8/layout/orgChart1"/>
+    <dgm:cxn modelId="{3E2913F3-1786-45CB-8D1D-4FA4AD4A4F7F}" type="presOf" srcId="{336C68D9-F379-4A31-A1C0-A5E370DD08D4}" destId="{975CBC03-8D52-4C24-AA9A-E63193FF7E64}" srcOrd="0" destOrd="0" presId="urn:microsoft.com/office/officeart/2005/8/layout/orgChart1"/>
+    <dgm:cxn modelId="{142E79F4-6C4E-4383-90A4-FE023C66CA66}" type="presOf" srcId="{B6F91B69-61D8-4ABD-AB79-CB1B46AC0D3F}" destId="{721BF807-386A-4CCA-94B2-21AE3368A808}" srcOrd="0" destOrd="0" presId="urn:microsoft.com/office/officeart/2005/8/layout/orgChart1"/>
+    <dgm:cxn modelId="{CB5AA7FB-EBB0-47B4-9E68-E89E80D1CDBE}" type="presOf" srcId="{78BB37FB-0CBE-4A54-85CE-63AD78582801}" destId="{1CE1B96D-1D34-4136-8722-8D09433FF9C0}" srcOrd="1" destOrd="0" presId="urn:microsoft.com/office/officeart/2005/8/layout/orgChart1"/>
+    <dgm:cxn modelId="{62570FFA-CEDE-4B75-BAE4-EEE7E982262A}" type="presParOf" srcId="{4F80CD53-7EB2-4C22-865A-FCDA9217A393}" destId="{96CAF737-E6DA-4232-B1EC-8396D338EC04}" srcOrd="0" destOrd="0" presId="urn:microsoft.com/office/officeart/2005/8/layout/orgChart1"/>
+    <dgm:cxn modelId="{99FF481A-9250-4A3D-8F45-637C11C78260}" type="presParOf" srcId="{96CAF737-E6DA-4232-B1EC-8396D338EC04}" destId="{F28F543F-4FA2-4486-9663-FA36A4485AED}" srcOrd="0" destOrd="0" presId="urn:microsoft.com/office/officeart/2005/8/layout/orgChart1"/>
+    <dgm:cxn modelId="{3D1484E1-D00F-4582-BF3E-2CCB2F0C88D6}" type="presParOf" srcId="{F28F543F-4FA2-4486-9663-FA36A4485AED}" destId="{914F8C5F-EEB0-488A-9FFD-AD66D0824781}" srcOrd="0" destOrd="0" presId="urn:microsoft.com/office/officeart/2005/8/layout/orgChart1"/>
+    <dgm:cxn modelId="{359E347B-44F0-4BDD-8B3F-EA75B2A20370}" type="presParOf" srcId="{F28F543F-4FA2-4486-9663-FA36A4485AED}" destId="{B658174F-EB87-4A0C-B4E3-19DAB99A490F}" srcOrd="1" destOrd="0" presId="urn:microsoft.com/office/officeart/2005/8/layout/orgChart1"/>
+    <dgm:cxn modelId="{B3D21BE5-8477-4FFF-B5A1-F559622D63FE}" type="presParOf" srcId="{96CAF737-E6DA-4232-B1EC-8396D338EC04}" destId="{6907C97B-0BA1-4F64-9BFE-A2DA5D394937}" srcOrd="1" destOrd="0" presId="urn:microsoft.com/office/officeart/2005/8/layout/orgChart1"/>
+    <dgm:cxn modelId="{F7D975C2-9242-4C14-BD67-13D71B395050}" type="presParOf" srcId="{6907C97B-0BA1-4F64-9BFE-A2DA5D394937}" destId="{A974E180-B6B1-4F00-9F30-03782F41A227}" srcOrd="0" destOrd="0" presId="urn:microsoft.com/office/officeart/2005/8/layout/orgChart1"/>
+    <dgm:cxn modelId="{7CFF097C-2C28-4CEE-A686-D32FC4C0AC67}" type="presParOf" srcId="{6907C97B-0BA1-4F64-9BFE-A2DA5D394937}" destId="{0D6A0649-AA6E-4254-B562-30F15C580268}" srcOrd="1" destOrd="0" presId="urn:microsoft.com/office/officeart/2005/8/layout/orgChart1"/>
+    <dgm:cxn modelId="{A8C427E2-831D-4A19-B86F-C06029308274}" type="presParOf" srcId="{0D6A0649-AA6E-4254-B562-30F15C580268}" destId="{44FA8AE5-F0C5-437D-9086-04CB03EFAFD2}" srcOrd="0" destOrd="0" presId="urn:microsoft.com/office/officeart/2005/8/layout/orgChart1"/>
+    <dgm:cxn modelId="{B8600154-83FC-4069-98A5-DD2D5A2B5EF6}" type="presParOf" srcId="{44FA8AE5-F0C5-437D-9086-04CB03EFAFD2}" destId="{96BFF3BD-3012-4251-AB80-376C292D6FE7}" srcOrd="0" destOrd="0" presId="urn:microsoft.com/office/officeart/2005/8/layout/orgChart1"/>
+    <dgm:cxn modelId="{02E27566-6D55-4CE6-88DF-C718CD4679A7}" type="presParOf" srcId="{44FA8AE5-F0C5-437D-9086-04CB03EFAFD2}" destId="{364BEEFF-89AE-4612-A356-B3281575A508}" srcOrd="1" destOrd="0" presId="urn:microsoft.com/office/officeart/2005/8/layout/orgChart1"/>
+    <dgm:cxn modelId="{6D83555B-699D-4E3A-8E7F-62C78861A8C6}" type="presParOf" srcId="{0D6A0649-AA6E-4254-B562-30F15C580268}" destId="{36EB46D1-2B72-466D-B720-2DE699D43043}" srcOrd="1" destOrd="0" presId="urn:microsoft.com/office/officeart/2005/8/layout/orgChart1"/>
+    <dgm:cxn modelId="{C3E46C5B-F8D7-4963-80DF-39186C795AC7}" type="presParOf" srcId="{36EB46D1-2B72-466D-B720-2DE699D43043}" destId="{D7AA817C-07DA-4C2E-B3E2-29F96F2C144B}" srcOrd="0" destOrd="0" presId="urn:microsoft.com/office/officeart/2005/8/layout/orgChart1"/>
+    <dgm:cxn modelId="{F78145AA-8D5D-42BB-9B72-300599B13A0C}" type="presParOf" srcId="{36EB46D1-2B72-466D-B720-2DE699D43043}" destId="{76247A75-8204-47A2-BE80-526F03E2432D}" srcOrd="1" destOrd="0" presId="urn:microsoft.com/office/officeart/2005/8/layout/orgChart1"/>
+    <dgm:cxn modelId="{9409EC61-C25D-4FB4-A98A-9ADF75802CF9}" type="presParOf" srcId="{76247A75-8204-47A2-BE80-526F03E2432D}" destId="{7E80BCA9-9E25-454E-A983-903E1C882190}" srcOrd="0" destOrd="0" presId="urn:microsoft.com/office/officeart/2005/8/layout/orgChart1"/>
+    <dgm:cxn modelId="{956A2094-AD93-4707-82A3-CE16D997F681}" type="presParOf" srcId="{7E80BCA9-9E25-454E-A983-903E1C882190}" destId="{975CBC03-8D52-4C24-AA9A-E63193FF7E64}" srcOrd="0" destOrd="0" presId="urn:microsoft.com/office/officeart/2005/8/layout/orgChart1"/>
+    <dgm:cxn modelId="{C0B155C2-1765-40A0-BB6D-ADDFA2C91BC7}" type="presParOf" srcId="{7E80BCA9-9E25-454E-A983-903E1C882190}" destId="{DE4DF8F2-7227-4D6A-A67D-04E459AB0206}" srcOrd="1" destOrd="0" presId="urn:microsoft.com/office/officeart/2005/8/layout/orgChart1"/>
+    <dgm:cxn modelId="{BFC37411-B4F2-4A5F-99FA-DB5A30354104}" type="presParOf" srcId="{76247A75-8204-47A2-BE80-526F03E2432D}" destId="{2A8436A9-5FED-446C-B7B6-9B9B45A85E68}" srcOrd="1" destOrd="0" presId="urn:microsoft.com/office/officeart/2005/8/layout/orgChart1"/>
+    <dgm:cxn modelId="{F7B62FDF-7DD2-4D1E-85E3-9CA734EC49F7}" type="presParOf" srcId="{76247A75-8204-47A2-BE80-526F03E2432D}" destId="{34162513-A58C-484D-B42B-10075459AC19}" srcOrd="2" destOrd="0" presId="urn:microsoft.com/office/officeart/2005/8/layout/orgChart1"/>
+    <dgm:cxn modelId="{E67A7640-9677-4E0A-A01E-3388D736C144}" type="presParOf" srcId="{36EB46D1-2B72-466D-B720-2DE699D43043}" destId="{4C826A88-BCBA-49AF-9853-76DE2AFAF0A1}" srcOrd="2" destOrd="0" presId="urn:microsoft.com/office/officeart/2005/8/layout/orgChart1"/>
+    <dgm:cxn modelId="{C9D29C7B-DA20-4267-9559-00E0267EDB7F}" type="presParOf" srcId="{36EB46D1-2B72-466D-B720-2DE699D43043}" destId="{DEA27D38-5B7C-4FC0-9C8D-B317C48A2445}" srcOrd="3" destOrd="0" presId="urn:microsoft.com/office/officeart/2005/8/layout/orgChart1"/>
+    <dgm:cxn modelId="{FDB466F5-4C06-428D-BF58-8F95C1891C08}" type="presParOf" srcId="{DEA27D38-5B7C-4FC0-9C8D-B317C48A2445}" destId="{A20A7F1D-A89E-400E-AFCF-A49A5F7DBBC4}" srcOrd="0" destOrd="0" presId="urn:microsoft.com/office/officeart/2005/8/layout/orgChart1"/>
+    <dgm:cxn modelId="{1D447D54-8DEC-4ECB-8EE7-9F09A00D3B38}" type="presParOf" srcId="{A20A7F1D-A89E-400E-AFCF-A49A5F7DBBC4}" destId="{3CA9917C-3549-4A9D-B673-79D56F6E4BE4}" srcOrd="0" destOrd="0" presId="urn:microsoft.com/office/officeart/2005/8/layout/orgChart1"/>
+    <dgm:cxn modelId="{D6C8C130-6CB4-423B-AA70-44B2BAF2D298}" type="presParOf" srcId="{A20A7F1D-A89E-400E-AFCF-A49A5F7DBBC4}" destId="{4158EC0E-75F0-400E-B254-57E28A9CCB5B}" srcOrd="1" destOrd="0" presId="urn:microsoft.com/office/officeart/2005/8/layout/orgChart1"/>
+    <dgm:cxn modelId="{05169FE8-C82A-485D-ABF9-C8A8882DC634}" type="presParOf" srcId="{DEA27D38-5B7C-4FC0-9C8D-B317C48A2445}" destId="{0DB24DA0-2637-4716-BF98-F12518672276}" srcOrd="1" destOrd="0" presId="urn:microsoft.com/office/officeart/2005/8/layout/orgChart1"/>
+    <dgm:cxn modelId="{96D88D48-D5F4-4C9F-BBD3-4AE7F629DC89}" type="presParOf" srcId="{DEA27D38-5B7C-4FC0-9C8D-B317C48A2445}" destId="{FD3D7DB9-9C01-4ED9-A6A6-159489D785B1}" srcOrd="2" destOrd="0" presId="urn:microsoft.com/office/officeart/2005/8/layout/orgChart1"/>
+    <dgm:cxn modelId="{089D81E0-B98C-47C7-B784-1ABFF7F7C917}" type="presParOf" srcId="{36EB46D1-2B72-466D-B720-2DE699D43043}" destId="{66F0CDD2-4786-4891-8938-4E94D58E75D4}" srcOrd="4" destOrd="0" presId="urn:microsoft.com/office/officeart/2005/8/layout/orgChart1"/>
+    <dgm:cxn modelId="{7FB88214-EEE5-47FA-A1A8-8468E2C60EEB}" type="presParOf" srcId="{36EB46D1-2B72-466D-B720-2DE699D43043}" destId="{EAA331AB-E377-4D1D-A333-CDE181B813BF}" srcOrd="5" destOrd="0" presId="urn:microsoft.com/office/officeart/2005/8/layout/orgChart1"/>
+    <dgm:cxn modelId="{1C5E1BB1-A76C-4A42-81CE-4120303C0606}" type="presParOf" srcId="{EAA331AB-E377-4D1D-A333-CDE181B813BF}" destId="{91F240F9-E2DC-4911-BECA-28913E033FD4}" srcOrd="0" destOrd="0" presId="urn:microsoft.com/office/officeart/2005/8/layout/orgChart1"/>
+    <dgm:cxn modelId="{D22A27AD-1F27-4F52-BA12-E8AF1B8B30BC}" type="presParOf" srcId="{91F240F9-E2DC-4911-BECA-28913E033FD4}" destId="{64CE813D-AEF9-494C-8E20-B5A1CE769672}" srcOrd="0" destOrd="0" presId="urn:microsoft.com/office/officeart/2005/8/layout/orgChart1"/>
+    <dgm:cxn modelId="{57F73632-1F95-47FC-B3FC-926333E8B6CB}" type="presParOf" srcId="{91F240F9-E2DC-4911-BECA-28913E033FD4}" destId="{78EBB801-4816-4ACB-9307-C9EBE6D97D42}" srcOrd="1" destOrd="0" presId="urn:microsoft.com/office/officeart/2005/8/layout/orgChart1"/>
+    <dgm:cxn modelId="{41A04026-DA27-4AE1-9804-3B4B0F6CB669}" type="presParOf" srcId="{EAA331AB-E377-4D1D-A333-CDE181B813BF}" destId="{1CD2A4D9-560F-472C-8952-10C76EFA22A7}" srcOrd="1" destOrd="0" presId="urn:microsoft.com/office/officeart/2005/8/layout/orgChart1"/>
+    <dgm:cxn modelId="{E9CFDE48-0612-453D-9E7F-A16D025F1B0C}" type="presParOf" srcId="{EAA331AB-E377-4D1D-A333-CDE181B813BF}" destId="{DECC0DC4-0A72-4FF1-9179-ECA4B1BA6E51}" srcOrd="2" destOrd="0" presId="urn:microsoft.com/office/officeart/2005/8/layout/orgChart1"/>
+    <dgm:cxn modelId="{0F1E5D02-2697-4FAE-9B66-1E7C6A52620F}" type="presParOf" srcId="{36EB46D1-2B72-466D-B720-2DE699D43043}" destId="{212664E3-E6D1-4F28-B77C-E185D7F2AA58}" srcOrd="6" destOrd="0" presId="urn:microsoft.com/office/officeart/2005/8/layout/orgChart1"/>
+    <dgm:cxn modelId="{ED02FB89-CF89-4B6B-B3F7-E13FC3424B5D}" type="presParOf" srcId="{36EB46D1-2B72-466D-B720-2DE699D43043}" destId="{5A6A1ACB-1279-4C1B-90B0-45A58BD93C24}" srcOrd="7" destOrd="0" presId="urn:microsoft.com/office/officeart/2005/8/layout/orgChart1"/>
+    <dgm:cxn modelId="{9E96FF82-8D36-4F91-AB34-BB890FD7C1F7}" type="presParOf" srcId="{5A6A1ACB-1279-4C1B-90B0-45A58BD93C24}" destId="{606E6870-F838-4199-8D5B-31EFAF5F1285}" srcOrd="0" destOrd="0" presId="urn:microsoft.com/office/officeart/2005/8/layout/orgChart1"/>
+    <dgm:cxn modelId="{5ACBF984-32B2-4D7A-98D3-83224C281E01}" type="presParOf" srcId="{606E6870-F838-4199-8D5B-31EFAF5F1285}" destId="{B993F7F9-BBE8-4648-8FE1-36B951017B49}" srcOrd="0" destOrd="0" presId="urn:microsoft.com/office/officeart/2005/8/layout/orgChart1"/>
+    <dgm:cxn modelId="{89FAD24F-1837-474E-92E9-8F998EEA4424}" type="presParOf" srcId="{606E6870-F838-4199-8D5B-31EFAF5F1285}" destId="{B45E8EA9-4A71-4C3D-AB2C-E5F203D9EAF7}" srcOrd="1" destOrd="0" presId="urn:microsoft.com/office/officeart/2005/8/layout/orgChart1"/>
+    <dgm:cxn modelId="{415C3DED-60FF-41D6-A974-976FCD96C077}" type="presParOf" srcId="{5A6A1ACB-1279-4C1B-90B0-45A58BD93C24}" destId="{E0DCE775-38D5-48BE-91F5-305E2F30DB38}" srcOrd="1" destOrd="0" presId="urn:microsoft.com/office/officeart/2005/8/layout/orgChart1"/>
+    <dgm:cxn modelId="{7E9F8293-B3D3-41CD-999E-D95A35D4BF1F}" type="presParOf" srcId="{5A6A1ACB-1279-4C1B-90B0-45A58BD93C24}" destId="{F504E8F5-0CB1-4D6C-80F4-9BAAE3D3F90A}" srcOrd="2" destOrd="0" presId="urn:microsoft.com/office/officeart/2005/8/layout/orgChart1"/>
+    <dgm:cxn modelId="{4B97C239-F9FF-4798-ABE6-0F162F434749}" type="presParOf" srcId="{36EB46D1-2B72-466D-B720-2DE699D43043}" destId="{721BF807-386A-4CCA-94B2-21AE3368A808}" srcOrd="8" destOrd="0" presId="urn:microsoft.com/office/officeart/2005/8/layout/orgChart1"/>
+    <dgm:cxn modelId="{29CB4761-DC9F-4329-8CD5-A3DD8C0219E7}" type="presParOf" srcId="{36EB46D1-2B72-466D-B720-2DE699D43043}" destId="{02DF8B08-14E3-42FD-870C-35CFEFE9C194}" srcOrd="9" destOrd="0" presId="urn:microsoft.com/office/officeart/2005/8/layout/orgChart1"/>
+    <dgm:cxn modelId="{1736555C-C369-44ED-A185-FDE08604E53C}" type="presParOf" srcId="{02DF8B08-14E3-42FD-870C-35CFEFE9C194}" destId="{9081BF23-8BF3-4F42-986E-89B8234179C9}" srcOrd="0" destOrd="0" presId="urn:microsoft.com/office/officeart/2005/8/layout/orgChart1"/>
+    <dgm:cxn modelId="{A4614101-9513-4BE0-AF52-692676E11AC4}" type="presParOf" srcId="{9081BF23-8BF3-4F42-986E-89B8234179C9}" destId="{CDF3FFCE-24AB-4EE6-8DD3-3848CF0AC864}" srcOrd="0" destOrd="0" presId="urn:microsoft.com/office/officeart/2005/8/layout/orgChart1"/>
+    <dgm:cxn modelId="{1831DC44-0ED9-4CA0-9710-6191C5FF5996}" type="presParOf" srcId="{9081BF23-8BF3-4F42-986E-89B8234179C9}" destId="{3F4676A2-E265-416C-A83B-9EBC596CDB4B}" srcOrd="1" destOrd="0" presId="urn:microsoft.com/office/officeart/2005/8/layout/orgChart1"/>
+    <dgm:cxn modelId="{440B99B1-7F21-4393-A009-8DA2801AF75B}" type="presParOf" srcId="{02DF8B08-14E3-42FD-870C-35CFEFE9C194}" destId="{BAAB86A3-491A-4315-8A1D-537E13BF1FDD}" srcOrd="1" destOrd="0" presId="urn:microsoft.com/office/officeart/2005/8/layout/orgChart1"/>
+    <dgm:cxn modelId="{D148CCFF-8EC8-4BC1-BD17-FE6B869A7D30}" type="presParOf" srcId="{02DF8B08-14E3-42FD-870C-35CFEFE9C194}" destId="{A8E98322-021B-4720-8FF1-CBD26CEEE7D4}" srcOrd="2" destOrd="0" presId="urn:microsoft.com/office/officeart/2005/8/layout/orgChart1"/>
+    <dgm:cxn modelId="{FAAAE5C1-82D4-4216-9B1C-E20409914405}" type="presParOf" srcId="{0D6A0649-AA6E-4254-B562-30F15C580268}" destId="{3BFB0DEB-7F8D-4519-A2A8-449854D9CE74}" srcOrd="2" destOrd="0" presId="urn:microsoft.com/office/officeart/2005/8/layout/orgChart1"/>
+    <dgm:cxn modelId="{C0235ACA-77D1-43AE-9835-E8C5824E0EC6}" type="presParOf" srcId="{6907C97B-0BA1-4F64-9BFE-A2DA5D394937}" destId="{9649D4EA-C996-469F-8ED6-DBC73CC7C1E1}" srcOrd="2" destOrd="0" presId="urn:microsoft.com/office/officeart/2005/8/layout/orgChart1"/>
+    <dgm:cxn modelId="{340B9E4D-17AA-4F71-84E6-E0EAF74C1B5B}" type="presParOf" srcId="{6907C97B-0BA1-4F64-9BFE-A2DA5D394937}" destId="{586BEC13-C683-4FC1-9B90-19B27157F6A2}" srcOrd="3" destOrd="0" presId="urn:microsoft.com/office/officeart/2005/8/layout/orgChart1"/>
+    <dgm:cxn modelId="{7C991722-FF6C-4BFF-A3CE-CA2CDEE6A20B}" type="presParOf" srcId="{586BEC13-C683-4FC1-9B90-19B27157F6A2}" destId="{05747EC8-1EA4-48D1-AFAC-8E20BE38AAFE}" srcOrd="0" destOrd="0" presId="urn:microsoft.com/office/officeart/2005/8/layout/orgChart1"/>
+    <dgm:cxn modelId="{56AFD2F5-B824-4191-BCC7-F4ED445548AD}" type="presParOf" srcId="{05747EC8-1EA4-48D1-AFAC-8E20BE38AAFE}" destId="{C8C6D9D3-7074-42D7-A6F1-10FBD2BEC32A}" srcOrd="0" destOrd="0" presId="urn:microsoft.com/office/officeart/2005/8/layout/orgChart1"/>
+    <dgm:cxn modelId="{DAED3296-A263-4313-8DBC-44CF0D0CC294}" type="presParOf" srcId="{05747EC8-1EA4-48D1-AFAC-8E20BE38AAFE}" destId="{78A8E8A2-15C0-4963-962E-CD42F48487EA}" srcOrd="1" destOrd="0" presId="urn:microsoft.com/office/officeart/2005/8/layout/orgChart1"/>
+    <dgm:cxn modelId="{E4B13ACC-E8FC-4DBD-A5FC-9EE0A50E0F23}" type="presParOf" srcId="{586BEC13-C683-4FC1-9B90-19B27157F6A2}" destId="{A83BA388-FD4A-4B29-B7F6-67C584940D94}" srcOrd="1" destOrd="0" presId="urn:microsoft.com/office/officeart/2005/8/layout/orgChart1"/>
+    <dgm:cxn modelId="{C31EE5AF-4BA3-4242-A024-D7BB2E912488}" type="presParOf" srcId="{A83BA388-FD4A-4B29-B7F6-67C584940D94}" destId="{F9058072-0D10-4957-800D-91D2BD79E5B1}" srcOrd="0" destOrd="0" presId="urn:microsoft.com/office/officeart/2005/8/layout/orgChart1"/>
+    <dgm:cxn modelId="{4DD6CC07-6E77-4B0A-834B-9794FE484B68}" type="presParOf" srcId="{A83BA388-FD4A-4B29-B7F6-67C584940D94}" destId="{8E0C15B1-7326-4B3E-9072-CBCB17BF824B}" srcOrd="1" destOrd="0" presId="urn:microsoft.com/office/officeart/2005/8/layout/orgChart1"/>
+    <dgm:cxn modelId="{50BC280D-48A8-423D-9426-F653BA79DFD1}" type="presParOf" srcId="{8E0C15B1-7326-4B3E-9072-CBCB17BF824B}" destId="{342A7EEA-9215-4710-94D4-0847A6EA5453}" srcOrd="0" destOrd="0" presId="urn:microsoft.com/office/officeart/2005/8/layout/orgChart1"/>
+    <dgm:cxn modelId="{F9F9ABF0-93CC-4492-83FC-C8723BB3FDE5}" type="presParOf" srcId="{342A7EEA-9215-4710-94D4-0847A6EA5453}" destId="{051E0539-77E8-4E7C-BA0F-6723B11172EA}" srcOrd="0" destOrd="0" presId="urn:microsoft.com/office/officeart/2005/8/layout/orgChart1"/>
+    <dgm:cxn modelId="{D0C59F44-4F60-4669-8DA4-1B2E6E74FF46}" type="presParOf" srcId="{342A7EEA-9215-4710-94D4-0847A6EA5453}" destId="{C56A4CED-F98D-4CF5-9D6C-BAAA9092FF81}" srcOrd="1" destOrd="0" presId="urn:microsoft.com/office/officeart/2005/8/layout/orgChart1"/>
+    <dgm:cxn modelId="{FE1C9963-D1A9-4CAC-A37F-73348A707F10}" type="presParOf" srcId="{8E0C15B1-7326-4B3E-9072-CBCB17BF824B}" destId="{CBE8789C-515E-4553-A53A-B7BBAE0595E7}" srcOrd="1" destOrd="0" presId="urn:microsoft.com/office/officeart/2005/8/layout/orgChart1"/>
+    <dgm:cxn modelId="{90666021-D1A5-445D-A0EC-67E122B0C4A4}" type="presParOf" srcId="{8E0C15B1-7326-4B3E-9072-CBCB17BF824B}" destId="{C4688311-8CC1-42B6-8EED-250E55547164}" srcOrd="2" destOrd="0" presId="urn:microsoft.com/office/officeart/2005/8/layout/orgChart1"/>
+    <dgm:cxn modelId="{C7A2F12A-472A-4974-9369-0E592C9F2300}" type="presParOf" srcId="{A83BA388-FD4A-4B29-B7F6-67C584940D94}" destId="{B4FD5723-12CD-4106-904B-E50554CEFF4C}" srcOrd="2" destOrd="0" presId="urn:microsoft.com/office/officeart/2005/8/layout/orgChart1"/>
+    <dgm:cxn modelId="{2CC71876-A57D-493F-8AF4-D29F3613C7C3}" type="presParOf" srcId="{A83BA388-FD4A-4B29-B7F6-67C584940D94}" destId="{5073BA19-BEF7-41C7-84DF-17822C1349E8}" srcOrd="3" destOrd="0" presId="urn:microsoft.com/office/officeart/2005/8/layout/orgChart1"/>
+    <dgm:cxn modelId="{22F4272F-6931-403C-AFE8-F12EFE0FEE1D}" type="presParOf" srcId="{5073BA19-BEF7-41C7-84DF-17822C1349E8}" destId="{29CAB051-A356-46F9-B164-72B1543C5906}" srcOrd="0" destOrd="0" presId="urn:microsoft.com/office/officeart/2005/8/layout/orgChart1"/>
+    <dgm:cxn modelId="{9DC06655-DDF1-42DA-921D-19606E35CA81}" type="presParOf" srcId="{29CAB051-A356-46F9-B164-72B1543C5906}" destId="{0A6B0EB6-EBE5-4B8F-A97F-C0B4F54E97D1}" srcOrd="0" destOrd="0" presId="urn:microsoft.com/office/officeart/2005/8/layout/orgChart1"/>
+    <dgm:cxn modelId="{533FDB6C-E89A-4F6B-824B-43D7D203A716}" type="presParOf" srcId="{29CAB051-A356-46F9-B164-72B1543C5906}" destId="{66DBBA5B-8540-4538-B522-BBB059A04C30}" srcOrd="1" destOrd="0" presId="urn:microsoft.com/office/officeart/2005/8/layout/orgChart1"/>
+    <dgm:cxn modelId="{3F493F1E-02CF-4D25-A7DF-2D32FCD3466E}" type="presParOf" srcId="{5073BA19-BEF7-41C7-84DF-17822C1349E8}" destId="{B4252093-441A-4ED9-B471-DE15A1054080}" srcOrd="1" destOrd="0" presId="urn:microsoft.com/office/officeart/2005/8/layout/orgChart1"/>
+    <dgm:cxn modelId="{9DD95869-2066-41C1-B89A-E6770636A57F}" type="presParOf" srcId="{5073BA19-BEF7-41C7-84DF-17822C1349E8}" destId="{011DA106-32D0-41E9-BBF1-DED538CDB0DB}" srcOrd="2" destOrd="0" presId="urn:microsoft.com/office/officeart/2005/8/layout/orgChart1"/>
+    <dgm:cxn modelId="{A776F63A-8A63-4A79-A7FB-3C10A516E052}" type="presParOf" srcId="{A83BA388-FD4A-4B29-B7F6-67C584940D94}" destId="{64E0F826-206B-466D-9D1A-DFBBCBA6A3FF}" srcOrd="4" destOrd="0" presId="urn:microsoft.com/office/officeart/2005/8/layout/orgChart1"/>
+    <dgm:cxn modelId="{51806D00-E210-43D8-B80C-4E921DC66A53}" type="presParOf" srcId="{A83BA388-FD4A-4B29-B7F6-67C584940D94}" destId="{2E1E28F6-033E-4162-96D4-EE272E654A35}" srcOrd="5" destOrd="0" presId="urn:microsoft.com/office/officeart/2005/8/layout/orgChart1"/>
+    <dgm:cxn modelId="{0F19FB7F-72B7-4502-99A5-77D8648AF08B}" type="presParOf" srcId="{2E1E28F6-033E-4162-96D4-EE272E654A35}" destId="{10D7A0E9-50DB-4097-BDAC-04C892D11DDF}" srcOrd="0" destOrd="0" presId="urn:microsoft.com/office/officeart/2005/8/layout/orgChart1"/>
+    <dgm:cxn modelId="{9434C7BA-A2AD-4DD9-899D-112605878F7B}" type="presParOf" srcId="{10D7A0E9-50DB-4097-BDAC-04C892D11DDF}" destId="{370BD400-03AC-4DFF-BDCD-B6413F500B5E}" srcOrd="0" destOrd="0" presId="urn:microsoft.com/office/officeart/2005/8/layout/orgChart1"/>
+    <dgm:cxn modelId="{E334EEA9-70F9-4E3A-91FF-ED8D75D3AEA3}" type="presParOf" srcId="{10D7A0E9-50DB-4097-BDAC-04C892D11DDF}" destId="{9821165B-68D0-4654-8C6A-2DDFA6099A86}" srcOrd="1" destOrd="0" presId="urn:microsoft.com/office/officeart/2005/8/layout/orgChart1"/>
+    <dgm:cxn modelId="{0D0AB45D-FC82-4D53-9BFE-7685AE473B2E}" type="presParOf" srcId="{2E1E28F6-033E-4162-96D4-EE272E654A35}" destId="{D7199C7A-DE24-4EFE-9F85-213D578962F1}" srcOrd="1" destOrd="0" presId="urn:microsoft.com/office/officeart/2005/8/layout/orgChart1"/>
+    <dgm:cxn modelId="{E0D4BC06-2C04-4544-83E9-AC4C2008E8A1}" type="presParOf" srcId="{2E1E28F6-033E-4162-96D4-EE272E654A35}" destId="{C62FB02C-EAD3-4061-858D-CBF9A148283D}" srcOrd="2" destOrd="0" presId="urn:microsoft.com/office/officeart/2005/8/layout/orgChart1"/>
+    <dgm:cxn modelId="{CE57424F-6A9C-481B-B2F2-9474F1D1B842}" type="presParOf" srcId="{A83BA388-FD4A-4B29-B7F6-67C584940D94}" destId="{E71ACD49-94D0-41AF-A14E-0ADA3EBA740D}" srcOrd="6" destOrd="0" presId="urn:microsoft.com/office/officeart/2005/8/layout/orgChart1"/>
+    <dgm:cxn modelId="{02F4ACE2-D1ED-469C-A723-D2C4D473CB2D}" type="presParOf" srcId="{A83BA388-FD4A-4B29-B7F6-67C584940D94}" destId="{CABCB65C-AD61-47AE-8050-D86D4314EA72}" srcOrd="7" destOrd="0" presId="urn:microsoft.com/office/officeart/2005/8/layout/orgChart1"/>
+    <dgm:cxn modelId="{2B23E669-2868-4133-AB3A-5EDB7D825258}" type="presParOf" srcId="{CABCB65C-AD61-47AE-8050-D86D4314EA72}" destId="{6EEC8C6A-100B-4083-8482-25D49615F8B0}" srcOrd="0" destOrd="0" presId="urn:microsoft.com/office/officeart/2005/8/layout/orgChart1"/>
+    <dgm:cxn modelId="{E9A67DE2-3819-42F3-BDC5-C82875E3DCD2}" type="presParOf" srcId="{6EEC8C6A-100B-4083-8482-25D49615F8B0}" destId="{C33D4B92-40BD-49B3-ABD9-CFC39B54360F}" srcOrd="0" destOrd="0" presId="urn:microsoft.com/office/officeart/2005/8/layout/orgChart1"/>
+    <dgm:cxn modelId="{53652913-EC97-40CC-9455-16AC7575F762}" type="presParOf" srcId="{6EEC8C6A-100B-4083-8482-25D49615F8B0}" destId="{247D8277-C948-476C-84A6-06D76DC5C7A9}" srcOrd="1" destOrd="0" presId="urn:microsoft.com/office/officeart/2005/8/layout/orgChart1"/>
+    <dgm:cxn modelId="{B3EB61F6-E7E3-4B03-905A-DD3E9D2D904A}" type="presParOf" srcId="{CABCB65C-AD61-47AE-8050-D86D4314EA72}" destId="{22716F99-BB2E-477E-8DF9-36B2706D564B}" srcOrd="1" destOrd="0" presId="urn:microsoft.com/office/officeart/2005/8/layout/orgChart1"/>
+    <dgm:cxn modelId="{32CD1AFF-9401-4EA0-80BF-93D5A7836257}" type="presParOf" srcId="{CABCB65C-AD61-47AE-8050-D86D4314EA72}" destId="{037879F9-BD6D-4EBE-AC9E-99353C92D3B4}" srcOrd="2" destOrd="0" presId="urn:microsoft.com/office/officeart/2005/8/layout/orgChart1"/>
+    <dgm:cxn modelId="{05FEA10C-A5AB-47D8-ACBD-E55CD1859894}" type="presParOf" srcId="{A83BA388-FD4A-4B29-B7F6-67C584940D94}" destId="{663A8188-BC84-4B1C-9DDE-06E696611DF9}" srcOrd="8" destOrd="0" presId="urn:microsoft.com/office/officeart/2005/8/layout/orgChart1"/>
+    <dgm:cxn modelId="{9E3FA9D3-1026-4304-A43D-6770BCE740C7}" type="presParOf" srcId="{A83BA388-FD4A-4B29-B7F6-67C584940D94}" destId="{ADA8F0F5-56C6-43EE-A562-73A415B9E585}" srcOrd="9" destOrd="0" presId="urn:microsoft.com/office/officeart/2005/8/layout/orgChart1"/>
+    <dgm:cxn modelId="{B48491A3-276E-4276-930A-40A6AFA7C4F7}" type="presParOf" srcId="{ADA8F0F5-56C6-43EE-A562-73A415B9E585}" destId="{48640FE6-16C9-4699-8C42-765E46B2DFB3}" srcOrd="0" destOrd="0" presId="urn:microsoft.com/office/officeart/2005/8/layout/orgChart1"/>
+    <dgm:cxn modelId="{B0157CD7-1D7A-4B7E-A47F-D8D71FA45771}" type="presParOf" srcId="{48640FE6-16C9-4699-8C42-765E46B2DFB3}" destId="{7CFA7F24-D599-41AD-B542-174A2988BDB4}" srcOrd="0" destOrd="0" presId="urn:microsoft.com/office/officeart/2005/8/layout/orgChart1"/>
+    <dgm:cxn modelId="{79330558-6DB0-4050-8DE7-796347D9AEFB}" type="presParOf" srcId="{48640FE6-16C9-4699-8C42-765E46B2DFB3}" destId="{1CE1B96D-1D34-4136-8722-8D09433FF9C0}" srcOrd="1" destOrd="0" presId="urn:microsoft.com/office/officeart/2005/8/layout/orgChart1"/>
+    <dgm:cxn modelId="{3FB348F1-04C8-41A0-A5A3-024CF5C2DF82}" type="presParOf" srcId="{ADA8F0F5-56C6-43EE-A562-73A415B9E585}" destId="{F02B1D93-06B0-4221-B159-E82ECD7B50C9}" srcOrd="1" destOrd="0" presId="urn:microsoft.com/office/officeart/2005/8/layout/orgChart1"/>
+    <dgm:cxn modelId="{CC8B2E57-07A3-4DF0-9AE1-ECDB68487447}" type="presParOf" srcId="{ADA8F0F5-56C6-43EE-A562-73A415B9E585}" destId="{6F058BD7-59AE-4089-8920-08DE8C7EA986}" srcOrd="2" destOrd="0" presId="urn:microsoft.com/office/officeart/2005/8/layout/orgChart1"/>
+    <dgm:cxn modelId="{021C6F12-46C2-4B37-B907-92FE587963DA}" type="presParOf" srcId="{586BEC13-C683-4FC1-9B90-19B27157F6A2}" destId="{62069537-96C5-41C2-A67B-17E22419E541}" srcOrd="2" destOrd="0" presId="urn:microsoft.com/office/officeart/2005/8/layout/orgChart1"/>
+    <dgm:cxn modelId="{76C5E381-6B2F-4C31-B85C-69D9E61E7711}" type="presParOf" srcId="{96CAF737-E6DA-4232-B1EC-8396D338EC04}" destId="{51A6D625-7919-499A-80CC-76B473721C57}" srcOrd="2" destOrd="0" presId="urn:microsoft.com/office/officeart/2005/8/layout/orgChart1"/>
+  </dgm:cxnLst>
+  <dgm:bg/>
+  <dgm:whole/>
+  <dgm:extLst>
+    <a:ext uri="http://schemas.microsoft.com/office/drawing/2008/diagram">
+      <dsp:dataModelExt xmlns:dsp="http://schemas.microsoft.com/office/drawing/2008/diagram" relId="rId6" minVer="http://schemas.openxmlformats.org/drawingml/2006/diagram"/>
+    </a:ext>
+  </dgm:extLst>
+</dgm:dataModel>
+</file>
+
+<file path=ppt/diagrams/data7.xml><?xml version="1.0" encoding="utf-8"?>
+<dgm:dataModel xmlns:dgm="http://schemas.openxmlformats.org/drawingml/2006/diagram" xmlns:a="http://schemas.openxmlformats.org/drawingml/2006/main">
+  <dgm:ptLst>
     <dgm:pt modelId="{6190A34A-E4CC-44FD-B4D9-0AB09720CE1F}" type="doc">
       <dgm:prSet loTypeId="urn:microsoft.com/office/officeart/2005/8/layout/process3" loCatId="process" qsTypeId="urn:microsoft.com/office/officeart/2005/8/quickstyle/simple1" qsCatId="simple" csTypeId="urn:microsoft.com/office/officeart/2005/8/colors/accent1_2" csCatId="accent1" phldr="1"/>
       <dgm:spPr/>
@@ -16254,6 +18118,1766 @@
 </file>
 
 <file path=ppt/diagrams/drawing6.xml><?xml version="1.0" encoding="utf-8"?>
+<dsp:drawing xmlns:dgm="http://schemas.openxmlformats.org/drawingml/2006/diagram" xmlns:dsp="http://schemas.microsoft.com/office/drawing/2008/diagram" xmlns:a="http://schemas.openxmlformats.org/drawingml/2006/main">
+  <dsp:spTree>
+    <dsp:nvGrpSpPr>
+      <dsp:cNvPr id="0" name=""/>
+      <dsp:cNvGrpSpPr/>
+    </dsp:nvGrpSpPr>
+    <dsp:grpSpPr/>
+    <dsp:sp modelId="{663A8188-BC84-4B1C-9DDE-06E696611DF9}">
+      <dsp:nvSpPr>
+        <dsp:cNvPr id="0" name=""/>
+        <dsp:cNvSpPr/>
+      </dsp:nvSpPr>
+      <dsp:spPr>
+        <a:xfrm>
+          <a:off x="9196787" y="3685263"/>
+          <a:ext cx="2480629" cy="215261"/>
+        </a:xfrm>
+        <a:custGeom>
+          <a:avLst/>
+          <a:gdLst/>
+          <a:ahLst/>
+          <a:cxnLst/>
+          <a:rect l="0" t="0" r="0" b="0"/>
+          <a:pathLst>
+            <a:path>
+              <a:moveTo>
+                <a:pt x="0" y="0"/>
+              </a:moveTo>
+              <a:lnTo>
+                <a:pt x="0" y="107630"/>
+              </a:lnTo>
+              <a:lnTo>
+                <a:pt x="2480629" y="107630"/>
+              </a:lnTo>
+              <a:lnTo>
+                <a:pt x="2480629" y="215261"/>
+              </a:lnTo>
+            </a:path>
+          </a:pathLst>
+        </a:custGeom>
+        <a:noFill/>
+        <a:ln w="12700" cap="flat" cmpd="sng" algn="ctr">
+          <a:solidFill>
+            <a:schemeClr val="accent1">
+              <a:shade val="80000"/>
+              <a:hueOff val="0"/>
+              <a:satOff val="0"/>
+              <a:lumOff val="0"/>
+              <a:alphaOff val="0"/>
+            </a:schemeClr>
+          </a:solidFill>
+          <a:prstDash val="solid"/>
+          <a:miter lim="800000"/>
+        </a:ln>
+        <a:effectLst/>
+      </dsp:spPr>
+      <dsp:style>
+        <a:lnRef idx="2">
+          <a:scrgbClr r="0" g="0" b="0"/>
+        </a:lnRef>
+        <a:fillRef idx="0">
+          <a:scrgbClr r="0" g="0" b="0"/>
+        </a:fillRef>
+        <a:effectRef idx="0">
+          <a:scrgbClr r="0" g="0" b="0"/>
+        </a:effectRef>
+        <a:fontRef idx="minor"/>
+      </dsp:style>
+    </dsp:sp>
+    <dsp:sp modelId="{E71ACD49-94D0-41AF-A14E-0ADA3EBA740D}">
+      <dsp:nvSpPr>
+        <dsp:cNvPr id="0" name=""/>
+        <dsp:cNvSpPr/>
+      </dsp:nvSpPr>
+      <dsp:spPr>
+        <a:xfrm>
+          <a:off x="9196787" y="3685263"/>
+          <a:ext cx="1240314" cy="215261"/>
+        </a:xfrm>
+        <a:custGeom>
+          <a:avLst/>
+          <a:gdLst/>
+          <a:ahLst/>
+          <a:cxnLst/>
+          <a:rect l="0" t="0" r="0" b="0"/>
+          <a:pathLst>
+            <a:path>
+              <a:moveTo>
+                <a:pt x="0" y="0"/>
+              </a:moveTo>
+              <a:lnTo>
+                <a:pt x="0" y="107630"/>
+              </a:lnTo>
+              <a:lnTo>
+                <a:pt x="1240314" y="107630"/>
+              </a:lnTo>
+              <a:lnTo>
+                <a:pt x="1240314" y="215261"/>
+              </a:lnTo>
+            </a:path>
+          </a:pathLst>
+        </a:custGeom>
+        <a:noFill/>
+        <a:ln w="12700" cap="flat" cmpd="sng" algn="ctr">
+          <a:solidFill>
+            <a:schemeClr val="accent1">
+              <a:shade val="80000"/>
+              <a:hueOff val="0"/>
+              <a:satOff val="0"/>
+              <a:lumOff val="0"/>
+              <a:alphaOff val="0"/>
+            </a:schemeClr>
+          </a:solidFill>
+          <a:prstDash val="solid"/>
+          <a:miter lim="800000"/>
+        </a:ln>
+        <a:effectLst/>
+      </dsp:spPr>
+      <dsp:style>
+        <a:lnRef idx="2">
+          <a:scrgbClr r="0" g="0" b="0"/>
+        </a:lnRef>
+        <a:fillRef idx="0">
+          <a:scrgbClr r="0" g="0" b="0"/>
+        </a:fillRef>
+        <a:effectRef idx="0">
+          <a:scrgbClr r="0" g="0" b="0"/>
+        </a:effectRef>
+        <a:fontRef idx="minor"/>
+      </dsp:style>
+    </dsp:sp>
+    <dsp:sp modelId="{64E0F826-206B-466D-9D1A-DFBBCBA6A3FF}">
+      <dsp:nvSpPr>
+        <dsp:cNvPr id="0" name=""/>
+        <dsp:cNvSpPr/>
+      </dsp:nvSpPr>
+      <dsp:spPr>
+        <a:xfrm>
+          <a:off x="9151067" y="3685263"/>
+          <a:ext cx="91440" cy="215261"/>
+        </a:xfrm>
+        <a:custGeom>
+          <a:avLst/>
+          <a:gdLst/>
+          <a:ahLst/>
+          <a:cxnLst/>
+          <a:rect l="0" t="0" r="0" b="0"/>
+          <a:pathLst>
+            <a:path>
+              <a:moveTo>
+                <a:pt x="45720" y="0"/>
+              </a:moveTo>
+              <a:lnTo>
+                <a:pt x="45720" y="215261"/>
+              </a:lnTo>
+            </a:path>
+          </a:pathLst>
+        </a:custGeom>
+        <a:noFill/>
+        <a:ln w="12700" cap="flat" cmpd="sng" algn="ctr">
+          <a:solidFill>
+            <a:schemeClr val="accent1">
+              <a:shade val="80000"/>
+              <a:hueOff val="0"/>
+              <a:satOff val="0"/>
+              <a:lumOff val="0"/>
+              <a:alphaOff val="0"/>
+            </a:schemeClr>
+          </a:solidFill>
+          <a:prstDash val="solid"/>
+          <a:miter lim="800000"/>
+        </a:ln>
+        <a:effectLst/>
+      </dsp:spPr>
+      <dsp:style>
+        <a:lnRef idx="2">
+          <a:scrgbClr r="0" g="0" b="0"/>
+        </a:lnRef>
+        <a:fillRef idx="0">
+          <a:scrgbClr r="0" g="0" b="0"/>
+        </a:fillRef>
+        <a:effectRef idx="0">
+          <a:scrgbClr r="0" g="0" b="0"/>
+        </a:effectRef>
+        <a:fontRef idx="minor"/>
+      </dsp:style>
+    </dsp:sp>
+    <dsp:sp modelId="{B4FD5723-12CD-4106-904B-E50554CEFF4C}">
+      <dsp:nvSpPr>
+        <dsp:cNvPr id="0" name=""/>
+        <dsp:cNvSpPr/>
+      </dsp:nvSpPr>
+      <dsp:spPr>
+        <a:xfrm>
+          <a:off x="7956472" y="3685263"/>
+          <a:ext cx="1240314" cy="215261"/>
+        </a:xfrm>
+        <a:custGeom>
+          <a:avLst/>
+          <a:gdLst/>
+          <a:ahLst/>
+          <a:cxnLst/>
+          <a:rect l="0" t="0" r="0" b="0"/>
+          <a:pathLst>
+            <a:path>
+              <a:moveTo>
+                <a:pt x="1240314" y="0"/>
+              </a:moveTo>
+              <a:lnTo>
+                <a:pt x="1240314" y="107630"/>
+              </a:lnTo>
+              <a:lnTo>
+                <a:pt x="0" y="107630"/>
+              </a:lnTo>
+              <a:lnTo>
+                <a:pt x="0" y="215261"/>
+              </a:lnTo>
+            </a:path>
+          </a:pathLst>
+        </a:custGeom>
+        <a:noFill/>
+        <a:ln w="12700" cap="flat" cmpd="sng" algn="ctr">
+          <a:solidFill>
+            <a:schemeClr val="accent1">
+              <a:shade val="80000"/>
+              <a:hueOff val="0"/>
+              <a:satOff val="0"/>
+              <a:lumOff val="0"/>
+              <a:alphaOff val="0"/>
+            </a:schemeClr>
+          </a:solidFill>
+          <a:prstDash val="solid"/>
+          <a:miter lim="800000"/>
+        </a:ln>
+        <a:effectLst/>
+      </dsp:spPr>
+      <dsp:style>
+        <a:lnRef idx="2">
+          <a:scrgbClr r="0" g="0" b="0"/>
+        </a:lnRef>
+        <a:fillRef idx="0">
+          <a:scrgbClr r="0" g="0" b="0"/>
+        </a:fillRef>
+        <a:effectRef idx="0">
+          <a:scrgbClr r="0" g="0" b="0"/>
+        </a:effectRef>
+        <a:fontRef idx="minor"/>
+      </dsp:style>
+    </dsp:sp>
+    <dsp:sp modelId="{F9058072-0D10-4957-800D-91D2BD79E5B1}">
+      <dsp:nvSpPr>
+        <dsp:cNvPr id="0" name=""/>
+        <dsp:cNvSpPr/>
+      </dsp:nvSpPr>
+      <dsp:spPr>
+        <a:xfrm>
+          <a:off x="6716157" y="3685263"/>
+          <a:ext cx="2480629" cy="215261"/>
+        </a:xfrm>
+        <a:custGeom>
+          <a:avLst/>
+          <a:gdLst/>
+          <a:ahLst/>
+          <a:cxnLst/>
+          <a:rect l="0" t="0" r="0" b="0"/>
+          <a:pathLst>
+            <a:path>
+              <a:moveTo>
+                <a:pt x="2480629" y="0"/>
+              </a:moveTo>
+              <a:lnTo>
+                <a:pt x="2480629" y="107630"/>
+              </a:lnTo>
+              <a:lnTo>
+                <a:pt x="0" y="107630"/>
+              </a:lnTo>
+              <a:lnTo>
+                <a:pt x="0" y="215261"/>
+              </a:lnTo>
+            </a:path>
+          </a:pathLst>
+        </a:custGeom>
+        <a:noFill/>
+        <a:ln w="12700" cap="flat" cmpd="sng" algn="ctr">
+          <a:solidFill>
+            <a:schemeClr val="accent1">
+              <a:shade val="80000"/>
+              <a:hueOff val="0"/>
+              <a:satOff val="0"/>
+              <a:lumOff val="0"/>
+              <a:alphaOff val="0"/>
+            </a:schemeClr>
+          </a:solidFill>
+          <a:prstDash val="solid"/>
+          <a:miter lim="800000"/>
+        </a:ln>
+        <a:effectLst/>
+      </dsp:spPr>
+      <dsp:style>
+        <a:lnRef idx="2">
+          <a:scrgbClr r="0" g="0" b="0"/>
+        </a:lnRef>
+        <a:fillRef idx="0">
+          <a:scrgbClr r="0" g="0" b="0"/>
+        </a:fillRef>
+        <a:effectRef idx="0">
+          <a:scrgbClr r="0" g="0" b="0"/>
+        </a:effectRef>
+        <a:fontRef idx="minor"/>
+      </dsp:style>
+    </dsp:sp>
+    <dsp:sp modelId="{9649D4EA-C996-469F-8ED6-DBC73CC7C1E1}">
+      <dsp:nvSpPr>
+        <dsp:cNvPr id="0" name=""/>
+        <dsp:cNvSpPr/>
+      </dsp:nvSpPr>
+      <dsp:spPr>
+        <a:xfrm>
+          <a:off x="6096000" y="2957475"/>
+          <a:ext cx="3100787" cy="215261"/>
+        </a:xfrm>
+        <a:custGeom>
+          <a:avLst/>
+          <a:gdLst/>
+          <a:ahLst/>
+          <a:cxnLst/>
+          <a:rect l="0" t="0" r="0" b="0"/>
+          <a:pathLst>
+            <a:path>
+              <a:moveTo>
+                <a:pt x="0" y="0"/>
+              </a:moveTo>
+              <a:lnTo>
+                <a:pt x="0" y="107630"/>
+              </a:lnTo>
+              <a:lnTo>
+                <a:pt x="3100787" y="107630"/>
+              </a:lnTo>
+              <a:lnTo>
+                <a:pt x="3100787" y="215261"/>
+              </a:lnTo>
+            </a:path>
+          </a:pathLst>
+        </a:custGeom>
+        <a:noFill/>
+        <a:ln w="12700" cap="flat" cmpd="sng" algn="ctr">
+          <a:solidFill>
+            <a:schemeClr val="accent1">
+              <a:shade val="60000"/>
+              <a:hueOff val="0"/>
+              <a:satOff val="0"/>
+              <a:lumOff val="0"/>
+              <a:alphaOff val="0"/>
+            </a:schemeClr>
+          </a:solidFill>
+          <a:prstDash val="solid"/>
+          <a:miter lim="800000"/>
+        </a:ln>
+        <a:effectLst/>
+      </dsp:spPr>
+      <dsp:style>
+        <a:lnRef idx="2">
+          <a:scrgbClr r="0" g="0" b="0"/>
+        </a:lnRef>
+        <a:fillRef idx="0">
+          <a:scrgbClr r="0" g="0" b="0"/>
+        </a:fillRef>
+        <a:effectRef idx="0">
+          <a:scrgbClr r="0" g="0" b="0"/>
+        </a:effectRef>
+        <a:fontRef idx="minor"/>
+      </dsp:style>
+    </dsp:sp>
+    <dsp:sp modelId="{721BF807-386A-4CCA-94B2-21AE3368A808}">
+      <dsp:nvSpPr>
+        <dsp:cNvPr id="0" name=""/>
+        <dsp:cNvSpPr/>
+      </dsp:nvSpPr>
+      <dsp:spPr>
+        <a:xfrm>
+          <a:off x="2995212" y="3685263"/>
+          <a:ext cx="2480629" cy="215261"/>
+        </a:xfrm>
+        <a:custGeom>
+          <a:avLst/>
+          <a:gdLst/>
+          <a:ahLst/>
+          <a:cxnLst/>
+          <a:rect l="0" t="0" r="0" b="0"/>
+          <a:pathLst>
+            <a:path>
+              <a:moveTo>
+                <a:pt x="0" y="0"/>
+              </a:moveTo>
+              <a:lnTo>
+                <a:pt x="0" y="107630"/>
+              </a:lnTo>
+              <a:lnTo>
+                <a:pt x="2480629" y="107630"/>
+              </a:lnTo>
+              <a:lnTo>
+                <a:pt x="2480629" y="215261"/>
+              </a:lnTo>
+            </a:path>
+          </a:pathLst>
+        </a:custGeom>
+        <a:noFill/>
+        <a:ln w="12700" cap="flat" cmpd="sng" algn="ctr">
+          <a:solidFill>
+            <a:schemeClr val="accent1">
+              <a:shade val="80000"/>
+              <a:hueOff val="0"/>
+              <a:satOff val="0"/>
+              <a:lumOff val="0"/>
+              <a:alphaOff val="0"/>
+            </a:schemeClr>
+          </a:solidFill>
+          <a:prstDash val="solid"/>
+          <a:miter lim="800000"/>
+        </a:ln>
+        <a:effectLst/>
+      </dsp:spPr>
+      <dsp:style>
+        <a:lnRef idx="2">
+          <a:scrgbClr r="0" g="0" b="0"/>
+        </a:lnRef>
+        <a:fillRef idx="0">
+          <a:scrgbClr r="0" g="0" b="0"/>
+        </a:fillRef>
+        <a:effectRef idx="0">
+          <a:scrgbClr r="0" g="0" b="0"/>
+        </a:effectRef>
+        <a:fontRef idx="minor"/>
+      </dsp:style>
+    </dsp:sp>
+    <dsp:sp modelId="{212664E3-E6D1-4F28-B77C-E185D7F2AA58}">
+      <dsp:nvSpPr>
+        <dsp:cNvPr id="0" name=""/>
+        <dsp:cNvSpPr/>
+      </dsp:nvSpPr>
+      <dsp:spPr>
+        <a:xfrm>
+          <a:off x="2995212" y="3685263"/>
+          <a:ext cx="1240314" cy="215261"/>
+        </a:xfrm>
+        <a:custGeom>
+          <a:avLst/>
+          <a:gdLst/>
+          <a:ahLst/>
+          <a:cxnLst/>
+          <a:rect l="0" t="0" r="0" b="0"/>
+          <a:pathLst>
+            <a:path>
+              <a:moveTo>
+                <a:pt x="0" y="0"/>
+              </a:moveTo>
+              <a:lnTo>
+                <a:pt x="0" y="107630"/>
+              </a:lnTo>
+              <a:lnTo>
+                <a:pt x="1240314" y="107630"/>
+              </a:lnTo>
+              <a:lnTo>
+                <a:pt x="1240314" y="215261"/>
+              </a:lnTo>
+            </a:path>
+          </a:pathLst>
+        </a:custGeom>
+        <a:noFill/>
+        <a:ln w="12700" cap="flat" cmpd="sng" algn="ctr">
+          <a:solidFill>
+            <a:schemeClr val="accent1">
+              <a:shade val="80000"/>
+              <a:hueOff val="0"/>
+              <a:satOff val="0"/>
+              <a:lumOff val="0"/>
+              <a:alphaOff val="0"/>
+            </a:schemeClr>
+          </a:solidFill>
+          <a:prstDash val="solid"/>
+          <a:miter lim="800000"/>
+        </a:ln>
+        <a:effectLst/>
+      </dsp:spPr>
+      <dsp:style>
+        <a:lnRef idx="2">
+          <a:scrgbClr r="0" g="0" b="0"/>
+        </a:lnRef>
+        <a:fillRef idx="0">
+          <a:scrgbClr r="0" g="0" b="0"/>
+        </a:fillRef>
+        <a:effectRef idx="0">
+          <a:scrgbClr r="0" g="0" b="0"/>
+        </a:effectRef>
+        <a:fontRef idx="minor"/>
+      </dsp:style>
+    </dsp:sp>
+    <dsp:sp modelId="{66F0CDD2-4786-4891-8938-4E94D58E75D4}">
+      <dsp:nvSpPr>
+        <dsp:cNvPr id="0" name=""/>
+        <dsp:cNvSpPr/>
+      </dsp:nvSpPr>
+      <dsp:spPr>
+        <a:xfrm>
+          <a:off x="2949492" y="3685263"/>
+          <a:ext cx="91440" cy="215261"/>
+        </a:xfrm>
+        <a:custGeom>
+          <a:avLst/>
+          <a:gdLst/>
+          <a:ahLst/>
+          <a:cxnLst/>
+          <a:rect l="0" t="0" r="0" b="0"/>
+          <a:pathLst>
+            <a:path>
+              <a:moveTo>
+                <a:pt x="45720" y="0"/>
+              </a:moveTo>
+              <a:lnTo>
+                <a:pt x="45720" y="215261"/>
+              </a:lnTo>
+            </a:path>
+          </a:pathLst>
+        </a:custGeom>
+        <a:noFill/>
+        <a:ln w="12700" cap="flat" cmpd="sng" algn="ctr">
+          <a:solidFill>
+            <a:schemeClr val="accent1">
+              <a:shade val="80000"/>
+              <a:hueOff val="0"/>
+              <a:satOff val="0"/>
+              <a:lumOff val="0"/>
+              <a:alphaOff val="0"/>
+            </a:schemeClr>
+          </a:solidFill>
+          <a:prstDash val="solid"/>
+          <a:miter lim="800000"/>
+        </a:ln>
+        <a:effectLst/>
+      </dsp:spPr>
+      <dsp:style>
+        <a:lnRef idx="2">
+          <a:scrgbClr r="0" g="0" b="0"/>
+        </a:lnRef>
+        <a:fillRef idx="0">
+          <a:scrgbClr r="0" g="0" b="0"/>
+        </a:fillRef>
+        <a:effectRef idx="0">
+          <a:scrgbClr r="0" g="0" b="0"/>
+        </a:effectRef>
+        <a:fontRef idx="minor"/>
+      </dsp:style>
+    </dsp:sp>
+    <dsp:sp modelId="{4C826A88-BCBA-49AF-9853-76DE2AFAF0A1}">
+      <dsp:nvSpPr>
+        <dsp:cNvPr id="0" name=""/>
+        <dsp:cNvSpPr/>
+      </dsp:nvSpPr>
+      <dsp:spPr>
+        <a:xfrm>
+          <a:off x="1754897" y="3685263"/>
+          <a:ext cx="1240314" cy="215261"/>
+        </a:xfrm>
+        <a:custGeom>
+          <a:avLst/>
+          <a:gdLst/>
+          <a:ahLst/>
+          <a:cxnLst/>
+          <a:rect l="0" t="0" r="0" b="0"/>
+          <a:pathLst>
+            <a:path>
+              <a:moveTo>
+                <a:pt x="1240314" y="0"/>
+              </a:moveTo>
+              <a:lnTo>
+                <a:pt x="1240314" y="107630"/>
+              </a:lnTo>
+              <a:lnTo>
+                <a:pt x="0" y="107630"/>
+              </a:lnTo>
+              <a:lnTo>
+                <a:pt x="0" y="215261"/>
+              </a:lnTo>
+            </a:path>
+          </a:pathLst>
+        </a:custGeom>
+        <a:noFill/>
+        <a:ln w="12700" cap="flat" cmpd="sng" algn="ctr">
+          <a:solidFill>
+            <a:schemeClr val="accent1">
+              <a:shade val="80000"/>
+              <a:hueOff val="0"/>
+              <a:satOff val="0"/>
+              <a:lumOff val="0"/>
+              <a:alphaOff val="0"/>
+            </a:schemeClr>
+          </a:solidFill>
+          <a:prstDash val="solid"/>
+          <a:miter lim="800000"/>
+        </a:ln>
+        <a:effectLst/>
+      </dsp:spPr>
+      <dsp:style>
+        <a:lnRef idx="2">
+          <a:scrgbClr r="0" g="0" b="0"/>
+        </a:lnRef>
+        <a:fillRef idx="0">
+          <a:scrgbClr r="0" g="0" b="0"/>
+        </a:fillRef>
+        <a:effectRef idx="0">
+          <a:scrgbClr r="0" g="0" b="0"/>
+        </a:effectRef>
+        <a:fontRef idx="minor"/>
+      </dsp:style>
+    </dsp:sp>
+    <dsp:sp modelId="{D7AA817C-07DA-4C2E-B3E2-29F96F2C144B}">
+      <dsp:nvSpPr>
+        <dsp:cNvPr id="0" name=""/>
+        <dsp:cNvSpPr/>
+      </dsp:nvSpPr>
+      <dsp:spPr>
+        <a:xfrm>
+          <a:off x="514582" y="3685263"/>
+          <a:ext cx="2480629" cy="215261"/>
+        </a:xfrm>
+        <a:custGeom>
+          <a:avLst/>
+          <a:gdLst/>
+          <a:ahLst/>
+          <a:cxnLst/>
+          <a:rect l="0" t="0" r="0" b="0"/>
+          <a:pathLst>
+            <a:path>
+              <a:moveTo>
+                <a:pt x="2480629" y="0"/>
+              </a:moveTo>
+              <a:lnTo>
+                <a:pt x="2480629" y="107630"/>
+              </a:lnTo>
+              <a:lnTo>
+                <a:pt x="0" y="107630"/>
+              </a:lnTo>
+              <a:lnTo>
+                <a:pt x="0" y="215261"/>
+              </a:lnTo>
+            </a:path>
+          </a:pathLst>
+        </a:custGeom>
+        <a:noFill/>
+        <a:ln w="12700" cap="flat" cmpd="sng" algn="ctr">
+          <a:solidFill>
+            <a:schemeClr val="accent1">
+              <a:shade val="80000"/>
+              <a:hueOff val="0"/>
+              <a:satOff val="0"/>
+              <a:lumOff val="0"/>
+              <a:alphaOff val="0"/>
+            </a:schemeClr>
+          </a:solidFill>
+          <a:prstDash val="solid"/>
+          <a:miter lim="800000"/>
+        </a:ln>
+        <a:effectLst/>
+      </dsp:spPr>
+      <dsp:style>
+        <a:lnRef idx="2">
+          <a:scrgbClr r="0" g="0" b="0"/>
+        </a:lnRef>
+        <a:fillRef idx="0">
+          <a:scrgbClr r="0" g="0" b="0"/>
+        </a:fillRef>
+        <a:effectRef idx="0">
+          <a:scrgbClr r="0" g="0" b="0"/>
+        </a:effectRef>
+        <a:fontRef idx="minor"/>
+      </dsp:style>
+    </dsp:sp>
+    <dsp:sp modelId="{A974E180-B6B1-4F00-9F30-03782F41A227}">
+      <dsp:nvSpPr>
+        <dsp:cNvPr id="0" name=""/>
+        <dsp:cNvSpPr/>
+      </dsp:nvSpPr>
+      <dsp:spPr>
+        <a:xfrm>
+          <a:off x="2995212" y="2957475"/>
+          <a:ext cx="3100787" cy="215261"/>
+        </a:xfrm>
+        <a:custGeom>
+          <a:avLst/>
+          <a:gdLst/>
+          <a:ahLst/>
+          <a:cxnLst/>
+          <a:rect l="0" t="0" r="0" b="0"/>
+          <a:pathLst>
+            <a:path>
+              <a:moveTo>
+                <a:pt x="3100787" y="0"/>
+              </a:moveTo>
+              <a:lnTo>
+                <a:pt x="3100787" y="107630"/>
+              </a:lnTo>
+              <a:lnTo>
+                <a:pt x="0" y="107630"/>
+              </a:lnTo>
+              <a:lnTo>
+                <a:pt x="0" y="215261"/>
+              </a:lnTo>
+            </a:path>
+          </a:pathLst>
+        </a:custGeom>
+        <a:noFill/>
+        <a:ln w="12700" cap="flat" cmpd="sng" algn="ctr">
+          <a:solidFill>
+            <a:schemeClr val="accent1">
+              <a:shade val="60000"/>
+              <a:hueOff val="0"/>
+              <a:satOff val="0"/>
+              <a:lumOff val="0"/>
+              <a:alphaOff val="0"/>
+            </a:schemeClr>
+          </a:solidFill>
+          <a:prstDash val="solid"/>
+          <a:miter lim="800000"/>
+        </a:ln>
+        <a:effectLst/>
+      </dsp:spPr>
+      <dsp:style>
+        <a:lnRef idx="2">
+          <a:scrgbClr r="0" g="0" b="0"/>
+        </a:lnRef>
+        <a:fillRef idx="0">
+          <a:scrgbClr r="0" g="0" b="0"/>
+        </a:fillRef>
+        <a:effectRef idx="0">
+          <a:scrgbClr r="0" g="0" b="0"/>
+        </a:effectRef>
+        <a:fontRef idx="minor"/>
+      </dsp:style>
+    </dsp:sp>
+    <dsp:sp modelId="{914F8C5F-EEB0-488A-9FFD-AD66D0824781}">
+      <dsp:nvSpPr>
+        <dsp:cNvPr id="0" name=""/>
+        <dsp:cNvSpPr/>
+      </dsp:nvSpPr>
+      <dsp:spPr>
+        <a:xfrm>
+          <a:off x="5583473" y="2444948"/>
+          <a:ext cx="1025053" cy="512526"/>
+        </a:xfrm>
+        <a:prstGeom prst="rect">
+          <a:avLst/>
+        </a:prstGeom>
+        <a:solidFill>
+          <a:schemeClr val="accent1">
+            <a:hueOff val="0"/>
+            <a:satOff val="0"/>
+            <a:lumOff val="0"/>
+            <a:alphaOff val="0"/>
+          </a:schemeClr>
+        </a:solidFill>
+        <a:ln w="12700" cap="flat" cmpd="sng" algn="ctr">
+          <a:solidFill>
+            <a:schemeClr val="lt1">
+              <a:hueOff val="0"/>
+              <a:satOff val="0"/>
+              <a:lumOff val="0"/>
+              <a:alphaOff val="0"/>
+            </a:schemeClr>
+          </a:solidFill>
+          <a:prstDash val="solid"/>
+          <a:miter lim="800000"/>
+        </a:ln>
+        <a:effectLst/>
+      </dsp:spPr>
+      <dsp:style>
+        <a:lnRef idx="2">
+          <a:scrgbClr r="0" g="0" b="0"/>
+        </a:lnRef>
+        <a:fillRef idx="1">
+          <a:scrgbClr r="0" g="0" b="0"/>
+        </a:fillRef>
+        <a:effectRef idx="0">
+          <a:scrgbClr r="0" g="0" b="0"/>
+        </a:effectRef>
+        <a:fontRef idx="minor">
+          <a:schemeClr val="lt1"/>
+        </a:fontRef>
+      </dsp:style>
+      <dsp:txBody>
+        <a:bodyPr spcFirstLastPara="0" vert="horz" wrap="square" lIns="10795" tIns="10795" rIns="10795" bIns="10795" numCol="1" spcCol="1270" anchor="ctr" anchorCtr="0">
+          <a:noAutofit/>
+        </a:bodyPr>
+        <a:lstStyle/>
+        <a:p>
+          <a:pPr marL="0" lvl="0" indent="0" algn="ctr" defTabSz="755650">
+            <a:lnSpc>
+              <a:spcPct val="90000"/>
+            </a:lnSpc>
+            <a:spcBef>
+              <a:spcPct val="0"/>
+            </a:spcBef>
+            <a:spcAft>
+              <a:spcPct val="35000"/>
+            </a:spcAft>
+            <a:buNone/>
+          </a:pPr>
+          <a:r>
+            <a:rPr lang="en-GB" sz="1700" kern="1200" dirty="0"/>
+            <a:t>Skill Encoding</a:t>
+          </a:r>
+        </a:p>
+      </dsp:txBody>
+      <dsp:txXfrm>
+        <a:off x="5583473" y="2444948"/>
+        <a:ext cx="1025053" cy="512526"/>
+      </dsp:txXfrm>
+    </dsp:sp>
+    <dsp:sp modelId="{96BFF3BD-3012-4251-AB80-376C292D6FE7}">
+      <dsp:nvSpPr>
+        <dsp:cNvPr id="0" name=""/>
+        <dsp:cNvSpPr/>
+      </dsp:nvSpPr>
+      <dsp:spPr>
+        <a:xfrm>
+          <a:off x="2482685" y="3172736"/>
+          <a:ext cx="1025053" cy="512526"/>
+        </a:xfrm>
+        <a:prstGeom prst="rect">
+          <a:avLst/>
+        </a:prstGeom>
+        <a:solidFill>
+          <a:schemeClr val="accent1">
+            <a:hueOff val="0"/>
+            <a:satOff val="0"/>
+            <a:lumOff val="0"/>
+            <a:alphaOff val="0"/>
+          </a:schemeClr>
+        </a:solidFill>
+        <a:ln w="12700" cap="flat" cmpd="sng" algn="ctr">
+          <a:solidFill>
+            <a:schemeClr val="lt1">
+              <a:hueOff val="0"/>
+              <a:satOff val="0"/>
+              <a:lumOff val="0"/>
+              <a:alphaOff val="0"/>
+            </a:schemeClr>
+          </a:solidFill>
+          <a:prstDash val="solid"/>
+          <a:miter lim="800000"/>
+        </a:ln>
+        <a:effectLst/>
+      </dsp:spPr>
+      <dsp:style>
+        <a:lnRef idx="2">
+          <a:scrgbClr r="0" g="0" b="0"/>
+        </a:lnRef>
+        <a:fillRef idx="1">
+          <a:scrgbClr r="0" g="0" b="0"/>
+        </a:fillRef>
+        <a:effectRef idx="0">
+          <a:scrgbClr r="0" g="0" b="0"/>
+        </a:effectRef>
+        <a:fontRef idx="minor">
+          <a:schemeClr val="lt1"/>
+        </a:fontRef>
+      </dsp:style>
+      <dsp:txBody>
+        <a:bodyPr spcFirstLastPara="0" vert="horz" wrap="square" lIns="10795" tIns="10795" rIns="10795" bIns="10795" numCol="1" spcCol="1270" anchor="ctr" anchorCtr="0">
+          <a:noAutofit/>
+        </a:bodyPr>
+        <a:lstStyle/>
+        <a:p>
+          <a:pPr marL="0" lvl="0" indent="0" algn="ctr" defTabSz="755650">
+            <a:lnSpc>
+              <a:spcPct val="90000"/>
+            </a:lnSpc>
+            <a:spcBef>
+              <a:spcPct val="0"/>
+            </a:spcBef>
+            <a:spcAft>
+              <a:spcPct val="35000"/>
+            </a:spcAft>
+            <a:buNone/>
+          </a:pPr>
+          <a:r>
+            <a:rPr lang="en-GB" sz="1700" kern="1200" dirty="0"/>
+            <a:t>Dynamic System</a:t>
+          </a:r>
+        </a:p>
+      </dsp:txBody>
+      <dsp:txXfrm>
+        <a:off x="2482685" y="3172736"/>
+        <a:ext cx="1025053" cy="512526"/>
+      </dsp:txXfrm>
+    </dsp:sp>
+    <dsp:sp modelId="{975CBC03-8D52-4C24-AA9A-E63193FF7E64}">
+      <dsp:nvSpPr>
+        <dsp:cNvPr id="0" name=""/>
+        <dsp:cNvSpPr/>
+      </dsp:nvSpPr>
+      <dsp:spPr>
+        <a:xfrm>
+          <a:off x="2055" y="3900524"/>
+          <a:ext cx="1025053" cy="512526"/>
+        </a:xfrm>
+        <a:prstGeom prst="rect">
+          <a:avLst/>
+        </a:prstGeom>
+        <a:solidFill>
+          <a:schemeClr val="accent1">
+            <a:hueOff val="0"/>
+            <a:satOff val="0"/>
+            <a:lumOff val="0"/>
+            <a:alphaOff val="0"/>
+          </a:schemeClr>
+        </a:solidFill>
+        <a:ln w="12700" cap="flat" cmpd="sng" algn="ctr">
+          <a:solidFill>
+            <a:schemeClr val="lt1">
+              <a:hueOff val="0"/>
+              <a:satOff val="0"/>
+              <a:lumOff val="0"/>
+              <a:alphaOff val="0"/>
+            </a:schemeClr>
+          </a:solidFill>
+          <a:prstDash val="solid"/>
+          <a:miter lim="800000"/>
+        </a:ln>
+        <a:effectLst/>
+      </dsp:spPr>
+      <dsp:style>
+        <a:lnRef idx="2">
+          <a:scrgbClr r="0" g="0" b="0"/>
+        </a:lnRef>
+        <a:fillRef idx="1">
+          <a:scrgbClr r="0" g="0" b="0"/>
+        </a:fillRef>
+        <a:effectRef idx="0">
+          <a:scrgbClr r="0" g="0" b="0"/>
+        </a:effectRef>
+        <a:fontRef idx="minor">
+          <a:schemeClr val="lt1"/>
+        </a:fontRef>
+      </dsp:style>
+      <dsp:txBody>
+        <a:bodyPr spcFirstLastPara="0" vert="horz" wrap="square" lIns="10795" tIns="10795" rIns="10795" bIns="10795" numCol="1" spcCol="1270" anchor="ctr" anchorCtr="0">
+          <a:noAutofit/>
+        </a:bodyPr>
+        <a:lstStyle/>
+        <a:p>
+          <a:pPr marL="0" lvl="0" indent="0" algn="ctr" defTabSz="755650">
+            <a:lnSpc>
+              <a:spcPct val="90000"/>
+            </a:lnSpc>
+            <a:spcBef>
+              <a:spcPct val="0"/>
+            </a:spcBef>
+            <a:spcAft>
+              <a:spcPct val="35000"/>
+            </a:spcAft>
+            <a:buNone/>
+          </a:pPr>
+          <a:r>
+            <a:rPr lang="en-GB" sz="1700" kern="1200" dirty="0"/>
+            <a:t>SEDS</a:t>
+          </a:r>
+        </a:p>
+      </dsp:txBody>
+      <dsp:txXfrm>
+        <a:off x="2055" y="3900524"/>
+        <a:ext cx="1025053" cy="512526"/>
+      </dsp:txXfrm>
+    </dsp:sp>
+    <dsp:sp modelId="{3CA9917C-3549-4A9D-B673-79D56F6E4BE4}">
+      <dsp:nvSpPr>
+        <dsp:cNvPr id="0" name=""/>
+        <dsp:cNvSpPr/>
+      </dsp:nvSpPr>
+      <dsp:spPr>
+        <a:xfrm>
+          <a:off x="1242370" y="3900524"/>
+          <a:ext cx="1025053" cy="512526"/>
+        </a:xfrm>
+        <a:prstGeom prst="rect">
+          <a:avLst/>
+        </a:prstGeom>
+        <a:solidFill>
+          <a:schemeClr val="accent1">
+            <a:hueOff val="0"/>
+            <a:satOff val="0"/>
+            <a:lumOff val="0"/>
+            <a:alphaOff val="0"/>
+          </a:schemeClr>
+        </a:solidFill>
+        <a:ln w="12700" cap="flat" cmpd="sng" algn="ctr">
+          <a:solidFill>
+            <a:schemeClr val="lt1">
+              <a:hueOff val="0"/>
+              <a:satOff val="0"/>
+              <a:lumOff val="0"/>
+              <a:alphaOff val="0"/>
+            </a:schemeClr>
+          </a:solidFill>
+          <a:prstDash val="solid"/>
+          <a:miter lim="800000"/>
+        </a:ln>
+        <a:effectLst/>
+      </dsp:spPr>
+      <dsp:style>
+        <a:lnRef idx="2">
+          <a:scrgbClr r="0" g="0" b="0"/>
+        </a:lnRef>
+        <a:fillRef idx="1">
+          <a:scrgbClr r="0" g="0" b="0"/>
+        </a:fillRef>
+        <a:effectRef idx="0">
+          <a:scrgbClr r="0" g="0" b="0"/>
+        </a:effectRef>
+        <a:fontRef idx="minor">
+          <a:schemeClr val="lt1"/>
+        </a:fontRef>
+      </dsp:style>
+      <dsp:txBody>
+        <a:bodyPr spcFirstLastPara="0" vert="horz" wrap="square" lIns="10795" tIns="10795" rIns="10795" bIns="10795" numCol="1" spcCol="1270" anchor="ctr" anchorCtr="0">
+          <a:noAutofit/>
+        </a:bodyPr>
+        <a:lstStyle/>
+        <a:p>
+          <a:pPr marL="0" lvl="0" indent="0" algn="ctr" defTabSz="755650">
+            <a:lnSpc>
+              <a:spcPct val="90000"/>
+            </a:lnSpc>
+            <a:spcBef>
+              <a:spcPct val="0"/>
+            </a:spcBef>
+            <a:spcAft>
+              <a:spcPct val="35000"/>
+            </a:spcAft>
+            <a:buNone/>
+          </a:pPr>
+          <a:r>
+            <a:rPr lang="en-GB" sz="1700" kern="1200" dirty="0"/>
+            <a:t>DMP</a:t>
+          </a:r>
+        </a:p>
+      </dsp:txBody>
+      <dsp:txXfrm>
+        <a:off x="1242370" y="3900524"/>
+        <a:ext cx="1025053" cy="512526"/>
+      </dsp:txXfrm>
+    </dsp:sp>
+    <dsp:sp modelId="{64CE813D-AEF9-494C-8E20-B5A1CE769672}">
+      <dsp:nvSpPr>
+        <dsp:cNvPr id="0" name=""/>
+        <dsp:cNvSpPr/>
+      </dsp:nvSpPr>
+      <dsp:spPr>
+        <a:xfrm>
+          <a:off x="2482685" y="3900524"/>
+          <a:ext cx="1025053" cy="512526"/>
+        </a:xfrm>
+        <a:prstGeom prst="rect">
+          <a:avLst/>
+        </a:prstGeom>
+        <a:solidFill>
+          <a:schemeClr val="accent1">
+            <a:hueOff val="0"/>
+            <a:satOff val="0"/>
+            <a:lumOff val="0"/>
+            <a:alphaOff val="0"/>
+          </a:schemeClr>
+        </a:solidFill>
+        <a:ln w="12700" cap="flat" cmpd="sng" algn="ctr">
+          <a:solidFill>
+            <a:schemeClr val="lt1">
+              <a:hueOff val="0"/>
+              <a:satOff val="0"/>
+              <a:lumOff val="0"/>
+              <a:alphaOff val="0"/>
+            </a:schemeClr>
+          </a:solidFill>
+          <a:prstDash val="solid"/>
+          <a:miter lim="800000"/>
+        </a:ln>
+        <a:effectLst/>
+      </dsp:spPr>
+      <dsp:style>
+        <a:lnRef idx="2">
+          <a:scrgbClr r="0" g="0" b="0"/>
+        </a:lnRef>
+        <a:fillRef idx="1">
+          <a:scrgbClr r="0" g="0" b="0"/>
+        </a:fillRef>
+        <a:effectRef idx="0">
+          <a:scrgbClr r="0" g="0" b="0"/>
+        </a:effectRef>
+        <a:fontRef idx="minor">
+          <a:schemeClr val="lt1"/>
+        </a:fontRef>
+      </dsp:style>
+      <dsp:txBody>
+        <a:bodyPr spcFirstLastPara="0" vert="horz" wrap="square" lIns="10795" tIns="10795" rIns="10795" bIns="10795" numCol="1" spcCol="1270" anchor="ctr" anchorCtr="0">
+          <a:noAutofit/>
+        </a:bodyPr>
+        <a:lstStyle/>
+        <a:p>
+          <a:pPr marL="0" lvl="0" indent="0" algn="ctr" defTabSz="755650">
+            <a:lnSpc>
+              <a:spcPct val="90000"/>
+            </a:lnSpc>
+            <a:spcBef>
+              <a:spcPct val="0"/>
+            </a:spcBef>
+            <a:spcAft>
+              <a:spcPct val="35000"/>
+            </a:spcAft>
+            <a:buNone/>
+          </a:pPr>
+          <a:r>
+            <a:rPr lang="en-GB" sz="1700" kern="1200" dirty="0"/>
+            <a:t>DMPP</a:t>
+          </a:r>
+        </a:p>
+      </dsp:txBody>
+      <dsp:txXfrm>
+        <a:off x="2482685" y="3900524"/>
+        <a:ext cx="1025053" cy="512526"/>
+      </dsp:txXfrm>
+    </dsp:sp>
+    <dsp:sp modelId="{B993F7F9-BBE8-4648-8FE1-36B951017B49}">
+      <dsp:nvSpPr>
+        <dsp:cNvPr id="0" name=""/>
+        <dsp:cNvSpPr/>
+      </dsp:nvSpPr>
+      <dsp:spPr>
+        <a:xfrm>
+          <a:off x="3723000" y="3900524"/>
+          <a:ext cx="1025053" cy="512526"/>
+        </a:xfrm>
+        <a:prstGeom prst="rect">
+          <a:avLst/>
+        </a:prstGeom>
+        <a:solidFill>
+          <a:schemeClr val="accent1">
+            <a:hueOff val="0"/>
+            <a:satOff val="0"/>
+            <a:lumOff val="0"/>
+            <a:alphaOff val="0"/>
+          </a:schemeClr>
+        </a:solidFill>
+        <a:ln w="12700" cap="flat" cmpd="sng" algn="ctr">
+          <a:solidFill>
+            <a:schemeClr val="lt1">
+              <a:hueOff val="0"/>
+              <a:satOff val="0"/>
+              <a:lumOff val="0"/>
+              <a:alphaOff val="0"/>
+            </a:schemeClr>
+          </a:solidFill>
+          <a:prstDash val="solid"/>
+          <a:miter lim="800000"/>
+        </a:ln>
+        <a:effectLst/>
+      </dsp:spPr>
+      <dsp:style>
+        <a:lnRef idx="2">
+          <a:scrgbClr r="0" g="0" b="0"/>
+        </a:lnRef>
+        <a:fillRef idx="1">
+          <a:scrgbClr r="0" g="0" b="0"/>
+        </a:fillRef>
+        <a:effectRef idx="0">
+          <a:scrgbClr r="0" g="0" b="0"/>
+        </a:effectRef>
+        <a:fontRef idx="minor">
+          <a:schemeClr val="lt1"/>
+        </a:fontRef>
+      </dsp:style>
+      <dsp:txBody>
+        <a:bodyPr spcFirstLastPara="0" vert="horz" wrap="square" lIns="10795" tIns="10795" rIns="10795" bIns="10795" numCol="1" spcCol="1270" anchor="ctr" anchorCtr="0">
+          <a:noAutofit/>
+        </a:bodyPr>
+        <a:lstStyle/>
+        <a:p>
+          <a:pPr marL="0" lvl="0" indent="0" algn="ctr" defTabSz="755650">
+            <a:lnSpc>
+              <a:spcPct val="90000"/>
+            </a:lnSpc>
+            <a:spcBef>
+              <a:spcPct val="0"/>
+            </a:spcBef>
+            <a:spcAft>
+              <a:spcPct val="35000"/>
+            </a:spcAft>
+            <a:buNone/>
+          </a:pPr>
+          <a:r>
+            <a:rPr lang="en-GB" sz="1700" kern="1200" dirty="0"/>
+            <a:t>Couple DMP</a:t>
+          </a:r>
+        </a:p>
+      </dsp:txBody>
+      <dsp:txXfrm>
+        <a:off x="3723000" y="3900524"/>
+        <a:ext cx="1025053" cy="512526"/>
+      </dsp:txXfrm>
+    </dsp:sp>
+    <dsp:sp modelId="{CDF3FFCE-24AB-4EE6-8DD3-3848CF0AC864}">
+      <dsp:nvSpPr>
+        <dsp:cNvPr id="0" name=""/>
+        <dsp:cNvSpPr/>
+      </dsp:nvSpPr>
+      <dsp:spPr>
+        <a:xfrm>
+          <a:off x="4963315" y="3900524"/>
+          <a:ext cx="1025053" cy="512526"/>
+        </a:xfrm>
+        <a:prstGeom prst="rect">
+          <a:avLst/>
+        </a:prstGeom>
+        <a:solidFill>
+          <a:schemeClr val="accent1">
+            <a:hueOff val="0"/>
+            <a:satOff val="0"/>
+            <a:lumOff val="0"/>
+            <a:alphaOff val="0"/>
+          </a:schemeClr>
+        </a:solidFill>
+        <a:ln w="12700" cap="flat" cmpd="sng" algn="ctr">
+          <a:solidFill>
+            <a:schemeClr val="lt1">
+              <a:hueOff val="0"/>
+              <a:satOff val="0"/>
+              <a:lumOff val="0"/>
+              <a:alphaOff val="0"/>
+            </a:schemeClr>
+          </a:solidFill>
+          <a:prstDash val="solid"/>
+          <a:miter lim="800000"/>
+        </a:ln>
+        <a:effectLst/>
+      </dsp:spPr>
+      <dsp:style>
+        <a:lnRef idx="2">
+          <a:scrgbClr r="0" g="0" b="0"/>
+        </a:lnRef>
+        <a:fillRef idx="1">
+          <a:scrgbClr r="0" g="0" b="0"/>
+        </a:fillRef>
+        <a:effectRef idx="0">
+          <a:scrgbClr r="0" g="0" b="0"/>
+        </a:effectRef>
+        <a:fontRef idx="minor">
+          <a:schemeClr val="lt1"/>
+        </a:fontRef>
+      </dsp:style>
+      <dsp:txBody>
+        <a:bodyPr spcFirstLastPara="0" vert="horz" wrap="square" lIns="10795" tIns="10795" rIns="10795" bIns="10795" numCol="1" spcCol="1270" anchor="ctr" anchorCtr="0">
+          <a:noAutofit/>
+        </a:bodyPr>
+        <a:lstStyle/>
+        <a:p>
+          <a:pPr marL="0" lvl="0" indent="0" algn="ctr" defTabSz="755650">
+            <a:lnSpc>
+              <a:spcPct val="90000"/>
+            </a:lnSpc>
+            <a:spcBef>
+              <a:spcPct val="0"/>
+            </a:spcBef>
+            <a:spcAft>
+              <a:spcPct val="35000"/>
+            </a:spcAft>
+            <a:buNone/>
+          </a:pPr>
+          <a:r>
+            <a:rPr lang="en-GB" sz="1700" kern="1200"/>
+            <a:t>RL-based DMP</a:t>
+          </a:r>
+          <a:endParaRPr lang="en-GB" sz="1700" kern="1200" dirty="0"/>
+        </a:p>
+      </dsp:txBody>
+      <dsp:txXfrm>
+        <a:off x="4963315" y="3900524"/>
+        <a:ext cx="1025053" cy="512526"/>
+      </dsp:txXfrm>
+    </dsp:sp>
+    <dsp:sp modelId="{C8C6D9D3-7074-42D7-A6F1-10FBD2BEC32A}">
+      <dsp:nvSpPr>
+        <dsp:cNvPr id="0" name=""/>
+        <dsp:cNvSpPr/>
+      </dsp:nvSpPr>
+      <dsp:spPr>
+        <a:xfrm>
+          <a:off x="8684260" y="3172736"/>
+          <a:ext cx="1025053" cy="512526"/>
+        </a:xfrm>
+        <a:prstGeom prst="rect">
+          <a:avLst/>
+        </a:prstGeom>
+        <a:solidFill>
+          <a:schemeClr val="accent1">
+            <a:hueOff val="0"/>
+            <a:satOff val="0"/>
+            <a:lumOff val="0"/>
+            <a:alphaOff val="0"/>
+          </a:schemeClr>
+        </a:solidFill>
+        <a:ln w="12700" cap="flat" cmpd="sng" algn="ctr">
+          <a:solidFill>
+            <a:schemeClr val="lt1">
+              <a:hueOff val="0"/>
+              <a:satOff val="0"/>
+              <a:lumOff val="0"/>
+              <a:alphaOff val="0"/>
+            </a:schemeClr>
+          </a:solidFill>
+          <a:prstDash val="solid"/>
+          <a:miter lim="800000"/>
+        </a:ln>
+        <a:effectLst/>
+      </dsp:spPr>
+      <dsp:style>
+        <a:lnRef idx="2">
+          <a:scrgbClr r="0" g="0" b="0"/>
+        </a:lnRef>
+        <a:fillRef idx="1">
+          <a:scrgbClr r="0" g="0" b="0"/>
+        </a:fillRef>
+        <a:effectRef idx="0">
+          <a:scrgbClr r="0" g="0" b="0"/>
+        </a:effectRef>
+        <a:fontRef idx="minor">
+          <a:schemeClr val="lt1"/>
+        </a:fontRef>
+      </dsp:style>
+      <dsp:txBody>
+        <a:bodyPr spcFirstLastPara="0" vert="horz" wrap="square" lIns="10795" tIns="10795" rIns="10795" bIns="10795" numCol="1" spcCol="1270" anchor="ctr" anchorCtr="0">
+          <a:noAutofit/>
+        </a:bodyPr>
+        <a:lstStyle/>
+        <a:p>
+          <a:pPr marL="0" lvl="0" indent="0" algn="ctr" defTabSz="755650">
+            <a:lnSpc>
+              <a:spcPct val="90000"/>
+            </a:lnSpc>
+            <a:spcBef>
+              <a:spcPct val="0"/>
+            </a:spcBef>
+            <a:spcAft>
+              <a:spcPct val="35000"/>
+            </a:spcAft>
+            <a:buNone/>
+          </a:pPr>
+          <a:r>
+            <a:rPr lang="en-GB" sz="1700" kern="1200" dirty="0"/>
+            <a:t>Statical modelling</a:t>
+          </a:r>
+        </a:p>
+      </dsp:txBody>
+      <dsp:txXfrm>
+        <a:off x="8684260" y="3172736"/>
+        <a:ext cx="1025053" cy="512526"/>
+      </dsp:txXfrm>
+    </dsp:sp>
+    <dsp:sp modelId="{051E0539-77E8-4E7C-BA0F-6723B11172EA}">
+      <dsp:nvSpPr>
+        <dsp:cNvPr id="0" name=""/>
+        <dsp:cNvSpPr/>
+      </dsp:nvSpPr>
+      <dsp:spPr>
+        <a:xfrm>
+          <a:off x="6203630" y="3900524"/>
+          <a:ext cx="1025053" cy="512526"/>
+        </a:xfrm>
+        <a:prstGeom prst="rect">
+          <a:avLst/>
+        </a:prstGeom>
+        <a:solidFill>
+          <a:schemeClr val="accent1">
+            <a:hueOff val="0"/>
+            <a:satOff val="0"/>
+            <a:lumOff val="0"/>
+            <a:alphaOff val="0"/>
+          </a:schemeClr>
+        </a:solidFill>
+        <a:ln w="12700" cap="flat" cmpd="sng" algn="ctr">
+          <a:solidFill>
+            <a:schemeClr val="lt1">
+              <a:hueOff val="0"/>
+              <a:satOff val="0"/>
+              <a:lumOff val="0"/>
+              <a:alphaOff val="0"/>
+            </a:schemeClr>
+          </a:solidFill>
+          <a:prstDash val="solid"/>
+          <a:miter lim="800000"/>
+        </a:ln>
+        <a:effectLst/>
+      </dsp:spPr>
+      <dsp:style>
+        <a:lnRef idx="2">
+          <a:scrgbClr r="0" g="0" b="0"/>
+        </a:lnRef>
+        <a:fillRef idx="1">
+          <a:scrgbClr r="0" g="0" b="0"/>
+        </a:fillRef>
+        <a:effectRef idx="0">
+          <a:scrgbClr r="0" g="0" b="0"/>
+        </a:effectRef>
+        <a:fontRef idx="minor">
+          <a:schemeClr val="lt1"/>
+        </a:fontRef>
+      </dsp:style>
+      <dsp:txBody>
+        <a:bodyPr spcFirstLastPara="0" vert="horz" wrap="square" lIns="10795" tIns="10795" rIns="10795" bIns="10795" numCol="1" spcCol="1270" anchor="ctr" anchorCtr="0">
+          <a:noAutofit/>
+        </a:bodyPr>
+        <a:lstStyle/>
+        <a:p>
+          <a:pPr marL="0" lvl="0" indent="0" algn="ctr" defTabSz="755650">
+            <a:lnSpc>
+              <a:spcPct val="90000"/>
+            </a:lnSpc>
+            <a:spcBef>
+              <a:spcPct val="0"/>
+            </a:spcBef>
+            <a:spcAft>
+              <a:spcPct val="35000"/>
+            </a:spcAft>
+            <a:buNone/>
+          </a:pPr>
+          <a:r>
+            <a:rPr lang="en-GB" sz="1700" kern="1200" dirty="0"/>
+            <a:t>GMM</a:t>
+          </a:r>
+        </a:p>
+      </dsp:txBody>
+      <dsp:txXfrm>
+        <a:off x="6203630" y="3900524"/>
+        <a:ext cx="1025053" cy="512526"/>
+      </dsp:txXfrm>
+    </dsp:sp>
+    <dsp:sp modelId="{0A6B0EB6-EBE5-4B8F-A97F-C0B4F54E97D1}">
+      <dsp:nvSpPr>
+        <dsp:cNvPr id="0" name=""/>
+        <dsp:cNvSpPr/>
+      </dsp:nvSpPr>
+      <dsp:spPr>
+        <a:xfrm>
+          <a:off x="7443945" y="3900524"/>
+          <a:ext cx="1025053" cy="512526"/>
+        </a:xfrm>
+        <a:prstGeom prst="rect">
+          <a:avLst/>
+        </a:prstGeom>
+        <a:solidFill>
+          <a:schemeClr val="accent1">
+            <a:hueOff val="0"/>
+            <a:satOff val="0"/>
+            <a:lumOff val="0"/>
+            <a:alphaOff val="0"/>
+          </a:schemeClr>
+        </a:solidFill>
+        <a:ln w="12700" cap="flat" cmpd="sng" algn="ctr">
+          <a:solidFill>
+            <a:schemeClr val="lt1">
+              <a:hueOff val="0"/>
+              <a:satOff val="0"/>
+              <a:lumOff val="0"/>
+              <a:alphaOff val="0"/>
+            </a:schemeClr>
+          </a:solidFill>
+          <a:prstDash val="solid"/>
+          <a:miter lim="800000"/>
+        </a:ln>
+        <a:effectLst/>
+      </dsp:spPr>
+      <dsp:style>
+        <a:lnRef idx="2">
+          <a:scrgbClr r="0" g="0" b="0"/>
+        </a:lnRef>
+        <a:fillRef idx="1">
+          <a:scrgbClr r="0" g="0" b="0"/>
+        </a:fillRef>
+        <a:effectRef idx="0">
+          <a:scrgbClr r="0" g="0" b="0"/>
+        </a:effectRef>
+        <a:fontRef idx="minor">
+          <a:schemeClr val="lt1"/>
+        </a:fontRef>
+      </dsp:style>
+      <dsp:txBody>
+        <a:bodyPr spcFirstLastPara="0" vert="horz" wrap="square" lIns="10795" tIns="10795" rIns="10795" bIns="10795" numCol="1" spcCol="1270" anchor="ctr" anchorCtr="0">
+          <a:noAutofit/>
+        </a:bodyPr>
+        <a:lstStyle/>
+        <a:p>
+          <a:pPr marL="0" lvl="0" indent="0" algn="ctr" defTabSz="755650">
+            <a:lnSpc>
+              <a:spcPct val="90000"/>
+            </a:lnSpc>
+            <a:spcBef>
+              <a:spcPct val="0"/>
+            </a:spcBef>
+            <a:spcAft>
+              <a:spcPct val="35000"/>
+            </a:spcAft>
+            <a:buNone/>
+          </a:pPr>
+          <a:r>
+            <a:rPr lang="en-GB" sz="1700" kern="1200" dirty="0"/>
+            <a:t>KMP</a:t>
+          </a:r>
+        </a:p>
+      </dsp:txBody>
+      <dsp:txXfrm>
+        <a:off x="7443945" y="3900524"/>
+        <a:ext cx="1025053" cy="512526"/>
+      </dsp:txXfrm>
+    </dsp:sp>
+    <dsp:sp modelId="{370BD400-03AC-4DFF-BDCD-B6413F500B5E}">
+      <dsp:nvSpPr>
+        <dsp:cNvPr id="0" name=""/>
+        <dsp:cNvSpPr/>
+      </dsp:nvSpPr>
+      <dsp:spPr>
+        <a:xfrm>
+          <a:off x="8684260" y="3900524"/>
+          <a:ext cx="1025053" cy="512526"/>
+        </a:xfrm>
+        <a:prstGeom prst="rect">
+          <a:avLst/>
+        </a:prstGeom>
+        <a:solidFill>
+          <a:schemeClr val="accent1">
+            <a:hueOff val="0"/>
+            <a:satOff val="0"/>
+            <a:lumOff val="0"/>
+            <a:alphaOff val="0"/>
+          </a:schemeClr>
+        </a:solidFill>
+        <a:ln w="12700" cap="flat" cmpd="sng" algn="ctr">
+          <a:solidFill>
+            <a:schemeClr val="lt1">
+              <a:hueOff val="0"/>
+              <a:satOff val="0"/>
+              <a:lumOff val="0"/>
+              <a:alphaOff val="0"/>
+            </a:schemeClr>
+          </a:solidFill>
+          <a:prstDash val="solid"/>
+          <a:miter lim="800000"/>
+        </a:ln>
+        <a:effectLst/>
+      </dsp:spPr>
+      <dsp:style>
+        <a:lnRef idx="2">
+          <a:scrgbClr r="0" g="0" b="0"/>
+        </a:lnRef>
+        <a:fillRef idx="1">
+          <a:scrgbClr r="0" g="0" b="0"/>
+        </a:fillRef>
+        <a:effectRef idx="0">
+          <a:scrgbClr r="0" g="0" b="0"/>
+        </a:effectRef>
+        <a:fontRef idx="minor">
+          <a:schemeClr val="lt1"/>
+        </a:fontRef>
+      </dsp:style>
+      <dsp:txBody>
+        <a:bodyPr spcFirstLastPara="0" vert="horz" wrap="square" lIns="10795" tIns="10795" rIns="10795" bIns="10795" numCol="1" spcCol="1270" anchor="ctr" anchorCtr="0">
+          <a:noAutofit/>
+        </a:bodyPr>
+        <a:lstStyle/>
+        <a:p>
+          <a:pPr marL="0" lvl="0" indent="0" algn="ctr" defTabSz="755650">
+            <a:lnSpc>
+              <a:spcPct val="90000"/>
+            </a:lnSpc>
+            <a:spcBef>
+              <a:spcPct val="0"/>
+            </a:spcBef>
+            <a:spcAft>
+              <a:spcPct val="35000"/>
+            </a:spcAft>
+            <a:buNone/>
+          </a:pPr>
+          <a:r>
+            <a:rPr lang="en-GB" sz="1700" kern="1200" dirty="0" err="1"/>
+            <a:t>PRoMPs</a:t>
+          </a:r>
+          <a:endParaRPr lang="en-GB" sz="1700" kern="1200" dirty="0"/>
+        </a:p>
+      </dsp:txBody>
+      <dsp:txXfrm>
+        <a:off x="8684260" y="3900524"/>
+        <a:ext cx="1025053" cy="512526"/>
+      </dsp:txXfrm>
+    </dsp:sp>
+    <dsp:sp modelId="{C33D4B92-40BD-49B3-ABD9-CFC39B54360F}">
+      <dsp:nvSpPr>
+        <dsp:cNvPr id="0" name=""/>
+        <dsp:cNvSpPr/>
+      </dsp:nvSpPr>
+      <dsp:spPr>
+        <a:xfrm>
+          <a:off x="9924575" y="3900524"/>
+          <a:ext cx="1025053" cy="512526"/>
+        </a:xfrm>
+        <a:prstGeom prst="rect">
+          <a:avLst/>
+        </a:prstGeom>
+        <a:solidFill>
+          <a:schemeClr val="accent1">
+            <a:hueOff val="0"/>
+            <a:satOff val="0"/>
+            <a:lumOff val="0"/>
+            <a:alphaOff val="0"/>
+          </a:schemeClr>
+        </a:solidFill>
+        <a:ln w="12700" cap="flat" cmpd="sng" algn="ctr">
+          <a:solidFill>
+            <a:schemeClr val="lt1">
+              <a:hueOff val="0"/>
+              <a:satOff val="0"/>
+              <a:lumOff val="0"/>
+              <a:alphaOff val="0"/>
+            </a:schemeClr>
+          </a:solidFill>
+          <a:prstDash val="solid"/>
+          <a:miter lim="800000"/>
+        </a:ln>
+        <a:effectLst/>
+      </dsp:spPr>
+      <dsp:style>
+        <a:lnRef idx="2">
+          <a:scrgbClr r="0" g="0" b="0"/>
+        </a:lnRef>
+        <a:fillRef idx="1">
+          <a:scrgbClr r="0" g="0" b="0"/>
+        </a:fillRef>
+        <a:effectRef idx="0">
+          <a:scrgbClr r="0" g="0" b="0"/>
+        </a:effectRef>
+        <a:fontRef idx="minor">
+          <a:schemeClr val="lt1"/>
+        </a:fontRef>
+      </dsp:style>
+      <dsp:txBody>
+        <a:bodyPr spcFirstLastPara="0" vert="horz" wrap="square" lIns="10795" tIns="10795" rIns="10795" bIns="10795" numCol="1" spcCol="1270" anchor="ctr" anchorCtr="0">
+          <a:noAutofit/>
+        </a:bodyPr>
+        <a:lstStyle/>
+        <a:p>
+          <a:pPr marL="0" lvl="0" indent="0" algn="ctr" defTabSz="755650">
+            <a:lnSpc>
+              <a:spcPct val="90000"/>
+            </a:lnSpc>
+            <a:spcBef>
+              <a:spcPct val="0"/>
+            </a:spcBef>
+            <a:spcAft>
+              <a:spcPct val="35000"/>
+            </a:spcAft>
+            <a:buNone/>
+          </a:pPr>
+          <a:r>
+            <a:rPr lang="en-GB" sz="1700" kern="1200" dirty="0"/>
+            <a:t>HMM</a:t>
+          </a:r>
+        </a:p>
+      </dsp:txBody>
+      <dsp:txXfrm>
+        <a:off x="9924575" y="3900524"/>
+        <a:ext cx="1025053" cy="512526"/>
+      </dsp:txXfrm>
+    </dsp:sp>
+    <dsp:sp modelId="{7CFA7F24-D599-41AD-B542-174A2988BDB4}">
+      <dsp:nvSpPr>
+        <dsp:cNvPr id="0" name=""/>
+        <dsp:cNvSpPr/>
+      </dsp:nvSpPr>
+      <dsp:spPr>
+        <a:xfrm>
+          <a:off x="11164890" y="3900524"/>
+          <a:ext cx="1025053" cy="512526"/>
+        </a:xfrm>
+        <a:prstGeom prst="rect">
+          <a:avLst/>
+        </a:prstGeom>
+        <a:solidFill>
+          <a:schemeClr val="accent1">
+            <a:hueOff val="0"/>
+            <a:satOff val="0"/>
+            <a:lumOff val="0"/>
+            <a:alphaOff val="0"/>
+          </a:schemeClr>
+        </a:solidFill>
+        <a:ln w="12700" cap="flat" cmpd="sng" algn="ctr">
+          <a:solidFill>
+            <a:schemeClr val="lt1">
+              <a:hueOff val="0"/>
+              <a:satOff val="0"/>
+              <a:lumOff val="0"/>
+              <a:alphaOff val="0"/>
+            </a:schemeClr>
+          </a:solidFill>
+          <a:prstDash val="solid"/>
+          <a:miter lim="800000"/>
+        </a:ln>
+        <a:effectLst/>
+      </dsp:spPr>
+      <dsp:style>
+        <a:lnRef idx="2">
+          <a:scrgbClr r="0" g="0" b="0"/>
+        </a:lnRef>
+        <a:fillRef idx="1">
+          <a:scrgbClr r="0" g="0" b="0"/>
+        </a:fillRef>
+        <a:effectRef idx="0">
+          <a:scrgbClr r="0" g="0" b="0"/>
+        </a:effectRef>
+        <a:fontRef idx="minor">
+          <a:schemeClr val="lt1"/>
+        </a:fontRef>
+      </dsp:style>
+      <dsp:txBody>
+        <a:bodyPr spcFirstLastPara="0" vert="horz" wrap="square" lIns="10795" tIns="10795" rIns="10795" bIns="10795" numCol="1" spcCol="1270" anchor="ctr" anchorCtr="0">
+          <a:noAutofit/>
+        </a:bodyPr>
+        <a:lstStyle/>
+        <a:p>
+          <a:pPr marL="0" lvl="0" indent="0" algn="ctr" defTabSz="755650">
+            <a:lnSpc>
+              <a:spcPct val="90000"/>
+            </a:lnSpc>
+            <a:spcBef>
+              <a:spcPct val="0"/>
+            </a:spcBef>
+            <a:spcAft>
+              <a:spcPct val="35000"/>
+            </a:spcAft>
+            <a:buNone/>
+          </a:pPr>
+          <a:r>
+            <a:rPr lang="en-GB" sz="1700" kern="1200" dirty="0"/>
+            <a:t>HSMM</a:t>
+          </a:r>
+        </a:p>
+      </dsp:txBody>
+      <dsp:txXfrm>
+        <a:off x="11164890" y="3900524"/>
+        <a:ext cx="1025053" cy="512526"/>
+      </dsp:txXfrm>
+    </dsp:sp>
+  </dsp:spTree>
+</dsp:drawing>
+</file>
+
+<file path=ppt/diagrams/drawing7.xml><?xml version="1.0" encoding="utf-8"?>
 <dsp:drawing xmlns:dgm="http://schemas.openxmlformats.org/drawingml/2006/diagram" xmlns:dsp="http://schemas.microsoft.com/office/drawing/2008/diagram" xmlns:a="http://schemas.openxmlformats.org/drawingml/2006/main">
   <dsp:spTree>
     <dsp:nvGrpSpPr>
@@ -22629,6 +26253,1152 @@
 </file>
 
 <file path=ppt/diagrams/layout6.xml><?xml version="1.0" encoding="utf-8"?>
+<dgm:layoutDef xmlns:dgm="http://schemas.openxmlformats.org/drawingml/2006/diagram" xmlns:a="http://schemas.openxmlformats.org/drawingml/2006/main" uniqueId="urn:microsoft.com/office/officeart/2005/8/layout/orgChart1">
+  <dgm:title val=""/>
+  <dgm:desc val=""/>
+  <dgm:catLst>
+    <dgm:cat type="hierarchy" pri="1000"/>
+    <dgm:cat type="convert" pri="6000"/>
+  </dgm:catLst>
+  <dgm:sampData>
+    <dgm:dataModel>
+      <dgm:ptLst>
+        <dgm:pt modelId="0" type="doc"/>
+        <dgm:pt modelId="1">
+          <dgm:prSet phldr="1"/>
+        </dgm:pt>
+        <dgm:pt modelId="2" type="asst">
+          <dgm:prSet phldr="1"/>
+        </dgm:pt>
+        <dgm:pt modelId="3">
+          <dgm:prSet phldr="1"/>
+        </dgm:pt>
+        <dgm:pt modelId="4">
+          <dgm:prSet phldr="1"/>
+        </dgm:pt>
+        <dgm:pt modelId="5">
+          <dgm:prSet phldr="1"/>
+        </dgm:pt>
+      </dgm:ptLst>
+      <dgm:cxnLst>
+        <dgm:cxn modelId="5" srcId="0" destId="1" srcOrd="0" destOrd="0"/>
+        <dgm:cxn modelId="6" srcId="1" destId="2" srcOrd="0" destOrd="0"/>
+        <dgm:cxn modelId="7" srcId="1" destId="3" srcOrd="1" destOrd="0"/>
+        <dgm:cxn modelId="8" srcId="1" destId="4" srcOrd="2" destOrd="0"/>
+        <dgm:cxn modelId="9" srcId="1" destId="5" srcOrd="3" destOrd="0"/>
+      </dgm:cxnLst>
+      <dgm:bg/>
+      <dgm:whole/>
+    </dgm:dataModel>
+  </dgm:sampData>
+  <dgm:styleData>
+    <dgm:dataModel>
+      <dgm:ptLst>
+        <dgm:pt modelId="0" type="doc"/>
+        <dgm:pt modelId="1"/>
+        <dgm:pt modelId="12"/>
+        <dgm:pt modelId="13"/>
+      </dgm:ptLst>
+      <dgm:cxnLst>
+        <dgm:cxn modelId="2" srcId="0" destId="1" srcOrd="0" destOrd="0"/>
+        <dgm:cxn modelId="16" srcId="1" destId="12" srcOrd="1" destOrd="0"/>
+        <dgm:cxn modelId="17" srcId="1" destId="13" srcOrd="2" destOrd="0"/>
+      </dgm:cxnLst>
+      <dgm:bg/>
+      <dgm:whole/>
+    </dgm:dataModel>
+  </dgm:styleData>
+  <dgm:clrData>
+    <dgm:dataModel>
+      <dgm:ptLst>
+        <dgm:pt modelId="0" type="doc"/>
+        <dgm:pt modelId="1"/>
+        <dgm:pt modelId="11" type="asst"/>
+        <dgm:pt modelId="12"/>
+        <dgm:pt modelId="13"/>
+        <dgm:pt modelId="14"/>
+      </dgm:ptLst>
+      <dgm:cxnLst>
+        <dgm:cxn modelId="2" srcId="0" destId="1" srcOrd="0" destOrd="0"/>
+        <dgm:cxn modelId="15" srcId="1" destId="11" srcOrd="0" destOrd="0"/>
+        <dgm:cxn modelId="16" srcId="1" destId="12" srcOrd="1" destOrd="0"/>
+        <dgm:cxn modelId="17" srcId="1" destId="13" srcOrd="2" destOrd="0"/>
+        <dgm:cxn modelId="18" srcId="1" destId="14" srcOrd="2" destOrd="0"/>
+      </dgm:cxnLst>
+      <dgm:bg/>
+      <dgm:whole/>
+    </dgm:dataModel>
+  </dgm:clrData>
+  <dgm:layoutNode name="hierChild1">
+    <dgm:varLst>
+      <dgm:orgChart val="1"/>
+      <dgm:chPref val="1"/>
+      <dgm:dir/>
+      <dgm:animOne val="branch"/>
+      <dgm:animLvl val="lvl"/>
+      <dgm:resizeHandles/>
+    </dgm:varLst>
+    <dgm:choose name="Name0">
+      <dgm:if name="Name1" func="var" arg="dir" op="equ" val="norm">
+        <dgm:alg type="hierChild">
+          <dgm:param type="linDir" val="fromL"/>
+        </dgm:alg>
+      </dgm:if>
+      <dgm:else name="Name2">
+        <dgm:alg type="hierChild">
+          <dgm:param type="linDir" val="fromR"/>
+        </dgm:alg>
+      </dgm:else>
+    </dgm:choose>
+    <dgm:shape xmlns:r="http://schemas.openxmlformats.org/officeDocument/2006/relationships" r:blip="">
+      <dgm:adjLst/>
+    </dgm:shape>
+    <dgm:presOf/>
+    <dgm:constrLst>
+      <dgm:constr type="w" for="des" forName="rootComposite1" refType="w" fact="10"/>
+      <dgm:constr type="h" for="des" forName="rootComposite1" refType="w" refFor="des" refForName="rootComposite1" fact="0.5"/>
+      <dgm:constr type="w" for="des" forName="rootComposite" refType="w" fact="10"/>
+      <dgm:constr type="h" for="des" forName="rootComposite" refType="w" refFor="des" refForName="rootComposite1" fact="0.5"/>
+      <dgm:constr type="w" for="des" forName="rootComposite3" refType="w" fact="10"/>
+      <dgm:constr type="h" for="des" forName="rootComposite3" refType="w" refFor="des" refForName="rootComposite1" fact="0.5"/>
+      <dgm:constr type="primFontSz" for="des" ptType="node" op="equ"/>
+      <dgm:constr type="sp" for="des" op="equ"/>
+      <dgm:constr type="sp" for="des" forName="hierRoot1" refType="w" refFor="des" refForName="rootComposite1" fact="0.21"/>
+      <dgm:constr type="sp" for="des" forName="hierRoot2" refType="sp" refFor="des" refForName="hierRoot1"/>
+      <dgm:constr type="sp" for="des" forName="hierRoot3" refType="sp" refFor="des" refForName="hierRoot1"/>
+      <dgm:constr type="sibSp" refType="w" refFor="des" refForName="rootComposite1" fact="0.21"/>
+      <dgm:constr type="sibSp" for="des" forName="hierChild2" refType="sibSp"/>
+      <dgm:constr type="sibSp" for="des" forName="hierChild3" refType="sibSp"/>
+      <dgm:constr type="sibSp" for="des" forName="hierChild4" refType="sibSp"/>
+      <dgm:constr type="sibSp" for="des" forName="hierChild5" refType="sibSp"/>
+      <dgm:constr type="sibSp" for="des" forName="hierChild6" refType="sibSp"/>
+      <dgm:constr type="sibSp" for="des" forName="hierChild7" refType="sibSp"/>
+      <dgm:constr type="secSibSp" refType="w" refFor="des" refForName="rootComposite1" fact="0.21"/>
+      <dgm:constr type="secSibSp" for="des" forName="hierChild2" refType="secSibSp"/>
+      <dgm:constr type="secSibSp" for="des" forName="hierChild3" refType="secSibSp"/>
+      <dgm:constr type="secSibSp" for="des" forName="hierChild4" refType="secSibSp"/>
+      <dgm:constr type="secSibSp" for="des" forName="hierChild5" refType="secSibSp"/>
+      <dgm:constr type="secSibSp" for="des" forName="hierChild6" refType="secSibSp"/>
+      <dgm:constr type="secSibSp" for="des" forName="hierChild7" refType="secSibSp"/>
+    </dgm:constrLst>
+    <dgm:ruleLst/>
+    <dgm:forEach name="Name3" axis="ch">
+      <dgm:forEach name="Name4" axis="self" ptType="node">
+        <dgm:layoutNode name="hierRoot1">
+          <dgm:varLst>
+            <dgm:hierBranch val="init"/>
+          </dgm:varLst>
+          <dgm:choose name="Name5">
+            <dgm:if name="Name6" func="var" arg="hierBranch" op="equ" val="l">
+              <dgm:choose name="Name7">
+                <dgm:if name="Name8" axis="ch" ptType="asst" func="cnt" op="gte" val="1">
+                  <dgm:alg type="hierRoot">
+                    <dgm:param type="hierAlign" val="tR"/>
+                  </dgm:alg>
+                  <dgm:constrLst>
+                    <dgm:constr type="alignOff" val="0.65"/>
+                  </dgm:constrLst>
+                </dgm:if>
+                <dgm:else name="Name9">
+                  <dgm:alg type="hierRoot">
+                    <dgm:param type="hierAlign" val="tR"/>
+                  </dgm:alg>
+                  <dgm:constrLst>
+                    <dgm:constr type="alignOff" val="0.25"/>
+                  </dgm:constrLst>
+                </dgm:else>
+              </dgm:choose>
+            </dgm:if>
+            <dgm:if name="Name10" func="var" arg="hierBranch" op="equ" val="r">
+              <dgm:choose name="Name11">
+                <dgm:if name="Name12" axis="ch" ptType="asst" func="cnt" op="gte" val="1">
+                  <dgm:alg type="hierRoot">
+                    <dgm:param type="hierAlign" val="tL"/>
+                  </dgm:alg>
+                  <dgm:constrLst>
+                    <dgm:constr type="alignOff" val="0.65"/>
+                  </dgm:constrLst>
+                </dgm:if>
+                <dgm:else name="Name13">
+                  <dgm:alg type="hierRoot">
+                    <dgm:param type="hierAlign" val="tL"/>
+                  </dgm:alg>
+                  <dgm:constrLst>
+                    <dgm:constr type="alignOff" val="0.25"/>
+                  </dgm:constrLst>
+                </dgm:else>
+              </dgm:choose>
+            </dgm:if>
+            <dgm:if name="Name14" func="var" arg="hierBranch" op="equ" val="hang">
+              <dgm:alg type="hierRoot"/>
+              <dgm:constrLst>
+                <dgm:constr type="alignOff" val="0.65"/>
+              </dgm:constrLst>
+            </dgm:if>
+            <dgm:else name="Name15">
+              <dgm:alg type="hierRoot"/>
+              <dgm:constrLst>
+                <dgm:constr type="alignOff"/>
+                <dgm:constr type="bendDist" for="des" ptType="parTrans" refType="sp" fact="0.5"/>
+              </dgm:constrLst>
+            </dgm:else>
+          </dgm:choose>
+          <dgm:shape xmlns:r="http://schemas.openxmlformats.org/officeDocument/2006/relationships" r:blip="">
+            <dgm:adjLst/>
+          </dgm:shape>
+          <dgm:presOf/>
+          <dgm:ruleLst/>
+          <dgm:layoutNode name="rootComposite1">
+            <dgm:alg type="composite"/>
+            <dgm:shape xmlns:r="http://schemas.openxmlformats.org/officeDocument/2006/relationships" r:blip="">
+              <dgm:adjLst/>
+            </dgm:shape>
+            <dgm:presOf axis="self" ptType="node" cnt="1"/>
+            <dgm:choose name="Name16">
+              <dgm:if name="Name17" func="var" arg="hierBranch" op="equ" val="init">
+                <dgm:constrLst>
+                  <dgm:constr type="l" for="ch" forName="rootText1"/>
+                  <dgm:constr type="t" for="ch" forName="rootText1"/>
+                  <dgm:constr type="w" for="ch" forName="rootText1" refType="w"/>
+                  <dgm:constr type="h" for="ch" forName="rootText1" refType="h"/>
+                  <dgm:constr type="l" for="ch" forName="rootConnector1"/>
+                  <dgm:constr type="t" for="ch" forName="rootConnector1"/>
+                  <dgm:constr type="w" for="ch" forName="rootConnector1" refType="w" refFor="ch" refForName="rootText1" fact="0.2"/>
+                  <dgm:constr type="h" for="ch" forName="rootConnector1" refType="h" refFor="ch" refForName="rootText1"/>
+                </dgm:constrLst>
+              </dgm:if>
+              <dgm:if name="Name18" func="var" arg="hierBranch" op="equ" val="l">
+                <dgm:constrLst>
+                  <dgm:constr type="l" for="ch" forName="rootText1"/>
+                  <dgm:constr type="t" for="ch" forName="rootText1"/>
+                  <dgm:constr type="w" for="ch" forName="rootText1" refType="w"/>
+                  <dgm:constr type="h" for="ch" forName="rootText1" refType="h"/>
+                  <dgm:constr type="r" for="ch" forName="rootConnector1" refType="w"/>
+                  <dgm:constr type="t" for="ch" forName="rootConnector1"/>
+                  <dgm:constr type="w" for="ch" forName="rootConnector1" refType="w" refFor="ch" refForName="rootText1" fact="0.2"/>
+                  <dgm:constr type="h" for="ch" forName="rootConnector1" refType="h" refFor="ch" refForName="rootText1"/>
+                </dgm:constrLst>
+              </dgm:if>
+              <dgm:if name="Name19" func="var" arg="hierBranch" op="equ" val="r">
+                <dgm:constrLst>
+                  <dgm:constr type="l" for="ch" forName="rootText1"/>
+                  <dgm:constr type="t" for="ch" forName="rootText1"/>
+                  <dgm:constr type="w" for="ch" forName="rootText1" refType="w"/>
+                  <dgm:constr type="h" for="ch" forName="rootText1" refType="h"/>
+                  <dgm:constr type="l" for="ch" forName="rootConnector1"/>
+                  <dgm:constr type="t" for="ch" forName="rootConnector1"/>
+                  <dgm:constr type="w" for="ch" forName="rootConnector1" refType="w" refFor="ch" refForName="rootText1" fact="0.2"/>
+                  <dgm:constr type="h" for="ch" forName="rootConnector1" refType="h" refFor="ch" refForName="rootText1"/>
+                </dgm:constrLst>
+              </dgm:if>
+              <dgm:else name="Name20">
+                <dgm:constrLst>
+                  <dgm:constr type="l" for="ch" forName="rootText1"/>
+                  <dgm:constr type="t" for="ch" forName="rootText1"/>
+                  <dgm:constr type="w" for="ch" forName="rootText1" refType="w"/>
+                  <dgm:constr type="h" for="ch" forName="rootText1" refType="h"/>
+                  <dgm:constr type="r" for="ch" forName="rootConnector1" refType="w"/>
+                  <dgm:constr type="t" for="ch" forName="rootConnector1"/>
+                  <dgm:constr type="w" for="ch" forName="rootConnector1" refType="w" refFor="ch" refForName="rootText1" fact="0.2"/>
+                  <dgm:constr type="h" for="ch" forName="rootConnector1" refType="h" refFor="ch" refForName="rootText1"/>
+                </dgm:constrLst>
+              </dgm:else>
+            </dgm:choose>
+            <dgm:ruleLst/>
+            <dgm:layoutNode name="rootText1" styleLbl="node0">
+              <dgm:varLst>
+                <dgm:chPref val="3"/>
+              </dgm:varLst>
+              <dgm:alg type="tx"/>
+              <dgm:shape xmlns:r="http://schemas.openxmlformats.org/officeDocument/2006/relationships" type="rect" r:blip="">
+                <dgm:adjLst/>
+              </dgm:shape>
+              <dgm:presOf axis="self" ptType="node" cnt="1"/>
+              <dgm:constrLst>
+                <dgm:constr type="primFontSz" val="65"/>
+                <dgm:constr type="lMarg" refType="primFontSz" fact="0.05"/>
+                <dgm:constr type="rMarg" refType="primFontSz" fact="0.05"/>
+                <dgm:constr type="tMarg" refType="primFontSz" fact="0.05"/>
+                <dgm:constr type="bMarg" refType="primFontSz" fact="0.05"/>
+              </dgm:constrLst>
+              <dgm:ruleLst>
+                <dgm:rule type="primFontSz" val="5" fact="NaN" max="NaN"/>
+              </dgm:ruleLst>
+            </dgm:layoutNode>
+            <dgm:layoutNode name="rootConnector1" moveWith="rootText1">
+              <dgm:alg type="sp"/>
+              <dgm:shape xmlns:r="http://schemas.openxmlformats.org/officeDocument/2006/relationships" type="rect" r:blip="" hideGeom="1">
+                <dgm:adjLst/>
+              </dgm:shape>
+              <dgm:presOf axis="self" ptType="node" cnt="1"/>
+              <dgm:constrLst/>
+              <dgm:ruleLst/>
+            </dgm:layoutNode>
+          </dgm:layoutNode>
+          <dgm:layoutNode name="hierChild2">
+            <dgm:choose name="Name21">
+              <dgm:if name="Name22" func="var" arg="hierBranch" op="equ" val="l">
+                <dgm:alg type="hierChild">
+                  <dgm:param type="chAlign" val="r"/>
+                  <dgm:param type="linDir" val="fromT"/>
+                </dgm:alg>
+              </dgm:if>
+              <dgm:if name="Name23" func="var" arg="hierBranch" op="equ" val="r">
+                <dgm:alg type="hierChild">
+                  <dgm:param type="chAlign" val="l"/>
+                  <dgm:param type="linDir" val="fromT"/>
+                </dgm:alg>
+              </dgm:if>
+              <dgm:if name="Name24" func="var" arg="hierBranch" op="equ" val="hang">
+                <dgm:choose name="Name25">
+                  <dgm:if name="Name26" func="var" arg="dir" op="equ" val="norm">
+                    <dgm:alg type="hierChild">
+                      <dgm:param type="chAlign" val="l"/>
+                      <dgm:param type="linDir" val="fromL"/>
+                      <dgm:param type="secChAlign" val="t"/>
+                      <dgm:param type="secLinDir" val="fromT"/>
+                    </dgm:alg>
+                  </dgm:if>
+                  <dgm:else name="Name27">
+                    <dgm:alg type="hierChild">
+                      <dgm:param type="chAlign" val="l"/>
+                      <dgm:param type="linDir" val="fromR"/>
+                      <dgm:param type="secChAlign" val="t"/>
+                      <dgm:param type="secLinDir" val="fromT"/>
+                    </dgm:alg>
+                  </dgm:else>
+                </dgm:choose>
+              </dgm:if>
+              <dgm:else name="Name28">
+                <dgm:choose name="Name29">
+                  <dgm:if name="Name30" func="var" arg="dir" op="equ" val="norm">
+                    <dgm:alg type="hierChild"/>
+                  </dgm:if>
+                  <dgm:else name="Name31">
+                    <dgm:alg type="hierChild">
+                      <dgm:param type="linDir" val="fromR"/>
+                    </dgm:alg>
+                  </dgm:else>
+                </dgm:choose>
+              </dgm:else>
+            </dgm:choose>
+            <dgm:shape xmlns:r="http://schemas.openxmlformats.org/officeDocument/2006/relationships" r:blip="">
+              <dgm:adjLst/>
+            </dgm:shape>
+            <dgm:presOf/>
+            <dgm:constrLst/>
+            <dgm:ruleLst/>
+            <dgm:forEach name="rep2a" axis="ch" ptType="nonAsst">
+              <dgm:forEach name="Name32" axis="precedSib" ptType="parTrans" st="-1" cnt="1">
+                <dgm:choose name="Name33">
+                  <dgm:if name="Name34" func="var" arg="hierBranch" op="equ" val="std">
+                    <dgm:layoutNode name="Name35">
+                      <dgm:alg type="conn">
+                        <dgm:param type="connRout" val="bend"/>
+                        <dgm:param type="dim" val="1D"/>
+                        <dgm:param type="endSty" val="noArr"/>
+                        <dgm:param type="begPts" val="bCtr"/>
+                        <dgm:param type="endPts" val="tCtr"/>
+                        <dgm:param type="bendPt" val="end"/>
+                      </dgm:alg>
+                      <dgm:shape xmlns:r="http://schemas.openxmlformats.org/officeDocument/2006/relationships" type="conn" r:blip="" zOrderOff="-99999">
+                        <dgm:adjLst/>
+                      </dgm:shape>
+                      <dgm:presOf axis="self"/>
+                      <dgm:constrLst>
+                        <dgm:constr type="begPad"/>
+                        <dgm:constr type="endPad"/>
+                      </dgm:constrLst>
+                      <dgm:ruleLst/>
+                    </dgm:layoutNode>
+                  </dgm:if>
+                  <dgm:if name="Name36" func="var" arg="hierBranch" op="equ" val="init">
+                    <dgm:layoutNode name="Name37">
+                      <dgm:choose name="Name38">
+                        <dgm:if name="Name39" axis="self" func="depth" op="lte" val="2">
+                          <dgm:alg type="conn">
+                            <dgm:param type="connRout" val="bend"/>
+                            <dgm:param type="dim" val="1D"/>
+                            <dgm:param type="endSty" val="noArr"/>
+                            <dgm:param type="begPts" val="bCtr"/>
+                            <dgm:param type="endPts" val="tCtr"/>
+                            <dgm:param type="bendPt" val="end"/>
+                          </dgm:alg>
+                        </dgm:if>
+                        <dgm:else name="Name40">
+                          <dgm:choose name="Name41">
+                            <dgm:if name="Name42" axis="par des" func="maxDepth" op="lte" val="1">
+                              <dgm:choose name="Name43">
+                                <dgm:if name="Name44" axis="par ch" ptType="node asst" func="cnt" op="gte" val="1">
+                                  <dgm:alg type="conn">
+                                    <dgm:param type="connRout" val="bend"/>
+                                    <dgm:param type="dim" val="1D"/>
+                                    <dgm:param type="endSty" val="noArr"/>
+                                    <dgm:param type="begPts" val="bCtr"/>
+                                    <dgm:param type="endPts" val="midL midR"/>
+                                  </dgm:alg>
+                                </dgm:if>
+                                <dgm:else name="Name45">
+                                  <dgm:alg type="conn">
+                                    <dgm:param type="connRout" val="bend"/>
+                                    <dgm:param type="dim" val="1D"/>
+                                    <dgm:param type="endSty" val="noArr"/>
+                                    <dgm:param type="begPts" val="bCtr"/>
+                                    <dgm:param type="endPts" val="midL midR"/>
+                                    <dgm:param type="srcNode" val="rootConnector"/>
+                                  </dgm:alg>
+                                </dgm:else>
+                              </dgm:choose>
+                            </dgm:if>
+                            <dgm:else name="Name46">
+                              <dgm:alg type="conn">
+                                <dgm:param type="connRout" val="bend"/>
+                                <dgm:param type="dim" val="1D"/>
+                                <dgm:param type="endSty" val="noArr"/>
+                                <dgm:param type="begPts" val="bCtr"/>
+                                <dgm:param type="endPts" val="tCtr"/>
+                                <dgm:param type="bendPt" val="end"/>
+                              </dgm:alg>
+                            </dgm:else>
+                          </dgm:choose>
+                        </dgm:else>
+                      </dgm:choose>
+                      <dgm:shape xmlns:r="http://schemas.openxmlformats.org/officeDocument/2006/relationships" type="conn" r:blip="" zOrderOff="-99999">
+                        <dgm:adjLst/>
+                      </dgm:shape>
+                      <dgm:presOf axis="self"/>
+                      <dgm:constrLst>
+                        <dgm:constr type="begPad"/>
+                        <dgm:constr type="endPad"/>
+                      </dgm:constrLst>
+                      <dgm:ruleLst/>
+                    </dgm:layoutNode>
+                  </dgm:if>
+                  <dgm:if name="Name47" func="var" arg="hierBranch" op="equ" val="hang">
+                    <dgm:layoutNode name="Name48">
+                      <dgm:alg type="conn">
+                        <dgm:param type="connRout" val="bend"/>
+                        <dgm:param type="dim" val="1D"/>
+                        <dgm:param type="endSty" val="noArr"/>
+                        <dgm:param type="begPts" val="bCtr"/>
+                        <dgm:param type="endPts" val="midL midR"/>
+                      </dgm:alg>
+                      <dgm:shape xmlns:r="http://schemas.openxmlformats.org/officeDocument/2006/relationships" type="conn" r:blip="" zOrderOff="-99999">
+                        <dgm:adjLst/>
+                      </dgm:shape>
+                      <dgm:presOf axis="self"/>
+                      <dgm:constrLst>
+                        <dgm:constr type="begPad"/>
+                        <dgm:constr type="endPad"/>
+                      </dgm:constrLst>
+                      <dgm:ruleLst/>
+                    </dgm:layoutNode>
+                  </dgm:if>
+                  <dgm:else name="Name49">
+                    <dgm:layoutNode name="Name50">
+                      <dgm:choose name="Name51">
+                        <dgm:if name="Name52" axis="self" func="depth" op="lte" val="2">
+                          <dgm:choose name="Name53">
+                            <dgm:if name="Name54" axis="par ch" ptType="node asst" func="cnt" op="gte" val="1">
+                              <dgm:alg type="conn">
+                                <dgm:param type="connRout" val="bend"/>
+                                <dgm:param type="dim" val="1D"/>
+                                <dgm:param type="endSty" val="noArr"/>
+                                <dgm:param type="begPts" val="bCtr"/>
+                                <dgm:param type="endPts" val="midL midR"/>
+                              </dgm:alg>
+                            </dgm:if>
+                            <dgm:else name="Name55">
+                              <dgm:alg type="conn">
+                                <dgm:param type="connRout" val="bend"/>
+                                <dgm:param type="dim" val="1D"/>
+                                <dgm:param type="endSty" val="noArr"/>
+                                <dgm:param type="begPts" val="bCtr"/>
+                                <dgm:param type="endPts" val="midL midR"/>
+                                <dgm:param type="srcNode" val="rootConnector1"/>
+                              </dgm:alg>
+                            </dgm:else>
+                          </dgm:choose>
+                        </dgm:if>
+                        <dgm:else name="Name56">
+                          <dgm:choose name="Name57">
+                            <dgm:if name="Name58" axis="par ch" ptType="node asst" func="cnt" op="gte" val="1">
+                              <dgm:alg type="conn">
+                                <dgm:param type="connRout" val="bend"/>
+                                <dgm:param type="dim" val="1D"/>
+                                <dgm:param type="endSty" val="noArr"/>
+                                <dgm:param type="begPts" val="bCtr"/>
+                                <dgm:param type="endPts" val="midL midR"/>
+                              </dgm:alg>
+                            </dgm:if>
+                            <dgm:else name="Name59">
+                              <dgm:alg type="conn">
+                                <dgm:param type="connRout" val="bend"/>
+                                <dgm:param type="dim" val="1D"/>
+                                <dgm:param type="endSty" val="noArr"/>
+                                <dgm:param type="begPts" val="bCtr"/>
+                                <dgm:param type="endPts" val="midL midR"/>
+                                <dgm:param type="srcNode" val="rootConnector"/>
+                              </dgm:alg>
+                            </dgm:else>
+                          </dgm:choose>
+                        </dgm:else>
+                      </dgm:choose>
+                      <dgm:shape xmlns:r="http://schemas.openxmlformats.org/officeDocument/2006/relationships" type="conn" r:blip="" zOrderOff="-99999">
+                        <dgm:adjLst/>
+                      </dgm:shape>
+                      <dgm:presOf axis="self"/>
+                      <dgm:constrLst>
+                        <dgm:constr type="begPad"/>
+                        <dgm:constr type="endPad"/>
+                      </dgm:constrLst>
+                      <dgm:ruleLst/>
+                    </dgm:layoutNode>
+                  </dgm:else>
+                </dgm:choose>
+              </dgm:forEach>
+              <dgm:layoutNode name="hierRoot2">
+                <dgm:varLst>
+                  <dgm:hierBranch val="init"/>
+                </dgm:varLst>
+                <dgm:choose name="Name60">
+                  <dgm:if name="Name61" func="var" arg="hierBranch" op="equ" val="l">
+                    <dgm:choose name="Name62">
+                      <dgm:if name="Name63" axis="ch" ptType="asst" func="cnt" op="gte" val="1">
+                        <dgm:alg type="hierRoot">
+                          <dgm:param type="hierAlign" val="tR"/>
+                        </dgm:alg>
+                        <dgm:shape xmlns:r="http://schemas.openxmlformats.org/officeDocument/2006/relationships" r:blip="">
+                          <dgm:adjLst/>
+                        </dgm:shape>
+                        <dgm:presOf/>
+                        <dgm:constrLst>
+                          <dgm:constr type="alignOff" val="0.65"/>
+                        </dgm:constrLst>
+                      </dgm:if>
+                      <dgm:else name="Name64">
+                        <dgm:alg type="hierRoot">
+                          <dgm:param type="hierAlign" val="tR"/>
+                        </dgm:alg>
+                        <dgm:shape xmlns:r="http://schemas.openxmlformats.org/officeDocument/2006/relationships" r:blip="">
+                          <dgm:adjLst/>
+                        </dgm:shape>
+                        <dgm:presOf/>
+                        <dgm:constrLst>
+                          <dgm:constr type="alignOff" val="0.25"/>
+                        </dgm:constrLst>
+                      </dgm:else>
+                    </dgm:choose>
+                  </dgm:if>
+                  <dgm:if name="Name65" func="var" arg="hierBranch" op="equ" val="r">
+                    <dgm:choose name="Name66">
+                      <dgm:if name="Name67" axis="ch" ptType="asst" func="cnt" op="gte" val="1">
+                        <dgm:alg type="hierRoot">
+                          <dgm:param type="hierAlign" val="tL"/>
+                        </dgm:alg>
+                        <dgm:shape xmlns:r="http://schemas.openxmlformats.org/officeDocument/2006/relationships" r:blip="">
+                          <dgm:adjLst/>
+                        </dgm:shape>
+                        <dgm:presOf/>
+                        <dgm:constrLst>
+                          <dgm:constr type="alignOff" val="0.65"/>
+                        </dgm:constrLst>
+                      </dgm:if>
+                      <dgm:else name="Name68">
+                        <dgm:alg type="hierRoot">
+                          <dgm:param type="hierAlign" val="tL"/>
+                        </dgm:alg>
+                        <dgm:shape xmlns:r="http://schemas.openxmlformats.org/officeDocument/2006/relationships" r:blip="">
+                          <dgm:adjLst/>
+                        </dgm:shape>
+                        <dgm:presOf/>
+                        <dgm:constrLst>
+                          <dgm:constr type="alignOff" val="0.25"/>
+                        </dgm:constrLst>
+                      </dgm:else>
+                    </dgm:choose>
+                  </dgm:if>
+                  <dgm:if name="Name69" func="var" arg="hierBranch" op="equ" val="std">
+                    <dgm:alg type="hierRoot"/>
+                    <dgm:shape xmlns:r="http://schemas.openxmlformats.org/officeDocument/2006/relationships" r:blip="">
+                      <dgm:adjLst/>
+                    </dgm:shape>
+                    <dgm:presOf/>
+                    <dgm:constrLst>
+                      <dgm:constr type="alignOff"/>
+                      <dgm:constr type="bendDist" for="des" ptType="parTrans" refType="sp" fact="0.5"/>
+                    </dgm:constrLst>
+                  </dgm:if>
+                  <dgm:if name="Name70" func="var" arg="hierBranch" op="equ" val="init">
+                    <dgm:choose name="Name71">
+                      <dgm:if name="Name72" axis="des" func="maxDepth" op="lte" val="1">
+                        <dgm:choose name="Name73">
+                          <dgm:if name="Name74" axis="ch" ptType="asst" func="cnt" op="gte" val="1">
+                            <dgm:alg type="hierRoot">
+                              <dgm:param type="hierAlign" val="tL"/>
+                            </dgm:alg>
+                            <dgm:shape xmlns:r="http://schemas.openxmlformats.org/officeDocument/2006/relationships" r:blip="">
+                              <dgm:adjLst/>
+                            </dgm:shape>
+                            <dgm:presOf/>
+                            <dgm:constrLst>
+                              <dgm:constr type="alignOff" val="0.65"/>
+                            </dgm:constrLst>
+                          </dgm:if>
+                          <dgm:else name="Name75">
+                            <dgm:alg type="hierRoot">
+                              <dgm:param type="hierAlign" val="tL"/>
+                            </dgm:alg>
+                            <dgm:shape xmlns:r="http://schemas.openxmlformats.org/officeDocument/2006/relationships" r:blip="">
+                              <dgm:adjLst/>
+                            </dgm:shape>
+                            <dgm:presOf/>
+                            <dgm:constrLst>
+                              <dgm:constr type="alignOff" val="0.25"/>
+                            </dgm:constrLst>
+                          </dgm:else>
+                        </dgm:choose>
+                      </dgm:if>
+                      <dgm:else name="Name76">
+                        <dgm:alg type="hierRoot"/>
+                        <dgm:shape xmlns:r="http://schemas.openxmlformats.org/officeDocument/2006/relationships" r:blip="">
+                          <dgm:adjLst/>
+                        </dgm:shape>
+                        <dgm:presOf/>
+                        <dgm:constrLst>
+                          <dgm:constr type="alignOff"/>
+                          <dgm:constr type="bendDist" for="des" ptType="parTrans" refType="sp" fact="0.5"/>
+                        </dgm:constrLst>
+                      </dgm:else>
+                    </dgm:choose>
+                  </dgm:if>
+                  <dgm:else name="Name77">
+                    <dgm:alg type="hierRoot"/>
+                    <dgm:shape xmlns:r="http://schemas.openxmlformats.org/officeDocument/2006/relationships" r:blip="">
+                      <dgm:adjLst/>
+                    </dgm:shape>
+                    <dgm:presOf/>
+                    <dgm:constrLst>
+                      <dgm:constr type="alignOff" val="0.65"/>
+                    </dgm:constrLst>
+                  </dgm:else>
+                </dgm:choose>
+                <dgm:ruleLst/>
+                <dgm:layoutNode name="rootComposite">
+                  <dgm:alg type="composite"/>
+                  <dgm:shape xmlns:r="http://schemas.openxmlformats.org/officeDocument/2006/relationships" r:blip="">
+                    <dgm:adjLst/>
+                  </dgm:shape>
+                  <dgm:presOf axis="self" ptType="node" cnt="1"/>
+                  <dgm:choose name="Name78">
+                    <dgm:if name="Name79" func="var" arg="hierBranch" op="equ" val="init">
+                      <dgm:constrLst>
+                        <dgm:constr type="l" for="ch" forName="rootText"/>
+                        <dgm:constr type="t" for="ch" forName="rootText"/>
+                        <dgm:constr type="w" for="ch" forName="rootText" refType="w"/>
+                        <dgm:constr type="h" for="ch" forName="rootText" refType="h"/>
+                        <dgm:constr type="l" for="ch" forName="rootConnector"/>
+                        <dgm:constr type="t" for="ch" forName="rootConnector"/>
+                        <dgm:constr type="w" for="ch" forName="rootConnector" refType="w" refFor="ch" refForName="rootText" fact="0.2"/>
+                        <dgm:constr type="h" for="ch" forName="rootConnector" refType="h" refFor="ch" refForName="rootText"/>
+                      </dgm:constrLst>
+                    </dgm:if>
+                    <dgm:if name="Name80" func="var" arg="hierBranch" op="equ" val="l">
+                      <dgm:constrLst>
+                        <dgm:constr type="l" for="ch" forName="rootText"/>
+                        <dgm:constr type="t" for="ch" forName="rootText"/>
+                        <dgm:constr type="w" for="ch" forName="rootText" refType="w"/>
+                        <dgm:constr type="h" for="ch" forName="rootText" refType="h"/>
+                        <dgm:constr type="r" for="ch" forName="rootConnector" refType="w"/>
+                        <dgm:constr type="t" for="ch" forName="rootConnector"/>
+                        <dgm:constr type="w" for="ch" forName="rootConnector" refType="w" refFor="ch" refForName="rootText" fact="0.2"/>
+                        <dgm:constr type="h" for="ch" forName="rootConnector" refType="h" refFor="ch" refForName="rootText"/>
+                      </dgm:constrLst>
+                    </dgm:if>
+                    <dgm:if name="Name81" func="var" arg="hierBranch" op="equ" val="r">
+                      <dgm:constrLst>
+                        <dgm:constr type="l" for="ch" forName="rootText"/>
+                        <dgm:constr type="t" for="ch" forName="rootText"/>
+                        <dgm:constr type="w" for="ch" forName="rootText" refType="w"/>
+                        <dgm:constr type="h" for="ch" forName="rootText" refType="h"/>
+                        <dgm:constr type="l" for="ch" forName="rootConnector"/>
+                        <dgm:constr type="t" for="ch" forName="rootConnector"/>
+                        <dgm:constr type="w" for="ch" forName="rootConnector" refType="w" refFor="ch" refForName="rootText" fact="0.2"/>
+                        <dgm:constr type="h" for="ch" forName="rootConnector" refType="h" refFor="ch" refForName="rootText"/>
+                      </dgm:constrLst>
+                    </dgm:if>
+                    <dgm:else name="Name82">
+                      <dgm:constrLst>
+                        <dgm:constr type="l" for="ch" forName="rootText"/>
+                        <dgm:constr type="t" for="ch" forName="rootText"/>
+                        <dgm:constr type="w" for="ch" forName="rootText" refType="w"/>
+                        <dgm:constr type="h" for="ch" forName="rootText" refType="h"/>
+                        <dgm:constr type="r" for="ch" forName="rootConnector" refType="w"/>
+                        <dgm:constr type="t" for="ch" forName="rootConnector"/>
+                        <dgm:constr type="w" for="ch" forName="rootConnector" refType="w" refFor="ch" refForName="rootText" fact="0.2"/>
+                        <dgm:constr type="h" for="ch" forName="rootConnector" refType="h" refFor="ch" refForName="rootText"/>
+                      </dgm:constrLst>
+                    </dgm:else>
+                  </dgm:choose>
+                  <dgm:ruleLst/>
+                  <dgm:layoutNode name="rootText">
+                    <dgm:varLst>
+                      <dgm:chPref val="3"/>
+                    </dgm:varLst>
+                    <dgm:alg type="tx"/>
+                    <dgm:shape xmlns:r="http://schemas.openxmlformats.org/officeDocument/2006/relationships" type="rect" r:blip="">
+                      <dgm:adjLst/>
+                    </dgm:shape>
+                    <dgm:presOf axis="self" ptType="node" cnt="1"/>
+                    <dgm:constrLst>
+                      <dgm:constr type="primFontSz" val="65"/>
+                      <dgm:constr type="lMarg" refType="primFontSz" fact="0.05"/>
+                      <dgm:constr type="rMarg" refType="primFontSz" fact="0.05"/>
+                      <dgm:constr type="tMarg" refType="primFontSz" fact="0.05"/>
+                      <dgm:constr type="bMarg" refType="primFontSz" fact="0.05"/>
+                    </dgm:constrLst>
+                    <dgm:ruleLst>
+                      <dgm:rule type="primFontSz" val="5" fact="NaN" max="NaN"/>
+                    </dgm:ruleLst>
+                  </dgm:layoutNode>
+                  <dgm:layoutNode name="rootConnector" moveWith="rootText">
+                    <dgm:alg type="sp"/>
+                    <dgm:shape xmlns:r="http://schemas.openxmlformats.org/officeDocument/2006/relationships" type="rect" r:blip="" hideGeom="1">
+                      <dgm:adjLst/>
+                    </dgm:shape>
+                    <dgm:presOf axis="self" ptType="node" cnt="1"/>
+                    <dgm:constrLst/>
+                    <dgm:ruleLst/>
+                  </dgm:layoutNode>
+                </dgm:layoutNode>
+                <dgm:layoutNode name="hierChild4">
+                  <dgm:choose name="Name83">
+                    <dgm:if name="Name84" func="var" arg="hierBranch" op="equ" val="l">
+                      <dgm:alg type="hierChild">
+                        <dgm:param type="chAlign" val="r"/>
+                        <dgm:param type="linDir" val="fromT"/>
+                      </dgm:alg>
+                    </dgm:if>
+                    <dgm:if name="Name85" func="var" arg="hierBranch" op="equ" val="r">
+                      <dgm:alg type="hierChild">
+                        <dgm:param type="chAlign" val="l"/>
+                        <dgm:param type="linDir" val="fromT"/>
+                      </dgm:alg>
+                    </dgm:if>
+                    <dgm:if name="Name86" func="var" arg="hierBranch" op="equ" val="hang">
+                      <dgm:choose name="Name87">
+                        <dgm:if name="Name88" func="var" arg="dir" op="equ" val="norm">
+                          <dgm:alg type="hierChild">
+                            <dgm:param type="chAlign" val="l"/>
+                            <dgm:param type="linDir" val="fromL"/>
+                            <dgm:param type="secChAlign" val="t"/>
+                            <dgm:param type="secLinDir" val="fromT"/>
+                          </dgm:alg>
+                        </dgm:if>
+                        <dgm:else name="Name89">
+                          <dgm:alg type="hierChild">
+                            <dgm:param type="chAlign" val="l"/>
+                            <dgm:param type="linDir" val="fromR"/>
+                            <dgm:param type="secChAlign" val="t"/>
+                            <dgm:param type="secLinDir" val="fromT"/>
+                          </dgm:alg>
+                        </dgm:else>
+                      </dgm:choose>
+                    </dgm:if>
+                    <dgm:if name="Name90" func="var" arg="hierBranch" op="equ" val="std">
+                      <dgm:choose name="Name91">
+                        <dgm:if name="Name92" func="var" arg="dir" op="equ" val="norm">
+                          <dgm:alg type="hierChild"/>
+                        </dgm:if>
+                        <dgm:else name="Name93">
+                          <dgm:alg type="hierChild">
+                            <dgm:param type="linDir" val="fromR"/>
+                          </dgm:alg>
+                        </dgm:else>
+                      </dgm:choose>
+                    </dgm:if>
+                    <dgm:if name="Name94" func="var" arg="hierBranch" op="equ" val="init">
+                      <dgm:choose name="Name95">
+                        <dgm:if name="Name96" axis="des" func="maxDepth" op="lte" val="1">
+                          <dgm:alg type="hierChild">
+                            <dgm:param type="chAlign" val="l"/>
+                            <dgm:param type="linDir" val="fromT"/>
+                          </dgm:alg>
+                        </dgm:if>
+                        <dgm:else name="Name97">
+                          <dgm:choose name="Name98">
+                            <dgm:if name="Name99" func="var" arg="dir" op="equ" val="norm">
+                              <dgm:alg type="hierChild"/>
+                            </dgm:if>
+                            <dgm:else name="Name100">
+                              <dgm:alg type="hierChild">
+                                <dgm:param type="linDir" val="fromR"/>
+                              </dgm:alg>
+                            </dgm:else>
+                          </dgm:choose>
+                        </dgm:else>
+                      </dgm:choose>
+                    </dgm:if>
+                    <dgm:else name="Name101"/>
+                  </dgm:choose>
+                  <dgm:shape xmlns:r="http://schemas.openxmlformats.org/officeDocument/2006/relationships" r:blip="">
+                    <dgm:adjLst/>
+                  </dgm:shape>
+                  <dgm:presOf/>
+                  <dgm:constrLst/>
+                  <dgm:ruleLst/>
+                  <dgm:forEach name="Name102" ref="rep2a"/>
+                </dgm:layoutNode>
+                <dgm:layoutNode name="hierChild5">
+                  <dgm:choose name="Name103">
+                    <dgm:if name="Name104" func="var" arg="dir" op="equ" val="norm">
+                      <dgm:alg type="hierChild">
+                        <dgm:param type="chAlign" val="l"/>
+                        <dgm:param type="linDir" val="fromL"/>
+                        <dgm:param type="secChAlign" val="t"/>
+                        <dgm:param type="secLinDir" val="fromT"/>
+                      </dgm:alg>
+                    </dgm:if>
+                    <dgm:else name="Name105">
+                      <dgm:alg type="hierChild">
+                        <dgm:param type="chAlign" val="l"/>
+                        <dgm:param type="linDir" val="fromR"/>
+                        <dgm:param type="secChAlign" val="t"/>
+                        <dgm:param type="secLinDir" val="fromT"/>
+                      </dgm:alg>
+                    </dgm:else>
+                  </dgm:choose>
+                  <dgm:shape xmlns:r="http://schemas.openxmlformats.org/officeDocument/2006/relationships" r:blip="">
+                    <dgm:adjLst/>
+                  </dgm:shape>
+                  <dgm:presOf/>
+                  <dgm:constrLst/>
+                  <dgm:ruleLst/>
+                  <dgm:forEach name="Name106" ref="rep2b"/>
+                </dgm:layoutNode>
+              </dgm:layoutNode>
+            </dgm:forEach>
+          </dgm:layoutNode>
+          <dgm:layoutNode name="hierChild3">
+            <dgm:choose name="Name107">
+              <dgm:if name="Name108" func="var" arg="dir" op="equ" val="norm">
+                <dgm:alg type="hierChild">
+                  <dgm:param type="chAlign" val="l"/>
+                  <dgm:param type="linDir" val="fromL"/>
+                  <dgm:param type="secChAlign" val="t"/>
+                  <dgm:param type="secLinDir" val="fromT"/>
+                </dgm:alg>
+              </dgm:if>
+              <dgm:else name="Name109">
+                <dgm:alg type="hierChild">
+                  <dgm:param type="chAlign" val="l"/>
+                  <dgm:param type="linDir" val="fromR"/>
+                  <dgm:param type="secChAlign" val="t"/>
+                  <dgm:param type="secLinDir" val="fromT"/>
+                </dgm:alg>
+              </dgm:else>
+            </dgm:choose>
+            <dgm:shape xmlns:r="http://schemas.openxmlformats.org/officeDocument/2006/relationships" r:blip="">
+              <dgm:adjLst/>
+            </dgm:shape>
+            <dgm:presOf/>
+            <dgm:constrLst/>
+            <dgm:ruleLst/>
+            <dgm:forEach name="rep2b" axis="ch" ptType="asst">
+              <dgm:forEach name="Name110" axis="precedSib" ptType="parTrans" st="-1" cnt="1">
+                <dgm:layoutNode name="Name111">
+                  <dgm:alg type="conn">
+                    <dgm:param type="connRout" val="bend"/>
+                    <dgm:param type="dim" val="1D"/>
+                    <dgm:param type="endSty" val="noArr"/>
+                    <dgm:param type="begPts" val="bCtr"/>
+                    <dgm:param type="endPts" val="midL midR"/>
+                  </dgm:alg>
+                  <dgm:shape xmlns:r="http://schemas.openxmlformats.org/officeDocument/2006/relationships" type="conn" r:blip="" zOrderOff="-99999">
+                    <dgm:adjLst/>
+                  </dgm:shape>
+                  <dgm:presOf axis="self"/>
+                  <dgm:constrLst>
+                    <dgm:constr type="begPad"/>
+                    <dgm:constr type="endPad"/>
+                  </dgm:constrLst>
+                  <dgm:ruleLst/>
+                </dgm:layoutNode>
+              </dgm:forEach>
+              <dgm:layoutNode name="hierRoot3">
+                <dgm:varLst>
+                  <dgm:hierBranch val="init"/>
+                </dgm:varLst>
+                <dgm:choose name="Name112">
+                  <dgm:if name="Name113" func="var" arg="hierBranch" op="equ" val="l">
+                    <dgm:alg type="hierRoot">
+                      <dgm:param type="hierAlign" val="tR"/>
+                    </dgm:alg>
+                    <dgm:shape xmlns:r="http://schemas.openxmlformats.org/officeDocument/2006/relationships" r:blip="">
+                      <dgm:adjLst/>
+                    </dgm:shape>
+                    <dgm:presOf/>
+                    <dgm:constrLst>
+                      <dgm:constr type="alignOff" val="0.65"/>
+                    </dgm:constrLst>
+                  </dgm:if>
+                  <dgm:if name="Name114" func="var" arg="hierBranch" op="equ" val="r">
+                    <dgm:alg type="hierRoot">
+                      <dgm:param type="hierAlign" val="tL"/>
+                    </dgm:alg>
+                    <dgm:shape xmlns:r="http://schemas.openxmlformats.org/officeDocument/2006/relationships" r:blip="">
+                      <dgm:adjLst/>
+                    </dgm:shape>
+                    <dgm:presOf/>
+                    <dgm:constrLst>
+                      <dgm:constr type="alignOff" val="0.65"/>
+                    </dgm:constrLst>
+                  </dgm:if>
+                  <dgm:if name="Name115" func="var" arg="hierBranch" op="equ" val="hang">
+                    <dgm:alg type="hierRoot"/>
+                    <dgm:shape xmlns:r="http://schemas.openxmlformats.org/officeDocument/2006/relationships" r:blip="">
+                      <dgm:adjLst/>
+                    </dgm:shape>
+                    <dgm:presOf/>
+                    <dgm:constrLst>
+                      <dgm:constr type="alignOff" val="0.65"/>
+                    </dgm:constrLst>
+                  </dgm:if>
+                  <dgm:if name="Name116" func="var" arg="hierBranch" op="equ" val="std">
+                    <dgm:alg type="hierRoot"/>
+                    <dgm:shape xmlns:r="http://schemas.openxmlformats.org/officeDocument/2006/relationships" r:blip="">
+                      <dgm:adjLst/>
+                    </dgm:shape>
+                    <dgm:presOf/>
+                    <dgm:constrLst>
+                      <dgm:constr type="alignOff"/>
+                      <dgm:constr type="bendDist" for="des" ptType="parTrans" refType="sp" fact="0.5"/>
+                    </dgm:constrLst>
+                  </dgm:if>
+                  <dgm:if name="Name117" func="var" arg="hierBranch" op="equ" val="init">
+                    <dgm:choose name="Name118">
+                      <dgm:if name="Name119" axis="des" func="maxDepth" op="lte" val="1">
+                        <dgm:alg type="hierRoot">
+                          <dgm:param type="hierAlign" val="tL"/>
+                        </dgm:alg>
+                        <dgm:shape xmlns:r="http://schemas.openxmlformats.org/officeDocument/2006/relationships" r:blip="">
+                          <dgm:adjLst/>
+                        </dgm:shape>
+                        <dgm:presOf/>
+                        <dgm:constrLst>
+                          <dgm:constr type="alignOff" val="0.65"/>
+                        </dgm:constrLst>
+                      </dgm:if>
+                      <dgm:else name="Name120">
+                        <dgm:alg type="hierRoot"/>
+                        <dgm:shape xmlns:r="http://schemas.openxmlformats.org/officeDocument/2006/relationships" r:blip="">
+                          <dgm:adjLst/>
+                        </dgm:shape>
+                        <dgm:presOf/>
+                        <dgm:constrLst>
+                          <dgm:constr type="alignOff"/>
+                          <dgm:constr type="bendDist" for="des" ptType="parTrans" refType="sp" fact="0.5"/>
+                        </dgm:constrLst>
+                      </dgm:else>
+                    </dgm:choose>
+                  </dgm:if>
+                  <dgm:else name="Name121"/>
+                </dgm:choose>
+                <dgm:ruleLst/>
+                <dgm:layoutNode name="rootComposite3">
+                  <dgm:alg type="composite"/>
+                  <dgm:shape xmlns:r="http://schemas.openxmlformats.org/officeDocument/2006/relationships" r:blip="">
+                    <dgm:adjLst/>
+                  </dgm:shape>
+                  <dgm:presOf axis="self" ptType="node" cnt="1"/>
+                  <dgm:choose name="Name122">
+                    <dgm:if name="Name123" func="var" arg="hierBranch" op="equ" val="init">
+                      <dgm:constrLst>
+                        <dgm:constr type="l" for="ch" forName="rootText3"/>
+                        <dgm:constr type="t" for="ch" forName="rootText3"/>
+                        <dgm:constr type="w" for="ch" forName="rootText3" refType="w"/>
+                        <dgm:constr type="h" for="ch" forName="rootText3" refType="h"/>
+                        <dgm:constr type="l" for="ch" forName="rootConnector3"/>
+                        <dgm:constr type="t" for="ch" forName="rootConnector3"/>
+                        <dgm:constr type="w" for="ch" forName="rootConnector3" refType="w" refFor="ch" refForName="rootText3" fact="0.2"/>
+                        <dgm:constr type="h" for="ch" forName="rootConnector3" refType="h" refFor="ch" refForName="rootText3"/>
+                      </dgm:constrLst>
+                    </dgm:if>
+                    <dgm:if name="Name124" func="var" arg="hierBranch" op="equ" val="l">
+                      <dgm:constrLst>
+                        <dgm:constr type="l" for="ch" forName="rootText3"/>
+                        <dgm:constr type="t" for="ch" forName="rootText3"/>
+                        <dgm:constr type="w" for="ch" forName="rootText3" refType="w"/>
+                        <dgm:constr type="h" for="ch" forName="rootText3" refType="h"/>
+                        <dgm:constr type="r" for="ch" forName="rootConnector3" refType="w"/>
+                        <dgm:constr type="t" for="ch" forName="rootConnector3"/>
+                        <dgm:constr type="w" for="ch" forName="rootConnector3" refType="w" refFor="ch" refForName="rootText3" fact="0.2"/>
+                        <dgm:constr type="h" for="ch" forName="rootConnector3" refType="h" refFor="ch" refForName="rootText3"/>
+                      </dgm:constrLst>
+                    </dgm:if>
+                    <dgm:if name="Name125" func="var" arg="hierBranch" op="equ" val="r">
+                      <dgm:constrLst>
+                        <dgm:constr type="l" for="ch" forName="rootText3"/>
+                        <dgm:constr type="t" for="ch" forName="rootText3"/>
+                        <dgm:constr type="w" for="ch" forName="rootText3" refType="w"/>
+                        <dgm:constr type="h" for="ch" forName="rootText3" refType="h"/>
+                        <dgm:constr type="l" for="ch" forName="rootConnector3"/>
+                        <dgm:constr type="t" for="ch" forName="rootConnector3"/>
+                        <dgm:constr type="w" for="ch" forName="rootConnector3" refType="w" refFor="ch" refForName="rootText3" fact="0.2"/>
+                        <dgm:constr type="h" for="ch" forName="rootConnector3" refType="h" refFor="ch" refForName="rootText3"/>
+                      </dgm:constrLst>
+                    </dgm:if>
+                    <dgm:else name="Name126">
+                      <dgm:constrLst>
+                        <dgm:constr type="l" for="ch" forName="rootText3"/>
+                        <dgm:constr type="t" for="ch" forName="rootText3"/>
+                        <dgm:constr type="w" for="ch" forName="rootText3" refType="w"/>
+                        <dgm:constr type="h" for="ch" forName="rootText3" refType="h"/>
+                        <dgm:constr type="r" for="ch" forName="rootConnector3" refType="w"/>
+                        <dgm:constr type="t" for="ch" forName="rootConnector3"/>
+                        <dgm:constr type="w" for="ch" forName="rootConnector3" refType="w" refFor="ch" refForName="rootText3" fact="0.2"/>
+                        <dgm:constr type="h" for="ch" forName="rootConnector3" refType="h" refFor="ch" refForName="rootText3"/>
+                      </dgm:constrLst>
+                    </dgm:else>
+                  </dgm:choose>
+                  <dgm:ruleLst/>
+                  <dgm:layoutNode name="rootText3">
+                    <dgm:varLst>
+                      <dgm:chPref val="3"/>
+                    </dgm:varLst>
+                    <dgm:alg type="tx"/>
+                    <dgm:shape xmlns:r="http://schemas.openxmlformats.org/officeDocument/2006/relationships" type="rect" r:blip="">
+                      <dgm:adjLst/>
+                    </dgm:shape>
+                    <dgm:presOf axis="self" ptType="node" cnt="1"/>
+                    <dgm:constrLst>
+                      <dgm:constr type="primFontSz" val="65"/>
+                      <dgm:constr type="lMarg" refType="primFontSz" fact="0.05"/>
+                      <dgm:constr type="rMarg" refType="primFontSz" fact="0.05"/>
+                      <dgm:constr type="tMarg" refType="primFontSz" fact="0.05"/>
+                      <dgm:constr type="bMarg" refType="primFontSz" fact="0.05"/>
+                    </dgm:constrLst>
+                    <dgm:ruleLst>
+                      <dgm:rule type="primFontSz" val="5" fact="NaN" max="NaN"/>
+                    </dgm:ruleLst>
+                  </dgm:layoutNode>
+                  <dgm:layoutNode name="rootConnector3" moveWith="rootText1">
+                    <dgm:alg type="sp"/>
+                    <dgm:shape xmlns:r="http://schemas.openxmlformats.org/officeDocument/2006/relationships" type="rect" r:blip="" hideGeom="1">
+                      <dgm:adjLst/>
+                    </dgm:shape>
+                    <dgm:presOf axis="self" ptType="node" cnt="1"/>
+                    <dgm:constrLst/>
+                    <dgm:ruleLst/>
+                  </dgm:layoutNode>
+                </dgm:layoutNode>
+                <dgm:layoutNode name="hierChild6">
+                  <dgm:choose name="Name127">
+                    <dgm:if name="Name128" func="var" arg="hierBranch" op="equ" val="l">
+                      <dgm:alg type="hierChild">
+                        <dgm:param type="chAlign" val="r"/>
+                        <dgm:param type="linDir" val="fromT"/>
+                      </dgm:alg>
+                    </dgm:if>
+                    <dgm:if name="Name129" func="var" arg="hierBranch" op="equ" val="r">
+                      <dgm:alg type="hierChild">
+                        <dgm:param type="chAlign" val="l"/>
+                        <dgm:param type="linDir" val="fromT"/>
+                      </dgm:alg>
+                    </dgm:if>
+                    <dgm:if name="Name130" func="var" arg="hierBranch" op="equ" val="hang">
+                      <dgm:choose name="Name131">
+                        <dgm:if name="Name132" func="var" arg="dir" op="equ" val="norm">
+                          <dgm:alg type="hierChild">
+                            <dgm:param type="chAlign" val="l"/>
+                            <dgm:param type="linDir" val="fromL"/>
+                            <dgm:param type="secChAlign" val="t"/>
+                            <dgm:param type="secLinDir" val="fromT"/>
+                          </dgm:alg>
+                        </dgm:if>
+                        <dgm:else name="Name133">
+                          <dgm:alg type="hierChild">
+                            <dgm:param type="chAlign" val="l"/>
+                            <dgm:param type="linDir" val="fromR"/>
+                            <dgm:param type="secChAlign" val="t"/>
+                            <dgm:param type="secLinDir" val="fromT"/>
+                          </dgm:alg>
+                        </dgm:else>
+                      </dgm:choose>
+                    </dgm:if>
+                    <dgm:if name="Name134" func="var" arg="hierBranch" op="equ" val="std">
+                      <dgm:choose name="Name135">
+                        <dgm:if name="Name136" func="var" arg="dir" op="equ" val="norm">
+                          <dgm:alg type="hierChild"/>
+                        </dgm:if>
+                        <dgm:else name="Name137">
+                          <dgm:alg type="hierChild">
+                            <dgm:param type="linDir" val="fromR"/>
+                          </dgm:alg>
+                        </dgm:else>
+                      </dgm:choose>
+                    </dgm:if>
+                    <dgm:if name="Name138" func="var" arg="hierBranch" op="equ" val="init">
+                      <dgm:choose name="Name139">
+                        <dgm:if name="Name140" axis="des" func="maxDepth" op="lte" val="1">
+                          <dgm:alg type="hierChild">
+                            <dgm:param type="chAlign" val="l"/>
+                            <dgm:param type="linDir" val="fromT"/>
+                          </dgm:alg>
+                        </dgm:if>
+                        <dgm:else name="Name141">
+                          <dgm:alg type="hierChild"/>
+                        </dgm:else>
+                      </dgm:choose>
+                    </dgm:if>
+                    <dgm:else name="Name142"/>
+                  </dgm:choose>
+                  <dgm:shape xmlns:r="http://schemas.openxmlformats.org/officeDocument/2006/relationships" r:blip="">
+                    <dgm:adjLst/>
+                  </dgm:shape>
+                  <dgm:presOf/>
+                  <dgm:constrLst/>
+                  <dgm:ruleLst/>
+                  <dgm:forEach name="Name143" ref="rep2a"/>
+                </dgm:layoutNode>
+                <dgm:layoutNode name="hierChild7">
+                  <dgm:choose name="Name144">
+                    <dgm:if name="Name145" func="var" arg="dir" op="equ" val="norm">
+                      <dgm:alg type="hierChild">
+                        <dgm:param type="chAlign" val="l"/>
+                        <dgm:param type="linDir" val="fromL"/>
+                        <dgm:param type="secChAlign" val="t"/>
+                        <dgm:param type="secLinDir" val="fromT"/>
+                      </dgm:alg>
+                    </dgm:if>
+                    <dgm:else name="Name146">
+                      <dgm:alg type="hierChild">
+                        <dgm:param type="chAlign" val="l"/>
+                        <dgm:param type="linDir" val="fromR"/>
+                        <dgm:param type="secChAlign" val="t"/>
+                        <dgm:param type="secLinDir" val="fromT"/>
+                      </dgm:alg>
+                    </dgm:else>
+                  </dgm:choose>
+                  <dgm:shape xmlns:r="http://schemas.openxmlformats.org/officeDocument/2006/relationships" r:blip="">
+                    <dgm:adjLst/>
+                  </dgm:shape>
+                  <dgm:presOf/>
+                  <dgm:constrLst/>
+                  <dgm:ruleLst/>
+                  <dgm:forEach name="Name147" ref="rep2b"/>
+                </dgm:layoutNode>
+              </dgm:layoutNode>
+            </dgm:forEach>
+          </dgm:layoutNode>
+        </dgm:layoutNode>
+      </dgm:forEach>
+    </dgm:forEach>
+  </dgm:layoutNode>
+</dgm:layoutDef>
+</file>
+
+<file path=ppt/diagrams/layout7.xml><?xml version="1.0" encoding="utf-8"?>
 <dgm:layoutDef xmlns:dgm="http://schemas.openxmlformats.org/drawingml/2006/diagram" xmlns:a="http://schemas.openxmlformats.org/drawingml/2006/main" uniqueId="urn:microsoft.com/office/officeart/2005/8/layout/process3">
   <dgm:title val=""/>
   <dgm:desc val=""/>
@@ -29133,6 +33903,1040 @@
 </dgm:styleDef>
 </file>
 
+<file path=ppt/diagrams/quickStyle7.xml><?xml version="1.0" encoding="utf-8"?>
+<dgm:styleDef xmlns:dgm="http://schemas.openxmlformats.org/drawingml/2006/diagram" xmlns:a="http://schemas.openxmlformats.org/drawingml/2006/main" uniqueId="urn:microsoft.com/office/officeart/2005/8/quickstyle/simple1">
+  <dgm:title val=""/>
+  <dgm:desc val=""/>
+  <dgm:catLst>
+    <dgm:cat type="simple" pri="10100"/>
+  </dgm:catLst>
+  <dgm:scene3d>
+    <a:camera prst="orthographicFront"/>
+    <a:lightRig rig="threePt" dir="t"/>
+  </dgm:scene3d>
+  <dgm:styleLbl name="node0">
+    <dgm:scene3d>
+      <a:camera prst="orthographicFront"/>
+      <a:lightRig rig="threePt" dir="t"/>
+    </dgm:scene3d>
+    <dgm:sp3d/>
+    <dgm:txPr/>
+    <dgm:style>
+      <a:lnRef idx="2">
+        <a:scrgbClr r="0" g="0" b="0"/>
+      </a:lnRef>
+      <a:fillRef idx="1">
+        <a:scrgbClr r="0" g="0" b="0"/>
+      </a:fillRef>
+      <a:effectRef idx="0">
+        <a:scrgbClr r="0" g="0" b="0"/>
+      </a:effectRef>
+      <a:fontRef idx="minor">
+        <a:schemeClr val="lt1"/>
+      </a:fontRef>
+    </dgm:style>
+  </dgm:styleLbl>
+  <dgm:styleLbl name="lnNode1">
+    <dgm:scene3d>
+      <a:camera prst="orthographicFront"/>
+      <a:lightRig rig="threePt" dir="t"/>
+    </dgm:scene3d>
+    <dgm:sp3d/>
+    <dgm:txPr/>
+    <dgm:style>
+      <a:lnRef idx="2">
+        <a:scrgbClr r="0" g="0" b="0"/>
+      </a:lnRef>
+      <a:fillRef idx="1">
+        <a:scrgbClr r="0" g="0" b="0"/>
+      </a:fillRef>
+      <a:effectRef idx="0">
+        <a:scrgbClr r="0" g="0" b="0"/>
+      </a:effectRef>
+      <a:fontRef idx="minor">
+        <a:schemeClr val="lt1"/>
+      </a:fontRef>
+    </dgm:style>
+  </dgm:styleLbl>
+  <dgm:styleLbl name="vennNode1">
+    <dgm:scene3d>
+      <a:camera prst="orthographicFront"/>
+      <a:lightRig rig="threePt" dir="t"/>
+    </dgm:scene3d>
+    <dgm:sp3d/>
+    <dgm:txPr/>
+    <dgm:style>
+      <a:lnRef idx="2">
+        <a:scrgbClr r="0" g="0" b="0"/>
+      </a:lnRef>
+      <a:fillRef idx="1">
+        <a:scrgbClr r="0" g="0" b="0"/>
+      </a:fillRef>
+      <a:effectRef idx="0">
+        <a:scrgbClr r="0" g="0" b="0"/>
+      </a:effectRef>
+      <a:fontRef idx="minor">
+        <a:schemeClr val="tx1"/>
+      </a:fontRef>
+    </dgm:style>
+  </dgm:styleLbl>
+  <dgm:styleLbl name="alignNode1">
+    <dgm:scene3d>
+      <a:camera prst="orthographicFront"/>
+      <a:lightRig rig="threePt" dir="t"/>
+    </dgm:scene3d>
+    <dgm:sp3d/>
+    <dgm:txPr/>
+    <dgm:style>
+      <a:lnRef idx="2">
+        <a:scrgbClr r="0" g="0" b="0"/>
+      </a:lnRef>
+      <a:fillRef idx="1">
+        <a:scrgbClr r="0" g="0" b="0"/>
+      </a:fillRef>
+      <a:effectRef idx="0">
+        <a:scrgbClr r="0" g="0" b="0"/>
+      </a:effectRef>
+      <a:fontRef idx="minor">
+        <a:schemeClr val="lt1"/>
+      </a:fontRef>
+    </dgm:style>
+  </dgm:styleLbl>
+  <dgm:styleLbl name="node1">
+    <dgm:scene3d>
+      <a:camera prst="orthographicFront"/>
+      <a:lightRig rig="threePt" dir="t"/>
+    </dgm:scene3d>
+    <dgm:sp3d/>
+    <dgm:txPr/>
+    <dgm:style>
+      <a:lnRef idx="2">
+        <a:scrgbClr r="0" g="0" b="0"/>
+      </a:lnRef>
+      <a:fillRef idx="1">
+        <a:scrgbClr r="0" g="0" b="0"/>
+      </a:fillRef>
+      <a:effectRef idx="0">
+        <a:scrgbClr r="0" g="0" b="0"/>
+      </a:effectRef>
+      <a:fontRef idx="minor">
+        <a:schemeClr val="lt1"/>
+      </a:fontRef>
+    </dgm:style>
+  </dgm:styleLbl>
+  <dgm:styleLbl name="node2">
+    <dgm:scene3d>
+      <a:camera prst="orthographicFront"/>
+      <a:lightRig rig="threePt" dir="t"/>
+    </dgm:scene3d>
+    <dgm:sp3d/>
+    <dgm:txPr/>
+    <dgm:style>
+      <a:lnRef idx="2">
+        <a:scrgbClr r="0" g="0" b="0"/>
+      </a:lnRef>
+      <a:fillRef idx="1">
+        <a:scrgbClr r="0" g="0" b="0"/>
+      </a:fillRef>
+      <a:effectRef idx="0">
+        <a:scrgbClr r="0" g="0" b="0"/>
+      </a:effectRef>
+      <a:fontRef idx="minor">
+        <a:schemeClr val="lt1"/>
+      </a:fontRef>
+    </dgm:style>
+  </dgm:styleLbl>
+  <dgm:styleLbl name="node3">
+    <dgm:scene3d>
+      <a:camera prst="orthographicFront"/>
+      <a:lightRig rig="threePt" dir="t"/>
+    </dgm:scene3d>
+    <dgm:sp3d/>
+    <dgm:txPr/>
+    <dgm:style>
+      <a:lnRef idx="2">
+        <a:scrgbClr r="0" g="0" b="0"/>
+      </a:lnRef>
+      <a:fillRef idx="1">
+        <a:scrgbClr r="0" g="0" b="0"/>
+      </a:fillRef>
+      <a:effectRef idx="0">
+        <a:scrgbClr r="0" g="0" b="0"/>
+      </a:effectRef>
+      <a:fontRef idx="minor">
+        <a:schemeClr val="lt1"/>
+      </a:fontRef>
+    </dgm:style>
+  </dgm:styleLbl>
+  <dgm:styleLbl name="node4">
+    <dgm:scene3d>
+      <a:camera prst="orthographicFront"/>
+      <a:lightRig rig="threePt" dir="t"/>
+    </dgm:scene3d>
+    <dgm:sp3d/>
+    <dgm:txPr/>
+    <dgm:style>
+      <a:lnRef idx="2">
+        <a:scrgbClr r="0" g="0" b="0"/>
+      </a:lnRef>
+      <a:fillRef idx="1">
+        <a:scrgbClr r="0" g="0" b="0"/>
+      </a:fillRef>
+      <a:effectRef idx="0">
+        <a:scrgbClr r="0" g="0" b="0"/>
+      </a:effectRef>
+      <a:fontRef idx="minor">
+        <a:schemeClr val="lt1"/>
+      </a:fontRef>
+    </dgm:style>
+  </dgm:styleLbl>
+  <dgm:styleLbl name="fgImgPlace1">
+    <dgm:scene3d>
+      <a:camera prst="orthographicFront"/>
+      <a:lightRig rig="threePt" dir="t"/>
+    </dgm:scene3d>
+    <dgm:sp3d/>
+    <dgm:txPr/>
+    <dgm:style>
+      <a:lnRef idx="2">
+        <a:scrgbClr r="0" g="0" b="0"/>
+      </a:lnRef>
+      <a:fillRef idx="1">
+        <a:scrgbClr r="0" g="0" b="0"/>
+      </a:fillRef>
+      <a:effectRef idx="0">
+        <a:scrgbClr r="0" g="0" b="0"/>
+      </a:effectRef>
+      <a:fontRef idx="minor"/>
+    </dgm:style>
+  </dgm:styleLbl>
+  <dgm:styleLbl name="alignImgPlace1">
+    <dgm:scene3d>
+      <a:camera prst="orthographicFront"/>
+      <a:lightRig rig="threePt" dir="t"/>
+    </dgm:scene3d>
+    <dgm:sp3d/>
+    <dgm:txPr/>
+    <dgm:style>
+      <a:lnRef idx="2">
+        <a:scrgbClr r="0" g="0" b="0"/>
+      </a:lnRef>
+      <a:fillRef idx="1">
+        <a:scrgbClr r="0" g="0" b="0"/>
+      </a:fillRef>
+      <a:effectRef idx="0">
+        <a:scrgbClr r="0" g="0" b="0"/>
+      </a:effectRef>
+      <a:fontRef idx="minor"/>
+    </dgm:style>
+  </dgm:styleLbl>
+  <dgm:styleLbl name="bgImgPlace1">
+    <dgm:scene3d>
+      <a:camera prst="orthographicFront"/>
+      <a:lightRig rig="threePt" dir="t"/>
+    </dgm:scene3d>
+    <dgm:sp3d/>
+    <dgm:txPr/>
+    <dgm:style>
+      <a:lnRef idx="2">
+        <a:scrgbClr r="0" g="0" b="0"/>
+      </a:lnRef>
+      <a:fillRef idx="1">
+        <a:scrgbClr r="0" g="0" b="0"/>
+      </a:fillRef>
+      <a:effectRef idx="0">
+        <a:scrgbClr r="0" g="0" b="0"/>
+      </a:effectRef>
+      <a:fontRef idx="minor"/>
+    </dgm:style>
+  </dgm:styleLbl>
+  <dgm:styleLbl name="sibTrans2D1">
+    <dgm:scene3d>
+      <a:camera prst="orthographicFront"/>
+      <a:lightRig rig="threePt" dir="t"/>
+    </dgm:scene3d>
+    <dgm:sp3d/>
+    <dgm:txPr/>
+    <dgm:style>
+      <a:lnRef idx="0">
+        <a:scrgbClr r="0" g="0" b="0"/>
+      </a:lnRef>
+      <a:fillRef idx="1">
+        <a:scrgbClr r="0" g="0" b="0"/>
+      </a:fillRef>
+      <a:effectRef idx="0">
+        <a:scrgbClr r="0" g="0" b="0"/>
+      </a:effectRef>
+      <a:fontRef idx="minor">
+        <a:schemeClr val="lt1"/>
+      </a:fontRef>
+    </dgm:style>
+  </dgm:styleLbl>
+  <dgm:styleLbl name="fgSibTrans2D1">
+    <dgm:scene3d>
+      <a:camera prst="orthographicFront"/>
+      <a:lightRig rig="threePt" dir="t"/>
+    </dgm:scene3d>
+    <dgm:sp3d/>
+    <dgm:txPr/>
+    <dgm:style>
+      <a:lnRef idx="0">
+        <a:scrgbClr r="0" g="0" b="0"/>
+      </a:lnRef>
+      <a:fillRef idx="1">
+        <a:scrgbClr r="0" g="0" b="0"/>
+      </a:fillRef>
+      <a:effectRef idx="0">
+        <a:scrgbClr r="0" g="0" b="0"/>
+      </a:effectRef>
+      <a:fontRef idx="minor">
+        <a:schemeClr val="lt1"/>
+      </a:fontRef>
+    </dgm:style>
+  </dgm:styleLbl>
+  <dgm:styleLbl name="bgSibTrans2D1">
+    <dgm:scene3d>
+      <a:camera prst="orthographicFront"/>
+      <a:lightRig rig="threePt" dir="t"/>
+    </dgm:scene3d>
+    <dgm:sp3d/>
+    <dgm:txPr/>
+    <dgm:style>
+      <a:lnRef idx="0">
+        <a:scrgbClr r="0" g="0" b="0"/>
+      </a:lnRef>
+      <a:fillRef idx="1">
+        <a:scrgbClr r="0" g="0" b="0"/>
+      </a:fillRef>
+      <a:effectRef idx="0">
+        <a:scrgbClr r="0" g="0" b="0"/>
+      </a:effectRef>
+      <a:fontRef idx="minor">
+        <a:schemeClr val="lt1"/>
+      </a:fontRef>
+    </dgm:style>
+  </dgm:styleLbl>
+  <dgm:styleLbl name="sibTrans1D1">
+    <dgm:scene3d>
+      <a:camera prst="orthographicFront"/>
+      <a:lightRig rig="threePt" dir="t"/>
+    </dgm:scene3d>
+    <dgm:sp3d/>
+    <dgm:txPr/>
+    <dgm:style>
+      <a:lnRef idx="1">
+        <a:scrgbClr r="0" g="0" b="0"/>
+      </a:lnRef>
+      <a:fillRef idx="0">
+        <a:scrgbClr r="0" g="0" b="0"/>
+      </a:fillRef>
+      <a:effectRef idx="0">
+        <a:scrgbClr r="0" g="0" b="0"/>
+      </a:effectRef>
+      <a:fontRef idx="minor"/>
+    </dgm:style>
+  </dgm:styleLbl>
+  <dgm:styleLbl name="callout">
+    <dgm:scene3d>
+      <a:camera prst="orthographicFront"/>
+      <a:lightRig rig="threePt" dir="t"/>
+    </dgm:scene3d>
+    <dgm:sp3d/>
+    <dgm:txPr/>
+    <dgm:style>
+      <a:lnRef idx="2">
+        <a:scrgbClr r="0" g="0" b="0"/>
+      </a:lnRef>
+      <a:fillRef idx="1">
+        <a:scrgbClr r="0" g="0" b="0"/>
+      </a:fillRef>
+      <a:effectRef idx="0">
+        <a:scrgbClr r="0" g="0" b="0"/>
+      </a:effectRef>
+      <a:fontRef idx="minor"/>
+    </dgm:style>
+  </dgm:styleLbl>
+  <dgm:styleLbl name="asst0">
+    <dgm:scene3d>
+      <a:camera prst="orthographicFront"/>
+      <a:lightRig rig="threePt" dir="t"/>
+    </dgm:scene3d>
+    <dgm:sp3d/>
+    <dgm:txPr/>
+    <dgm:style>
+      <a:lnRef idx="2">
+        <a:scrgbClr r="0" g="0" b="0"/>
+      </a:lnRef>
+      <a:fillRef idx="1">
+        <a:scrgbClr r="0" g="0" b="0"/>
+      </a:fillRef>
+      <a:effectRef idx="0">
+        <a:scrgbClr r="0" g="0" b="0"/>
+      </a:effectRef>
+      <a:fontRef idx="minor">
+        <a:schemeClr val="lt1"/>
+      </a:fontRef>
+    </dgm:style>
+  </dgm:styleLbl>
+  <dgm:styleLbl name="asst1">
+    <dgm:scene3d>
+      <a:camera prst="orthographicFront"/>
+      <a:lightRig rig="threePt" dir="t"/>
+    </dgm:scene3d>
+    <dgm:sp3d/>
+    <dgm:txPr/>
+    <dgm:style>
+      <a:lnRef idx="2">
+        <a:scrgbClr r="0" g="0" b="0"/>
+      </a:lnRef>
+      <a:fillRef idx="1">
+        <a:scrgbClr r="0" g="0" b="0"/>
+      </a:fillRef>
+      <a:effectRef idx="0">
+        <a:scrgbClr r="0" g="0" b="0"/>
+      </a:effectRef>
+      <a:fontRef idx="minor">
+        <a:schemeClr val="lt1"/>
+      </a:fontRef>
+    </dgm:style>
+  </dgm:styleLbl>
+  <dgm:styleLbl name="asst2">
+    <dgm:scene3d>
+      <a:camera prst="orthographicFront"/>
+      <a:lightRig rig="threePt" dir="t"/>
+    </dgm:scene3d>
+    <dgm:sp3d/>
+    <dgm:txPr/>
+    <dgm:style>
+      <a:lnRef idx="2">
+        <a:scrgbClr r="0" g="0" b="0"/>
+      </a:lnRef>
+      <a:fillRef idx="1">
+        <a:scrgbClr r="0" g="0" b="0"/>
+      </a:fillRef>
+      <a:effectRef idx="0">
+        <a:scrgbClr r="0" g="0" b="0"/>
+      </a:effectRef>
+      <a:fontRef idx="minor">
+        <a:schemeClr val="lt1"/>
+      </a:fontRef>
+    </dgm:style>
+  </dgm:styleLbl>
+  <dgm:styleLbl name="asst3">
+    <dgm:scene3d>
+      <a:camera prst="orthographicFront"/>
+      <a:lightRig rig="threePt" dir="t"/>
+    </dgm:scene3d>
+    <dgm:sp3d/>
+    <dgm:txPr/>
+    <dgm:style>
+      <a:lnRef idx="2">
+        <a:scrgbClr r="0" g="0" b="0"/>
+      </a:lnRef>
+      <a:fillRef idx="1">
+        <a:scrgbClr r="0" g="0" b="0"/>
+      </a:fillRef>
+      <a:effectRef idx="0">
+        <a:scrgbClr r="0" g="0" b="0"/>
+      </a:effectRef>
+      <a:fontRef idx="minor">
+        <a:schemeClr val="lt1"/>
+      </a:fontRef>
+    </dgm:style>
+  </dgm:styleLbl>
+  <dgm:styleLbl name="asst4">
+    <dgm:scene3d>
+      <a:camera prst="orthographicFront"/>
+      <a:lightRig rig="threePt" dir="t"/>
+    </dgm:scene3d>
+    <dgm:sp3d/>
+    <dgm:txPr/>
+    <dgm:style>
+      <a:lnRef idx="2">
+        <a:scrgbClr r="0" g="0" b="0"/>
+      </a:lnRef>
+      <a:fillRef idx="1">
+        <a:scrgbClr r="0" g="0" b="0"/>
+      </a:fillRef>
+      <a:effectRef idx="0">
+        <a:scrgbClr r="0" g="0" b="0"/>
+      </a:effectRef>
+      <a:fontRef idx="minor">
+        <a:schemeClr val="lt1"/>
+      </a:fontRef>
+    </dgm:style>
+  </dgm:styleLbl>
+  <dgm:styleLbl name="parChTrans2D1">
+    <dgm:scene3d>
+      <a:camera prst="orthographicFront"/>
+      <a:lightRig rig="threePt" dir="t"/>
+    </dgm:scene3d>
+    <dgm:sp3d/>
+    <dgm:txPr/>
+    <dgm:style>
+      <a:lnRef idx="2">
+        <a:scrgbClr r="0" g="0" b="0"/>
+      </a:lnRef>
+      <a:fillRef idx="1">
+        <a:scrgbClr r="0" g="0" b="0"/>
+      </a:fillRef>
+      <a:effectRef idx="0">
+        <a:scrgbClr r="0" g="0" b="0"/>
+      </a:effectRef>
+      <a:fontRef idx="minor">
+        <a:schemeClr val="lt1"/>
+      </a:fontRef>
+    </dgm:style>
+  </dgm:styleLbl>
+  <dgm:styleLbl name="parChTrans2D2">
+    <dgm:scene3d>
+      <a:camera prst="orthographicFront"/>
+      <a:lightRig rig="threePt" dir="t"/>
+    </dgm:scene3d>
+    <dgm:sp3d/>
+    <dgm:txPr/>
+    <dgm:style>
+      <a:lnRef idx="2">
+        <a:scrgbClr r="0" g="0" b="0"/>
+      </a:lnRef>
+      <a:fillRef idx="1">
+        <a:scrgbClr r="0" g="0" b="0"/>
+      </a:fillRef>
+      <a:effectRef idx="0">
+        <a:scrgbClr r="0" g="0" b="0"/>
+      </a:effectRef>
+      <a:fontRef idx="minor">
+        <a:schemeClr val="lt1"/>
+      </a:fontRef>
+    </dgm:style>
+  </dgm:styleLbl>
+  <dgm:styleLbl name="parChTrans2D3">
+    <dgm:scene3d>
+      <a:camera prst="orthographicFront"/>
+      <a:lightRig rig="threePt" dir="t"/>
+    </dgm:scene3d>
+    <dgm:sp3d/>
+    <dgm:txPr/>
+    <dgm:style>
+      <a:lnRef idx="2">
+        <a:scrgbClr r="0" g="0" b="0"/>
+      </a:lnRef>
+      <a:fillRef idx="1">
+        <a:scrgbClr r="0" g="0" b="0"/>
+      </a:fillRef>
+      <a:effectRef idx="0">
+        <a:scrgbClr r="0" g="0" b="0"/>
+      </a:effectRef>
+      <a:fontRef idx="minor">
+        <a:schemeClr val="lt1"/>
+      </a:fontRef>
+    </dgm:style>
+  </dgm:styleLbl>
+  <dgm:styleLbl name="parChTrans2D4">
+    <dgm:scene3d>
+      <a:camera prst="orthographicFront"/>
+      <a:lightRig rig="threePt" dir="t"/>
+    </dgm:scene3d>
+    <dgm:sp3d/>
+    <dgm:txPr/>
+    <dgm:style>
+      <a:lnRef idx="2">
+        <a:scrgbClr r="0" g="0" b="0"/>
+      </a:lnRef>
+      <a:fillRef idx="1">
+        <a:scrgbClr r="0" g="0" b="0"/>
+      </a:fillRef>
+      <a:effectRef idx="0">
+        <a:scrgbClr r="0" g="0" b="0"/>
+      </a:effectRef>
+      <a:fontRef idx="minor">
+        <a:schemeClr val="lt1"/>
+      </a:fontRef>
+    </dgm:style>
+  </dgm:styleLbl>
+  <dgm:styleLbl name="parChTrans1D1">
+    <dgm:scene3d>
+      <a:camera prst="orthographicFront"/>
+      <a:lightRig rig="threePt" dir="t"/>
+    </dgm:scene3d>
+    <dgm:sp3d/>
+    <dgm:txPr/>
+    <dgm:style>
+      <a:lnRef idx="2">
+        <a:scrgbClr r="0" g="0" b="0"/>
+      </a:lnRef>
+      <a:fillRef idx="0">
+        <a:scrgbClr r="0" g="0" b="0"/>
+      </a:fillRef>
+      <a:effectRef idx="0">
+        <a:scrgbClr r="0" g="0" b="0"/>
+      </a:effectRef>
+      <a:fontRef idx="minor"/>
+    </dgm:style>
+  </dgm:styleLbl>
+  <dgm:styleLbl name="parChTrans1D2">
+    <dgm:scene3d>
+      <a:camera prst="orthographicFront"/>
+      <a:lightRig rig="threePt" dir="t"/>
+    </dgm:scene3d>
+    <dgm:sp3d/>
+    <dgm:txPr/>
+    <dgm:style>
+      <a:lnRef idx="2">
+        <a:scrgbClr r="0" g="0" b="0"/>
+      </a:lnRef>
+      <a:fillRef idx="0">
+        <a:scrgbClr r="0" g="0" b="0"/>
+      </a:fillRef>
+      <a:effectRef idx="0">
+        <a:scrgbClr r="0" g="0" b="0"/>
+      </a:effectRef>
+      <a:fontRef idx="minor"/>
+    </dgm:style>
+  </dgm:styleLbl>
+  <dgm:styleLbl name="parChTrans1D3">
+    <dgm:scene3d>
+      <a:camera prst="orthographicFront"/>
+      <a:lightRig rig="threePt" dir="t"/>
+    </dgm:scene3d>
+    <dgm:sp3d/>
+    <dgm:txPr/>
+    <dgm:style>
+      <a:lnRef idx="2">
+        <a:scrgbClr r="0" g="0" b="0"/>
+      </a:lnRef>
+      <a:fillRef idx="0">
+        <a:scrgbClr r="0" g="0" b="0"/>
+      </a:fillRef>
+      <a:effectRef idx="0">
+        <a:scrgbClr r="0" g="0" b="0"/>
+      </a:effectRef>
+      <a:fontRef idx="minor"/>
+    </dgm:style>
+  </dgm:styleLbl>
+  <dgm:styleLbl name="parChTrans1D4">
+    <dgm:scene3d>
+      <a:camera prst="orthographicFront"/>
+      <a:lightRig rig="threePt" dir="t"/>
+    </dgm:scene3d>
+    <dgm:sp3d/>
+    <dgm:txPr/>
+    <dgm:style>
+      <a:lnRef idx="2">
+        <a:scrgbClr r="0" g="0" b="0"/>
+      </a:lnRef>
+      <a:fillRef idx="0">
+        <a:scrgbClr r="0" g="0" b="0"/>
+      </a:fillRef>
+      <a:effectRef idx="0">
+        <a:scrgbClr r="0" g="0" b="0"/>
+      </a:effectRef>
+      <a:fontRef idx="minor"/>
+    </dgm:style>
+  </dgm:styleLbl>
+  <dgm:styleLbl name="fgAcc1">
+    <dgm:scene3d>
+      <a:camera prst="orthographicFront"/>
+      <a:lightRig rig="threePt" dir="t"/>
+    </dgm:scene3d>
+    <dgm:sp3d/>
+    <dgm:txPr/>
+    <dgm:style>
+      <a:lnRef idx="2">
+        <a:scrgbClr r="0" g="0" b="0"/>
+      </a:lnRef>
+      <a:fillRef idx="1">
+        <a:scrgbClr r="0" g="0" b="0"/>
+      </a:fillRef>
+      <a:effectRef idx="0">
+        <a:scrgbClr r="0" g="0" b="0"/>
+      </a:effectRef>
+      <a:fontRef idx="minor"/>
+    </dgm:style>
+  </dgm:styleLbl>
+  <dgm:styleLbl name="conFgAcc1">
+    <dgm:scene3d>
+      <a:camera prst="orthographicFront"/>
+      <a:lightRig rig="threePt" dir="t"/>
+    </dgm:scene3d>
+    <dgm:sp3d/>
+    <dgm:txPr/>
+    <dgm:style>
+      <a:lnRef idx="2">
+        <a:scrgbClr r="0" g="0" b="0"/>
+      </a:lnRef>
+      <a:fillRef idx="1">
+        <a:scrgbClr r="0" g="0" b="0"/>
+      </a:fillRef>
+      <a:effectRef idx="0">
+        <a:scrgbClr r="0" g="0" b="0"/>
+      </a:effectRef>
+      <a:fontRef idx="minor"/>
+    </dgm:style>
+  </dgm:styleLbl>
+  <dgm:styleLbl name="alignAcc1">
+    <dgm:scene3d>
+      <a:camera prst="orthographicFront"/>
+      <a:lightRig rig="threePt" dir="t"/>
+    </dgm:scene3d>
+    <dgm:sp3d/>
+    <dgm:txPr/>
+    <dgm:style>
+      <a:lnRef idx="2">
+        <a:scrgbClr r="0" g="0" b="0"/>
+      </a:lnRef>
+      <a:fillRef idx="1">
+        <a:scrgbClr r="0" g="0" b="0"/>
+      </a:fillRef>
+      <a:effectRef idx="0">
+        <a:scrgbClr r="0" g="0" b="0"/>
+      </a:effectRef>
+      <a:fontRef idx="minor"/>
+    </dgm:style>
+  </dgm:styleLbl>
+  <dgm:styleLbl name="trAlignAcc1">
+    <dgm:scene3d>
+      <a:camera prst="orthographicFront"/>
+      <a:lightRig rig="threePt" dir="t"/>
+    </dgm:scene3d>
+    <dgm:sp3d/>
+    <dgm:txPr/>
+    <dgm:style>
+      <a:lnRef idx="1">
+        <a:scrgbClr r="0" g="0" b="0"/>
+      </a:lnRef>
+      <a:fillRef idx="1">
+        <a:scrgbClr r="0" g="0" b="0"/>
+      </a:fillRef>
+      <a:effectRef idx="0">
+        <a:scrgbClr r="0" g="0" b="0"/>
+      </a:effectRef>
+      <a:fontRef idx="minor"/>
+    </dgm:style>
+  </dgm:styleLbl>
+  <dgm:styleLbl name="bgAcc1">
+    <dgm:scene3d>
+      <a:camera prst="orthographicFront"/>
+      <a:lightRig rig="threePt" dir="t"/>
+    </dgm:scene3d>
+    <dgm:sp3d/>
+    <dgm:txPr/>
+    <dgm:style>
+      <a:lnRef idx="2">
+        <a:scrgbClr r="0" g="0" b="0"/>
+      </a:lnRef>
+      <a:fillRef idx="1">
+        <a:scrgbClr r="0" g="0" b="0"/>
+      </a:fillRef>
+      <a:effectRef idx="0">
+        <a:scrgbClr r="0" g="0" b="0"/>
+      </a:effectRef>
+      <a:fontRef idx="minor"/>
+    </dgm:style>
+  </dgm:styleLbl>
+  <dgm:styleLbl name="solidFgAcc1">
+    <dgm:scene3d>
+      <a:camera prst="orthographicFront"/>
+      <a:lightRig rig="threePt" dir="t"/>
+    </dgm:scene3d>
+    <dgm:sp3d/>
+    <dgm:txPr/>
+    <dgm:style>
+      <a:lnRef idx="2">
+        <a:scrgbClr r="0" g="0" b="0"/>
+      </a:lnRef>
+      <a:fillRef idx="1">
+        <a:scrgbClr r="0" g="0" b="0"/>
+      </a:fillRef>
+      <a:effectRef idx="0">
+        <a:scrgbClr r="0" g="0" b="0"/>
+      </a:effectRef>
+      <a:fontRef idx="minor"/>
+    </dgm:style>
+  </dgm:styleLbl>
+  <dgm:styleLbl name="solidAlignAcc1">
+    <dgm:scene3d>
+      <a:camera prst="orthographicFront"/>
+      <a:lightRig rig="threePt" dir="t"/>
+    </dgm:scene3d>
+    <dgm:sp3d/>
+    <dgm:txPr/>
+    <dgm:style>
+      <a:lnRef idx="2">
+        <a:scrgbClr r="0" g="0" b="0"/>
+      </a:lnRef>
+      <a:fillRef idx="1">
+        <a:scrgbClr r="0" g="0" b="0"/>
+      </a:fillRef>
+      <a:effectRef idx="0">
+        <a:scrgbClr r="0" g="0" b="0"/>
+      </a:effectRef>
+      <a:fontRef idx="minor"/>
+    </dgm:style>
+  </dgm:styleLbl>
+  <dgm:styleLbl name="solidBgAcc1">
+    <dgm:scene3d>
+      <a:camera prst="orthographicFront"/>
+      <a:lightRig rig="threePt" dir="t"/>
+    </dgm:scene3d>
+    <dgm:sp3d/>
+    <dgm:txPr/>
+    <dgm:style>
+      <a:lnRef idx="2">
+        <a:scrgbClr r="0" g="0" b="0"/>
+      </a:lnRef>
+      <a:fillRef idx="1">
+        <a:scrgbClr r="0" g="0" b="0"/>
+      </a:fillRef>
+      <a:effectRef idx="0">
+        <a:scrgbClr r="0" g="0" b="0"/>
+      </a:effectRef>
+      <a:fontRef idx="minor"/>
+    </dgm:style>
+  </dgm:styleLbl>
+  <dgm:styleLbl name="fgAccFollowNode1">
+    <dgm:scene3d>
+      <a:camera prst="orthographicFront"/>
+      <a:lightRig rig="threePt" dir="t"/>
+    </dgm:scene3d>
+    <dgm:sp3d/>
+    <dgm:txPr/>
+    <dgm:style>
+      <a:lnRef idx="2">
+        <a:scrgbClr r="0" g="0" b="0"/>
+      </a:lnRef>
+      <a:fillRef idx="1">
+        <a:scrgbClr r="0" g="0" b="0"/>
+      </a:fillRef>
+      <a:effectRef idx="0">
+        <a:scrgbClr r="0" g="0" b="0"/>
+      </a:effectRef>
+      <a:fontRef idx="minor"/>
+    </dgm:style>
+  </dgm:styleLbl>
+  <dgm:styleLbl name="alignAccFollowNode1">
+    <dgm:scene3d>
+      <a:camera prst="orthographicFront"/>
+      <a:lightRig rig="threePt" dir="t"/>
+    </dgm:scene3d>
+    <dgm:sp3d/>
+    <dgm:txPr/>
+    <dgm:style>
+      <a:lnRef idx="2">
+        <a:scrgbClr r="0" g="0" b="0"/>
+      </a:lnRef>
+      <a:fillRef idx="1">
+        <a:scrgbClr r="0" g="0" b="0"/>
+      </a:fillRef>
+      <a:effectRef idx="0">
+        <a:scrgbClr r="0" g="0" b="0"/>
+      </a:effectRef>
+      <a:fontRef idx="minor"/>
+    </dgm:style>
+  </dgm:styleLbl>
+  <dgm:styleLbl name="bgAccFollowNode1">
+    <dgm:scene3d>
+      <a:camera prst="orthographicFront"/>
+      <a:lightRig rig="threePt" dir="t"/>
+    </dgm:scene3d>
+    <dgm:sp3d/>
+    <dgm:txPr/>
+    <dgm:style>
+      <a:lnRef idx="2">
+        <a:scrgbClr r="0" g="0" b="0"/>
+      </a:lnRef>
+      <a:fillRef idx="1">
+        <a:scrgbClr r="0" g="0" b="0"/>
+      </a:fillRef>
+      <a:effectRef idx="0">
+        <a:scrgbClr r="0" g="0" b="0"/>
+      </a:effectRef>
+      <a:fontRef idx="minor"/>
+    </dgm:style>
+  </dgm:styleLbl>
+  <dgm:styleLbl name="fgAcc0">
+    <dgm:scene3d>
+      <a:camera prst="orthographicFront"/>
+      <a:lightRig rig="threePt" dir="t"/>
+    </dgm:scene3d>
+    <dgm:sp3d/>
+    <dgm:txPr/>
+    <dgm:style>
+      <a:lnRef idx="2">
+        <a:scrgbClr r="0" g="0" b="0"/>
+      </a:lnRef>
+      <a:fillRef idx="1">
+        <a:scrgbClr r="0" g="0" b="0"/>
+      </a:fillRef>
+      <a:effectRef idx="0">
+        <a:scrgbClr r="0" g="0" b="0"/>
+      </a:effectRef>
+      <a:fontRef idx="minor"/>
+    </dgm:style>
+  </dgm:styleLbl>
+  <dgm:styleLbl name="fgAcc2">
+    <dgm:scene3d>
+      <a:camera prst="orthographicFront"/>
+      <a:lightRig rig="threePt" dir="t"/>
+    </dgm:scene3d>
+    <dgm:sp3d/>
+    <dgm:txPr/>
+    <dgm:style>
+      <a:lnRef idx="2">
+        <a:scrgbClr r="0" g="0" b="0"/>
+      </a:lnRef>
+      <a:fillRef idx="1">
+        <a:scrgbClr r="0" g="0" b="0"/>
+      </a:fillRef>
+      <a:effectRef idx="0">
+        <a:scrgbClr r="0" g="0" b="0"/>
+      </a:effectRef>
+      <a:fontRef idx="minor"/>
+    </dgm:style>
+  </dgm:styleLbl>
+  <dgm:styleLbl name="fgAcc3">
+    <dgm:scene3d>
+      <a:camera prst="orthographicFront"/>
+      <a:lightRig rig="threePt" dir="t"/>
+    </dgm:scene3d>
+    <dgm:sp3d/>
+    <dgm:txPr/>
+    <dgm:style>
+      <a:lnRef idx="2">
+        <a:scrgbClr r="0" g="0" b="0"/>
+      </a:lnRef>
+      <a:fillRef idx="1">
+        <a:scrgbClr r="0" g="0" b="0"/>
+      </a:fillRef>
+      <a:effectRef idx="0">
+        <a:scrgbClr r="0" g="0" b="0"/>
+      </a:effectRef>
+      <a:fontRef idx="minor"/>
+    </dgm:style>
+  </dgm:styleLbl>
+  <dgm:styleLbl name="fgAcc4">
+    <dgm:scene3d>
+      <a:camera prst="orthographicFront"/>
+      <a:lightRig rig="threePt" dir="t"/>
+    </dgm:scene3d>
+    <dgm:sp3d/>
+    <dgm:txPr/>
+    <dgm:style>
+      <a:lnRef idx="2">
+        <a:scrgbClr r="0" g="0" b="0"/>
+      </a:lnRef>
+      <a:fillRef idx="1">
+        <a:scrgbClr r="0" g="0" b="0"/>
+      </a:fillRef>
+      <a:effectRef idx="0">
+        <a:scrgbClr r="0" g="0" b="0"/>
+      </a:effectRef>
+      <a:fontRef idx="minor"/>
+    </dgm:style>
+  </dgm:styleLbl>
+  <dgm:styleLbl name="bgShp">
+    <dgm:scene3d>
+      <a:camera prst="orthographicFront"/>
+      <a:lightRig rig="threePt" dir="t"/>
+    </dgm:scene3d>
+    <dgm:sp3d/>
+    <dgm:txPr/>
+    <dgm:style>
+      <a:lnRef idx="0">
+        <a:scrgbClr r="0" g="0" b="0"/>
+      </a:lnRef>
+      <a:fillRef idx="1">
+        <a:scrgbClr r="0" g="0" b="0"/>
+      </a:fillRef>
+      <a:effectRef idx="0">
+        <a:scrgbClr r="0" g="0" b="0"/>
+      </a:effectRef>
+      <a:fontRef idx="minor"/>
+    </dgm:style>
+  </dgm:styleLbl>
+  <dgm:styleLbl name="dkBgShp">
+    <dgm:scene3d>
+      <a:camera prst="orthographicFront"/>
+      <a:lightRig rig="threePt" dir="t"/>
+    </dgm:scene3d>
+    <dgm:sp3d/>
+    <dgm:txPr/>
+    <dgm:style>
+      <a:lnRef idx="0">
+        <a:scrgbClr r="0" g="0" b="0"/>
+      </a:lnRef>
+      <a:fillRef idx="1">
+        <a:scrgbClr r="0" g="0" b="0"/>
+      </a:fillRef>
+      <a:effectRef idx="0">
+        <a:scrgbClr r="0" g="0" b="0"/>
+      </a:effectRef>
+      <a:fontRef idx="minor"/>
+    </dgm:style>
+  </dgm:styleLbl>
+  <dgm:styleLbl name="trBgShp">
+    <dgm:scene3d>
+      <a:camera prst="orthographicFront"/>
+      <a:lightRig rig="threePt" dir="t"/>
+    </dgm:scene3d>
+    <dgm:sp3d/>
+    <dgm:txPr/>
+    <dgm:style>
+      <a:lnRef idx="0">
+        <a:scrgbClr r="0" g="0" b="0"/>
+      </a:lnRef>
+      <a:fillRef idx="1">
+        <a:scrgbClr r="0" g="0" b="0"/>
+      </a:fillRef>
+      <a:effectRef idx="0">
+        <a:scrgbClr r="0" g="0" b="0"/>
+      </a:effectRef>
+      <a:fontRef idx="minor"/>
+    </dgm:style>
+  </dgm:styleLbl>
+  <dgm:styleLbl name="fgShp">
+    <dgm:scene3d>
+      <a:camera prst="orthographicFront"/>
+      <a:lightRig rig="threePt" dir="t"/>
+    </dgm:scene3d>
+    <dgm:sp3d/>
+    <dgm:txPr/>
+    <dgm:style>
+      <a:lnRef idx="2">
+        <a:scrgbClr r="0" g="0" b="0"/>
+      </a:lnRef>
+      <a:fillRef idx="1">
+        <a:scrgbClr r="0" g="0" b="0"/>
+      </a:fillRef>
+      <a:effectRef idx="0">
+        <a:scrgbClr r="0" g="0" b="0"/>
+      </a:effectRef>
+      <a:fontRef idx="minor"/>
+    </dgm:style>
+  </dgm:styleLbl>
+  <dgm:styleLbl name="revTx">
+    <dgm:scene3d>
+      <a:camera prst="orthographicFront"/>
+      <a:lightRig rig="threePt" dir="t"/>
+    </dgm:scene3d>
+    <dgm:sp3d/>
+    <dgm:txPr/>
+    <dgm:style>
+      <a:lnRef idx="0">
+        <a:scrgbClr r="0" g="0" b="0"/>
+      </a:lnRef>
+      <a:fillRef idx="0">
+        <a:scrgbClr r="0" g="0" b="0"/>
+      </a:fillRef>
+      <a:effectRef idx="0">
+        <a:scrgbClr r="0" g="0" b="0"/>
+      </a:effectRef>
+      <a:fontRef idx="minor"/>
+    </dgm:style>
+  </dgm:styleLbl>
+</dgm:styleDef>
+</file>
+
 <file path=ppt/slideLayouts/slideLayout1.xml><?xml version="1.0" encoding="utf-8"?>
 <p:sldLayout xmlns:a="http://schemas.openxmlformats.org/drawingml/2006/main" xmlns:r="http://schemas.openxmlformats.org/officeDocument/2006/relationships" xmlns:p="http://schemas.openxmlformats.org/presentationml/2006/main" type="title" preserve="1">
   <p:cSld name="Titeldia">
@@ -29282,7 +35086,7 @@
           <a:p>
             <a:fld id="{EEBF9BA7-190A-4C1B-A0F5-6182826AF7D8}" type="datetimeFigureOut">
               <a:rPr lang="en-GB" smtClean="0"/>
-              <a:t>16/11/2021</a:t>
+              <a:t>18/11/2021</a:t>
             </a:fld>
             <a:endParaRPr lang="en-GB"/>
           </a:p>
@@ -29482,7 +35286,7 @@
           <a:p>
             <a:fld id="{EEBF9BA7-190A-4C1B-A0F5-6182826AF7D8}" type="datetimeFigureOut">
               <a:rPr lang="en-GB" smtClean="0"/>
-              <a:t>16/11/2021</a:t>
+              <a:t>18/11/2021</a:t>
             </a:fld>
             <a:endParaRPr lang="en-GB"/>
           </a:p>
@@ -29692,7 +35496,7 @@
           <a:p>
             <a:fld id="{EEBF9BA7-190A-4C1B-A0F5-6182826AF7D8}" type="datetimeFigureOut">
               <a:rPr lang="en-GB" smtClean="0"/>
-              <a:t>16/11/2021</a:t>
+              <a:t>18/11/2021</a:t>
             </a:fld>
             <a:endParaRPr lang="en-GB"/>
           </a:p>
@@ -29892,7 +35696,7 @@
           <a:p>
             <a:fld id="{EEBF9BA7-190A-4C1B-A0F5-6182826AF7D8}" type="datetimeFigureOut">
               <a:rPr lang="en-GB" smtClean="0"/>
-              <a:t>16/11/2021</a:t>
+              <a:t>18/11/2021</a:t>
             </a:fld>
             <a:endParaRPr lang="en-GB"/>
           </a:p>
@@ -30168,7 +35972,7 @@
           <a:p>
             <a:fld id="{EEBF9BA7-190A-4C1B-A0F5-6182826AF7D8}" type="datetimeFigureOut">
               <a:rPr lang="en-GB" smtClean="0"/>
-              <a:t>16/11/2021</a:t>
+              <a:t>18/11/2021</a:t>
             </a:fld>
             <a:endParaRPr lang="en-GB"/>
           </a:p>
@@ -30436,7 +36240,7 @@
           <a:p>
             <a:fld id="{EEBF9BA7-190A-4C1B-A0F5-6182826AF7D8}" type="datetimeFigureOut">
               <a:rPr lang="en-GB" smtClean="0"/>
-              <a:t>16/11/2021</a:t>
+              <a:t>18/11/2021</a:t>
             </a:fld>
             <a:endParaRPr lang="en-GB"/>
           </a:p>
@@ -30851,7 +36655,7 @@
           <a:p>
             <a:fld id="{EEBF9BA7-190A-4C1B-A0F5-6182826AF7D8}" type="datetimeFigureOut">
               <a:rPr lang="en-GB" smtClean="0"/>
-              <a:t>16/11/2021</a:t>
+              <a:t>18/11/2021</a:t>
             </a:fld>
             <a:endParaRPr lang="en-GB"/>
           </a:p>
@@ -30993,7 +36797,7 @@
           <a:p>
             <a:fld id="{EEBF9BA7-190A-4C1B-A0F5-6182826AF7D8}" type="datetimeFigureOut">
               <a:rPr lang="en-GB" smtClean="0"/>
-              <a:t>16/11/2021</a:t>
+              <a:t>18/11/2021</a:t>
             </a:fld>
             <a:endParaRPr lang="en-GB"/>
           </a:p>
@@ -31106,7 +36910,7 @@
           <a:p>
             <a:fld id="{EEBF9BA7-190A-4C1B-A0F5-6182826AF7D8}" type="datetimeFigureOut">
               <a:rPr lang="en-GB" smtClean="0"/>
-              <a:t>16/11/2021</a:t>
+              <a:t>18/11/2021</a:t>
             </a:fld>
             <a:endParaRPr lang="en-GB"/>
           </a:p>
@@ -31419,7 +37223,7 @@
           <a:p>
             <a:fld id="{EEBF9BA7-190A-4C1B-A0F5-6182826AF7D8}" type="datetimeFigureOut">
               <a:rPr lang="en-GB" smtClean="0"/>
-              <a:t>16/11/2021</a:t>
+              <a:t>18/11/2021</a:t>
             </a:fld>
             <a:endParaRPr lang="en-GB"/>
           </a:p>
@@ -31708,7 +37512,7 @@
           <a:p>
             <a:fld id="{EEBF9BA7-190A-4C1B-A0F5-6182826AF7D8}" type="datetimeFigureOut">
               <a:rPr lang="en-GB" smtClean="0"/>
-              <a:t>16/11/2021</a:t>
+              <a:t>18/11/2021</a:t>
             </a:fld>
             <a:endParaRPr lang="en-GB"/>
           </a:p>
@@ -31951,7 +37755,7 @@
           <a:p>
             <a:fld id="{EEBF9BA7-190A-4C1B-A0F5-6182826AF7D8}" type="datetimeFigureOut">
               <a:rPr lang="en-GB" smtClean="0"/>
-              <a:t>16/11/2021</a:t>
+              <a:t>18/11/2021</a:t>
             </a:fld>
             <a:endParaRPr lang="en-GB"/>
           </a:p>
@@ -32672,6 +38476,67 @@
       </p:grpSpPr>
       <p:graphicFrame>
         <p:nvGraphicFramePr>
+          <p:cNvPr id="4" name="Tijdelijke aanduiding voor inhoud 3">
+            <a:extLst>
+              <a:ext uri="{FF2B5EF4-FFF2-40B4-BE49-F238E27FC236}">
+                <a16:creationId xmlns:a16="http://schemas.microsoft.com/office/drawing/2014/main" id="{DE867EB6-E2C6-4A2F-8C6E-F32FB770E5D8}"/>
+              </a:ext>
+            </a:extLst>
+          </p:cNvPr>
+          <p:cNvGraphicFramePr>
+            <a:graphicFrameLocks noGrp="1"/>
+          </p:cNvGraphicFramePr>
+          <p:nvPr>
+            <p:ph idx="1"/>
+            <p:extLst>
+              <p:ext uri="{D42A27DB-BD31-4B8C-83A1-F6EECF244321}">
+                <p14:modId xmlns:p14="http://schemas.microsoft.com/office/powerpoint/2010/main" val="2095797499"/>
+              </p:ext>
+            </p:extLst>
+          </p:nvPr>
+        </p:nvGraphicFramePr>
+        <p:xfrm>
+          <a:off x="0" y="0"/>
+          <a:ext cx="12192000" cy="6858000"/>
+        </p:xfrm>
+        <a:graphic>
+          <a:graphicData uri="http://schemas.openxmlformats.org/drawingml/2006/diagram">
+            <dgm:relIds xmlns:dgm="http://schemas.openxmlformats.org/drawingml/2006/diagram" xmlns:r="http://schemas.openxmlformats.org/officeDocument/2006/relationships" r:dm="rId2" r:lo="rId3" r:qs="rId4" r:cs="rId5"/>
+          </a:graphicData>
+        </a:graphic>
+      </p:graphicFrame>
+    </p:spTree>
+    <p:extLst>
+      <p:ext uri="{BB962C8B-B14F-4D97-AF65-F5344CB8AC3E}">
+        <p14:creationId xmlns:p14="http://schemas.microsoft.com/office/powerpoint/2010/main" val="1994949319"/>
+      </p:ext>
+    </p:extLst>
+  </p:cSld>
+  <p:clrMapOvr>
+    <a:masterClrMapping/>
+  </p:clrMapOvr>
+</p:sld>
+</file>
+
+<file path=ppt/slides/slide7.xml><?xml version="1.0" encoding="utf-8"?>
+<p:sld xmlns:a="http://schemas.openxmlformats.org/drawingml/2006/main" xmlns:r="http://schemas.openxmlformats.org/officeDocument/2006/relationships" xmlns:p="http://schemas.openxmlformats.org/presentationml/2006/main">
+  <p:cSld>
+    <p:spTree>
+      <p:nvGrpSpPr>
+        <p:cNvPr id="1" name=""/>
+        <p:cNvGrpSpPr/>
+        <p:nvPr/>
+      </p:nvGrpSpPr>
+      <p:grpSpPr>
+        <a:xfrm>
+          <a:off x="0" y="0"/>
+          <a:ext cx="0" cy="0"/>
+          <a:chOff x="0" y="0"/>
+          <a:chExt cx="0" cy="0"/>
+        </a:xfrm>
+      </p:grpSpPr>
+      <p:graphicFrame>
+        <p:nvGraphicFramePr>
           <p:cNvPr id="4" name="Diagram 3">
             <a:extLst>
               <a:ext uri="{FF2B5EF4-FFF2-40B4-BE49-F238E27FC236}">
